--- a/Full Stack/SQL/Mini Project/SQL Mini Project.pptx
+++ b/Full Stack/SQL/Mini Project/SQL Mini Project.pptx
@@ -6,10 +6,10 @@
     <p:sldMasterId id="2147483660" r:id="rId2"/>
   </p:sldMasterIdLst>
   <p:notesMasterIdLst>
-    <p:notesMasterId r:id="rId13"/>
+    <p:notesMasterId r:id="rId22"/>
   </p:notesMasterIdLst>
   <p:handoutMasterIdLst>
-    <p:handoutMasterId r:id="rId14"/>
+    <p:handoutMasterId r:id="rId23"/>
   </p:handoutMasterIdLst>
   <p:sldIdLst>
     <p:sldId id="357" r:id="rId3"/>
@@ -21,7 +21,16 @@
     <p:sldId id="372" r:id="rId9"/>
     <p:sldId id="373" r:id="rId10"/>
     <p:sldId id="374" r:id="rId11"/>
-    <p:sldId id="368" r:id="rId12"/>
+    <p:sldId id="376" r:id="rId12"/>
+    <p:sldId id="375" r:id="rId13"/>
+    <p:sldId id="377" r:id="rId14"/>
+    <p:sldId id="378" r:id="rId15"/>
+    <p:sldId id="379" r:id="rId16"/>
+    <p:sldId id="380" r:id="rId17"/>
+    <p:sldId id="381" r:id="rId18"/>
+    <p:sldId id="382" r:id="rId19"/>
+    <p:sldId id="383" r:id="rId20"/>
+    <p:sldId id="368" r:id="rId21"/>
   </p:sldIdLst>
   <p:sldSz cx="9144000" cy="5143500" type="screen16x9"/>
   <p:notesSz cx="6858000" cy="9144000"/>
@@ -237,6 +246,15 @@
             <p14:sldId id="372"/>
             <p14:sldId id="373"/>
             <p14:sldId id="374"/>
+            <p14:sldId id="376"/>
+            <p14:sldId id="375"/>
+            <p14:sldId id="377"/>
+            <p14:sldId id="378"/>
+            <p14:sldId id="379"/>
+            <p14:sldId id="380"/>
+            <p14:sldId id="381"/>
+            <p14:sldId id="382"/>
+            <p14:sldId id="383"/>
             <p14:sldId id="368"/>
           </p14:sldIdLst>
         </p14:section>
@@ -342,7 +360,7 @@
           <a:p>
             <a:fld id="{0F9B84EA-7D68-4D60-9CB1-D50884785D1C}" type="datetimeFigureOut">
               <a:rPr lang="zh-CN" altLang="en-US" smtClean="0"/>
-              <a:t>2024/2/28</a:t>
+              <a:t>2024/2/29</a:t>
             </a:fld>
             <a:endParaRPr lang="zh-CN" altLang="en-US"/>
           </a:p>
@@ -506,7 +524,7 @@
           <a:p>
             <a:fld id="{D2A48B96-639E-45A3-A0BA-2464DFDB1FAA}" type="datetimeFigureOut">
               <a:rPr lang="zh-CN" altLang="en-US" smtClean="0"/>
-              <a:t>2024/2/28</a:t>
+              <a:t>2024/2/29</a:t>
             </a:fld>
             <a:endParaRPr lang="zh-CN" altLang="en-US"/>
           </a:p>
@@ -8554,6 +8572,5923 @@
 <file path=ppt/slides/slide10.xml><?xml version="1.0" encoding="utf-8"?>
 <p:sld xmlns:a="http://schemas.openxmlformats.org/drawingml/2006/main" xmlns:r="http://schemas.openxmlformats.org/officeDocument/2006/relationships" xmlns:p="http://schemas.openxmlformats.org/presentationml/2006/main">
   <p:cSld>
+    <p:spTree>
+      <p:nvGrpSpPr>
+        <p:cNvPr id="1" name=""/>
+        <p:cNvGrpSpPr/>
+        <p:nvPr/>
+      </p:nvGrpSpPr>
+      <p:grpSpPr>
+        <a:xfrm>
+          <a:off x="0" y="0"/>
+          <a:ext cx="0" cy="0"/>
+          <a:chOff x="0" y="0"/>
+          <a:chExt cx="0" cy="0"/>
+        </a:xfrm>
+      </p:grpSpPr>
+      <p:sp>
+        <p:nvSpPr>
+          <p:cNvPr id="3" name="直角三角形 2"/>
+          <p:cNvSpPr/>
+          <p:nvPr/>
+        </p:nvSpPr>
+        <p:spPr>
+          <a:xfrm rot="5400000">
+            <a:off x="-19050" y="-12700"/>
+            <a:ext cx="1409700" cy="1409700"/>
+          </a:xfrm>
+          <a:prstGeom prst="rtTriangle">
+            <a:avLst/>
+          </a:prstGeom>
+          <a:solidFill>
+            <a:srgbClr val="002748"/>
+          </a:solidFill>
+          <a:ln>
+            <a:noFill/>
+          </a:ln>
+        </p:spPr>
+        <p:style>
+          <a:lnRef idx="2">
+            <a:schemeClr val="accent1">
+              <a:shade val="50000"/>
+            </a:schemeClr>
+          </a:lnRef>
+          <a:fillRef idx="1">
+            <a:schemeClr val="accent1"/>
+          </a:fillRef>
+          <a:effectRef idx="0">
+            <a:schemeClr val="accent1"/>
+          </a:effectRef>
+          <a:fontRef idx="minor">
+            <a:schemeClr val="lt1"/>
+          </a:fontRef>
+        </p:style>
+        <p:txBody>
+          <a:bodyPr rtlCol="0" anchor="ctr"/>
+          <a:lstStyle/>
+          <a:p>
+            <a:pPr algn="ctr" fontAlgn="base"/>
+            <a:endParaRPr lang="zh-CN" altLang="en-US" strike="noStrike" noProof="1">
+              <a:ea typeface="Arial Unicode MS" panose="020B0604020202020204" charset="-122"/>
+            </a:endParaRPr>
+          </a:p>
+        </p:txBody>
+      </p:sp>
+      <p:sp>
+        <p:nvSpPr>
+          <p:cNvPr id="8" name="直角三角形 7"/>
+          <p:cNvSpPr/>
+          <p:nvPr/>
+        </p:nvSpPr>
+        <p:spPr>
+          <a:xfrm rot="16200000">
+            <a:off x="8384381" y="4396581"/>
+            <a:ext cx="782638" cy="781050"/>
+          </a:xfrm>
+          <a:prstGeom prst="rtTriangle">
+            <a:avLst/>
+          </a:prstGeom>
+          <a:solidFill>
+            <a:srgbClr val="002748"/>
+          </a:solidFill>
+          <a:ln>
+            <a:noFill/>
+          </a:ln>
+        </p:spPr>
+        <p:style>
+          <a:lnRef idx="2">
+            <a:schemeClr val="accent1">
+              <a:shade val="50000"/>
+            </a:schemeClr>
+          </a:lnRef>
+          <a:fillRef idx="1">
+            <a:schemeClr val="accent1"/>
+          </a:fillRef>
+          <a:effectRef idx="0">
+            <a:schemeClr val="accent1"/>
+          </a:effectRef>
+          <a:fontRef idx="minor">
+            <a:schemeClr val="lt1"/>
+          </a:fontRef>
+        </p:style>
+        <p:txBody>
+          <a:bodyPr rtlCol="0" anchor="ctr"/>
+          <a:lstStyle/>
+          <a:p>
+            <a:pPr algn="ctr" fontAlgn="base"/>
+            <a:endParaRPr lang="zh-CN" altLang="en-US" strike="noStrike" noProof="1">
+              <a:ea typeface="Arial Unicode MS" panose="020B0604020202020204" charset="-122"/>
+            </a:endParaRPr>
+          </a:p>
+        </p:txBody>
+      </p:sp>
+      <p:sp>
+        <p:nvSpPr>
+          <p:cNvPr id="23" name="文本框 2"/>
+          <p:cNvSpPr txBox="1"/>
+          <p:nvPr/>
+        </p:nvSpPr>
+        <p:spPr>
+          <a:xfrm>
+            <a:off x="2169676" y="361751"/>
+            <a:ext cx="4741663" cy="605989"/>
+          </a:xfrm>
+          <a:prstGeom prst="rect">
+            <a:avLst/>
+          </a:prstGeom>
+          <a:noFill/>
+          <a:ln w="9525">
+            <a:noFill/>
+          </a:ln>
+        </p:spPr>
+        <p:txBody>
+          <a:bodyPr wrap="square" anchor="t">
+            <a:spAutoFit/>
+          </a:bodyPr>
+          <a:lstStyle/>
+          <a:p>
+            <a:pPr algn="ctr"/>
+            <a:r>
+              <a:rPr lang="en-US" altLang="zh-CN" sz="3200" b="1" dirty="0" smtClean="0">
+                <a:solidFill>
+                  <a:srgbClr val="FF9900"/>
+                </a:solidFill>
+                <a:latin typeface="Arial Unicode MS" panose="020B0604020202020204" charset="-122"/>
+                <a:ea typeface="Arial Unicode MS" panose="020B0604020202020204" charset="-122"/>
+              </a:rPr>
+              <a:t>MySQL Main Commands</a:t>
+            </a:r>
+            <a:endParaRPr lang="en-US" altLang="zh-CN" sz="3200" b="1" dirty="0">
+              <a:solidFill>
+                <a:srgbClr val="FF9900"/>
+              </a:solidFill>
+              <a:latin typeface="Arial Unicode MS" panose="020B0604020202020204" charset="-122"/>
+              <a:ea typeface="Arial Unicode MS" panose="020B0604020202020204" charset="-122"/>
+            </a:endParaRPr>
+          </a:p>
+        </p:txBody>
+      </p:sp>
+      <p:sp>
+        <p:nvSpPr>
+          <p:cNvPr id="6" name="文本框 2"/>
+          <p:cNvSpPr txBox="1"/>
+          <p:nvPr/>
+        </p:nvSpPr>
+        <p:spPr>
+          <a:xfrm>
+            <a:off x="609599" y="1135380"/>
+            <a:ext cx="2933701" cy="400110"/>
+          </a:xfrm>
+          <a:prstGeom prst="rect">
+            <a:avLst/>
+          </a:prstGeom>
+          <a:noFill/>
+          <a:ln w="9525">
+            <a:noFill/>
+          </a:ln>
+        </p:spPr>
+        <p:txBody>
+          <a:bodyPr wrap="square" anchor="t">
+            <a:spAutoFit/>
+          </a:bodyPr>
+          <a:lstStyle/>
+          <a:p>
+            <a:r>
+              <a:rPr lang="en-US" altLang="zh-CN" sz="2000" b="1" dirty="0" smtClean="0">
+                <a:solidFill>
+                  <a:srgbClr val="FF9900"/>
+                </a:solidFill>
+                <a:latin typeface="Arial Unicode MS" panose="020B0604020202020204" charset="-122"/>
+                <a:ea typeface="Arial Unicode MS" panose="020B0604020202020204" charset="-122"/>
+              </a:rPr>
+              <a:t>Drop </a:t>
+            </a:r>
+            <a:r>
+              <a:rPr lang="en-US" altLang="zh-CN" sz="2000" b="1" dirty="0" smtClean="0">
+                <a:solidFill>
+                  <a:srgbClr val="FF9900"/>
+                </a:solidFill>
+                <a:latin typeface="Arial Unicode MS" panose="020B0604020202020204" charset="-122"/>
+                <a:ea typeface="Arial Unicode MS" panose="020B0604020202020204" charset="-122"/>
+              </a:rPr>
+              <a:t>Table Query</a:t>
+            </a:r>
+            <a:endParaRPr lang="en-US" altLang="zh-CN" sz="2000" b="1" dirty="0">
+              <a:solidFill>
+                <a:srgbClr val="FF9900"/>
+              </a:solidFill>
+              <a:latin typeface="Arial Unicode MS" panose="020B0604020202020204" charset="-122"/>
+              <a:ea typeface="Arial Unicode MS" panose="020B0604020202020204" charset="-122"/>
+            </a:endParaRPr>
+          </a:p>
+        </p:txBody>
+      </p:sp>
+      <p:sp>
+        <p:nvSpPr>
+          <p:cNvPr id="2" name="TextBox 1"/>
+          <p:cNvSpPr txBox="1"/>
+          <p:nvPr/>
+        </p:nvSpPr>
+        <p:spPr>
+          <a:xfrm>
+            <a:off x="609599" y="1691640"/>
+            <a:ext cx="3710940" cy="369332"/>
+          </a:xfrm>
+          <a:prstGeom prst="rect">
+            <a:avLst/>
+          </a:prstGeom>
+          <a:noFill/>
+        </p:spPr>
+        <p:txBody>
+          <a:bodyPr wrap="square" rtlCol="0">
+            <a:spAutoFit/>
+          </a:bodyPr>
+          <a:lstStyle/>
+          <a:p>
+            <a:r>
+              <a:rPr lang="en-US" dirty="0" smtClean="0"/>
+              <a:t>drop </a:t>
+            </a:r>
+            <a:r>
+              <a:rPr lang="en-US" dirty="0" smtClean="0"/>
+              <a:t>table </a:t>
+            </a:r>
+            <a:r>
+              <a:rPr lang="en-US" dirty="0" err="1" smtClean="0"/>
+              <a:t>dummy_table</a:t>
+            </a:r>
+            <a:r>
+              <a:rPr lang="en-US" dirty="0" smtClean="0"/>
+              <a:t>;</a:t>
+            </a:r>
+            <a:endParaRPr lang="en-IN" dirty="0"/>
+          </a:p>
+        </p:txBody>
+      </p:sp>
+      <p:sp>
+        <p:nvSpPr>
+          <p:cNvPr id="9" name="文本框 2"/>
+          <p:cNvSpPr txBox="1"/>
+          <p:nvPr/>
+        </p:nvSpPr>
+        <p:spPr>
+          <a:xfrm>
+            <a:off x="609599" y="2746743"/>
+            <a:ext cx="4961861" cy="400110"/>
+          </a:xfrm>
+          <a:prstGeom prst="rect">
+            <a:avLst/>
+          </a:prstGeom>
+          <a:noFill/>
+          <a:ln w="9525">
+            <a:noFill/>
+          </a:ln>
+        </p:spPr>
+        <p:txBody>
+          <a:bodyPr wrap="square" anchor="t">
+            <a:spAutoFit/>
+          </a:bodyPr>
+          <a:lstStyle/>
+          <a:p>
+            <a:r>
+              <a:rPr lang="en-US" altLang="zh-CN" sz="2000" b="1" dirty="0" smtClean="0">
+                <a:solidFill>
+                  <a:srgbClr val="FF9900"/>
+                </a:solidFill>
+                <a:latin typeface="Arial Unicode MS" panose="020B0604020202020204" charset="-122"/>
+                <a:ea typeface="Arial Unicode MS" panose="020B0604020202020204" charset="-122"/>
+              </a:rPr>
+              <a:t>Alter Table (for new column creation)</a:t>
+            </a:r>
+            <a:endParaRPr lang="en-US" altLang="zh-CN" sz="2000" b="1" dirty="0">
+              <a:solidFill>
+                <a:srgbClr val="FF9900"/>
+              </a:solidFill>
+              <a:latin typeface="Arial Unicode MS" panose="020B0604020202020204" charset="-122"/>
+              <a:ea typeface="Arial Unicode MS" panose="020B0604020202020204" charset="-122"/>
+            </a:endParaRPr>
+          </a:p>
+        </p:txBody>
+      </p:sp>
+      <p:sp>
+        <p:nvSpPr>
+          <p:cNvPr id="10" name="TextBox 9"/>
+          <p:cNvSpPr txBox="1"/>
+          <p:nvPr/>
+        </p:nvSpPr>
+        <p:spPr>
+          <a:xfrm>
+            <a:off x="609599" y="3270809"/>
+            <a:ext cx="7095462" cy="369332"/>
+          </a:xfrm>
+          <a:prstGeom prst="rect">
+            <a:avLst/>
+          </a:prstGeom>
+          <a:noFill/>
+        </p:spPr>
+        <p:txBody>
+          <a:bodyPr wrap="square" rtlCol="0">
+            <a:spAutoFit/>
+          </a:bodyPr>
+          <a:lstStyle/>
+          <a:p>
+            <a:r>
+              <a:rPr lang="en-US" dirty="0"/>
+              <a:t>alter table </a:t>
+            </a:r>
+            <a:r>
+              <a:rPr lang="en-US" dirty="0" err="1"/>
+              <a:t>emp_details</a:t>
+            </a:r>
+            <a:r>
+              <a:rPr lang="en-US" dirty="0"/>
+              <a:t> add column </a:t>
+            </a:r>
+            <a:r>
+              <a:rPr lang="en-US" dirty="0" err="1"/>
+              <a:t>new_column</a:t>
+            </a:r>
+            <a:r>
+              <a:rPr lang="en-US" dirty="0"/>
+              <a:t> varchar(20);</a:t>
+            </a:r>
+            <a:endParaRPr lang="en-IN" dirty="0"/>
+          </a:p>
+        </p:txBody>
+      </p:sp>
+      <p:pic>
+        <p:nvPicPr>
+          <p:cNvPr id="5" name="Picture 4"/>
+          <p:cNvPicPr>
+            <a:picLocks noChangeAspect="1"/>
+          </p:cNvPicPr>
+          <p:nvPr/>
+        </p:nvPicPr>
+        <p:blipFill>
+          <a:blip r:embed="rId2"/>
+          <a:stretch>
+            <a:fillRect/>
+          </a:stretch>
+        </p:blipFill>
+        <p:spPr>
+          <a:xfrm>
+            <a:off x="655850" y="2323133"/>
+            <a:ext cx="6965284" cy="160034"/>
+          </a:xfrm>
+          <a:prstGeom prst="rect">
+            <a:avLst/>
+          </a:prstGeom>
+        </p:spPr>
+      </p:pic>
+      <p:pic>
+        <p:nvPicPr>
+          <p:cNvPr id="7" name="Picture 6"/>
+          <p:cNvPicPr>
+            <a:picLocks noChangeAspect="1"/>
+          </p:cNvPicPr>
+          <p:nvPr/>
+        </p:nvPicPr>
+        <p:blipFill>
+          <a:blip r:embed="rId3"/>
+          <a:stretch>
+            <a:fillRect/>
+          </a:stretch>
+        </p:blipFill>
+        <p:spPr>
+          <a:xfrm>
+            <a:off x="655850" y="3764097"/>
+            <a:ext cx="4770533" cy="1165961"/>
+          </a:xfrm>
+          <a:prstGeom prst="rect">
+            <a:avLst/>
+          </a:prstGeom>
+        </p:spPr>
+      </p:pic>
+    </p:spTree>
+    <p:extLst>
+      <p:ext uri="{BB962C8B-B14F-4D97-AF65-F5344CB8AC3E}">
+        <p14:creationId xmlns:p14="http://schemas.microsoft.com/office/powerpoint/2010/main" val="2874015973"/>
+      </p:ext>
+    </p:extLst>
+  </p:cSld>
+  <p:clrMapOvr>
+    <a:masterClrMapping/>
+  </p:clrMapOvr>
+  <p:transition>
+    <p:fade/>
+  </p:transition>
+  <p:timing>
+    <p:tnLst>
+      <p:par>
+        <p:cTn id="1" dur="indefinite" restart="never" nodeType="tmRoot">
+          <p:childTnLst>
+            <p:seq concurrent="1" nextAc="seek">
+              <p:cTn id="2" dur="indefinite" nodeType="mainSeq">
+                <p:childTnLst>
+                  <p:par>
+                    <p:cTn id="3" fill="hold">
+                      <p:stCondLst>
+                        <p:cond delay="indefinite"/>
+                        <p:cond evt="onBegin" delay="0">
+                          <p:tn val="2"/>
+                        </p:cond>
+                      </p:stCondLst>
+                      <p:childTnLst>
+                        <p:par>
+                          <p:cTn id="4" fill="hold">
+                            <p:stCondLst>
+                              <p:cond delay="0"/>
+                            </p:stCondLst>
+                            <p:childTnLst>
+                              <p:par>
+                                <p:cTn id="5" presetID="2" presetClass="entr" presetSubtype="8" fill="hold" grpId="0" nodeType="afterEffect">
+                                  <p:stCondLst>
+                                    <p:cond delay="0"/>
+                                  </p:stCondLst>
+                                  <p:childTnLst>
+                                    <p:set>
+                                      <p:cBhvr>
+                                        <p:cTn id="6" dur="1" fill="hold">
+                                          <p:stCondLst>
+                                            <p:cond delay="0"/>
+                                          </p:stCondLst>
+                                        </p:cTn>
+                                        <p:tgtEl>
+                                          <p:spTgt spid="3"/>
+                                        </p:tgtEl>
+                                        <p:attrNameLst>
+                                          <p:attrName>style.visibility</p:attrName>
+                                        </p:attrNameLst>
+                                      </p:cBhvr>
+                                      <p:to>
+                                        <p:strVal val="visible"/>
+                                      </p:to>
+                                    </p:set>
+                                    <p:anim calcmode="lin" valueType="num">
+                                      <p:cBhvr additive="base">
+                                        <p:cTn id="7" dur="500" fill="hold"/>
+                                        <p:tgtEl>
+                                          <p:spTgt spid="3"/>
+                                        </p:tgtEl>
+                                        <p:attrNameLst>
+                                          <p:attrName>ppt_x</p:attrName>
+                                        </p:attrNameLst>
+                                      </p:cBhvr>
+                                      <p:tavLst>
+                                        <p:tav tm="0">
+                                          <p:val>
+                                            <p:strVal val="0-#ppt_w/2"/>
+                                          </p:val>
+                                        </p:tav>
+                                        <p:tav tm="100000">
+                                          <p:val>
+                                            <p:strVal val="#ppt_x"/>
+                                          </p:val>
+                                        </p:tav>
+                                      </p:tavLst>
+                                    </p:anim>
+                                    <p:anim calcmode="lin" valueType="num">
+                                      <p:cBhvr additive="base">
+                                        <p:cTn id="8" dur="500" fill="hold"/>
+                                        <p:tgtEl>
+                                          <p:spTgt spid="3"/>
+                                        </p:tgtEl>
+                                        <p:attrNameLst>
+                                          <p:attrName>ppt_y</p:attrName>
+                                        </p:attrNameLst>
+                                      </p:cBhvr>
+                                      <p:tavLst>
+                                        <p:tav tm="0">
+                                          <p:val>
+                                            <p:strVal val="#ppt_y"/>
+                                          </p:val>
+                                        </p:tav>
+                                        <p:tav tm="100000">
+                                          <p:val>
+                                            <p:strVal val="#ppt_y"/>
+                                          </p:val>
+                                        </p:tav>
+                                      </p:tavLst>
+                                    </p:anim>
+                                  </p:childTnLst>
+                                </p:cTn>
+                              </p:par>
+                            </p:childTnLst>
+                          </p:cTn>
+                        </p:par>
+                        <p:par>
+                          <p:cTn id="9" fill="hold">
+                            <p:stCondLst>
+                              <p:cond delay="500"/>
+                            </p:stCondLst>
+                            <p:childTnLst>
+                              <p:par>
+                                <p:cTn id="10" presetID="2" presetClass="entr" presetSubtype="8" fill="hold" grpId="0" nodeType="afterEffect">
+                                  <p:stCondLst>
+                                    <p:cond delay="0"/>
+                                  </p:stCondLst>
+                                  <p:childTnLst>
+                                    <p:set>
+                                      <p:cBhvr>
+                                        <p:cTn id="11" dur="1" fill="hold">
+                                          <p:stCondLst>
+                                            <p:cond delay="0"/>
+                                          </p:stCondLst>
+                                        </p:cTn>
+                                        <p:tgtEl>
+                                          <p:spTgt spid="8"/>
+                                        </p:tgtEl>
+                                        <p:attrNameLst>
+                                          <p:attrName>style.visibility</p:attrName>
+                                        </p:attrNameLst>
+                                      </p:cBhvr>
+                                      <p:to>
+                                        <p:strVal val="visible"/>
+                                      </p:to>
+                                    </p:set>
+                                    <p:anim calcmode="lin" valueType="num">
+                                      <p:cBhvr>
+                                        <p:cTn id="12" dur="500" fill="hold"/>
+                                        <p:tgtEl>
+                                          <p:spTgt spid="8"/>
+                                        </p:tgtEl>
+                                        <p:attrNameLst>
+                                          <p:attrName>ppt_x</p:attrName>
+                                        </p:attrNameLst>
+                                      </p:cBhvr>
+                                      <p:tavLst>
+                                        <p:tav tm="0">
+                                          <p:val>
+                                            <p:strVal val="0-#ppt_w/2"/>
+                                          </p:val>
+                                        </p:tav>
+                                        <p:tav tm="100000">
+                                          <p:val>
+                                            <p:strVal val="#ppt_x"/>
+                                          </p:val>
+                                        </p:tav>
+                                      </p:tavLst>
+                                    </p:anim>
+                                    <p:anim calcmode="lin" valueType="num">
+                                      <p:cBhvr>
+                                        <p:cTn id="13" dur="500" fill="hold"/>
+                                        <p:tgtEl>
+                                          <p:spTgt spid="8"/>
+                                        </p:tgtEl>
+                                        <p:attrNameLst>
+                                          <p:attrName>ppt_y</p:attrName>
+                                        </p:attrNameLst>
+                                      </p:cBhvr>
+                                      <p:tavLst>
+                                        <p:tav tm="0">
+                                          <p:val>
+                                            <p:strVal val="#ppt_y"/>
+                                          </p:val>
+                                        </p:tav>
+                                        <p:tav tm="100000">
+                                          <p:val>
+                                            <p:strVal val="#ppt_y"/>
+                                          </p:val>
+                                        </p:tav>
+                                      </p:tavLst>
+                                    </p:anim>
+                                  </p:childTnLst>
+                                </p:cTn>
+                              </p:par>
+                            </p:childTnLst>
+                          </p:cTn>
+                        </p:par>
+                        <p:par>
+                          <p:cTn id="14" fill="hold">
+                            <p:stCondLst>
+                              <p:cond delay="1000"/>
+                            </p:stCondLst>
+                            <p:childTnLst>
+                              <p:par>
+                                <p:cTn id="15" presetID="10" presetClass="entr" presetSubtype="0" fill="hold" grpId="0" nodeType="afterEffect">
+                                  <p:stCondLst>
+                                    <p:cond delay="0"/>
+                                  </p:stCondLst>
+                                  <p:childTnLst>
+                                    <p:set>
+                                      <p:cBhvr>
+                                        <p:cTn id="16" dur="1" fill="hold">
+                                          <p:stCondLst>
+                                            <p:cond delay="0"/>
+                                          </p:stCondLst>
+                                        </p:cTn>
+                                        <p:tgtEl>
+                                          <p:spTgt spid="23"/>
+                                        </p:tgtEl>
+                                        <p:attrNameLst>
+                                          <p:attrName>style.visibility</p:attrName>
+                                        </p:attrNameLst>
+                                      </p:cBhvr>
+                                      <p:to>
+                                        <p:strVal val="visible"/>
+                                      </p:to>
+                                    </p:set>
+                                    <p:animEffect transition="in" filter="fade">
+                                      <p:cBhvr>
+                                        <p:cTn id="17" dur="500"/>
+                                        <p:tgtEl>
+                                          <p:spTgt spid="23"/>
+                                        </p:tgtEl>
+                                      </p:cBhvr>
+                                    </p:animEffect>
+                                  </p:childTnLst>
+                                </p:cTn>
+                              </p:par>
+                            </p:childTnLst>
+                          </p:cTn>
+                        </p:par>
+                        <p:par>
+                          <p:cTn id="18" fill="hold">
+                            <p:stCondLst>
+                              <p:cond delay="1500"/>
+                            </p:stCondLst>
+                            <p:childTnLst>
+                              <p:par>
+                                <p:cTn id="19" presetID="10" presetClass="entr" presetSubtype="0" fill="hold" grpId="0" nodeType="afterEffect">
+                                  <p:stCondLst>
+                                    <p:cond delay="0"/>
+                                  </p:stCondLst>
+                                  <p:childTnLst>
+                                    <p:set>
+                                      <p:cBhvr>
+                                        <p:cTn id="20" dur="1" fill="hold">
+                                          <p:stCondLst>
+                                            <p:cond delay="0"/>
+                                          </p:stCondLst>
+                                        </p:cTn>
+                                        <p:tgtEl>
+                                          <p:spTgt spid="6"/>
+                                        </p:tgtEl>
+                                        <p:attrNameLst>
+                                          <p:attrName>style.visibility</p:attrName>
+                                        </p:attrNameLst>
+                                      </p:cBhvr>
+                                      <p:to>
+                                        <p:strVal val="visible"/>
+                                      </p:to>
+                                    </p:set>
+                                    <p:animEffect transition="in" filter="fade">
+                                      <p:cBhvr>
+                                        <p:cTn id="21" dur="500"/>
+                                        <p:tgtEl>
+                                          <p:spTgt spid="6"/>
+                                        </p:tgtEl>
+                                      </p:cBhvr>
+                                    </p:animEffect>
+                                  </p:childTnLst>
+                                </p:cTn>
+                              </p:par>
+                            </p:childTnLst>
+                          </p:cTn>
+                        </p:par>
+                        <p:par>
+                          <p:cTn id="22" fill="hold">
+                            <p:stCondLst>
+                              <p:cond delay="2000"/>
+                            </p:stCondLst>
+                            <p:childTnLst>
+                              <p:par>
+                                <p:cTn id="23" presetID="10" presetClass="entr" presetSubtype="0" fill="hold" grpId="0" nodeType="afterEffect">
+                                  <p:stCondLst>
+                                    <p:cond delay="0"/>
+                                  </p:stCondLst>
+                                  <p:childTnLst>
+                                    <p:set>
+                                      <p:cBhvr>
+                                        <p:cTn id="24" dur="1" fill="hold">
+                                          <p:stCondLst>
+                                            <p:cond delay="0"/>
+                                          </p:stCondLst>
+                                        </p:cTn>
+                                        <p:tgtEl>
+                                          <p:spTgt spid="9"/>
+                                        </p:tgtEl>
+                                        <p:attrNameLst>
+                                          <p:attrName>style.visibility</p:attrName>
+                                        </p:attrNameLst>
+                                      </p:cBhvr>
+                                      <p:to>
+                                        <p:strVal val="visible"/>
+                                      </p:to>
+                                    </p:set>
+                                    <p:animEffect transition="in" filter="fade">
+                                      <p:cBhvr>
+                                        <p:cTn id="25" dur="500"/>
+                                        <p:tgtEl>
+                                          <p:spTgt spid="9"/>
+                                        </p:tgtEl>
+                                      </p:cBhvr>
+                                    </p:animEffect>
+                                  </p:childTnLst>
+                                </p:cTn>
+                              </p:par>
+                            </p:childTnLst>
+                          </p:cTn>
+                        </p:par>
+                      </p:childTnLst>
+                    </p:cTn>
+                  </p:par>
+                </p:childTnLst>
+              </p:cTn>
+              <p:prevCondLst>
+                <p:cond evt="onPrev" delay="0">
+                  <p:tgtEl>
+                    <p:sldTgt/>
+                  </p:tgtEl>
+                </p:cond>
+              </p:prevCondLst>
+              <p:nextCondLst>
+                <p:cond evt="onNext" delay="0">
+                  <p:tgtEl>
+                    <p:sldTgt/>
+                  </p:tgtEl>
+                </p:cond>
+              </p:nextCondLst>
+            </p:seq>
+          </p:childTnLst>
+        </p:cTn>
+      </p:par>
+    </p:tnLst>
+    <p:bldLst>
+      <p:bldP spid="3" grpId="0" animBg="1"/>
+      <p:bldP spid="8" grpId="0" bldLvl="0" animBg="1"/>
+      <p:bldP spid="23" grpId="0"/>
+      <p:bldP spid="6" grpId="0"/>
+      <p:bldP spid="9" grpId="0"/>
+    </p:bldLst>
+  </p:timing>
+</p:sld>
+</file>
+
+<file path=ppt/slides/slide11.xml><?xml version="1.0" encoding="utf-8"?>
+<p:sld xmlns:a="http://schemas.openxmlformats.org/drawingml/2006/main" xmlns:r="http://schemas.openxmlformats.org/officeDocument/2006/relationships" xmlns:p="http://schemas.openxmlformats.org/presentationml/2006/main">
+  <p:cSld>
+    <p:spTree>
+      <p:nvGrpSpPr>
+        <p:cNvPr id="1" name=""/>
+        <p:cNvGrpSpPr/>
+        <p:nvPr/>
+      </p:nvGrpSpPr>
+      <p:grpSpPr>
+        <a:xfrm>
+          <a:off x="0" y="0"/>
+          <a:ext cx="0" cy="0"/>
+          <a:chOff x="0" y="0"/>
+          <a:chExt cx="0" cy="0"/>
+        </a:xfrm>
+      </p:grpSpPr>
+      <p:sp>
+        <p:nvSpPr>
+          <p:cNvPr id="3" name="直角三角形 2"/>
+          <p:cNvSpPr/>
+          <p:nvPr/>
+        </p:nvSpPr>
+        <p:spPr>
+          <a:xfrm rot="5400000">
+            <a:off x="-19050" y="-12700"/>
+            <a:ext cx="1409700" cy="1409700"/>
+          </a:xfrm>
+          <a:prstGeom prst="rtTriangle">
+            <a:avLst/>
+          </a:prstGeom>
+          <a:solidFill>
+            <a:srgbClr val="002748"/>
+          </a:solidFill>
+          <a:ln>
+            <a:noFill/>
+          </a:ln>
+        </p:spPr>
+        <p:style>
+          <a:lnRef idx="2">
+            <a:schemeClr val="accent1">
+              <a:shade val="50000"/>
+            </a:schemeClr>
+          </a:lnRef>
+          <a:fillRef idx="1">
+            <a:schemeClr val="accent1"/>
+          </a:fillRef>
+          <a:effectRef idx="0">
+            <a:schemeClr val="accent1"/>
+          </a:effectRef>
+          <a:fontRef idx="minor">
+            <a:schemeClr val="lt1"/>
+          </a:fontRef>
+        </p:style>
+        <p:txBody>
+          <a:bodyPr rtlCol="0" anchor="ctr"/>
+          <a:lstStyle/>
+          <a:p>
+            <a:pPr algn="ctr" fontAlgn="base"/>
+            <a:endParaRPr lang="zh-CN" altLang="en-US" strike="noStrike" noProof="1">
+              <a:ea typeface="Arial Unicode MS" panose="020B0604020202020204" charset="-122"/>
+            </a:endParaRPr>
+          </a:p>
+        </p:txBody>
+      </p:sp>
+      <p:sp>
+        <p:nvSpPr>
+          <p:cNvPr id="8" name="直角三角形 7"/>
+          <p:cNvSpPr/>
+          <p:nvPr/>
+        </p:nvSpPr>
+        <p:spPr>
+          <a:xfrm rot="16200000">
+            <a:off x="8384381" y="4396581"/>
+            <a:ext cx="782638" cy="781050"/>
+          </a:xfrm>
+          <a:prstGeom prst="rtTriangle">
+            <a:avLst/>
+          </a:prstGeom>
+          <a:solidFill>
+            <a:srgbClr val="002748"/>
+          </a:solidFill>
+          <a:ln>
+            <a:noFill/>
+          </a:ln>
+        </p:spPr>
+        <p:style>
+          <a:lnRef idx="2">
+            <a:schemeClr val="accent1">
+              <a:shade val="50000"/>
+            </a:schemeClr>
+          </a:lnRef>
+          <a:fillRef idx="1">
+            <a:schemeClr val="accent1"/>
+          </a:fillRef>
+          <a:effectRef idx="0">
+            <a:schemeClr val="accent1"/>
+          </a:effectRef>
+          <a:fontRef idx="minor">
+            <a:schemeClr val="lt1"/>
+          </a:fontRef>
+        </p:style>
+        <p:txBody>
+          <a:bodyPr rtlCol="0" anchor="ctr"/>
+          <a:lstStyle/>
+          <a:p>
+            <a:pPr algn="ctr" fontAlgn="base"/>
+            <a:endParaRPr lang="zh-CN" altLang="en-US" strike="noStrike" noProof="1">
+              <a:ea typeface="Arial Unicode MS" panose="020B0604020202020204" charset="-122"/>
+            </a:endParaRPr>
+          </a:p>
+        </p:txBody>
+      </p:sp>
+      <p:sp>
+        <p:nvSpPr>
+          <p:cNvPr id="23" name="文本框 2"/>
+          <p:cNvSpPr txBox="1"/>
+          <p:nvPr/>
+        </p:nvSpPr>
+        <p:spPr>
+          <a:xfrm>
+            <a:off x="2169676" y="361751"/>
+            <a:ext cx="4741663" cy="605989"/>
+          </a:xfrm>
+          <a:prstGeom prst="rect">
+            <a:avLst/>
+          </a:prstGeom>
+          <a:noFill/>
+          <a:ln w="9525">
+            <a:noFill/>
+          </a:ln>
+        </p:spPr>
+        <p:txBody>
+          <a:bodyPr wrap="square" anchor="t">
+            <a:spAutoFit/>
+          </a:bodyPr>
+          <a:lstStyle/>
+          <a:p>
+            <a:pPr algn="ctr"/>
+            <a:r>
+              <a:rPr lang="en-US" altLang="zh-CN" sz="3200" b="1" dirty="0" smtClean="0">
+                <a:solidFill>
+                  <a:srgbClr val="FF9900"/>
+                </a:solidFill>
+                <a:latin typeface="Arial Unicode MS" panose="020B0604020202020204" charset="-122"/>
+                <a:ea typeface="Arial Unicode MS" panose="020B0604020202020204" charset="-122"/>
+              </a:rPr>
+              <a:t>MySQL Main Commands</a:t>
+            </a:r>
+            <a:endParaRPr lang="en-US" altLang="zh-CN" sz="3200" b="1" dirty="0">
+              <a:solidFill>
+                <a:srgbClr val="FF9900"/>
+              </a:solidFill>
+              <a:latin typeface="Arial Unicode MS" panose="020B0604020202020204" charset="-122"/>
+              <a:ea typeface="Arial Unicode MS" panose="020B0604020202020204" charset="-122"/>
+            </a:endParaRPr>
+          </a:p>
+        </p:txBody>
+      </p:sp>
+      <p:sp>
+        <p:nvSpPr>
+          <p:cNvPr id="6" name="文本框 2"/>
+          <p:cNvSpPr txBox="1"/>
+          <p:nvPr/>
+        </p:nvSpPr>
+        <p:spPr>
+          <a:xfrm>
+            <a:off x="609599" y="1135380"/>
+            <a:ext cx="3381154" cy="400110"/>
+          </a:xfrm>
+          <a:prstGeom prst="rect">
+            <a:avLst/>
+          </a:prstGeom>
+          <a:noFill/>
+          <a:ln w="9525">
+            <a:noFill/>
+          </a:ln>
+        </p:spPr>
+        <p:txBody>
+          <a:bodyPr wrap="square" anchor="t">
+            <a:spAutoFit/>
+          </a:bodyPr>
+          <a:lstStyle/>
+          <a:p>
+            <a:r>
+              <a:rPr lang="en-US" altLang="zh-CN" sz="2000" b="1" dirty="0" smtClean="0">
+                <a:solidFill>
+                  <a:srgbClr val="FF9900"/>
+                </a:solidFill>
+                <a:latin typeface="Arial Unicode MS" panose="020B0604020202020204" charset="-122"/>
+                <a:ea typeface="Arial Unicode MS" panose="020B0604020202020204" charset="-122"/>
+              </a:rPr>
+              <a:t>Alter Table (Modify Column)</a:t>
+            </a:r>
+            <a:endParaRPr lang="en-US" altLang="zh-CN" sz="2000" b="1" dirty="0">
+              <a:solidFill>
+                <a:srgbClr val="FF9900"/>
+              </a:solidFill>
+              <a:latin typeface="Arial Unicode MS" panose="020B0604020202020204" charset="-122"/>
+              <a:ea typeface="Arial Unicode MS" panose="020B0604020202020204" charset="-122"/>
+            </a:endParaRPr>
+          </a:p>
+        </p:txBody>
+      </p:sp>
+      <p:sp>
+        <p:nvSpPr>
+          <p:cNvPr id="2" name="TextBox 1"/>
+          <p:cNvSpPr txBox="1"/>
+          <p:nvPr/>
+        </p:nvSpPr>
+        <p:spPr>
+          <a:xfrm>
+            <a:off x="609598" y="1691640"/>
+            <a:ext cx="7201787" cy="369332"/>
+          </a:xfrm>
+          <a:prstGeom prst="rect">
+            <a:avLst/>
+          </a:prstGeom>
+          <a:noFill/>
+        </p:spPr>
+        <p:txBody>
+          <a:bodyPr wrap="square" rtlCol="0">
+            <a:spAutoFit/>
+          </a:bodyPr>
+          <a:lstStyle/>
+          <a:p>
+            <a:r>
+              <a:rPr lang="en-US"/>
+              <a:t>alter table emp_details modify new_column int;</a:t>
+            </a:r>
+            <a:endParaRPr lang="en-IN" dirty="0"/>
+          </a:p>
+        </p:txBody>
+      </p:sp>
+      <p:sp>
+        <p:nvSpPr>
+          <p:cNvPr id="9" name="文本框 2"/>
+          <p:cNvSpPr txBox="1"/>
+          <p:nvPr/>
+        </p:nvSpPr>
+        <p:spPr>
+          <a:xfrm>
+            <a:off x="609599" y="2746743"/>
+            <a:ext cx="4961861" cy="400110"/>
+          </a:xfrm>
+          <a:prstGeom prst="rect">
+            <a:avLst/>
+          </a:prstGeom>
+          <a:noFill/>
+          <a:ln w="9525">
+            <a:noFill/>
+          </a:ln>
+        </p:spPr>
+        <p:txBody>
+          <a:bodyPr wrap="square" anchor="t">
+            <a:spAutoFit/>
+          </a:bodyPr>
+          <a:lstStyle/>
+          <a:p>
+            <a:r>
+              <a:rPr lang="en-US" altLang="zh-CN" sz="2000" b="1" dirty="0" smtClean="0">
+                <a:solidFill>
+                  <a:srgbClr val="FF9900"/>
+                </a:solidFill>
+                <a:latin typeface="Arial Unicode MS" panose="020B0604020202020204" charset="-122"/>
+                <a:ea typeface="Arial Unicode MS" panose="020B0604020202020204" charset="-122"/>
+              </a:rPr>
+              <a:t>Alter Table (drop column)</a:t>
+            </a:r>
+            <a:endParaRPr lang="en-US" altLang="zh-CN" sz="2000" b="1" dirty="0">
+              <a:solidFill>
+                <a:srgbClr val="FF9900"/>
+              </a:solidFill>
+              <a:latin typeface="Arial Unicode MS" panose="020B0604020202020204" charset="-122"/>
+              <a:ea typeface="Arial Unicode MS" panose="020B0604020202020204" charset="-122"/>
+            </a:endParaRPr>
+          </a:p>
+        </p:txBody>
+      </p:sp>
+      <p:sp>
+        <p:nvSpPr>
+          <p:cNvPr id="10" name="TextBox 9"/>
+          <p:cNvSpPr txBox="1"/>
+          <p:nvPr/>
+        </p:nvSpPr>
+        <p:spPr>
+          <a:xfrm>
+            <a:off x="609599" y="3299161"/>
+            <a:ext cx="5628168" cy="369332"/>
+          </a:xfrm>
+          <a:prstGeom prst="rect">
+            <a:avLst/>
+          </a:prstGeom>
+          <a:noFill/>
+        </p:spPr>
+        <p:txBody>
+          <a:bodyPr wrap="square" rtlCol="0">
+            <a:spAutoFit/>
+          </a:bodyPr>
+          <a:lstStyle/>
+          <a:p>
+            <a:r>
+              <a:rPr lang="en-US" dirty="0"/>
+              <a:t>alter table </a:t>
+            </a:r>
+            <a:r>
+              <a:rPr lang="en-US" dirty="0" err="1" smtClean="0"/>
+              <a:t>emp_details</a:t>
+            </a:r>
+            <a:r>
+              <a:rPr lang="en-US" dirty="0" smtClean="0"/>
+              <a:t> drop column </a:t>
+            </a:r>
+            <a:r>
+              <a:rPr lang="en-US" dirty="0" err="1" smtClean="0"/>
+              <a:t>new_column</a:t>
+            </a:r>
+            <a:r>
+              <a:rPr lang="en-US" dirty="0" smtClean="0"/>
+              <a:t>;</a:t>
+            </a:r>
+            <a:endParaRPr lang="en-IN" dirty="0"/>
+          </a:p>
+        </p:txBody>
+      </p:sp>
+      <p:pic>
+        <p:nvPicPr>
+          <p:cNvPr id="12" name="Picture 11"/>
+          <p:cNvPicPr>
+            <a:picLocks noChangeAspect="1"/>
+          </p:cNvPicPr>
+          <p:nvPr/>
+        </p:nvPicPr>
+        <p:blipFill>
+          <a:blip r:embed="rId2"/>
+          <a:stretch>
+            <a:fillRect/>
+          </a:stretch>
+        </p:blipFill>
+        <p:spPr>
+          <a:xfrm>
+            <a:off x="609599" y="2297133"/>
+            <a:ext cx="6934801" cy="167655"/>
+          </a:xfrm>
+          <a:prstGeom prst="rect">
+            <a:avLst/>
+          </a:prstGeom>
+        </p:spPr>
+      </p:pic>
+      <p:pic>
+        <p:nvPicPr>
+          <p:cNvPr id="13" name="Picture 12"/>
+          <p:cNvPicPr>
+            <a:picLocks noChangeAspect="1"/>
+          </p:cNvPicPr>
+          <p:nvPr/>
+        </p:nvPicPr>
+        <p:blipFill>
+          <a:blip r:embed="rId3"/>
+          <a:stretch>
+            <a:fillRect/>
+          </a:stretch>
+        </p:blipFill>
+        <p:spPr>
+          <a:xfrm>
+            <a:off x="609598" y="3976746"/>
+            <a:ext cx="6911939" cy="220999"/>
+          </a:xfrm>
+          <a:prstGeom prst="rect">
+            <a:avLst/>
+          </a:prstGeom>
+        </p:spPr>
+      </p:pic>
+    </p:spTree>
+    <p:extLst>
+      <p:ext uri="{BB962C8B-B14F-4D97-AF65-F5344CB8AC3E}">
+        <p14:creationId xmlns:p14="http://schemas.microsoft.com/office/powerpoint/2010/main" val="4243207648"/>
+      </p:ext>
+    </p:extLst>
+  </p:cSld>
+  <p:clrMapOvr>
+    <a:masterClrMapping/>
+  </p:clrMapOvr>
+  <p:transition>
+    <p:fade/>
+  </p:transition>
+  <p:timing>
+    <p:tnLst>
+      <p:par>
+        <p:cTn id="1" dur="indefinite" restart="never" nodeType="tmRoot">
+          <p:childTnLst>
+            <p:seq concurrent="1" nextAc="seek">
+              <p:cTn id="2" dur="indefinite" nodeType="mainSeq">
+                <p:childTnLst>
+                  <p:par>
+                    <p:cTn id="3" fill="hold">
+                      <p:stCondLst>
+                        <p:cond delay="indefinite"/>
+                        <p:cond evt="onBegin" delay="0">
+                          <p:tn val="2"/>
+                        </p:cond>
+                      </p:stCondLst>
+                      <p:childTnLst>
+                        <p:par>
+                          <p:cTn id="4" fill="hold">
+                            <p:stCondLst>
+                              <p:cond delay="0"/>
+                            </p:stCondLst>
+                            <p:childTnLst>
+                              <p:par>
+                                <p:cTn id="5" presetID="2" presetClass="entr" presetSubtype="8" fill="hold" grpId="0" nodeType="afterEffect">
+                                  <p:stCondLst>
+                                    <p:cond delay="0"/>
+                                  </p:stCondLst>
+                                  <p:childTnLst>
+                                    <p:set>
+                                      <p:cBhvr>
+                                        <p:cTn id="6" dur="1" fill="hold">
+                                          <p:stCondLst>
+                                            <p:cond delay="0"/>
+                                          </p:stCondLst>
+                                        </p:cTn>
+                                        <p:tgtEl>
+                                          <p:spTgt spid="3"/>
+                                        </p:tgtEl>
+                                        <p:attrNameLst>
+                                          <p:attrName>style.visibility</p:attrName>
+                                        </p:attrNameLst>
+                                      </p:cBhvr>
+                                      <p:to>
+                                        <p:strVal val="visible"/>
+                                      </p:to>
+                                    </p:set>
+                                    <p:anim calcmode="lin" valueType="num">
+                                      <p:cBhvr additive="base">
+                                        <p:cTn id="7" dur="500" fill="hold"/>
+                                        <p:tgtEl>
+                                          <p:spTgt spid="3"/>
+                                        </p:tgtEl>
+                                        <p:attrNameLst>
+                                          <p:attrName>ppt_x</p:attrName>
+                                        </p:attrNameLst>
+                                      </p:cBhvr>
+                                      <p:tavLst>
+                                        <p:tav tm="0">
+                                          <p:val>
+                                            <p:strVal val="0-#ppt_w/2"/>
+                                          </p:val>
+                                        </p:tav>
+                                        <p:tav tm="100000">
+                                          <p:val>
+                                            <p:strVal val="#ppt_x"/>
+                                          </p:val>
+                                        </p:tav>
+                                      </p:tavLst>
+                                    </p:anim>
+                                    <p:anim calcmode="lin" valueType="num">
+                                      <p:cBhvr additive="base">
+                                        <p:cTn id="8" dur="500" fill="hold"/>
+                                        <p:tgtEl>
+                                          <p:spTgt spid="3"/>
+                                        </p:tgtEl>
+                                        <p:attrNameLst>
+                                          <p:attrName>ppt_y</p:attrName>
+                                        </p:attrNameLst>
+                                      </p:cBhvr>
+                                      <p:tavLst>
+                                        <p:tav tm="0">
+                                          <p:val>
+                                            <p:strVal val="#ppt_y"/>
+                                          </p:val>
+                                        </p:tav>
+                                        <p:tav tm="100000">
+                                          <p:val>
+                                            <p:strVal val="#ppt_y"/>
+                                          </p:val>
+                                        </p:tav>
+                                      </p:tavLst>
+                                    </p:anim>
+                                  </p:childTnLst>
+                                </p:cTn>
+                              </p:par>
+                            </p:childTnLst>
+                          </p:cTn>
+                        </p:par>
+                        <p:par>
+                          <p:cTn id="9" fill="hold">
+                            <p:stCondLst>
+                              <p:cond delay="500"/>
+                            </p:stCondLst>
+                            <p:childTnLst>
+                              <p:par>
+                                <p:cTn id="10" presetID="2" presetClass="entr" presetSubtype="8" fill="hold" grpId="0" nodeType="afterEffect">
+                                  <p:stCondLst>
+                                    <p:cond delay="0"/>
+                                  </p:stCondLst>
+                                  <p:childTnLst>
+                                    <p:set>
+                                      <p:cBhvr>
+                                        <p:cTn id="11" dur="1" fill="hold">
+                                          <p:stCondLst>
+                                            <p:cond delay="0"/>
+                                          </p:stCondLst>
+                                        </p:cTn>
+                                        <p:tgtEl>
+                                          <p:spTgt spid="8"/>
+                                        </p:tgtEl>
+                                        <p:attrNameLst>
+                                          <p:attrName>style.visibility</p:attrName>
+                                        </p:attrNameLst>
+                                      </p:cBhvr>
+                                      <p:to>
+                                        <p:strVal val="visible"/>
+                                      </p:to>
+                                    </p:set>
+                                    <p:anim calcmode="lin" valueType="num">
+                                      <p:cBhvr>
+                                        <p:cTn id="12" dur="500" fill="hold"/>
+                                        <p:tgtEl>
+                                          <p:spTgt spid="8"/>
+                                        </p:tgtEl>
+                                        <p:attrNameLst>
+                                          <p:attrName>ppt_x</p:attrName>
+                                        </p:attrNameLst>
+                                      </p:cBhvr>
+                                      <p:tavLst>
+                                        <p:tav tm="0">
+                                          <p:val>
+                                            <p:strVal val="0-#ppt_w/2"/>
+                                          </p:val>
+                                        </p:tav>
+                                        <p:tav tm="100000">
+                                          <p:val>
+                                            <p:strVal val="#ppt_x"/>
+                                          </p:val>
+                                        </p:tav>
+                                      </p:tavLst>
+                                    </p:anim>
+                                    <p:anim calcmode="lin" valueType="num">
+                                      <p:cBhvr>
+                                        <p:cTn id="13" dur="500" fill="hold"/>
+                                        <p:tgtEl>
+                                          <p:spTgt spid="8"/>
+                                        </p:tgtEl>
+                                        <p:attrNameLst>
+                                          <p:attrName>ppt_y</p:attrName>
+                                        </p:attrNameLst>
+                                      </p:cBhvr>
+                                      <p:tavLst>
+                                        <p:tav tm="0">
+                                          <p:val>
+                                            <p:strVal val="#ppt_y"/>
+                                          </p:val>
+                                        </p:tav>
+                                        <p:tav tm="100000">
+                                          <p:val>
+                                            <p:strVal val="#ppt_y"/>
+                                          </p:val>
+                                        </p:tav>
+                                      </p:tavLst>
+                                    </p:anim>
+                                  </p:childTnLst>
+                                </p:cTn>
+                              </p:par>
+                            </p:childTnLst>
+                          </p:cTn>
+                        </p:par>
+                        <p:par>
+                          <p:cTn id="14" fill="hold">
+                            <p:stCondLst>
+                              <p:cond delay="1000"/>
+                            </p:stCondLst>
+                            <p:childTnLst>
+                              <p:par>
+                                <p:cTn id="15" presetID="10" presetClass="entr" presetSubtype="0" fill="hold" grpId="0" nodeType="afterEffect">
+                                  <p:stCondLst>
+                                    <p:cond delay="0"/>
+                                  </p:stCondLst>
+                                  <p:childTnLst>
+                                    <p:set>
+                                      <p:cBhvr>
+                                        <p:cTn id="16" dur="1" fill="hold">
+                                          <p:stCondLst>
+                                            <p:cond delay="0"/>
+                                          </p:stCondLst>
+                                        </p:cTn>
+                                        <p:tgtEl>
+                                          <p:spTgt spid="23"/>
+                                        </p:tgtEl>
+                                        <p:attrNameLst>
+                                          <p:attrName>style.visibility</p:attrName>
+                                        </p:attrNameLst>
+                                      </p:cBhvr>
+                                      <p:to>
+                                        <p:strVal val="visible"/>
+                                      </p:to>
+                                    </p:set>
+                                    <p:animEffect transition="in" filter="fade">
+                                      <p:cBhvr>
+                                        <p:cTn id="17" dur="500"/>
+                                        <p:tgtEl>
+                                          <p:spTgt spid="23"/>
+                                        </p:tgtEl>
+                                      </p:cBhvr>
+                                    </p:animEffect>
+                                  </p:childTnLst>
+                                </p:cTn>
+                              </p:par>
+                            </p:childTnLst>
+                          </p:cTn>
+                        </p:par>
+                        <p:par>
+                          <p:cTn id="18" fill="hold">
+                            <p:stCondLst>
+                              <p:cond delay="1500"/>
+                            </p:stCondLst>
+                            <p:childTnLst>
+                              <p:par>
+                                <p:cTn id="19" presetID="10" presetClass="entr" presetSubtype="0" fill="hold" grpId="0" nodeType="afterEffect">
+                                  <p:stCondLst>
+                                    <p:cond delay="0"/>
+                                  </p:stCondLst>
+                                  <p:childTnLst>
+                                    <p:set>
+                                      <p:cBhvr>
+                                        <p:cTn id="20" dur="1" fill="hold">
+                                          <p:stCondLst>
+                                            <p:cond delay="0"/>
+                                          </p:stCondLst>
+                                        </p:cTn>
+                                        <p:tgtEl>
+                                          <p:spTgt spid="6"/>
+                                        </p:tgtEl>
+                                        <p:attrNameLst>
+                                          <p:attrName>style.visibility</p:attrName>
+                                        </p:attrNameLst>
+                                      </p:cBhvr>
+                                      <p:to>
+                                        <p:strVal val="visible"/>
+                                      </p:to>
+                                    </p:set>
+                                    <p:animEffect transition="in" filter="fade">
+                                      <p:cBhvr>
+                                        <p:cTn id="21" dur="500"/>
+                                        <p:tgtEl>
+                                          <p:spTgt spid="6"/>
+                                        </p:tgtEl>
+                                      </p:cBhvr>
+                                    </p:animEffect>
+                                  </p:childTnLst>
+                                </p:cTn>
+                              </p:par>
+                            </p:childTnLst>
+                          </p:cTn>
+                        </p:par>
+                        <p:par>
+                          <p:cTn id="22" fill="hold">
+                            <p:stCondLst>
+                              <p:cond delay="2000"/>
+                            </p:stCondLst>
+                            <p:childTnLst>
+                              <p:par>
+                                <p:cTn id="23" presetID="10" presetClass="entr" presetSubtype="0" fill="hold" grpId="0" nodeType="afterEffect">
+                                  <p:stCondLst>
+                                    <p:cond delay="0"/>
+                                  </p:stCondLst>
+                                  <p:childTnLst>
+                                    <p:set>
+                                      <p:cBhvr>
+                                        <p:cTn id="24" dur="1" fill="hold">
+                                          <p:stCondLst>
+                                            <p:cond delay="0"/>
+                                          </p:stCondLst>
+                                        </p:cTn>
+                                        <p:tgtEl>
+                                          <p:spTgt spid="9"/>
+                                        </p:tgtEl>
+                                        <p:attrNameLst>
+                                          <p:attrName>style.visibility</p:attrName>
+                                        </p:attrNameLst>
+                                      </p:cBhvr>
+                                      <p:to>
+                                        <p:strVal val="visible"/>
+                                      </p:to>
+                                    </p:set>
+                                    <p:animEffect transition="in" filter="fade">
+                                      <p:cBhvr>
+                                        <p:cTn id="25" dur="500"/>
+                                        <p:tgtEl>
+                                          <p:spTgt spid="9"/>
+                                        </p:tgtEl>
+                                      </p:cBhvr>
+                                    </p:animEffect>
+                                  </p:childTnLst>
+                                </p:cTn>
+                              </p:par>
+                            </p:childTnLst>
+                          </p:cTn>
+                        </p:par>
+                      </p:childTnLst>
+                    </p:cTn>
+                  </p:par>
+                </p:childTnLst>
+              </p:cTn>
+              <p:prevCondLst>
+                <p:cond evt="onPrev" delay="0">
+                  <p:tgtEl>
+                    <p:sldTgt/>
+                  </p:tgtEl>
+                </p:cond>
+              </p:prevCondLst>
+              <p:nextCondLst>
+                <p:cond evt="onNext" delay="0">
+                  <p:tgtEl>
+                    <p:sldTgt/>
+                  </p:tgtEl>
+                </p:cond>
+              </p:nextCondLst>
+            </p:seq>
+          </p:childTnLst>
+        </p:cTn>
+      </p:par>
+    </p:tnLst>
+    <p:bldLst>
+      <p:bldP spid="3" grpId="0" animBg="1"/>
+      <p:bldP spid="8" grpId="0" bldLvl="0" animBg="1"/>
+      <p:bldP spid="23" grpId="0"/>
+      <p:bldP spid="6" grpId="0"/>
+      <p:bldP spid="9" grpId="0"/>
+    </p:bldLst>
+  </p:timing>
+</p:sld>
+</file>
+
+<file path=ppt/slides/slide12.xml><?xml version="1.0" encoding="utf-8"?>
+<p:sld xmlns:a="http://schemas.openxmlformats.org/drawingml/2006/main" xmlns:r="http://schemas.openxmlformats.org/officeDocument/2006/relationships" xmlns:p="http://schemas.openxmlformats.org/presentationml/2006/main">
+  <p:cSld>
+    <p:spTree>
+      <p:nvGrpSpPr>
+        <p:cNvPr id="1" name=""/>
+        <p:cNvGrpSpPr/>
+        <p:nvPr/>
+      </p:nvGrpSpPr>
+      <p:grpSpPr>
+        <a:xfrm>
+          <a:off x="0" y="0"/>
+          <a:ext cx="0" cy="0"/>
+          <a:chOff x="0" y="0"/>
+          <a:chExt cx="0" cy="0"/>
+        </a:xfrm>
+      </p:grpSpPr>
+      <p:sp>
+        <p:nvSpPr>
+          <p:cNvPr id="3" name="直角三角形 2"/>
+          <p:cNvSpPr/>
+          <p:nvPr/>
+        </p:nvSpPr>
+        <p:spPr>
+          <a:xfrm rot="5400000">
+            <a:off x="-19050" y="-12700"/>
+            <a:ext cx="1409700" cy="1409700"/>
+          </a:xfrm>
+          <a:prstGeom prst="rtTriangle">
+            <a:avLst/>
+          </a:prstGeom>
+          <a:solidFill>
+            <a:srgbClr val="002748"/>
+          </a:solidFill>
+          <a:ln>
+            <a:noFill/>
+          </a:ln>
+        </p:spPr>
+        <p:style>
+          <a:lnRef idx="2">
+            <a:schemeClr val="accent1">
+              <a:shade val="50000"/>
+            </a:schemeClr>
+          </a:lnRef>
+          <a:fillRef idx="1">
+            <a:schemeClr val="accent1"/>
+          </a:fillRef>
+          <a:effectRef idx="0">
+            <a:schemeClr val="accent1"/>
+          </a:effectRef>
+          <a:fontRef idx="minor">
+            <a:schemeClr val="lt1"/>
+          </a:fontRef>
+        </p:style>
+        <p:txBody>
+          <a:bodyPr rtlCol="0" anchor="ctr"/>
+          <a:lstStyle/>
+          <a:p>
+            <a:pPr algn="ctr" fontAlgn="base"/>
+            <a:endParaRPr lang="zh-CN" altLang="en-US" strike="noStrike" noProof="1">
+              <a:ea typeface="Arial Unicode MS" panose="020B0604020202020204" charset="-122"/>
+            </a:endParaRPr>
+          </a:p>
+        </p:txBody>
+      </p:sp>
+      <p:sp>
+        <p:nvSpPr>
+          <p:cNvPr id="8" name="直角三角形 7"/>
+          <p:cNvSpPr/>
+          <p:nvPr/>
+        </p:nvSpPr>
+        <p:spPr>
+          <a:xfrm rot="16200000">
+            <a:off x="8384381" y="4396581"/>
+            <a:ext cx="782638" cy="781050"/>
+          </a:xfrm>
+          <a:prstGeom prst="rtTriangle">
+            <a:avLst/>
+          </a:prstGeom>
+          <a:solidFill>
+            <a:srgbClr val="002748"/>
+          </a:solidFill>
+          <a:ln>
+            <a:noFill/>
+          </a:ln>
+        </p:spPr>
+        <p:style>
+          <a:lnRef idx="2">
+            <a:schemeClr val="accent1">
+              <a:shade val="50000"/>
+            </a:schemeClr>
+          </a:lnRef>
+          <a:fillRef idx="1">
+            <a:schemeClr val="accent1"/>
+          </a:fillRef>
+          <a:effectRef idx="0">
+            <a:schemeClr val="accent1"/>
+          </a:effectRef>
+          <a:fontRef idx="minor">
+            <a:schemeClr val="lt1"/>
+          </a:fontRef>
+        </p:style>
+        <p:txBody>
+          <a:bodyPr rtlCol="0" anchor="ctr"/>
+          <a:lstStyle/>
+          <a:p>
+            <a:pPr algn="ctr" fontAlgn="base"/>
+            <a:endParaRPr lang="zh-CN" altLang="en-US" strike="noStrike" noProof="1">
+              <a:ea typeface="Arial Unicode MS" panose="020B0604020202020204" charset="-122"/>
+            </a:endParaRPr>
+          </a:p>
+        </p:txBody>
+      </p:sp>
+      <p:sp>
+        <p:nvSpPr>
+          <p:cNvPr id="23" name="文本框 2"/>
+          <p:cNvSpPr txBox="1"/>
+          <p:nvPr/>
+        </p:nvSpPr>
+        <p:spPr>
+          <a:xfrm>
+            <a:off x="2169676" y="361751"/>
+            <a:ext cx="4741663" cy="605989"/>
+          </a:xfrm>
+          <a:prstGeom prst="rect">
+            <a:avLst/>
+          </a:prstGeom>
+          <a:noFill/>
+          <a:ln w="9525">
+            <a:noFill/>
+          </a:ln>
+        </p:spPr>
+        <p:txBody>
+          <a:bodyPr wrap="square" anchor="t">
+            <a:spAutoFit/>
+          </a:bodyPr>
+          <a:lstStyle/>
+          <a:p>
+            <a:pPr algn="ctr"/>
+            <a:r>
+              <a:rPr lang="en-US" altLang="zh-CN" sz="3200" b="1" dirty="0" smtClean="0">
+                <a:solidFill>
+                  <a:srgbClr val="FF9900"/>
+                </a:solidFill>
+                <a:latin typeface="Arial Unicode MS" panose="020B0604020202020204" charset="-122"/>
+                <a:ea typeface="Arial Unicode MS" panose="020B0604020202020204" charset="-122"/>
+              </a:rPr>
+              <a:t>MySQL Main Commands</a:t>
+            </a:r>
+            <a:endParaRPr lang="en-US" altLang="zh-CN" sz="3200" b="1" dirty="0">
+              <a:solidFill>
+                <a:srgbClr val="FF9900"/>
+              </a:solidFill>
+              <a:latin typeface="Arial Unicode MS" panose="020B0604020202020204" charset="-122"/>
+              <a:ea typeface="Arial Unicode MS" panose="020B0604020202020204" charset="-122"/>
+            </a:endParaRPr>
+          </a:p>
+        </p:txBody>
+      </p:sp>
+      <p:sp>
+        <p:nvSpPr>
+          <p:cNvPr id="6" name="文本框 2"/>
+          <p:cNvSpPr txBox="1"/>
+          <p:nvPr/>
+        </p:nvSpPr>
+        <p:spPr>
+          <a:xfrm>
+            <a:off x="609599" y="1135380"/>
+            <a:ext cx="3381154" cy="400110"/>
+          </a:xfrm>
+          <a:prstGeom prst="rect">
+            <a:avLst/>
+          </a:prstGeom>
+          <a:noFill/>
+          <a:ln w="9525">
+            <a:noFill/>
+          </a:ln>
+        </p:spPr>
+        <p:txBody>
+          <a:bodyPr wrap="square" anchor="t">
+            <a:spAutoFit/>
+          </a:bodyPr>
+          <a:lstStyle/>
+          <a:p>
+            <a:r>
+              <a:rPr lang="en-US" altLang="zh-CN" sz="2000" b="1" dirty="0" smtClean="0">
+                <a:solidFill>
+                  <a:srgbClr val="FF9900"/>
+                </a:solidFill>
+                <a:latin typeface="Arial Unicode MS" panose="020B0604020202020204" charset="-122"/>
+                <a:ea typeface="Arial Unicode MS" panose="020B0604020202020204" charset="-122"/>
+              </a:rPr>
+              <a:t>Alter Table (Rename Table)</a:t>
+            </a:r>
+            <a:endParaRPr lang="en-US" altLang="zh-CN" sz="2000" b="1" dirty="0">
+              <a:solidFill>
+                <a:srgbClr val="FF9900"/>
+              </a:solidFill>
+              <a:latin typeface="Arial Unicode MS" panose="020B0604020202020204" charset="-122"/>
+              <a:ea typeface="Arial Unicode MS" panose="020B0604020202020204" charset="-122"/>
+            </a:endParaRPr>
+          </a:p>
+        </p:txBody>
+      </p:sp>
+      <p:sp>
+        <p:nvSpPr>
+          <p:cNvPr id="2" name="TextBox 1"/>
+          <p:cNvSpPr txBox="1"/>
+          <p:nvPr/>
+        </p:nvSpPr>
+        <p:spPr>
+          <a:xfrm>
+            <a:off x="609598" y="1691640"/>
+            <a:ext cx="7201787" cy="369332"/>
+          </a:xfrm>
+          <a:prstGeom prst="rect">
+            <a:avLst/>
+          </a:prstGeom>
+          <a:noFill/>
+        </p:spPr>
+        <p:txBody>
+          <a:bodyPr wrap="square" rtlCol="0">
+            <a:spAutoFit/>
+          </a:bodyPr>
+          <a:lstStyle/>
+          <a:p>
+            <a:r>
+              <a:rPr lang="en-US" dirty="0"/>
+              <a:t>alter table </a:t>
+            </a:r>
+            <a:r>
+              <a:rPr lang="en-US" dirty="0" err="1" smtClean="0"/>
+              <a:t>emp_details</a:t>
+            </a:r>
+            <a:r>
+              <a:rPr lang="en-US" dirty="0" smtClean="0"/>
+              <a:t> rename </a:t>
+            </a:r>
+            <a:r>
+              <a:rPr lang="en-US" dirty="0" err="1" smtClean="0"/>
+              <a:t>employee_details</a:t>
+            </a:r>
+            <a:r>
+              <a:rPr lang="en-US" dirty="0" smtClean="0"/>
+              <a:t>;</a:t>
+            </a:r>
+            <a:endParaRPr lang="en-IN" dirty="0"/>
+          </a:p>
+        </p:txBody>
+      </p:sp>
+      <p:sp>
+        <p:nvSpPr>
+          <p:cNvPr id="9" name="文本框 2"/>
+          <p:cNvSpPr txBox="1"/>
+          <p:nvPr/>
+        </p:nvSpPr>
+        <p:spPr>
+          <a:xfrm>
+            <a:off x="609600" y="2746743"/>
+            <a:ext cx="2076894" cy="400110"/>
+          </a:xfrm>
+          <a:prstGeom prst="rect">
+            <a:avLst/>
+          </a:prstGeom>
+          <a:noFill/>
+          <a:ln w="9525">
+            <a:noFill/>
+          </a:ln>
+        </p:spPr>
+        <p:txBody>
+          <a:bodyPr wrap="square" anchor="t">
+            <a:spAutoFit/>
+          </a:bodyPr>
+          <a:lstStyle/>
+          <a:p>
+            <a:r>
+              <a:rPr lang="en-US" altLang="zh-CN" sz="2000" b="1" dirty="0" smtClean="0">
+                <a:solidFill>
+                  <a:srgbClr val="FF9900"/>
+                </a:solidFill>
+                <a:latin typeface="Arial Unicode MS" panose="020B0604020202020204" charset="-122"/>
+                <a:ea typeface="Arial Unicode MS" panose="020B0604020202020204" charset="-122"/>
+              </a:rPr>
+              <a:t>Update Table</a:t>
+            </a:r>
+            <a:endParaRPr lang="en-US" altLang="zh-CN" sz="2000" b="1" dirty="0">
+              <a:solidFill>
+                <a:srgbClr val="FF9900"/>
+              </a:solidFill>
+              <a:latin typeface="Arial Unicode MS" panose="020B0604020202020204" charset="-122"/>
+              <a:ea typeface="Arial Unicode MS" panose="020B0604020202020204" charset="-122"/>
+            </a:endParaRPr>
+          </a:p>
+        </p:txBody>
+      </p:sp>
+      <p:sp>
+        <p:nvSpPr>
+          <p:cNvPr id="10" name="TextBox 9"/>
+          <p:cNvSpPr txBox="1"/>
+          <p:nvPr/>
+        </p:nvSpPr>
+        <p:spPr>
+          <a:xfrm>
+            <a:off x="609599" y="3299161"/>
+            <a:ext cx="7981508" cy="369332"/>
+          </a:xfrm>
+          <a:prstGeom prst="rect">
+            <a:avLst/>
+          </a:prstGeom>
+          <a:noFill/>
+        </p:spPr>
+        <p:txBody>
+          <a:bodyPr wrap="square" rtlCol="0">
+            <a:spAutoFit/>
+          </a:bodyPr>
+          <a:lstStyle/>
+          <a:p>
+            <a:r>
+              <a:rPr lang="en-US" dirty="0"/>
+              <a:t>update </a:t>
+            </a:r>
+            <a:r>
+              <a:rPr lang="en-US" dirty="0" err="1"/>
+              <a:t>emp_details</a:t>
+            </a:r>
+            <a:r>
+              <a:rPr lang="en-US" dirty="0"/>
+              <a:t> set </a:t>
+            </a:r>
+            <a:r>
+              <a:rPr lang="en-US" dirty="0" err="1"/>
+              <a:t>emp_name</a:t>
+            </a:r>
+            <a:r>
+              <a:rPr lang="en-US" dirty="0"/>
+              <a:t> = 'Vijay Adithya' where </a:t>
+            </a:r>
+            <a:r>
+              <a:rPr lang="en-US" dirty="0" err="1"/>
+              <a:t>emp_id</a:t>
+            </a:r>
+            <a:r>
+              <a:rPr lang="en-US" dirty="0"/>
+              <a:t> = 17034;</a:t>
+            </a:r>
+            <a:endParaRPr lang="en-IN" dirty="0"/>
+          </a:p>
+        </p:txBody>
+      </p:sp>
+      <p:pic>
+        <p:nvPicPr>
+          <p:cNvPr id="4" name="Picture 3"/>
+          <p:cNvPicPr>
+            <a:picLocks noChangeAspect="1"/>
+          </p:cNvPicPr>
+          <p:nvPr/>
+        </p:nvPicPr>
+        <p:blipFill>
+          <a:blip r:embed="rId2"/>
+          <a:stretch>
+            <a:fillRect/>
+          </a:stretch>
+        </p:blipFill>
+        <p:spPr>
+          <a:xfrm>
+            <a:off x="609598" y="2343231"/>
+            <a:ext cx="6881456" cy="190517"/>
+          </a:xfrm>
+          <a:prstGeom prst="rect">
+            <a:avLst/>
+          </a:prstGeom>
+        </p:spPr>
+      </p:pic>
+      <p:pic>
+        <p:nvPicPr>
+          <p:cNvPr id="5" name="Picture 4"/>
+          <p:cNvPicPr>
+            <a:picLocks noChangeAspect="1"/>
+          </p:cNvPicPr>
+          <p:nvPr/>
+        </p:nvPicPr>
+        <p:blipFill rotWithShape="1">
+          <a:blip r:embed="rId3"/>
+          <a:srcRect b="21358"/>
+          <a:stretch/>
+        </p:blipFill>
+        <p:spPr>
+          <a:xfrm>
+            <a:off x="685800" y="3906398"/>
+            <a:ext cx="6927180" cy="197769"/>
+          </a:xfrm>
+          <a:prstGeom prst="rect">
+            <a:avLst/>
+          </a:prstGeom>
+        </p:spPr>
+      </p:pic>
+    </p:spTree>
+    <p:extLst>
+      <p:ext uri="{BB962C8B-B14F-4D97-AF65-F5344CB8AC3E}">
+        <p14:creationId xmlns:p14="http://schemas.microsoft.com/office/powerpoint/2010/main" val="3639468769"/>
+      </p:ext>
+    </p:extLst>
+  </p:cSld>
+  <p:clrMapOvr>
+    <a:masterClrMapping/>
+  </p:clrMapOvr>
+  <p:transition>
+    <p:fade/>
+  </p:transition>
+  <p:timing>
+    <p:tnLst>
+      <p:par>
+        <p:cTn id="1" dur="indefinite" restart="never" nodeType="tmRoot">
+          <p:childTnLst>
+            <p:seq concurrent="1" nextAc="seek">
+              <p:cTn id="2" dur="indefinite" nodeType="mainSeq">
+                <p:childTnLst>
+                  <p:par>
+                    <p:cTn id="3" fill="hold">
+                      <p:stCondLst>
+                        <p:cond delay="indefinite"/>
+                        <p:cond evt="onBegin" delay="0">
+                          <p:tn val="2"/>
+                        </p:cond>
+                      </p:stCondLst>
+                      <p:childTnLst>
+                        <p:par>
+                          <p:cTn id="4" fill="hold">
+                            <p:stCondLst>
+                              <p:cond delay="0"/>
+                            </p:stCondLst>
+                            <p:childTnLst>
+                              <p:par>
+                                <p:cTn id="5" presetID="2" presetClass="entr" presetSubtype="8" fill="hold" grpId="0" nodeType="afterEffect">
+                                  <p:stCondLst>
+                                    <p:cond delay="0"/>
+                                  </p:stCondLst>
+                                  <p:childTnLst>
+                                    <p:set>
+                                      <p:cBhvr>
+                                        <p:cTn id="6" dur="1" fill="hold">
+                                          <p:stCondLst>
+                                            <p:cond delay="0"/>
+                                          </p:stCondLst>
+                                        </p:cTn>
+                                        <p:tgtEl>
+                                          <p:spTgt spid="3"/>
+                                        </p:tgtEl>
+                                        <p:attrNameLst>
+                                          <p:attrName>style.visibility</p:attrName>
+                                        </p:attrNameLst>
+                                      </p:cBhvr>
+                                      <p:to>
+                                        <p:strVal val="visible"/>
+                                      </p:to>
+                                    </p:set>
+                                    <p:anim calcmode="lin" valueType="num">
+                                      <p:cBhvr additive="base">
+                                        <p:cTn id="7" dur="500" fill="hold"/>
+                                        <p:tgtEl>
+                                          <p:spTgt spid="3"/>
+                                        </p:tgtEl>
+                                        <p:attrNameLst>
+                                          <p:attrName>ppt_x</p:attrName>
+                                        </p:attrNameLst>
+                                      </p:cBhvr>
+                                      <p:tavLst>
+                                        <p:tav tm="0">
+                                          <p:val>
+                                            <p:strVal val="0-#ppt_w/2"/>
+                                          </p:val>
+                                        </p:tav>
+                                        <p:tav tm="100000">
+                                          <p:val>
+                                            <p:strVal val="#ppt_x"/>
+                                          </p:val>
+                                        </p:tav>
+                                      </p:tavLst>
+                                    </p:anim>
+                                    <p:anim calcmode="lin" valueType="num">
+                                      <p:cBhvr additive="base">
+                                        <p:cTn id="8" dur="500" fill="hold"/>
+                                        <p:tgtEl>
+                                          <p:spTgt spid="3"/>
+                                        </p:tgtEl>
+                                        <p:attrNameLst>
+                                          <p:attrName>ppt_y</p:attrName>
+                                        </p:attrNameLst>
+                                      </p:cBhvr>
+                                      <p:tavLst>
+                                        <p:tav tm="0">
+                                          <p:val>
+                                            <p:strVal val="#ppt_y"/>
+                                          </p:val>
+                                        </p:tav>
+                                        <p:tav tm="100000">
+                                          <p:val>
+                                            <p:strVal val="#ppt_y"/>
+                                          </p:val>
+                                        </p:tav>
+                                      </p:tavLst>
+                                    </p:anim>
+                                  </p:childTnLst>
+                                </p:cTn>
+                              </p:par>
+                            </p:childTnLst>
+                          </p:cTn>
+                        </p:par>
+                        <p:par>
+                          <p:cTn id="9" fill="hold">
+                            <p:stCondLst>
+                              <p:cond delay="500"/>
+                            </p:stCondLst>
+                            <p:childTnLst>
+                              <p:par>
+                                <p:cTn id="10" presetID="2" presetClass="entr" presetSubtype="8" fill="hold" grpId="0" nodeType="afterEffect">
+                                  <p:stCondLst>
+                                    <p:cond delay="0"/>
+                                  </p:stCondLst>
+                                  <p:childTnLst>
+                                    <p:set>
+                                      <p:cBhvr>
+                                        <p:cTn id="11" dur="1" fill="hold">
+                                          <p:stCondLst>
+                                            <p:cond delay="0"/>
+                                          </p:stCondLst>
+                                        </p:cTn>
+                                        <p:tgtEl>
+                                          <p:spTgt spid="8"/>
+                                        </p:tgtEl>
+                                        <p:attrNameLst>
+                                          <p:attrName>style.visibility</p:attrName>
+                                        </p:attrNameLst>
+                                      </p:cBhvr>
+                                      <p:to>
+                                        <p:strVal val="visible"/>
+                                      </p:to>
+                                    </p:set>
+                                    <p:anim calcmode="lin" valueType="num">
+                                      <p:cBhvr>
+                                        <p:cTn id="12" dur="500" fill="hold"/>
+                                        <p:tgtEl>
+                                          <p:spTgt spid="8"/>
+                                        </p:tgtEl>
+                                        <p:attrNameLst>
+                                          <p:attrName>ppt_x</p:attrName>
+                                        </p:attrNameLst>
+                                      </p:cBhvr>
+                                      <p:tavLst>
+                                        <p:tav tm="0">
+                                          <p:val>
+                                            <p:strVal val="0-#ppt_w/2"/>
+                                          </p:val>
+                                        </p:tav>
+                                        <p:tav tm="100000">
+                                          <p:val>
+                                            <p:strVal val="#ppt_x"/>
+                                          </p:val>
+                                        </p:tav>
+                                      </p:tavLst>
+                                    </p:anim>
+                                    <p:anim calcmode="lin" valueType="num">
+                                      <p:cBhvr>
+                                        <p:cTn id="13" dur="500" fill="hold"/>
+                                        <p:tgtEl>
+                                          <p:spTgt spid="8"/>
+                                        </p:tgtEl>
+                                        <p:attrNameLst>
+                                          <p:attrName>ppt_y</p:attrName>
+                                        </p:attrNameLst>
+                                      </p:cBhvr>
+                                      <p:tavLst>
+                                        <p:tav tm="0">
+                                          <p:val>
+                                            <p:strVal val="#ppt_y"/>
+                                          </p:val>
+                                        </p:tav>
+                                        <p:tav tm="100000">
+                                          <p:val>
+                                            <p:strVal val="#ppt_y"/>
+                                          </p:val>
+                                        </p:tav>
+                                      </p:tavLst>
+                                    </p:anim>
+                                  </p:childTnLst>
+                                </p:cTn>
+                              </p:par>
+                            </p:childTnLst>
+                          </p:cTn>
+                        </p:par>
+                        <p:par>
+                          <p:cTn id="14" fill="hold">
+                            <p:stCondLst>
+                              <p:cond delay="1000"/>
+                            </p:stCondLst>
+                            <p:childTnLst>
+                              <p:par>
+                                <p:cTn id="15" presetID="10" presetClass="entr" presetSubtype="0" fill="hold" grpId="0" nodeType="afterEffect">
+                                  <p:stCondLst>
+                                    <p:cond delay="0"/>
+                                  </p:stCondLst>
+                                  <p:childTnLst>
+                                    <p:set>
+                                      <p:cBhvr>
+                                        <p:cTn id="16" dur="1" fill="hold">
+                                          <p:stCondLst>
+                                            <p:cond delay="0"/>
+                                          </p:stCondLst>
+                                        </p:cTn>
+                                        <p:tgtEl>
+                                          <p:spTgt spid="23"/>
+                                        </p:tgtEl>
+                                        <p:attrNameLst>
+                                          <p:attrName>style.visibility</p:attrName>
+                                        </p:attrNameLst>
+                                      </p:cBhvr>
+                                      <p:to>
+                                        <p:strVal val="visible"/>
+                                      </p:to>
+                                    </p:set>
+                                    <p:animEffect transition="in" filter="fade">
+                                      <p:cBhvr>
+                                        <p:cTn id="17" dur="500"/>
+                                        <p:tgtEl>
+                                          <p:spTgt spid="23"/>
+                                        </p:tgtEl>
+                                      </p:cBhvr>
+                                    </p:animEffect>
+                                  </p:childTnLst>
+                                </p:cTn>
+                              </p:par>
+                            </p:childTnLst>
+                          </p:cTn>
+                        </p:par>
+                        <p:par>
+                          <p:cTn id="18" fill="hold">
+                            <p:stCondLst>
+                              <p:cond delay="1500"/>
+                            </p:stCondLst>
+                            <p:childTnLst>
+                              <p:par>
+                                <p:cTn id="19" presetID="10" presetClass="entr" presetSubtype="0" fill="hold" grpId="0" nodeType="afterEffect">
+                                  <p:stCondLst>
+                                    <p:cond delay="0"/>
+                                  </p:stCondLst>
+                                  <p:childTnLst>
+                                    <p:set>
+                                      <p:cBhvr>
+                                        <p:cTn id="20" dur="1" fill="hold">
+                                          <p:stCondLst>
+                                            <p:cond delay="0"/>
+                                          </p:stCondLst>
+                                        </p:cTn>
+                                        <p:tgtEl>
+                                          <p:spTgt spid="6"/>
+                                        </p:tgtEl>
+                                        <p:attrNameLst>
+                                          <p:attrName>style.visibility</p:attrName>
+                                        </p:attrNameLst>
+                                      </p:cBhvr>
+                                      <p:to>
+                                        <p:strVal val="visible"/>
+                                      </p:to>
+                                    </p:set>
+                                    <p:animEffect transition="in" filter="fade">
+                                      <p:cBhvr>
+                                        <p:cTn id="21" dur="500"/>
+                                        <p:tgtEl>
+                                          <p:spTgt spid="6"/>
+                                        </p:tgtEl>
+                                      </p:cBhvr>
+                                    </p:animEffect>
+                                  </p:childTnLst>
+                                </p:cTn>
+                              </p:par>
+                            </p:childTnLst>
+                          </p:cTn>
+                        </p:par>
+                        <p:par>
+                          <p:cTn id="22" fill="hold">
+                            <p:stCondLst>
+                              <p:cond delay="2000"/>
+                            </p:stCondLst>
+                            <p:childTnLst>
+                              <p:par>
+                                <p:cTn id="23" presetID="10" presetClass="entr" presetSubtype="0" fill="hold" grpId="0" nodeType="afterEffect">
+                                  <p:stCondLst>
+                                    <p:cond delay="0"/>
+                                  </p:stCondLst>
+                                  <p:childTnLst>
+                                    <p:set>
+                                      <p:cBhvr>
+                                        <p:cTn id="24" dur="1" fill="hold">
+                                          <p:stCondLst>
+                                            <p:cond delay="0"/>
+                                          </p:stCondLst>
+                                        </p:cTn>
+                                        <p:tgtEl>
+                                          <p:spTgt spid="9"/>
+                                        </p:tgtEl>
+                                        <p:attrNameLst>
+                                          <p:attrName>style.visibility</p:attrName>
+                                        </p:attrNameLst>
+                                      </p:cBhvr>
+                                      <p:to>
+                                        <p:strVal val="visible"/>
+                                      </p:to>
+                                    </p:set>
+                                    <p:animEffect transition="in" filter="fade">
+                                      <p:cBhvr>
+                                        <p:cTn id="25" dur="500"/>
+                                        <p:tgtEl>
+                                          <p:spTgt spid="9"/>
+                                        </p:tgtEl>
+                                      </p:cBhvr>
+                                    </p:animEffect>
+                                  </p:childTnLst>
+                                </p:cTn>
+                              </p:par>
+                            </p:childTnLst>
+                          </p:cTn>
+                        </p:par>
+                      </p:childTnLst>
+                    </p:cTn>
+                  </p:par>
+                </p:childTnLst>
+              </p:cTn>
+              <p:prevCondLst>
+                <p:cond evt="onPrev" delay="0">
+                  <p:tgtEl>
+                    <p:sldTgt/>
+                  </p:tgtEl>
+                </p:cond>
+              </p:prevCondLst>
+              <p:nextCondLst>
+                <p:cond evt="onNext" delay="0">
+                  <p:tgtEl>
+                    <p:sldTgt/>
+                  </p:tgtEl>
+                </p:cond>
+              </p:nextCondLst>
+            </p:seq>
+          </p:childTnLst>
+        </p:cTn>
+      </p:par>
+    </p:tnLst>
+    <p:bldLst>
+      <p:bldP spid="3" grpId="0" animBg="1"/>
+      <p:bldP spid="8" grpId="0" bldLvl="0" animBg="1"/>
+      <p:bldP spid="23" grpId="0"/>
+      <p:bldP spid="6" grpId="0"/>
+      <p:bldP spid="9" grpId="0"/>
+    </p:bldLst>
+  </p:timing>
+</p:sld>
+</file>
+
+<file path=ppt/slides/slide13.xml><?xml version="1.0" encoding="utf-8"?>
+<p:sld xmlns:a="http://schemas.openxmlformats.org/drawingml/2006/main" xmlns:r="http://schemas.openxmlformats.org/officeDocument/2006/relationships" xmlns:p="http://schemas.openxmlformats.org/presentationml/2006/main">
+  <p:cSld>
+    <p:spTree>
+      <p:nvGrpSpPr>
+        <p:cNvPr id="1" name=""/>
+        <p:cNvGrpSpPr/>
+        <p:nvPr/>
+      </p:nvGrpSpPr>
+      <p:grpSpPr>
+        <a:xfrm>
+          <a:off x="0" y="0"/>
+          <a:ext cx="0" cy="0"/>
+          <a:chOff x="0" y="0"/>
+          <a:chExt cx="0" cy="0"/>
+        </a:xfrm>
+      </p:grpSpPr>
+      <p:sp>
+        <p:nvSpPr>
+          <p:cNvPr id="3" name="直角三角形 2"/>
+          <p:cNvSpPr/>
+          <p:nvPr/>
+        </p:nvSpPr>
+        <p:spPr>
+          <a:xfrm rot="5400000">
+            <a:off x="-19050" y="-12700"/>
+            <a:ext cx="1409700" cy="1409700"/>
+          </a:xfrm>
+          <a:prstGeom prst="rtTriangle">
+            <a:avLst/>
+          </a:prstGeom>
+          <a:solidFill>
+            <a:srgbClr val="002748"/>
+          </a:solidFill>
+          <a:ln>
+            <a:noFill/>
+          </a:ln>
+        </p:spPr>
+        <p:style>
+          <a:lnRef idx="2">
+            <a:schemeClr val="accent1">
+              <a:shade val="50000"/>
+            </a:schemeClr>
+          </a:lnRef>
+          <a:fillRef idx="1">
+            <a:schemeClr val="accent1"/>
+          </a:fillRef>
+          <a:effectRef idx="0">
+            <a:schemeClr val="accent1"/>
+          </a:effectRef>
+          <a:fontRef idx="minor">
+            <a:schemeClr val="lt1"/>
+          </a:fontRef>
+        </p:style>
+        <p:txBody>
+          <a:bodyPr rtlCol="0" anchor="ctr"/>
+          <a:lstStyle/>
+          <a:p>
+            <a:pPr algn="ctr" fontAlgn="base"/>
+            <a:endParaRPr lang="zh-CN" altLang="en-US" strike="noStrike" noProof="1">
+              <a:ea typeface="Arial Unicode MS" panose="020B0604020202020204" charset="-122"/>
+            </a:endParaRPr>
+          </a:p>
+        </p:txBody>
+      </p:sp>
+      <p:sp>
+        <p:nvSpPr>
+          <p:cNvPr id="8" name="直角三角形 7"/>
+          <p:cNvSpPr/>
+          <p:nvPr/>
+        </p:nvSpPr>
+        <p:spPr>
+          <a:xfrm rot="16200000">
+            <a:off x="8384381" y="4396581"/>
+            <a:ext cx="782638" cy="781050"/>
+          </a:xfrm>
+          <a:prstGeom prst="rtTriangle">
+            <a:avLst/>
+          </a:prstGeom>
+          <a:solidFill>
+            <a:srgbClr val="002748"/>
+          </a:solidFill>
+          <a:ln>
+            <a:noFill/>
+          </a:ln>
+        </p:spPr>
+        <p:style>
+          <a:lnRef idx="2">
+            <a:schemeClr val="accent1">
+              <a:shade val="50000"/>
+            </a:schemeClr>
+          </a:lnRef>
+          <a:fillRef idx="1">
+            <a:schemeClr val="accent1"/>
+          </a:fillRef>
+          <a:effectRef idx="0">
+            <a:schemeClr val="accent1"/>
+          </a:effectRef>
+          <a:fontRef idx="minor">
+            <a:schemeClr val="lt1"/>
+          </a:fontRef>
+        </p:style>
+        <p:txBody>
+          <a:bodyPr rtlCol="0" anchor="ctr"/>
+          <a:lstStyle/>
+          <a:p>
+            <a:pPr algn="ctr" fontAlgn="base"/>
+            <a:endParaRPr lang="zh-CN" altLang="en-US" strike="noStrike" noProof="1">
+              <a:ea typeface="Arial Unicode MS" panose="020B0604020202020204" charset="-122"/>
+            </a:endParaRPr>
+          </a:p>
+        </p:txBody>
+      </p:sp>
+      <p:sp>
+        <p:nvSpPr>
+          <p:cNvPr id="23" name="文本框 2"/>
+          <p:cNvSpPr txBox="1"/>
+          <p:nvPr/>
+        </p:nvSpPr>
+        <p:spPr>
+          <a:xfrm>
+            <a:off x="2169676" y="361751"/>
+            <a:ext cx="4741663" cy="605989"/>
+          </a:xfrm>
+          <a:prstGeom prst="rect">
+            <a:avLst/>
+          </a:prstGeom>
+          <a:noFill/>
+          <a:ln w="9525">
+            <a:noFill/>
+          </a:ln>
+        </p:spPr>
+        <p:txBody>
+          <a:bodyPr wrap="square" anchor="t">
+            <a:spAutoFit/>
+          </a:bodyPr>
+          <a:lstStyle/>
+          <a:p>
+            <a:pPr algn="ctr"/>
+            <a:r>
+              <a:rPr lang="en-US" altLang="zh-CN" sz="3200" b="1" dirty="0" smtClean="0">
+                <a:solidFill>
+                  <a:srgbClr val="FF9900"/>
+                </a:solidFill>
+                <a:latin typeface="Arial Unicode MS" panose="020B0604020202020204" charset="-122"/>
+                <a:ea typeface="Arial Unicode MS" panose="020B0604020202020204" charset="-122"/>
+              </a:rPr>
+              <a:t>MySQL Main Commands</a:t>
+            </a:r>
+            <a:endParaRPr lang="en-US" altLang="zh-CN" sz="3200" b="1" dirty="0">
+              <a:solidFill>
+                <a:srgbClr val="FF9900"/>
+              </a:solidFill>
+              <a:latin typeface="Arial Unicode MS" panose="020B0604020202020204" charset="-122"/>
+              <a:ea typeface="Arial Unicode MS" panose="020B0604020202020204" charset="-122"/>
+            </a:endParaRPr>
+          </a:p>
+        </p:txBody>
+      </p:sp>
+      <p:sp>
+        <p:nvSpPr>
+          <p:cNvPr id="6" name="文本框 2"/>
+          <p:cNvSpPr txBox="1"/>
+          <p:nvPr/>
+        </p:nvSpPr>
+        <p:spPr>
+          <a:xfrm>
+            <a:off x="609599" y="1135380"/>
+            <a:ext cx="3381154" cy="400110"/>
+          </a:xfrm>
+          <a:prstGeom prst="rect">
+            <a:avLst/>
+          </a:prstGeom>
+          <a:noFill/>
+          <a:ln w="9525">
+            <a:noFill/>
+          </a:ln>
+        </p:spPr>
+        <p:txBody>
+          <a:bodyPr wrap="square" anchor="t">
+            <a:spAutoFit/>
+          </a:bodyPr>
+          <a:lstStyle/>
+          <a:p>
+            <a:r>
+              <a:rPr lang="en-US" altLang="zh-CN" sz="2000" b="1" dirty="0" smtClean="0">
+                <a:solidFill>
+                  <a:srgbClr val="FF9900"/>
+                </a:solidFill>
+                <a:latin typeface="Arial Unicode MS" panose="020B0604020202020204" charset="-122"/>
+                <a:ea typeface="Arial Unicode MS" panose="020B0604020202020204" charset="-122"/>
+              </a:rPr>
+              <a:t>Delete Statement</a:t>
+            </a:r>
+            <a:endParaRPr lang="en-US" altLang="zh-CN" sz="2000" b="1" dirty="0">
+              <a:solidFill>
+                <a:srgbClr val="FF9900"/>
+              </a:solidFill>
+              <a:latin typeface="Arial Unicode MS" panose="020B0604020202020204" charset="-122"/>
+              <a:ea typeface="Arial Unicode MS" panose="020B0604020202020204" charset="-122"/>
+            </a:endParaRPr>
+          </a:p>
+        </p:txBody>
+      </p:sp>
+      <p:sp>
+        <p:nvSpPr>
+          <p:cNvPr id="2" name="TextBox 1"/>
+          <p:cNvSpPr txBox="1"/>
+          <p:nvPr/>
+        </p:nvSpPr>
+        <p:spPr>
+          <a:xfrm>
+            <a:off x="609598" y="1691640"/>
+            <a:ext cx="7201787" cy="369332"/>
+          </a:xfrm>
+          <a:prstGeom prst="rect">
+            <a:avLst/>
+          </a:prstGeom>
+          <a:noFill/>
+        </p:spPr>
+        <p:txBody>
+          <a:bodyPr wrap="square" rtlCol="0">
+            <a:spAutoFit/>
+          </a:bodyPr>
+          <a:lstStyle/>
+          <a:p>
+            <a:r>
+              <a:rPr lang="en-US" dirty="0"/>
+              <a:t>delete from </a:t>
+            </a:r>
+            <a:r>
+              <a:rPr lang="en-US" dirty="0" err="1"/>
+              <a:t>emp_details</a:t>
+            </a:r>
+            <a:r>
+              <a:rPr lang="en-US" dirty="0"/>
+              <a:t> where </a:t>
+            </a:r>
+            <a:r>
+              <a:rPr lang="en-US" dirty="0" err="1"/>
+              <a:t>emp_id</a:t>
+            </a:r>
+            <a:r>
+              <a:rPr lang="en-US" dirty="0"/>
+              <a:t> = 17034;</a:t>
+            </a:r>
+            <a:endParaRPr lang="en-IN" dirty="0"/>
+          </a:p>
+        </p:txBody>
+      </p:sp>
+      <p:pic>
+        <p:nvPicPr>
+          <p:cNvPr id="7" name="Picture 6"/>
+          <p:cNvPicPr>
+            <a:picLocks noChangeAspect="1"/>
+          </p:cNvPicPr>
+          <p:nvPr/>
+        </p:nvPicPr>
+        <p:blipFill>
+          <a:blip r:embed="rId2"/>
+          <a:stretch>
+            <a:fillRect/>
+          </a:stretch>
+        </p:blipFill>
+        <p:spPr>
+          <a:xfrm>
+            <a:off x="609599" y="2355612"/>
+            <a:ext cx="6950042" cy="213378"/>
+          </a:xfrm>
+          <a:prstGeom prst="rect">
+            <a:avLst/>
+          </a:prstGeom>
+        </p:spPr>
+      </p:pic>
+    </p:spTree>
+    <p:extLst>
+      <p:ext uri="{BB962C8B-B14F-4D97-AF65-F5344CB8AC3E}">
+        <p14:creationId xmlns:p14="http://schemas.microsoft.com/office/powerpoint/2010/main" val="1207776783"/>
+      </p:ext>
+    </p:extLst>
+  </p:cSld>
+  <p:clrMapOvr>
+    <a:masterClrMapping/>
+  </p:clrMapOvr>
+  <p:transition>
+    <p:fade/>
+  </p:transition>
+  <p:timing>
+    <p:tnLst>
+      <p:par>
+        <p:cTn id="1" dur="indefinite" restart="never" nodeType="tmRoot">
+          <p:childTnLst>
+            <p:seq concurrent="1" nextAc="seek">
+              <p:cTn id="2" dur="indefinite" nodeType="mainSeq">
+                <p:childTnLst>
+                  <p:par>
+                    <p:cTn id="3" fill="hold">
+                      <p:stCondLst>
+                        <p:cond delay="indefinite"/>
+                        <p:cond evt="onBegin" delay="0">
+                          <p:tn val="2"/>
+                        </p:cond>
+                      </p:stCondLst>
+                      <p:childTnLst>
+                        <p:par>
+                          <p:cTn id="4" fill="hold">
+                            <p:stCondLst>
+                              <p:cond delay="0"/>
+                            </p:stCondLst>
+                            <p:childTnLst>
+                              <p:par>
+                                <p:cTn id="5" presetID="2" presetClass="entr" presetSubtype="8" fill="hold" grpId="0" nodeType="afterEffect">
+                                  <p:stCondLst>
+                                    <p:cond delay="0"/>
+                                  </p:stCondLst>
+                                  <p:childTnLst>
+                                    <p:set>
+                                      <p:cBhvr>
+                                        <p:cTn id="6" dur="1" fill="hold">
+                                          <p:stCondLst>
+                                            <p:cond delay="0"/>
+                                          </p:stCondLst>
+                                        </p:cTn>
+                                        <p:tgtEl>
+                                          <p:spTgt spid="3"/>
+                                        </p:tgtEl>
+                                        <p:attrNameLst>
+                                          <p:attrName>style.visibility</p:attrName>
+                                        </p:attrNameLst>
+                                      </p:cBhvr>
+                                      <p:to>
+                                        <p:strVal val="visible"/>
+                                      </p:to>
+                                    </p:set>
+                                    <p:anim calcmode="lin" valueType="num">
+                                      <p:cBhvr additive="base">
+                                        <p:cTn id="7" dur="500" fill="hold"/>
+                                        <p:tgtEl>
+                                          <p:spTgt spid="3"/>
+                                        </p:tgtEl>
+                                        <p:attrNameLst>
+                                          <p:attrName>ppt_x</p:attrName>
+                                        </p:attrNameLst>
+                                      </p:cBhvr>
+                                      <p:tavLst>
+                                        <p:tav tm="0">
+                                          <p:val>
+                                            <p:strVal val="0-#ppt_w/2"/>
+                                          </p:val>
+                                        </p:tav>
+                                        <p:tav tm="100000">
+                                          <p:val>
+                                            <p:strVal val="#ppt_x"/>
+                                          </p:val>
+                                        </p:tav>
+                                      </p:tavLst>
+                                    </p:anim>
+                                    <p:anim calcmode="lin" valueType="num">
+                                      <p:cBhvr additive="base">
+                                        <p:cTn id="8" dur="500" fill="hold"/>
+                                        <p:tgtEl>
+                                          <p:spTgt spid="3"/>
+                                        </p:tgtEl>
+                                        <p:attrNameLst>
+                                          <p:attrName>ppt_y</p:attrName>
+                                        </p:attrNameLst>
+                                      </p:cBhvr>
+                                      <p:tavLst>
+                                        <p:tav tm="0">
+                                          <p:val>
+                                            <p:strVal val="#ppt_y"/>
+                                          </p:val>
+                                        </p:tav>
+                                        <p:tav tm="100000">
+                                          <p:val>
+                                            <p:strVal val="#ppt_y"/>
+                                          </p:val>
+                                        </p:tav>
+                                      </p:tavLst>
+                                    </p:anim>
+                                  </p:childTnLst>
+                                </p:cTn>
+                              </p:par>
+                            </p:childTnLst>
+                          </p:cTn>
+                        </p:par>
+                        <p:par>
+                          <p:cTn id="9" fill="hold">
+                            <p:stCondLst>
+                              <p:cond delay="500"/>
+                            </p:stCondLst>
+                            <p:childTnLst>
+                              <p:par>
+                                <p:cTn id="10" presetID="2" presetClass="entr" presetSubtype="8" fill="hold" grpId="0" nodeType="afterEffect">
+                                  <p:stCondLst>
+                                    <p:cond delay="0"/>
+                                  </p:stCondLst>
+                                  <p:childTnLst>
+                                    <p:set>
+                                      <p:cBhvr>
+                                        <p:cTn id="11" dur="1" fill="hold">
+                                          <p:stCondLst>
+                                            <p:cond delay="0"/>
+                                          </p:stCondLst>
+                                        </p:cTn>
+                                        <p:tgtEl>
+                                          <p:spTgt spid="8"/>
+                                        </p:tgtEl>
+                                        <p:attrNameLst>
+                                          <p:attrName>style.visibility</p:attrName>
+                                        </p:attrNameLst>
+                                      </p:cBhvr>
+                                      <p:to>
+                                        <p:strVal val="visible"/>
+                                      </p:to>
+                                    </p:set>
+                                    <p:anim calcmode="lin" valueType="num">
+                                      <p:cBhvr>
+                                        <p:cTn id="12" dur="500" fill="hold"/>
+                                        <p:tgtEl>
+                                          <p:spTgt spid="8"/>
+                                        </p:tgtEl>
+                                        <p:attrNameLst>
+                                          <p:attrName>ppt_x</p:attrName>
+                                        </p:attrNameLst>
+                                      </p:cBhvr>
+                                      <p:tavLst>
+                                        <p:tav tm="0">
+                                          <p:val>
+                                            <p:strVal val="0-#ppt_w/2"/>
+                                          </p:val>
+                                        </p:tav>
+                                        <p:tav tm="100000">
+                                          <p:val>
+                                            <p:strVal val="#ppt_x"/>
+                                          </p:val>
+                                        </p:tav>
+                                      </p:tavLst>
+                                    </p:anim>
+                                    <p:anim calcmode="lin" valueType="num">
+                                      <p:cBhvr>
+                                        <p:cTn id="13" dur="500" fill="hold"/>
+                                        <p:tgtEl>
+                                          <p:spTgt spid="8"/>
+                                        </p:tgtEl>
+                                        <p:attrNameLst>
+                                          <p:attrName>ppt_y</p:attrName>
+                                        </p:attrNameLst>
+                                      </p:cBhvr>
+                                      <p:tavLst>
+                                        <p:tav tm="0">
+                                          <p:val>
+                                            <p:strVal val="#ppt_y"/>
+                                          </p:val>
+                                        </p:tav>
+                                        <p:tav tm="100000">
+                                          <p:val>
+                                            <p:strVal val="#ppt_y"/>
+                                          </p:val>
+                                        </p:tav>
+                                      </p:tavLst>
+                                    </p:anim>
+                                  </p:childTnLst>
+                                </p:cTn>
+                              </p:par>
+                            </p:childTnLst>
+                          </p:cTn>
+                        </p:par>
+                        <p:par>
+                          <p:cTn id="14" fill="hold">
+                            <p:stCondLst>
+                              <p:cond delay="1000"/>
+                            </p:stCondLst>
+                            <p:childTnLst>
+                              <p:par>
+                                <p:cTn id="15" presetID="10" presetClass="entr" presetSubtype="0" fill="hold" grpId="0" nodeType="afterEffect">
+                                  <p:stCondLst>
+                                    <p:cond delay="0"/>
+                                  </p:stCondLst>
+                                  <p:childTnLst>
+                                    <p:set>
+                                      <p:cBhvr>
+                                        <p:cTn id="16" dur="1" fill="hold">
+                                          <p:stCondLst>
+                                            <p:cond delay="0"/>
+                                          </p:stCondLst>
+                                        </p:cTn>
+                                        <p:tgtEl>
+                                          <p:spTgt spid="23"/>
+                                        </p:tgtEl>
+                                        <p:attrNameLst>
+                                          <p:attrName>style.visibility</p:attrName>
+                                        </p:attrNameLst>
+                                      </p:cBhvr>
+                                      <p:to>
+                                        <p:strVal val="visible"/>
+                                      </p:to>
+                                    </p:set>
+                                    <p:animEffect transition="in" filter="fade">
+                                      <p:cBhvr>
+                                        <p:cTn id="17" dur="500"/>
+                                        <p:tgtEl>
+                                          <p:spTgt spid="23"/>
+                                        </p:tgtEl>
+                                      </p:cBhvr>
+                                    </p:animEffect>
+                                  </p:childTnLst>
+                                </p:cTn>
+                              </p:par>
+                            </p:childTnLst>
+                          </p:cTn>
+                        </p:par>
+                        <p:par>
+                          <p:cTn id="18" fill="hold">
+                            <p:stCondLst>
+                              <p:cond delay="1500"/>
+                            </p:stCondLst>
+                            <p:childTnLst>
+                              <p:par>
+                                <p:cTn id="19" presetID="10" presetClass="entr" presetSubtype="0" fill="hold" grpId="0" nodeType="afterEffect">
+                                  <p:stCondLst>
+                                    <p:cond delay="0"/>
+                                  </p:stCondLst>
+                                  <p:childTnLst>
+                                    <p:set>
+                                      <p:cBhvr>
+                                        <p:cTn id="20" dur="1" fill="hold">
+                                          <p:stCondLst>
+                                            <p:cond delay="0"/>
+                                          </p:stCondLst>
+                                        </p:cTn>
+                                        <p:tgtEl>
+                                          <p:spTgt spid="6"/>
+                                        </p:tgtEl>
+                                        <p:attrNameLst>
+                                          <p:attrName>style.visibility</p:attrName>
+                                        </p:attrNameLst>
+                                      </p:cBhvr>
+                                      <p:to>
+                                        <p:strVal val="visible"/>
+                                      </p:to>
+                                    </p:set>
+                                    <p:animEffect transition="in" filter="fade">
+                                      <p:cBhvr>
+                                        <p:cTn id="21" dur="500"/>
+                                        <p:tgtEl>
+                                          <p:spTgt spid="6"/>
+                                        </p:tgtEl>
+                                      </p:cBhvr>
+                                    </p:animEffect>
+                                  </p:childTnLst>
+                                </p:cTn>
+                              </p:par>
+                            </p:childTnLst>
+                          </p:cTn>
+                        </p:par>
+                      </p:childTnLst>
+                    </p:cTn>
+                  </p:par>
+                </p:childTnLst>
+              </p:cTn>
+              <p:prevCondLst>
+                <p:cond evt="onPrev" delay="0">
+                  <p:tgtEl>
+                    <p:sldTgt/>
+                  </p:tgtEl>
+                </p:cond>
+              </p:prevCondLst>
+              <p:nextCondLst>
+                <p:cond evt="onNext" delay="0">
+                  <p:tgtEl>
+                    <p:sldTgt/>
+                  </p:tgtEl>
+                </p:cond>
+              </p:nextCondLst>
+            </p:seq>
+          </p:childTnLst>
+        </p:cTn>
+      </p:par>
+    </p:tnLst>
+    <p:bldLst>
+      <p:bldP spid="3" grpId="0" animBg="1"/>
+      <p:bldP spid="8" grpId="0" bldLvl="0" animBg="1"/>
+      <p:bldP spid="23" grpId="0"/>
+      <p:bldP spid="6" grpId="0"/>
+    </p:bldLst>
+  </p:timing>
+</p:sld>
+</file>
+
+<file path=ppt/slides/slide14.xml><?xml version="1.0" encoding="utf-8"?>
+<p:sld xmlns:a="http://schemas.openxmlformats.org/drawingml/2006/main" xmlns:r="http://schemas.openxmlformats.org/officeDocument/2006/relationships" xmlns:p="http://schemas.openxmlformats.org/presentationml/2006/main">
+  <p:cSld>
+    <p:spTree>
+      <p:nvGrpSpPr>
+        <p:cNvPr id="1" name=""/>
+        <p:cNvGrpSpPr/>
+        <p:nvPr/>
+      </p:nvGrpSpPr>
+      <p:grpSpPr>
+        <a:xfrm>
+          <a:off x="0" y="0"/>
+          <a:ext cx="0" cy="0"/>
+          <a:chOff x="0" y="0"/>
+          <a:chExt cx="0" cy="0"/>
+        </a:xfrm>
+      </p:grpSpPr>
+      <p:sp>
+        <p:nvSpPr>
+          <p:cNvPr id="3" name="直角三角形 2"/>
+          <p:cNvSpPr/>
+          <p:nvPr/>
+        </p:nvSpPr>
+        <p:spPr>
+          <a:xfrm rot="5400000">
+            <a:off x="-19050" y="-12700"/>
+            <a:ext cx="1409700" cy="1409700"/>
+          </a:xfrm>
+          <a:prstGeom prst="rtTriangle">
+            <a:avLst/>
+          </a:prstGeom>
+          <a:solidFill>
+            <a:srgbClr val="002748"/>
+          </a:solidFill>
+          <a:ln>
+            <a:noFill/>
+          </a:ln>
+        </p:spPr>
+        <p:style>
+          <a:lnRef idx="2">
+            <a:schemeClr val="accent1">
+              <a:shade val="50000"/>
+            </a:schemeClr>
+          </a:lnRef>
+          <a:fillRef idx="1">
+            <a:schemeClr val="accent1"/>
+          </a:fillRef>
+          <a:effectRef idx="0">
+            <a:schemeClr val="accent1"/>
+          </a:effectRef>
+          <a:fontRef idx="minor">
+            <a:schemeClr val="lt1"/>
+          </a:fontRef>
+        </p:style>
+        <p:txBody>
+          <a:bodyPr rtlCol="0" anchor="ctr"/>
+          <a:lstStyle/>
+          <a:p>
+            <a:pPr algn="ctr" fontAlgn="base"/>
+            <a:endParaRPr lang="zh-CN" altLang="en-US" strike="noStrike" noProof="1">
+              <a:ea typeface="Arial Unicode MS" panose="020B0604020202020204" charset="-122"/>
+            </a:endParaRPr>
+          </a:p>
+        </p:txBody>
+      </p:sp>
+      <p:sp>
+        <p:nvSpPr>
+          <p:cNvPr id="8" name="直角三角形 7"/>
+          <p:cNvSpPr/>
+          <p:nvPr/>
+        </p:nvSpPr>
+        <p:spPr>
+          <a:xfrm rot="16200000">
+            <a:off x="8384381" y="4396581"/>
+            <a:ext cx="782638" cy="781050"/>
+          </a:xfrm>
+          <a:prstGeom prst="rtTriangle">
+            <a:avLst/>
+          </a:prstGeom>
+          <a:solidFill>
+            <a:srgbClr val="002748"/>
+          </a:solidFill>
+          <a:ln>
+            <a:noFill/>
+          </a:ln>
+        </p:spPr>
+        <p:style>
+          <a:lnRef idx="2">
+            <a:schemeClr val="accent1">
+              <a:shade val="50000"/>
+            </a:schemeClr>
+          </a:lnRef>
+          <a:fillRef idx="1">
+            <a:schemeClr val="accent1"/>
+          </a:fillRef>
+          <a:effectRef idx="0">
+            <a:schemeClr val="accent1"/>
+          </a:effectRef>
+          <a:fontRef idx="minor">
+            <a:schemeClr val="lt1"/>
+          </a:fontRef>
+        </p:style>
+        <p:txBody>
+          <a:bodyPr rtlCol="0" anchor="ctr"/>
+          <a:lstStyle/>
+          <a:p>
+            <a:pPr algn="ctr" fontAlgn="base"/>
+            <a:endParaRPr lang="zh-CN" altLang="en-US" strike="noStrike" noProof="1">
+              <a:ea typeface="Arial Unicode MS" panose="020B0604020202020204" charset="-122"/>
+            </a:endParaRPr>
+          </a:p>
+        </p:txBody>
+      </p:sp>
+      <p:sp>
+        <p:nvSpPr>
+          <p:cNvPr id="23" name="文本框 2"/>
+          <p:cNvSpPr txBox="1"/>
+          <p:nvPr/>
+        </p:nvSpPr>
+        <p:spPr>
+          <a:xfrm>
+            <a:off x="2013098" y="361751"/>
+            <a:ext cx="5139069" cy="584775"/>
+          </a:xfrm>
+          <a:prstGeom prst="rect">
+            <a:avLst/>
+          </a:prstGeom>
+          <a:noFill/>
+          <a:ln w="9525">
+            <a:noFill/>
+          </a:ln>
+        </p:spPr>
+        <p:txBody>
+          <a:bodyPr wrap="square" anchor="t">
+            <a:spAutoFit/>
+          </a:bodyPr>
+          <a:lstStyle/>
+          <a:p>
+            <a:pPr algn="ctr"/>
+            <a:r>
+              <a:rPr lang="en-US" altLang="zh-CN" sz="3200" b="1" dirty="0" smtClean="0">
+                <a:solidFill>
+                  <a:srgbClr val="FF9900"/>
+                </a:solidFill>
+                <a:latin typeface="Arial Unicode MS" panose="020B0604020202020204" charset="-122"/>
+                <a:ea typeface="Arial Unicode MS" panose="020B0604020202020204" charset="-122"/>
+              </a:rPr>
+              <a:t>MySQL General Functions</a:t>
+            </a:r>
+            <a:endParaRPr lang="en-US" altLang="zh-CN" sz="3200" b="1" dirty="0">
+              <a:solidFill>
+                <a:srgbClr val="FF9900"/>
+              </a:solidFill>
+              <a:latin typeface="Arial Unicode MS" panose="020B0604020202020204" charset="-122"/>
+              <a:ea typeface="Arial Unicode MS" panose="020B0604020202020204" charset="-122"/>
+            </a:endParaRPr>
+          </a:p>
+        </p:txBody>
+      </p:sp>
+      <p:sp>
+        <p:nvSpPr>
+          <p:cNvPr id="6" name="文本框 2"/>
+          <p:cNvSpPr txBox="1"/>
+          <p:nvPr/>
+        </p:nvSpPr>
+        <p:spPr>
+          <a:xfrm>
+            <a:off x="609599" y="1135380"/>
+            <a:ext cx="2792820" cy="400110"/>
+          </a:xfrm>
+          <a:prstGeom prst="rect">
+            <a:avLst/>
+          </a:prstGeom>
+          <a:noFill/>
+          <a:ln w="9525">
+            <a:noFill/>
+          </a:ln>
+        </p:spPr>
+        <p:txBody>
+          <a:bodyPr wrap="square" anchor="t">
+            <a:spAutoFit/>
+          </a:bodyPr>
+          <a:lstStyle/>
+          <a:p>
+            <a:r>
+              <a:rPr lang="en-US" altLang="zh-CN" sz="2000" b="1" dirty="0" smtClean="0">
+                <a:solidFill>
+                  <a:srgbClr val="FF9900"/>
+                </a:solidFill>
+                <a:latin typeface="Arial Unicode MS" panose="020B0604020202020204" charset="-122"/>
+                <a:ea typeface="Arial Unicode MS" panose="020B0604020202020204" charset="-122"/>
+              </a:rPr>
+              <a:t>Where Clause</a:t>
+            </a:r>
+            <a:endParaRPr lang="en-US" altLang="zh-CN" sz="2000" b="1" dirty="0">
+              <a:solidFill>
+                <a:srgbClr val="FF9900"/>
+              </a:solidFill>
+              <a:latin typeface="Arial Unicode MS" panose="020B0604020202020204" charset="-122"/>
+              <a:ea typeface="Arial Unicode MS" panose="020B0604020202020204" charset="-122"/>
+            </a:endParaRPr>
+          </a:p>
+        </p:txBody>
+      </p:sp>
+      <p:sp>
+        <p:nvSpPr>
+          <p:cNvPr id="2" name="TextBox 1"/>
+          <p:cNvSpPr txBox="1"/>
+          <p:nvPr/>
+        </p:nvSpPr>
+        <p:spPr>
+          <a:xfrm>
+            <a:off x="609598" y="1691640"/>
+            <a:ext cx="7201787" cy="369332"/>
+          </a:xfrm>
+          <a:prstGeom prst="rect">
+            <a:avLst/>
+          </a:prstGeom>
+          <a:noFill/>
+        </p:spPr>
+        <p:txBody>
+          <a:bodyPr wrap="square" rtlCol="0">
+            <a:spAutoFit/>
+          </a:bodyPr>
+          <a:lstStyle/>
+          <a:p>
+            <a:r>
+              <a:rPr lang="en-US"/>
+              <a:t>select * from emp_details WHERE dep_no = 70;</a:t>
+            </a:r>
+            <a:endParaRPr lang="en-IN" dirty="0"/>
+          </a:p>
+        </p:txBody>
+      </p:sp>
+      <p:pic>
+        <p:nvPicPr>
+          <p:cNvPr id="7" name="Picture 6"/>
+          <p:cNvPicPr>
+            <a:picLocks noChangeAspect="1"/>
+          </p:cNvPicPr>
+          <p:nvPr/>
+        </p:nvPicPr>
+        <p:blipFill>
+          <a:blip r:embed="rId2"/>
+          <a:stretch>
+            <a:fillRect/>
+          </a:stretch>
+        </p:blipFill>
+        <p:spPr>
+          <a:xfrm>
+            <a:off x="619889" y="2217122"/>
+            <a:ext cx="3962743" cy="2392887"/>
+          </a:xfrm>
+          <a:prstGeom prst="rect">
+            <a:avLst/>
+          </a:prstGeom>
+        </p:spPr>
+      </p:pic>
+    </p:spTree>
+    <p:extLst>
+      <p:ext uri="{BB962C8B-B14F-4D97-AF65-F5344CB8AC3E}">
+        <p14:creationId xmlns:p14="http://schemas.microsoft.com/office/powerpoint/2010/main" val="4139870622"/>
+      </p:ext>
+    </p:extLst>
+  </p:cSld>
+  <p:clrMapOvr>
+    <a:masterClrMapping/>
+  </p:clrMapOvr>
+  <p:transition>
+    <p:fade/>
+  </p:transition>
+  <p:timing>
+    <p:tnLst>
+      <p:par>
+        <p:cTn id="1" dur="indefinite" restart="never" nodeType="tmRoot">
+          <p:childTnLst>
+            <p:seq concurrent="1" nextAc="seek">
+              <p:cTn id="2" dur="indefinite" nodeType="mainSeq">
+                <p:childTnLst>
+                  <p:par>
+                    <p:cTn id="3" fill="hold">
+                      <p:stCondLst>
+                        <p:cond delay="indefinite"/>
+                        <p:cond evt="onBegin" delay="0">
+                          <p:tn val="2"/>
+                        </p:cond>
+                      </p:stCondLst>
+                      <p:childTnLst>
+                        <p:par>
+                          <p:cTn id="4" fill="hold">
+                            <p:stCondLst>
+                              <p:cond delay="0"/>
+                            </p:stCondLst>
+                            <p:childTnLst>
+                              <p:par>
+                                <p:cTn id="5" presetID="2" presetClass="entr" presetSubtype="8" fill="hold" grpId="0" nodeType="afterEffect">
+                                  <p:stCondLst>
+                                    <p:cond delay="0"/>
+                                  </p:stCondLst>
+                                  <p:childTnLst>
+                                    <p:set>
+                                      <p:cBhvr>
+                                        <p:cTn id="6" dur="1" fill="hold">
+                                          <p:stCondLst>
+                                            <p:cond delay="0"/>
+                                          </p:stCondLst>
+                                        </p:cTn>
+                                        <p:tgtEl>
+                                          <p:spTgt spid="3"/>
+                                        </p:tgtEl>
+                                        <p:attrNameLst>
+                                          <p:attrName>style.visibility</p:attrName>
+                                        </p:attrNameLst>
+                                      </p:cBhvr>
+                                      <p:to>
+                                        <p:strVal val="visible"/>
+                                      </p:to>
+                                    </p:set>
+                                    <p:anim calcmode="lin" valueType="num">
+                                      <p:cBhvr additive="base">
+                                        <p:cTn id="7" dur="500" fill="hold"/>
+                                        <p:tgtEl>
+                                          <p:spTgt spid="3"/>
+                                        </p:tgtEl>
+                                        <p:attrNameLst>
+                                          <p:attrName>ppt_x</p:attrName>
+                                        </p:attrNameLst>
+                                      </p:cBhvr>
+                                      <p:tavLst>
+                                        <p:tav tm="0">
+                                          <p:val>
+                                            <p:strVal val="0-#ppt_w/2"/>
+                                          </p:val>
+                                        </p:tav>
+                                        <p:tav tm="100000">
+                                          <p:val>
+                                            <p:strVal val="#ppt_x"/>
+                                          </p:val>
+                                        </p:tav>
+                                      </p:tavLst>
+                                    </p:anim>
+                                    <p:anim calcmode="lin" valueType="num">
+                                      <p:cBhvr additive="base">
+                                        <p:cTn id="8" dur="500" fill="hold"/>
+                                        <p:tgtEl>
+                                          <p:spTgt spid="3"/>
+                                        </p:tgtEl>
+                                        <p:attrNameLst>
+                                          <p:attrName>ppt_y</p:attrName>
+                                        </p:attrNameLst>
+                                      </p:cBhvr>
+                                      <p:tavLst>
+                                        <p:tav tm="0">
+                                          <p:val>
+                                            <p:strVal val="#ppt_y"/>
+                                          </p:val>
+                                        </p:tav>
+                                        <p:tav tm="100000">
+                                          <p:val>
+                                            <p:strVal val="#ppt_y"/>
+                                          </p:val>
+                                        </p:tav>
+                                      </p:tavLst>
+                                    </p:anim>
+                                  </p:childTnLst>
+                                </p:cTn>
+                              </p:par>
+                            </p:childTnLst>
+                          </p:cTn>
+                        </p:par>
+                        <p:par>
+                          <p:cTn id="9" fill="hold">
+                            <p:stCondLst>
+                              <p:cond delay="500"/>
+                            </p:stCondLst>
+                            <p:childTnLst>
+                              <p:par>
+                                <p:cTn id="10" presetID="2" presetClass="entr" presetSubtype="8" fill="hold" grpId="0" nodeType="afterEffect">
+                                  <p:stCondLst>
+                                    <p:cond delay="0"/>
+                                  </p:stCondLst>
+                                  <p:childTnLst>
+                                    <p:set>
+                                      <p:cBhvr>
+                                        <p:cTn id="11" dur="1" fill="hold">
+                                          <p:stCondLst>
+                                            <p:cond delay="0"/>
+                                          </p:stCondLst>
+                                        </p:cTn>
+                                        <p:tgtEl>
+                                          <p:spTgt spid="8"/>
+                                        </p:tgtEl>
+                                        <p:attrNameLst>
+                                          <p:attrName>style.visibility</p:attrName>
+                                        </p:attrNameLst>
+                                      </p:cBhvr>
+                                      <p:to>
+                                        <p:strVal val="visible"/>
+                                      </p:to>
+                                    </p:set>
+                                    <p:anim calcmode="lin" valueType="num">
+                                      <p:cBhvr>
+                                        <p:cTn id="12" dur="500" fill="hold"/>
+                                        <p:tgtEl>
+                                          <p:spTgt spid="8"/>
+                                        </p:tgtEl>
+                                        <p:attrNameLst>
+                                          <p:attrName>ppt_x</p:attrName>
+                                        </p:attrNameLst>
+                                      </p:cBhvr>
+                                      <p:tavLst>
+                                        <p:tav tm="0">
+                                          <p:val>
+                                            <p:strVal val="0-#ppt_w/2"/>
+                                          </p:val>
+                                        </p:tav>
+                                        <p:tav tm="100000">
+                                          <p:val>
+                                            <p:strVal val="#ppt_x"/>
+                                          </p:val>
+                                        </p:tav>
+                                      </p:tavLst>
+                                    </p:anim>
+                                    <p:anim calcmode="lin" valueType="num">
+                                      <p:cBhvr>
+                                        <p:cTn id="13" dur="500" fill="hold"/>
+                                        <p:tgtEl>
+                                          <p:spTgt spid="8"/>
+                                        </p:tgtEl>
+                                        <p:attrNameLst>
+                                          <p:attrName>ppt_y</p:attrName>
+                                        </p:attrNameLst>
+                                      </p:cBhvr>
+                                      <p:tavLst>
+                                        <p:tav tm="0">
+                                          <p:val>
+                                            <p:strVal val="#ppt_y"/>
+                                          </p:val>
+                                        </p:tav>
+                                        <p:tav tm="100000">
+                                          <p:val>
+                                            <p:strVal val="#ppt_y"/>
+                                          </p:val>
+                                        </p:tav>
+                                      </p:tavLst>
+                                    </p:anim>
+                                  </p:childTnLst>
+                                </p:cTn>
+                              </p:par>
+                            </p:childTnLst>
+                          </p:cTn>
+                        </p:par>
+                        <p:par>
+                          <p:cTn id="14" fill="hold">
+                            <p:stCondLst>
+                              <p:cond delay="1000"/>
+                            </p:stCondLst>
+                            <p:childTnLst>
+                              <p:par>
+                                <p:cTn id="15" presetID="10" presetClass="entr" presetSubtype="0" fill="hold" grpId="0" nodeType="afterEffect">
+                                  <p:stCondLst>
+                                    <p:cond delay="0"/>
+                                  </p:stCondLst>
+                                  <p:childTnLst>
+                                    <p:set>
+                                      <p:cBhvr>
+                                        <p:cTn id="16" dur="1" fill="hold">
+                                          <p:stCondLst>
+                                            <p:cond delay="0"/>
+                                          </p:stCondLst>
+                                        </p:cTn>
+                                        <p:tgtEl>
+                                          <p:spTgt spid="23"/>
+                                        </p:tgtEl>
+                                        <p:attrNameLst>
+                                          <p:attrName>style.visibility</p:attrName>
+                                        </p:attrNameLst>
+                                      </p:cBhvr>
+                                      <p:to>
+                                        <p:strVal val="visible"/>
+                                      </p:to>
+                                    </p:set>
+                                    <p:animEffect transition="in" filter="fade">
+                                      <p:cBhvr>
+                                        <p:cTn id="17" dur="500"/>
+                                        <p:tgtEl>
+                                          <p:spTgt spid="23"/>
+                                        </p:tgtEl>
+                                      </p:cBhvr>
+                                    </p:animEffect>
+                                  </p:childTnLst>
+                                </p:cTn>
+                              </p:par>
+                            </p:childTnLst>
+                          </p:cTn>
+                        </p:par>
+                        <p:par>
+                          <p:cTn id="18" fill="hold">
+                            <p:stCondLst>
+                              <p:cond delay="1500"/>
+                            </p:stCondLst>
+                            <p:childTnLst>
+                              <p:par>
+                                <p:cTn id="19" presetID="10" presetClass="entr" presetSubtype="0" fill="hold" grpId="0" nodeType="afterEffect">
+                                  <p:stCondLst>
+                                    <p:cond delay="0"/>
+                                  </p:stCondLst>
+                                  <p:childTnLst>
+                                    <p:set>
+                                      <p:cBhvr>
+                                        <p:cTn id="20" dur="1" fill="hold">
+                                          <p:stCondLst>
+                                            <p:cond delay="0"/>
+                                          </p:stCondLst>
+                                        </p:cTn>
+                                        <p:tgtEl>
+                                          <p:spTgt spid="6"/>
+                                        </p:tgtEl>
+                                        <p:attrNameLst>
+                                          <p:attrName>style.visibility</p:attrName>
+                                        </p:attrNameLst>
+                                      </p:cBhvr>
+                                      <p:to>
+                                        <p:strVal val="visible"/>
+                                      </p:to>
+                                    </p:set>
+                                    <p:animEffect transition="in" filter="fade">
+                                      <p:cBhvr>
+                                        <p:cTn id="21" dur="500"/>
+                                        <p:tgtEl>
+                                          <p:spTgt spid="6"/>
+                                        </p:tgtEl>
+                                      </p:cBhvr>
+                                    </p:animEffect>
+                                  </p:childTnLst>
+                                </p:cTn>
+                              </p:par>
+                            </p:childTnLst>
+                          </p:cTn>
+                        </p:par>
+                      </p:childTnLst>
+                    </p:cTn>
+                  </p:par>
+                </p:childTnLst>
+              </p:cTn>
+              <p:prevCondLst>
+                <p:cond evt="onPrev" delay="0">
+                  <p:tgtEl>
+                    <p:sldTgt/>
+                  </p:tgtEl>
+                </p:cond>
+              </p:prevCondLst>
+              <p:nextCondLst>
+                <p:cond evt="onNext" delay="0">
+                  <p:tgtEl>
+                    <p:sldTgt/>
+                  </p:tgtEl>
+                </p:cond>
+              </p:nextCondLst>
+            </p:seq>
+          </p:childTnLst>
+        </p:cTn>
+      </p:par>
+    </p:tnLst>
+    <p:bldLst>
+      <p:bldP spid="3" grpId="0" animBg="1"/>
+      <p:bldP spid="8" grpId="0" bldLvl="0" animBg="1"/>
+      <p:bldP spid="23" grpId="0"/>
+      <p:bldP spid="6" grpId="0"/>
+    </p:bldLst>
+  </p:timing>
+</p:sld>
+</file>
+
+<file path=ppt/slides/slide15.xml><?xml version="1.0" encoding="utf-8"?>
+<p:sld xmlns:a="http://schemas.openxmlformats.org/drawingml/2006/main" xmlns:r="http://schemas.openxmlformats.org/officeDocument/2006/relationships" xmlns:p="http://schemas.openxmlformats.org/presentationml/2006/main">
+  <p:cSld>
+    <p:spTree>
+      <p:nvGrpSpPr>
+        <p:cNvPr id="1" name=""/>
+        <p:cNvGrpSpPr/>
+        <p:nvPr/>
+      </p:nvGrpSpPr>
+      <p:grpSpPr>
+        <a:xfrm>
+          <a:off x="0" y="0"/>
+          <a:ext cx="0" cy="0"/>
+          <a:chOff x="0" y="0"/>
+          <a:chExt cx="0" cy="0"/>
+        </a:xfrm>
+      </p:grpSpPr>
+      <p:sp>
+        <p:nvSpPr>
+          <p:cNvPr id="3" name="直角三角形 2"/>
+          <p:cNvSpPr/>
+          <p:nvPr/>
+        </p:nvSpPr>
+        <p:spPr>
+          <a:xfrm rot="5400000">
+            <a:off x="-19050" y="-12700"/>
+            <a:ext cx="1409700" cy="1409700"/>
+          </a:xfrm>
+          <a:prstGeom prst="rtTriangle">
+            <a:avLst/>
+          </a:prstGeom>
+          <a:solidFill>
+            <a:srgbClr val="002748"/>
+          </a:solidFill>
+          <a:ln>
+            <a:noFill/>
+          </a:ln>
+        </p:spPr>
+        <p:style>
+          <a:lnRef idx="2">
+            <a:schemeClr val="accent1">
+              <a:shade val="50000"/>
+            </a:schemeClr>
+          </a:lnRef>
+          <a:fillRef idx="1">
+            <a:schemeClr val="accent1"/>
+          </a:fillRef>
+          <a:effectRef idx="0">
+            <a:schemeClr val="accent1"/>
+          </a:effectRef>
+          <a:fontRef idx="minor">
+            <a:schemeClr val="lt1"/>
+          </a:fontRef>
+        </p:style>
+        <p:txBody>
+          <a:bodyPr rtlCol="0" anchor="ctr"/>
+          <a:lstStyle/>
+          <a:p>
+            <a:pPr algn="ctr" fontAlgn="base"/>
+            <a:endParaRPr lang="zh-CN" altLang="en-US" strike="noStrike" noProof="1">
+              <a:ea typeface="Arial Unicode MS" panose="020B0604020202020204" charset="-122"/>
+            </a:endParaRPr>
+          </a:p>
+        </p:txBody>
+      </p:sp>
+      <p:sp>
+        <p:nvSpPr>
+          <p:cNvPr id="8" name="直角三角形 7"/>
+          <p:cNvSpPr/>
+          <p:nvPr/>
+        </p:nvSpPr>
+        <p:spPr>
+          <a:xfrm rot="16200000">
+            <a:off x="8384381" y="4396581"/>
+            <a:ext cx="782638" cy="781050"/>
+          </a:xfrm>
+          <a:prstGeom prst="rtTriangle">
+            <a:avLst/>
+          </a:prstGeom>
+          <a:solidFill>
+            <a:srgbClr val="002748"/>
+          </a:solidFill>
+          <a:ln>
+            <a:noFill/>
+          </a:ln>
+        </p:spPr>
+        <p:style>
+          <a:lnRef idx="2">
+            <a:schemeClr val="accent1">
+              <a:shade val="50000"/>
+            </a:schemeClr>
+          </a:lnRef>
+          <a:fillRef idx="1">
+            <a:schemeClr val="accent1"/>
+          </a:fillRef>
+          <a:effectRef idx="0">
+            <a:schemeClr val="accent1"/>
+          </a:effectRef>
+          <a:fontRef idx="minor">
+            <a:schemeClr val="lt1"/>
+          </a:fontRef>
+        </p:style>
+        <p:txBody>
+          <a:bodyPr rtlCol="0" anchor="ctr"/>
+          <a:lstStyle/>
+          <a:p>
+            <a:pPr algn="ctr" fontAlgn="base"/>
+            <a:endParaRPr lang="zh-CN" altLang="en-US" strike="noStrike" noProof="1">
+              <a:ea typeface="Arial Unicode MS" panose="020B0604020202020204" charset="-122"/>
+            </a:endParaRPr>
+          </a:p>
+        </p:txBody>
+      </p:sp>
+      <p:sp>
+        <p:nvSpPr>
+          <p:cNvPr id="23" name="文本框 2"/>
+          <p:cNvSpPr txBox="1"/>
+          <p:nvPr/>
+        </p:nvSpPr>
+        <p:spPr>
+          <a:xfrm>
+            <a:off x="2013098" y="361751"/>
+            <a:ext cx="5139069" cy="584775"/>
+          </a:xfrm>
+          <a:prstGeom prst="rect">
+            <a:avLst/>
+          </a:prstGeom>
+          <a:noFill/>
+          <a:ln w="9525">
+            <a:noFill/>
+          </a:ln>
+        </p:spPr>
+        <p:txBody>
+          <a:bodyPr wrap="square" anchor="t">
+            <a:spAutoFit/>
+          </a:bodyPr>
+          <a:lstStyle/>
+          <a:p>
+            <a:pPr algn="ctr"/>
+            <a:r>
+              <a:rPr lang="en-US" altLang="zh-CN" sz="3200" b="1" dirty="0" smtClean="0">
+                <a:solidFill>
+                  <a:srgbClr val="FF9900"/>
+                </a:solidFill>
+                <a:latin typeface="Arial Unicode MS" panose="020B0604020202020204" charset="-122"/>
+                <a:ea typeface="Arial Unicode MS" panose="020B0604020202020204" charset="-122"/>
+              </a:rPr>
+              <a:t>MySQL General Functions</a:t>
+            </a:r>
+            <a:endParaRPr lang="en-US" altLang="zh-CN" sz="3200" b="1" dirty="0">
+              <a:solidFill>
+                <a:srgbClr val="FF9900"/>
+              </a:solidFill>
+              <a:latin typeface="Arial Unicode MS" panose="020B0604020202020204" charset="-122"/>
+              <a:ea typeface="Arial Unicode MS" panose="020B0604020202020204" charset="-122"/>
+            </a:endParaRPr>
+          </a:p>
+        </p:txBody>
+      </p:sp>
+      <p:sp>
+        <p:nvSpPr>
+          <p:cNvPr id="6" name="文本框 2"/>
+          <p:cNvSpPr txBox="1"/>
+          <p:nvPr/>
+        </p:nvSpPr>
+        <p:spPr>
+          <a:xfrm>
+            <a:off x="609598" y="1007790"/>
+            <a:ext cx="3161416" cy="400110"/>
+          </a:xfrm>
+          <a:prstGeom prst="rect">
+            <a:avLst/>
+          </a:prstGeom>
+          <a:noFill/>
+          <a:ln w="9525">
+            <a:noFill/>
+          </a:ln>
+        </p:spPr>
+        <p:txBody>
+          <a:bodyPr wrap="square" anchor="t">
+            <a:spAutoFit/>
+          </a:bodyPr>
+          <a:lstStyle/>
+          <a:p>
+            <a:r>
+              <a:rPr lang="en-US" altLang="zh-CN" sz="2000" b="1" dirty="0" smtClean="0">
+                <a:solidFill>
+                  <a:srgbClr val="FF9900"/>
+                </a:solidFill>
+                <a:latin typeface="Arial Unicode MS" panose="020B0604020202020204" charset="-122"/>
+                <a:ea typeface="Arial Unicode MS" panose="020B0604020202020204" charset="-122"/>
+              </a:rPr>
+              <a:t>AND </a:t>
+            </a:r>
+            <a:r>
+              <a:rPr lang="en-US" altLang="zh-CN" sz="2000" b="1" dirty="0" err="1" smtClean="0">
+                <a:solidFill>
+                  <a:srgbClr val="FF9900"/>
+                </a:solidFill>
+                <a:latin typeface="Arial Unicode MS" panose="020B0604020202020204" charset="-122"/>
+                <a:ea typeface="Arial Unicode MS" panose="020B0604020202020204" charset="-122"/>
+              </a:rPr>
+              <a:t>and</a:t>
+            </a:r>
+            <a:r>
+              <a:rPr lang="en-US" altLang="zh-CN" sz="2000" b="1" dirty="0" smtClean="0">
+                <a:solidFill>
+                  <a:srgbClr val="FF9900"/>
+                </a:solidFill>
+                <a:latin typeface="Arial Unicode MS" panose="020B0604020202020204" charset="-122"/>
+                <a:ea typeface="Arial Unicode MS" panose="020B0604020202020204" charset="-122"/>
+              </a:rPr>
+              <a:t> OR keywords</a:t>
+            </a:r>
+            <a:endParaRPr lang="en-US" altLang="zh-CN" sz="2000" b="1" dirty="0">
+              <a:solidFill>
+                <a:srgbClr val="FF9900"/>
+              </a:solidFill>
+              <a:latin typeface="Arial Unicode MS" panose="020B0604020202020204" charset="-122"/>
+              <a:ea typeface="Arial Unicode MS" panose="020B0604020202020204" charset="-122"/>
+            </a:endParaRPr>
+          </a:p>
+        </p:txBody>
+      </p:sp>
+      <p:sp>
+        <p:nvSpPr>
+          <p:cNvPr id="2" name="TextBox 1"/>
+          <p:cNvSpPr txBox="1"/>
+          <p:nvPr/>
+        </p:nvSpPr>
+        <p:spPr>
+          <a:xfrm>
+            <a:off x="609598" y="1478991"/>
+            <a:ext cx="7676709" cy="646331"/>
+          </a:xfrm>
+          <a:prstGeom prst="rect">
+            <a:avLst/>
+          </a:prstGeom>
+          <a:noFill/>
+        </p:spPr>
+        <p:txBody>
+          <a:bodyPr wrap="square" rtlCol="0">
+            <a:spAutoFit/>
+          </a:bodyPr>
+          <a:lstStyle/>
+          <a:p>
+            <a:r>
+              <a:rPr lang="en-US" dirty="0"/>
+              <a:t>select * from </a:t>
+            </a:r>
+            <a:r>
+              <a:rPr lang="en-US" dirty="0" err="1"/>
+              <a:t>sal_details</a:t>
+            </a:r>
+            <a:r>
+              <a:rPr lang="en-US" dirty="0"/>
+              <a:t> where (</a:t>
+            </a:r>
+            <a:r>
+              <a:rPr lang="en-US" dirty="0" err="1"/>
+              <a:t>branch_id</a:t>
+            </a:r>
+            <a:r>
+              <a:rPr lang="en-US" dirty="0"/>
+              <a:t> = 241 or </a:t>
+            </a:r>
+            <a:r>
+              <a:rPr lang="en-US" dirty="0" err="1"/>
+              <a:t>branch_id</a:t>
+            </a:r>
+            <a:r>
+              <a:rPr lang="en-US" dirty="0"/>
+              <a:t> = 242)and amount &gt;= 15000;</a:t>
+            </a:r>
+            <a:endParaRPr lang="en-IN" dirty="0"/>
+          </a:p>
+        </p:txBody>
+      </p:sp>
+      <p:pic>
+        <p:nvPicPr>
+          <p:cNvPr id="4" name="Picture 3"/>
+          <p:cNvPicPr>
+            <a:picLocks noChangeAspect="1"/>
+          </p:cNvPicPr>
+          <p:nvPr/>
+        </p:nvPicPr>
+        <p:blipFill>
+          <a:blip r:embed="rId2"/>
+          <a:stretch>
+            <a:fillRect/>
+          </a:stretch>
+        </p:blipFill>
+        <p:spPr>
+          <a:xfrm>
+            <a:off x="609598" y="2196413"/>
+            <a:ext cx="3482642" cy="2720576"/>
+          </a:xfrm>
+          <a:prstGeom prst="rect">
+            <a:avLst/>
+          </a:prstGeom>
+        </p:spPr>
+      </p:pic>
+    </p:spTree>
+    <p:extLst>
+      <p:ext uri="{BB962C8B-B14F-4D97-AF65-F5344CB8AC3E}">
+        <p14:creationId xmlns:p14="http://schemas.microsoft.com/office/powerpoint/2010/main" val="2356333804"/>
+      </p:ext>
+    </p:extLst>
+  </p:cSld>
+  <p:clrMapOvr>
+    <a:masterClrMapping/>
+  </p:clrMapOvr>
+  <p:transition>
+    <p:fade/>
+  </p:transition>
+  <p:timing>
+    <p:tnLst>
+      <p:par>
+        <p:cTn id="1" dur="indefinite" restart="never" nodeType="tmRoot">
+          <p:childTnLst>
+            <p:seq concurrent="1" nextAc="seek">
+              <p:cTn id="2" dur="indefinite" nodeType="mainSeq">
+                <p:childTnLst>
+                  <p:par>
+                    <p:cTn id="3" fill="hold">
+                      <p:stCondLst>
+                        <p:cond delay="indefinite"/>
+                        <p:cond evt="onBegin" delay="0">
+                          <p:tn val="2"/>
+                        </p:cond>
+                      </p:stCondLst>
+                      <p:childTnLst>
+                        <p:par>
+                          <p:cTn id="4" fill="hold">
+                            <p:stCondLst>
+                              <p:cond delay="0"/>
+                            </p:stCondLst>
+                            <p:childTnLst>
+                              <p:par>
+                                <p:cTn id="5" presetID="2" presetClass="entr" presetSubtype="8" fill="hold" grpId="0" nodeType="afterEffect">
+                                  <p:stCondLst>
+                                    <p:cond delay="0"/>
+                                  </p:stCondLst>
+                                  <p:childTnLst>
+                                    <p:set>
+                                      <p:cBhvr>
+                                        <p:cTn id="6" dur="1" fill="hold">
+                                          <p:stCondLst>
+                                            <p:cond delay="0"/>
+                                          </p:stCondLst>
+                                        </p:cTn>
+                                        <p:tgtEl>
+                                          <p:spTgt spid="3"/>
+                                        </p:tgtEl>
+                                        <p:attrNameLst>
+                                          <p:attrName>style.visibility</p:attrName>
+                                        </p:attrNameLst>
+                                      </p:cBhvr>
+                                      <p:to>
+                                        <p:strVal val="visible"/>
+                                      </p:to>
+                                    </p:set>
+                                    <p:anim calcmode="lin" valueType="num">
+                                      <p:cBhvr additive="base">
+                                        <p:cTn id="7" dur="500" fill="hold"/>
+                                        <p:tgtEl>
+                                          <p:spTgt spid="3"/>
+                                        </p:tgtEl>
+                                        <p:attrNameLst>
+                                          <p:attrName>ppt_x</p:attrName>
+                                        </p:attrNameLst>
+                                      </p:cBhvr>
+                                      <p:tavLst>
+                                        <p:tav tm="0">
+                                          <p:val>
+                                            <p:strVal val="0-#ppt_w/2"/>
+                                          </p:val>
+                                        </p:tav>
+                                        <p:tav tm="100000">
+                                          <p:val>
+                                            <p:strVal val="#ppt_x"/>
+                                          </p:val>
+                                        </p:tav>
+                                      </p:tavLst>
+                                    </p:anim>
+                                    <p:anim calcmode="lin" valueType="num">
+                                      <p:cBhvr additive="base">
+                                        <p:cTn id="8" dur="500" fill="hold"/>
+                                        <p:tgtEl>
+                                          <p:spTgt spid="3"/>
+                                        </p:tgtEl>
+                                        <p:attrNameLst>
+                                          <p:attrName>ppt_y</p:attrName>
+                                        </p:attrNameLst>
+                                      </p:cBhvr>
+                                      <p:tavLst>
+                                        <p:tav tm="0">
+                                          <p:val>
+                                            <p:strVal val="#ppt_y"/>
+                                          </p:val>
+                                        </p:tav>
+                                        <p:tav tm="100000">
+                                          <p:val>
+                                            <p:strVal val="#ppt_y"/>
+                                          </p:val>
+                                        </p:tav>
+                                      </p:tavLst>
+                                    </p:anim>
+                                  </p:childTnLst>
+                                </p:cTn>
+                              </p:par>
+                            </p:childTnLst>
+                          </p:cTn>
+                        </p:par>
+                        <p:par>
+                          <p:cTn id="9" fill="hold">
+                            <p:stCondLst>
+                              <p:cond delay="500"/>
+                            </p:stCondLst>
+                            <p:childTnLst>
+                              <p:par>
+                                <p:cTn id="10" presetID="2" presetClass="entr" presetSubtype="8" fill="hold" grpId="0" nodeType="afterEffect">
+                                  <p:stCondLst>
+                                    <p:cond delay="0"/>
+                                  </p:stCondLst>
+                                  <p:childTnLst>
+                                    <p:set>
+                                      <p:cBhvr>
+                                        <p:cTn id="11" dur="1" fill="hold">
+                                          <p:stCondLst>
+                                            <p:cond delay="0"/>
+                                          </p:stCondLst>
+                                        </p:cTn>
+                                        <p:tgtEl>
+                                          <p:spTgt spid="8"/>
+                                        </p:tgtEl>
+                                        <p:attrNameLst>
+                                          <p:attrName>style.visibility</p:attrName>
+                                        </p:attrNameLst>
+                                      </p:cBhvr>
+                                      <p:to>
+                                        <p:strVal val="visible"/>
+                                      </p:to>
+                                    </p:set>
+                                    <p:anim calcmode="lin" valueType="num">
+                                      <p:cBhvr>
+                                        <p:cTn id="12" dur="500" fill="hold"/>
+                                        <p:tgtEl>
+                                          <p:spTgt spid="8"/>
+                                        </p:tgtEl>
+                                        <p:attrNameLst>
+                                          <p:attrName>ppt_x</p:attrName>
+                                        </p:attrNameLst>
+                                      </p:cBhvr>
+                                      <p:tavLst>
+                                        <p:tav tm="0">
+                                          <p:val>
+                                            <p:strVal val="0-#ppt_w/2"/>
+                                          </p:val>
+                                        </p:tav>
+                                        <p:tav tm="100000">
+                                          <p:val>
+                                            <p:strVal val="#ppt_x"/>
+                                          </p:val>
+                                        </p:tav>
+                                      </p:tavLst>
+                                    </p:anim>
+                                    <p:anim calcmode="lin" valueType="num">
+                                      <p:cBhvr>
+                                        <p:cTn id="13" dur="500" fill="hold"/>
+                                        <p:tgtEl>
+                                          <p:spTgt spid="8"/>
+                                        </p:tgtEl>
+                                        <p:attrNameLst>
+                                          <p:attrName>ppt_y</p:attrName>
+                                        </p:attrNameLst>
+                                      </p:cBhvr>
+                                      <p:tavLst>
+                                        <p:tav tm="0">
+                                          <p:val>
+                                            <p:strVal val="#ppt_y"/>
+                                          </p:val>
+                                        </p:tav>
+                                        <p:tav tm="100000">
+                                          <p:val>
+                                            <p:strVal val="#ppt_y"/>
+                                          </p:val>
+                                        </p:tav>
+                                      </p:tavLst>
+                                    </p:anim>
+                                  </p:childTnLst>
+                                </p:cTn>
+                              </p:par>
+                            </p:childTnLst>
+                          </p:cTn>
+                        </p:par>
+                        <p:par>
+                          <p:cTn id="14" fill="hold">
+                            <p:stCondLst>
+                              <p:cond delay="1000"/>
+                            </p:stCondLst>
+                            <p:childTnLst>
+                              <p:par>
+                                <p:cTn id="15" presetID="10" presetClass="entr" presetSubtype="0" fill="hold" grpId="0" nodeType="afterEffect">
+                                  <p:stCondLst>
+                                    <p:cond delay="0"/>
+                                  </p:stCondLst>
+                                  <p:childTnLst>
+                                    <p:set>
+                                      <p:cBhvr>
+                                        <p:cTn id="16" dur="1" fill="hold">
+                                          <p:stCondLst>
+                                            <p:cond delay="0"/>
+                                          </p:stCondLst>
+                                        </p:cTn>
+                                        <p:tgtEl>
+                                          <p:spTgt spid="23"/>
+                                        </p:tgtEl>
+                                        <p:attrNameLst>
+                                          <p:attrName>style.visibility</p:attrName>
+                                        </p:attrNameLst>
+                                      </p:cBhvr>
+                                      <p:to>
+                                        <p:strVal val="visible"/>
+                                      </p:to>
+                                    </p:set>
+                                    <p:animEffect transition="in" filter="fade">
+                                      <p:cBhvr>
+                                        <p:cTn id="17" dur="500"/>
+                                        <p:tgtEl>
+                                          <p:spTgt spid="23"/>
+                                        </p:tgtEl>
+                                      </p:cBhvr>
+                                    </p:animEffect>
+                                  </p:childTnLst>
+                                </p:cTn>
+                              </p:par>
+                            </p:childTnLst>
+                          </p:cTn>
+                        </p:par>
+                        <p:par>
+                          <p:cTn id="18" fill="hold">
+                            <p:stCondLst>
+                              <p:cond delay="1500"/>
+                            </p:stCondLst>
+                            <p:childTnLst>
+                              <p:par>
+                                <p:cTn id="19" presetID="10" presetClass="entr" presetSubtype="0" fill="hold" grpId="0" nodeType="afterEffect">
+                                  <p:stCondLst>
+                                    <p:cond delay="0"/>
+                                  </p:stCondLst>
+                                  <p:childTnLst>
+                                    <p:set>
+                                      <p:cBhvr>
+                                        <p:cTn id="20" dur="1" fill="hold">
+                                          <p:stCondLst>
+                                            <p:cond delay="0"/>
+                                          </p:stCondLst>
+                                        </p:cTn>
+                                        <p:tgtEl>
+                                          <p:spTgt spid="6"/>
+                                        </p:tgtEl>
+                                        <p:attrNameLst>
+                                          <p:attrName>style.visibility</p:attrName>
+                                        </p:attrNameLst>
+                                      </p:cBhvr>
+                                      <p:to>
+                                        <p:strVal val="visible"/>
+                                      </p:to>
+                                    </p:set>
+                                    <p:animEffect transition="in" filter="fade">
+                                      <p:cBhvr>
+                                        <p:cTn id="21" dur="500"/>
+                                        <p:tgtEl>
+                                          <p:spTgt spid="6"/>
+                                        </p:tgtEl>
+                                      </p:cBhvr>
+                                    </p:animEffect>
+                                  </p:childTnLst>
+                                </p:cTn>
+                              </p:par>
+                            </p:childTnLst>
+                          </p:cTn>
+                        </p:par>
+                      </p:childTnLst>
+                    </p:cTn>
+                  </p:par>
+                </p:childTnLst>
+              </p:cTn>
+              <p:prevCondLst>
+                <p:cond evt="onPrev" delay="0">
+                  <p:tgtEl>
+                    <p:sldTgt/>
+                  </p:tgtEl>
+                </p:cond>
+              </p:prevCondLst>
+              <p:nextCondLst>
+                <p:cond evt="onNext" delay="0">
+                  <p:tgtEl>
+                    <p:sldTgt/>
+                  </p:tgtEl>
+                </p:cond>
+              </p:nextCondLst>
+            </p:seq>
+          </p:childTnLst>
+        </p:cTn>
+      </p:par>
+    </p:tnLst>
+    <p:bldLst>
+      <p:bldP spid="3" grpId="0" animBg="1"/>
+      <p:bldP spid="8" grpId="0" bldLvl="0" animBg="1"/>
+      <p:bldP spid="23" grpId="0"/>
+      <p:bldP spid="6" grpId="0"/>
+    </p:bldLst>
+  </p:timing>
+</p:sld>
+</file>
+
+<file path=ppt/slides/slide16.xml><?xml version="1.0" encoding="utf-8"?>
+<p:sld xmlns:a="http://schemas.openxmlformats.org/drawingml/2006/main" xmlns:r="http://schemas.openxmlformats.org/officeDocument/2006/relationships" xmlns:p="http://schemas.openxmlformats.org/presentationml/2006/main">
+  <p:cSld>
+    <p:spTree>
+      <p:nvGrpSpPr>
+        <p:cNvPr id="1" name=""/>
+        <p:cNvGrpSpPr/>
+        <p:nvPr/>
+      </p:nvGrpSpPr>
+      <p:grpSpPr>
+        <a:xfrm>
+          <a:off x="0" y="0"/>
+          <a:ext cx="0" cy="0"/>
+          <a:chOff x="0" y="0"/>
+          <a:chExt cx="0" cy="0"/>
+        </a:xfrm>
+      </p:grpSpPr>
+      <p:sp>
+        <p:nvSpPr>
+          <p:cNvPr id="3" name="直角三角形 2"/>
+          <p:cNvSpPr/>
+          <p:nvPr/>
+        </p:nvSpPr>
+        <p:spPr>
+          <a:xfrm rot="5400000">
+            <a:off x="-19050" y="-12700"/>
+            <a:ext cx="1409700" cy="1409700"/>
+          </a:xfrm>
+          <a:prstGeom prst="rtTriangle">
+            <a:avLst/>
+          </a:prstGeom>
+          <a:solidFill>
+            <a:srgbClr val="002748"/>
+          </a:solidFill>
+          <a:ln>
+            <a:noFill/>
+          </a:ln>
+        </p:spPr>
+        <p:style>
+          <a:lnRef idx="2">
+            <a:schemeClr val="accent1">
+              <a:shade val="50000"/>
+            </a:schemeClr>
+          </a:lnRef>
+          <a:fillRef idx="1">
+            <a:schemeClr val="accent1"/>
+          </a:fillRef>
+          <a:effectRef idx="0">
+            <a:schemeClr val="accent1"/>
+          </a:effectRef>
+          <a:fontRef idx="minor">
+            <a:schemeClr val="lt1"/>
+          </a:fontRef>
+        </p:style>
+        <p:txBody>
+          <a:bodyPr rtlCol="0" anchor="ctr"/>
+          <a:lstStyle/>
+          <a:p>
+            <a:pPr algn="ctr" fontAlgn="base"/>
+            <a:endParaRPr lang="zh-CN" altLang="en-US" strike="noStrike" noProof="1">
+              <a:ea typeface="Arial Unicode MS" panose="020B0604020202020204" charset="-122"/>
+            </a:endParaRPr>
+          </a:p>
+        </p:txBody>
+      </p:sp>
+      <p:sp>
+        <p:nvSpPr>
+          <p:cNvPr id="8" name="直角三角形 7"/>
+          <p:cNvSpPr/>
+          <p:nvPr/>
+        </p:nvSpPr>
+        <p:spPr>
+          <a:xfrm rot="16200000">
+            <a:off x="8384381" y="4396581"/>
+            <a:ext cx="782638" cy="781050"/>
+          </a:xfrm>
+          <a:prstGeom prst="rtTriangle">
+            <a:avLst/>
+          </a:prstGeom>
+          <a:solidFill>
+            <a:srgbClr val="002748"/>
+          </a:solidFill>
+          <a:ln>
+            <a:noFill/>
+          </a:ln>
+        </p:spPr>
+        <p:style>
+          <a:lnRef idx="2">
+            <a:schemeClr val="accent1">
+              <a:shade val="50000"/>
+            </a:schemeClr>
+          </a:lnRef>
+          <a:fillRef idx="1">
+            <a:schemeClr val="accent1"/>
+          </a:fillRef>
+          <a:effectRef idx="0">
+            <a:schemeClr val="accent1"/>
+          </a:effectRef>
+          <a:fontRef idx="minor">
+            <a:schemeClr val="lt1"/>
+          </a:fontRef>
+        </p:style>
+        <p:txBody>
+          <a:bodyPr rtlCol="0" anchor="ctr"/>
+          <a:lstStyle/>
+          <a:p>
+            <a:pPr algn="ctr" fontAlgn="base"/>
+            <a:endParaRPr lang="zh-CN" altLang="en-US" strike="noStrike" noProof="1">
+              <a:ea typeface="Arial Unicode MS" panose="020B0604020202020204" charset="-122"/>
+            </a:endParaRPr>
+          </a:p>
+        </p:txBody>
+      </p:sp>
+      <p:sp>
+        <p:nvSpPr>
+          <p:cNvPr id="23" name="文本框 2"/>
+          <p:cNvSpPr txBox="1"/>
+          <p:nvPr/>
+        </p:nvSpPr>
+        <p:spPr>
+          <a:xfrm>
+            <a:off x="2013098" y="361751"/>
+            <a:ext cx="5139069" cy="584775"/>
+          </a:xfrm>
+          <a:prstGeom prst="rect">
+            <a:avLst/>
+          </a:prstGeom>
+          <a:noFill/>
+          <a:ln w="9525">
+            <a:noFill/>
+          </a:ln>
+        </p:spPr>
+        <p:txBody>
+          <a:bodyPr wrap="square" anchor="t">
+            <a:spAutoFit/>
+          </a:bodyPr>
+          <a:lstStyle/>
+          <a:p>
+            <a:pPr algn="ctr"/>
+            <a:r>
+              <a:rPr lang="en-US" altLang="zh-CN" sz="3200" b="1" dirty="0" smtClean="0">
+                <a:solidFill>
+                  <a:srgbClr val="FF9900"/>
+                </a:solidFill>
+                <a:latin typeface="Arial Unicode MS" panose="020B0604020202020204" charset="-122"/>
+                <a:ea typeface="Arial Unicode MS" panose="020B0604020202020204" charset="-122"/>
+              </a:rPr>
+              <a:t>MySQL General Functions</a:t>
+            </a:r>
+            <a:endParaRPr lang="en-US" altLang="zh-CN" sz="3200" b="1" dirty="0">
+              <a:solidFill>
+                <a:srgbClr val="FF9900"/>
+              </a:solidFill>
+              <a:latin typeface="Arial Unicode MS" panose="020B0604020202020204" charset="-122"/>
+              <a:ea typeface="Arial Unicode MS" panose="020B0604020202020204" charset="-122"/>
+            </a:endParaRPr>
+          </a:p>
+        </p:txBody>
+      </p:sp>
+      <p:sp>
+        <p:nvSpPr>
+          <p:cNvPr id="6" name="文本框 2"/>
+          <p:cNvSpPr txBox="1"/>
+          <p:nvPr/>
+        </p:nvSpPr>
+        <p:spPr>
+          <a:xfrm>
+            <a:off x="609598" y="1007790"/>
+            <a:ext cx="3161416" cy="400110"/>
+          </a:xfrm>
+          <a:prstGeom prst="rect">
+            <a:avLst/>
+          </a:prstGeom>
+          <a:noFill/>
+          <a:ln w="9525">
+            <a:noFill/>
+          </a:ln>
+        </p:spPr>
+        <p:txBody>
+          <a:bodyPr wrap="square" anchor="t">
+            <a:spAutoFit/>
+          </a:bodyPr>
+          <a:lstStyle/>
+          <a:p>
+            <a:r>
+              <a:rPr lang="en-US" altLang="zh-CN" sz="2000" b="1" dirty="0" smtClean="0">
+                <a:solidFill>
+                  <a:srgbClr val="FF9900"/>
+                </a:solidFill>
+                <a:latin typeface="Arial Unicode MS" panose="020B0604020202020204" charset="-122"/>
+                <a:ea typeface="Arial Unicode MS" panose="020B0604020202020204" charset="-122"/>
+              </a:rPr>
+              <a:t>IN and NOT IN keywords</a:t>
+            </a:r>
+            <a:endParaRPr lang="en-US" altLang="zh-CN" sz="2000" b="1" dirty="0">
+              <a:solidFill>
+                <a:srgbClr val="FF9900"/>
+              </a:solidFill>
+              <a:latin typeface="Arial Unicode MS" panose="020B0604020202020204" charset="-122"/>
+              <a:ea typeface="Arial Unicode MS" panose="020B0604020202020204" charset="-122"/>
+            </a:endParaRPr>
+          </a:p>
+        </p:txBody>
+      </p:sp>
+      <p:sp>
+        <p:nvSpPr>
+          <p:cNvPr id="2" name="TextBox 1"/>
+          <p:cNvSpPr txBox="1"/>
+          <p:nvPr/>
+        </p:nvSpPr>
+        <p:spPr>
+          <a:xfrm>
+            <a:off x="609598" y="1478991"/>
+            <a:ext cx="7676709" cy="646331"/>
+          </a:xfrm>
+          <a:prstGeom prst="rect">
+            <a:avLst/>
+          </a:prstGeom>
+          <a:noFill/>
+        </p:spPr>
+        <p:txBody>
+          <a:bodyPr wrap="square" rtlCol="0">
+            <a:spAutoFit/>
+          </a:bodyPr>
+          <a:lstStyle/>
+          <a:p>
+            <a:r>
+              <a:rPr lang="en-US" dirty="0"/>
+              <a:t>select * from </a:t>
+            </a:r>
+            <a:r>
+              <a:rPr lang="en-US" dirty="0" err="1"/>
+              <a:t>sal_details</a:t>
+            </a:r>
+            <a:r>
+              <a:rPr lang="en-US" dirty="0"/>
+              <a:t> where </a:t>
+            </a:r>
+            <a:r>
+              <a:rPr lang="en-US" dirty="0" err="1"/>
+              <a:t>branch_id</a:t>
+            </a:r>
+            <a:r>
+              <a:rPr lang="en-US" dirty="0"/>
+              <a:t> in (243, 244</a:t>
+            </a:r>
+            <a:r>
+              <a:rPr lang="en-US" dirty="0" smtClean="0"/>
+              <a:t>);</a:t>
+            </a:r>
+          </a:p>
+          <a:p>
+            <a:r>
+              <a:rPr lang="en-US" dirty="0"/>
+              <a:t>select * from </a:t>
+            </a:r>
+            <a:r>
+              <a:rPr lang="en-US" dirty="0" err="1"/>
+              <a:t>sal_details</a:t>
+            </a:r>
+            <a:r>
+              <a:rPr lang="en-US" dirty="0"/>
+              <a:t> where </a:t>
+            </a:r>
+            <a:r>
+              <a:rPr lang="en-US" dirty="0" err="1"/>
+              <a:t>branch_id</a:t>
+            </a:r>
+            <a:r>
+              <a:rPr lang="en-US" dirty="0"/>
+              <a:t> not in (241, 242);</a:t>
+            </a:r>
+            <a:endParaRPr lang="en-IN" dirty="0"/>
+          </a:p>
+        </p:txBody>
+      </p:sp>
+      <p:pic>
+        <p:nvPicPr>
+          <p:cNvPr id="5" name="Picture 4"/>
+          <p:cNvPicPr>
+            <a:picLocks noChangeAspect="1"/>
+          </p:cNvPicPr>
+          <p:nvPr/>
+        </p:nvPicPr>
+        <p:blipFill>
+          <a:blip r:embed="rId2"/>
+          <a:stretch>
+            <a:fillRect/>
+          </a:stretch>
+        </p:blipFill>
+        <p:spPr>
+          <a:xfrm>
+            <a:off x="609598" y="2125322"/>
+            <a:ext cx="3475021" cy="2850127"/>
+          </a:xfrm>
+          <a:prstGeom prst="rect">
+            <a:avLst/>
+          </a:prstGeom>
+        </p:spPr>
+      </p:pic>
+      <p:pic>
+        <p:nvPicPr>
+          <p:cNvPr id="7" name="Picture 6"/>
+          <p:cNvPicPr>
+            <a:picLocks noChangeAspect="1"/>
+          </p:cNvPicPr>
+          <p:nvPr/>
+        </p:nvPicPr>
+        <p:blipFill>
+          <a:blip r:embed="rId3"/>
+          <a:stretch>
+            <a:fillRect/>
+          </a:stretch>
+        </p:blipFill>
+        <p:spPr>
+          <a:xfrm>
+            <a:off x="4493576" y="2125322"/>
+            <a:ext cx="3482642" cy="2827265"/>
+          </a:xfrm>
+          <a:prstGeom prst="rect">
+            <a:avLst/>
+          </a:prstGeom>
+        </p:spPr>
+      </p:pic>
+    </p:spTree>
+    <p:extLst>
+      <p:ext uri="{BB962C8B-B14F-4D97-AF65-F5344CB8AC3E}">
+        <p14:creationId xmlns:p14="http://schemas.microsoft.com/office/powerpoint/2010/main" val="1635433374"/>
+      </p:ext>
+    </p:extLst>
+  </p:cSld>
+  <p:clrMapOvr>
+    <a:masterClrMapping/>
+  </p:clrMapOvr>
+  <p:transition>
+    <p:fade/>
+  </p:transition>
+  <p:timing>
+    <p:tnLst>
+      <p:par>
+        <p:cTn id="1" dur="indefinite" restart="never" nodeType="tmRoot">
+          <p:childTnLst>
+            <p:seq concurrent="1" nextAc="seek">
+              <p:cTn id="2" dur="indefinite" nodeType="mainSeq">
+                <p:childTnLst>
+                  <p:par>
+                    <p:cTn id="3" fill="hold">
+                      <p:stCondLst>
+                        <p:cond delay="indefinite"/>
+                        <p:cond evt="onBegin" delay="0">
+                          <p:tn val="2"/>
+                        </p:cond>
+                      </p:stCondLst>
+                      <p:childTnLst>
+                        <p:par>
+                          <p:cTn id="4" fill="hold">
+                            <p:stCondLst>
+                              <p:cond delay="0"/>
+                            </p:stCondLst>
+                            <p:childTnLst>
+                              <p:par>
+                                <p:cTn id="5" presetID="2" presetClass="entr" presetSubtype="8" fill="hold" grpId="0" nodeType="afterEffect">
+                                  <p:stCondLst>
+                                    <p:cond delay="0"/>
+                                  </p:stCondLst>
+                                  <p:childTnLst>
+                                    <p:set>
+                                      <p:cBhvr>
+                                        <p:cTn id="6" dur="1" fill="hold">
+                                          <p:stCondLst>
+                                            <p:cond delay="0"/>
+                                          </p:stCondLst>
+                                        </p:cTn>
+                                        <p:tgtEl>
+                                          <p:spTgt spid="3"/>
+                                        </p:tgtEl>
+                                        <p:attrNameLst>
+                                          <p:attrName>style.visibility</p:attrName>
+                                        </p:attrNameLst>
+                                      </p:cBhvr>
+                                      <p:to>
+                                        <p:strVal val="visible"/>
+                                      </p:to>
+                                    </p:set>
+                                    <p:anim calcmode="lin" valueType="num">
+                                      <p:cBhvr additive="base">
+                                        <p:cTn id="7" dur="500" fill="hold"/>
+                                        <p:tgtEl>
+                                          <p:spTgt spid="3"/>
+                                        </p:tgtEl>
+                                        <p:attrNameLst>
+                                          <p:attrName>ppt_x</p:attrName>
+                                        </p:attrNameLst>
+                                      </p:cBhvr>
+                                      <p:tavLst>
+                                        <p:tav tm="0">
+                                          <p:val>
+                                            <p:strVal val="0-#ppt_w/2"/>
+                                          </p:val>
+                                        </p:tav>
+                                        <p:tav tm="100000">
+                                          <p:val>
+                                            <p:strVal val="#ppt_x"/>
+                                          </p:val>
+                                        </p:tav>
+                                      </p:tavLst>
+                                    </p:anim>
+                                    <p:anim calcmode="lin" valueType="num">
+                                      <p:cBhvr additive="base">
+                                        <p:cTn id="8" dur="500" fill="hold"/>
+                                        <p:tgtEl>
+                                          <p:spTgt spid="3"/>
+                                        </p:tgtEl>
+                                        <p:attrNameLst>
+                                          <p:attrName>ppt_y</p:attrName>
+                                        </p:attrNameLst>
+                                      </p:cBhvr>
+                                      <p:tavLst>
+                                        <p:tav tm="0">
+                                          <p:val>
+                                            <p:strVal val="#ppt_y"/>
+                                          </p:val>
+                                        </p:tav>
+                                        <p:tav tm="100000">
+                                          <p:val>
+                                            <p:strVal val="#ppt_y"/>
+                                          </p:val>
+                                        </p:tav>
+                                      </p:tavLst>
+                                    </p:anim>
+                                  </p:childTnLst>
+                                </p:cTn>
+                              </p:par>
+                            </p:childTnLst>
+                          </p:cTn>
+                        </p:par>
+                        <p:par>
+                          <p:cTn id="9" fill="hold">
+                            <p:stCondLst>
+                              <p:cond delay="500"/>
+                            </p:stCondLst>
+                            <p:childTnLst>
+                              <p:par>
+                                <p:cTn id="10" presetID="2" presetClass="entr" presetSubtype="8" fill="hold" grpId="0" nodeType="afterEffect">
+                                  <p:stCondLst>
+                                    <p:cond delay="0"/>
+                                  </p:stCondLst>
+                                  <p:childTnLst>
+                                    <p:set>
+                                      <p:cBhvr>
+                                        <p:cTn id="11" dur="1" fill="hold">
+                                          <p:stCondLst>
+                                            <p:cond delay="0"/>
+                                          </p:stCondLst>
+                                        </p:cTn>
+                                        <p:tgtEl>
+                                          <p:spTgt spid="8"/>
+                                        </p:tgtEl>
+                                        <p:attrNameLst>
+                                          <p:attrName>style.visibility</p:attrName>
+                                        </p:attrNameLst>
+                                      </p:cBhvr>
+                                      <p:to>
+                                        <p:strVal val="visible"/>
+                                      </p:to>
+                                    </p:set>
+                                    <p:anim calcmode="lin" valueType="num">
+                                      <p:cBhvr>
+                                        <p:cTn id="12" dur="500" fill="hold"/>
+                                        <p:tgtEl>
+                                          <p:spTgt spid="8"/>
+                                        </p:tgtEl>
+                                        <p:attrNameLst>
+                                          <p:attrName>ppt_x</p:attrName>
+                                        </p:attrNameLst>
+                                      </p:cBhvr>
+                                      <p:tavLst>
+                                        <p:tav tm="0">
+                                          <p:val>
+                                            <p:strVal val="0-#ppt_w/2"/>
+                                          </p:val>
+                                        </p:tav>
+                                        <p:tav tm="100000">
+                                          <p:val>
+                                            <p:strVal val="#ppt_x"/>
+                                          </p:val>
+                                        </p:tav>
+                                      </p:tavLst>
+                                    </p:anim>
+                                    <p:anim calcmode="lin" valueType="num">
+                                      <p:cBhvr>
+                                        <p:cTn id="13" dur="500" fill="hold"/>
+                                        <p:tgtEl>
+                                          <p:spTgt spid="8"/>
+                                        </p:tgtEl>
+                                        <p:attrNameLst>
+                                          <p:attrName>ppt_y</p:attrName>
+                                        </p:attrNameLst>
+                                      </p:cBhvr>
+                                      <p:tavLst>
+                                        <p:tav tm="0">
+                                          <p:val>
+                                            <p:strVal val="#ppt_y"/>
+                                          </p:val>
+                                        </p:tav>
+                                        <p:tav tm="100000">
+                                          <p:val>
+                                            <p:strVal val="#ppt_y"/>
+                                          </p:val>
+                                        </p:tav>
+                                      </p:tavLst>
+                                    </p:anim>
+                                  </p:childTnLst>
+                                </p:cTn>
+                              </p:par>
+                            </p:childTnLst>
+                          </p:cTn>
+                        </p:par>
+                        <p:par>
+                          <p:cTn id="14" fill="hold">
+                            <p:stCondLst>
+                              <p:cond delay="1000"/>
+                            </p:stCondLst>
+                            <p:childTnLst>
+                              <p:par>
+                                <p:cTn id="15" presetID="10" presetClass="entr" presetSubtype="0" fill="hold" grpId="0" nodeType="afterEffect">
+                                  <p:stCondLst>
+                                    <p:cond delay="0"/>
+                                  </p:stCondLst>
+                                  <p:childTnLst>
+                                    <p:set>
+                                      <p:cBhvr>
+                                        <p:cTn id="16" dur="1" fill="hold">
+                                          <p:stCondLst>
+                                            <p:cond delay="0"/>
+                                          </p:stCondLst>
+                                        </p:cTn>
+                                        <p:tgtEl>
+                                          <p:spTgt spid="23"/>
+                                        </p:tgtEl>
+                                        <p:attrNameLst>
+                                          <p:attrName>style.visibility</p:attrName>
+                                        </p:attrNameLst>
+                                      </p:cBhvr>
+                                      <p:to>
+                                        <p:strVal val="visible"/>
+                                      </p:to>
+                                    </p:set>
+                                    <p:animEffect transition="in" filter="fade">
+                                      <p:cBhvr>
+                                        <p:cTn id="17" dur="500"/>
+                                        <p:tgtEl>
+                                          <p:spTgt spid="23"/>
+                                        </p:tgtEl>
+                                      </p:cBhvr>
+                                    </p:animEffect>
+                                  </p:childTnLst>
+                                </p:cTn>
+                              </p:par>
+                            </p:childTnLst>
+                          </p:cTn>
+                        </p:par>
+                        <p:par>
+                          <p:cTn id="18" fill="hold">
+                            <p:stCondLst>
+                              <p:cond delay="1500"/>
+                            </p:stCondLst>
+                            <p:childTnLst>
+                              <p:par>
+                                <p:cTn id="19" presetID="10" presetClass="entr" presetSubtype="0" fill="hold" grpId="0" nodeType="afterEffect">
+                                  <p:stCondLst>
+                                    <p:cond delay="0"/>
+                                  </p:stCondLst>
+                                  <p:childTnLst>
+                                    <p:set>
+                                      <p:cBhvr>
+                                        <p:cTn id="20" dur="1" fill="hold">
+                                          <p:stCondLst>
+                                            <p:cond delay="0"/>
+                                          </p:stCondLst>
+                                        </p:cTn>
+                                        <p:tgtEl>
+                                          <p:spTgt spid="6"/>
+                                        </p:tgtEl>
+                                        <p:attrNameLst>
+                                          <p:attrName>style.visibility</p:attrName>
+                                        </p:attrNameLst>
+                                      </p:cBhvr>
+                                      <p:to>
+                                        <p:strVal val="visible"/>
+                                      </p:to>
+                                    </p:set>
+                                    <p:animEffect transition="in" filter="fade">
+                                      <p:cBhvr>
+                                        <p:cTn id="21" dur="500"/>
+                                        <p:tgtEl>
+                                          <p:spTgt spid="6"/>
+                                        </p:tgtEl>
+                                      </p:cBhvr>
+                                    </p:animEffect>
+                                  </p:childTnLst>
+                                </p:cTn>
+                              </p:par>
+                            </p:childTnLst>
+                          </p:cTn>
+                        </p:par>
+                      </p:childTnLst>
+                    </p:cTn>
+                  </p:par>
+                </p:childTnLst>
+              </p:cTn>
+              <p:prevCondLst>
+                <p:cond evt="onPrev" delay="0">
+                  <p:tgtEl>
+                    <p:sldTgt/>
+                  </p:tgtEl>
+                </p:cond>
+              </p:prevCondLst>
+              <p:nextCondLst>
+                <p:cond evt="onNext" delay="0">
+                  <p:tgtEl>
+                    <p:sldTgt/>
+                  </p:tgtEl>
+                </p:cond>
+              </p:nextCondLst>
+            </p:seq>
+          </p:childTnLst>
+        </p:cTn>
+      </p:par>
+    </p:tnLst>
+    <p:bldLst>
+      <p:bldP spid="3" grpId="0" animBg="1"/>
+      <p:bldP spid="8" grpId="0" bldLvl="0" animBg="1"/>
+      <p:bldP spid="23" grpId="0"/>
+      <p:bldP spid="6" grpId="0"/>
+    </p:bldLst>
+  </p:timing>
+</p:sld>
+</file>
+
+<file path=ppt/slides/slide17.xml><?xml version="1.0" encoding="utf-8"?>
+<p:sld xmlns:a="http://schemas.openxmlformats.org/drawingml/2006/main" xmlns:r="http://schemas.openxmlformats.org/officeDocument/2006/relationships" xmlns:p="http://schemas.openxmlformats.org/presentationml/2006/main">
+  <p:cSld>
+    <p:spTree>
+      <p:nvGrpSpPr>
+        <p:cNvPr id="1" name=""/>
+        <p:cNvGrpSpPr/>
+        <p:nvPr/>
+      </p:nvGrpSpPr>
+      <p:grpSpPr>
+        <a:xfrm>
+          <a:off x="0" y="0"/>
+          <a:ext cx="0" cy="0"/>
+          <a:chOff x="0" y="0"/>
+          <a:chExt cx="0" cy="0"/>
+        </a:xfrm>
+      </p:grpSpPr>
+      <p:sp>
+        <p:nvSpPr>
+          <p:cNvPr id="3" name="直角三角形 2"/>
+          <p:cNvSpPr/>
+          <p:nvPr/>
+        </p:nvSpPr>
+        <p:spPr>
+          <a:xfrm rot="5400000">
+            <a:off x="-19050" y="-12700"/>
+            <a:ext cx="1409700" cy="1409700"/>
+          </a:xfrm>
+          <a:prstGeom prst="rtTriangle">
+            <a:avLst/>
+          </a:prstGeom>
+          <a:solidFill>
+            <a:srgbClr val="002748"/>
+          </a:solidFill>
+          <a:ln>
+            <a:noFill/>
+          </a:ln>
+        </p:spPr>
+        <p:style>
+          <a:lnRef idx="2">
+            <a:schemeClr val="accent1">
+              <a:shade val="50000"/>
+            </a:schemeClr>
+          </a:lnRef>
+          <a:fillRef idx="1">
+            <a:schemeClr val="accent1"/>
+          </a:fillRef>
+          <a:effectRef idx="0">
+            <a:schemeClr val="accent1"/>
+          </a:effectRef>
+          <a:fontRef idx="minor">
+            <a:schemeClr val="lt1"/>
+          </a:fontRef>
+        </p:style>
+        <p:txBody>
+          <a:bodyPr rtlCol="0" anchor="ctr"/>
+          <a:lstStyle/>
+          <a:p>
+            <a:pPr algn="ctr" fontAlgn="base"/>
+            <a:endParaRPr lang="zh-CN" altLang="en-US" strike="noStrike" noProof="1">
+              <a:ea typeface="Arial Unicode MS" panose="020B0604020202020204" charset="-122"/>
+            </a:endParaRPr>
+          </a:p>
+        </p:txBody>
+      </p:sp>
+      <p:sp>
+        <p:nvSpPr>
+          <p:cNvPr id="8" name="直角三角形 7"/>
+          <p:cNvSpPr/>
+          <p:nvPr/>
+        </p:nvSpPr>
+        <p:spPr>
+          <a:xfrm rot="16200000">
+            <a:off x="8384381" y="4396581"/>
+            <a:ext cx="782638" cy="781050"/>
+          </a:xfrm>
+          <a:prstGeom prst="rtTriangle">
+            <a:avLst/>
+          </a:prstGeom>
+          <a:solidFill>
+            <a:srgbClr val="002748"/>
+          </a:solidFill>
+          <a:ln>
+            <a:noFill/>
+          </a:ln>
+        </p:spPr>
+        <p:style>
+          <a:lnRef idx="2">
+            <a:schemeClr val="accent1">
+              <a:shade val="50000"/>
+            </a:schemeClr>
+          </a:lnRef>
+          <a:fillRef idx="1">
+            <a:schemeClr val="accent1"/>
+          </a:fillRef>
+          <a:effectRef idx="0">
+            <a:schemeClr val="accent1"/>
+          </a:effectRef>
+          <a:fontRef idx="minor">
+            <a:schemeClr val="lt1"/>
+          </a:fontRef>
+        </p:style>
+        <p:txBody>
+          <a:bodyPr rtlCol="0" anchor="ctr"/>
+          <a:lstStyle/>
+          <a:p>
+            <a:pPr algn="ctr" fontAlgn="base"/>
+            <a:endParaRPr lang="zh-CN" altLang="en-US" strike="noStrike" noProof="1">
+              <a:ea typeface="Arial Unicode MS" panose="020B0604020202020204" charset="-122"/>
+            </a:endParaRPr>
+          </a:p>
+        </p:txBody>
+      </p:sp>
+      <p:sp>
+        <p:nvSpPr>
+          <p:cNvPr id="23" name="文本框 2"/>
+          <p:cNvSpPr txBox="1"/>
+          <p:nvPr/>
+        </p:nvSpPr>
+        <p:spPr>
+          <a:xfrm>
+            <a:off x="2013098" y="361751"/>
+            <a:ext cx="5139069" cy="584775"/>
+          </a:xfrm>
+          <a:prstGeom prst="rect">
+            <a:avLst/>
+          </a:prstGeom>
+          <a:noFill/>
+          <a:ln w="9525">
+            <a:noFill/>
+          </a:ln>
+        </p:spPr>
+        <p:txBody>
+          <a:bodyPr wrap="square" anchor="t">
+            <a:spAutoFit/>
+          </a:bodyPr>
+          <a:lstStyle/>
+          <a:p>
+            <a:pPr algn="ctr"/>
+            <a:r>
+              <a:rPr lang="en-US" altLang="zh-CN" sz="3200" b="1" dirty="0" smtClean="0">
+                <a:solidFill>
+                  <a:srgbClr val="FF9900"/>
+                </a:solidFill>
+                <a:latin typeface="Arial Unicode MS" panose="020B0604020202020204" charset="-122"/>
+                <a:ea typeface="Arial Unicode MS" panose="020B0604020202020204" charset="-122"/>
+              </a:rPr>
+              <a:t>MySQL General Functions</a:t>
+            </a:r>
+            <a:endParaRPr lang="en-US" altLang="zh-CN" sz="3200" b="1" dirty="0">
+              <a:solidFill>
+                <a:srgbClr val="FF9900"/>
+              </a:solidFill>
+              <a:latin typeface="Arial Unicode MS" panose="020B0604020202020204" charset="-122"/>
+              <a:ea typeface="Arial Unicode MS" panose="020B0604020202020204" charset="-122"/>
+            </a:endParaRPr>
+          </a:p>
+        </p:txBody>
+      </p:sp>
+      <p:sp>
+        <p:nvSpPr>
+          <p:cNvPr id="6" name="文本框 2"/>
+          <p:cNvSpPr txBox="1"/>
+          <p:nvPr/>
+        </p:nvSpPr>
+        <p:spPr>
+          <a:xfrm>
+            <a:off x="609598" y="1007790"/>
+            <a:ext cx="3161416" cy="400110"/>
+          </a:xfrm>
+          <a:prstGeom prst="rect">
+            <a:avLst/>
+          </a:prstGeom>
+          <a:noFill/>
+          <a:ln w="9525">
+            <a:noFill/>
+          </a:ln>
+        </p:spPr>
+        <p:txBody>
+          <a:bodyPr wrap="square" anchor="t">
+            <a:spAutoFit/>
+          </a:bodyPr>
+          <a:lstStyle/>
+          <a:p>
+            <a:r>
+              <a:rPr lang="en-US" altLang="zh-CN" sz="2000" b="1" dirty="0" smtClean="0">
+                <a:solidFill>
+                  <a:srgbClr val="FF9900"/>
+                </a:solidFill>
+                <a:latin typeface="Arial Unicode MS" panose="020B0604020202020204" charset="-122"/>
+                <a:ea typeface="Arial Unicode MS" panose="020B0604020202020204" charset="-122"/>
+              </a:rPr>
+              <a:t>Relational Operators</a:t>
+            </a:r>
+            <a:endParaRPr lang="en-US" altLang="zh-CN" sz="2000" b="1" dirty="0">
+              <a:solidFill>
+                <a:srgbClr val="FF9900"/>
+              </a:solidFill>
+              <a:latin typeface="Arial Unicode MS" panose="020B0604020202020204" charset="-122"/>
+              <a:ea typeface="Arial Unicode MS" panose="020B0604020202020204" charset="-122"/>
+            </a:endParaRPr>
+          </a:p>
+        </p:txBody>
+      </p:sp>
+      <p:sp>
+        <p:nvSpPr>
+          <p:cNvPr id="2" name="TextBox 1"/>
+          <p:cNvSpPr txBox="1"/>
+          <p:nvPr/>
+        </p:nvSpPr>
+        <p:spPr>
+          <a:xfrm>
+            <a:off x="609598" y="1443551"/>
+            <a:ext cx="7676709" cy="646331"/>
+          </a:xfrm>
+          <a:prstGeom prst="rect">
+            <a:avLst/>
+          </a:prstGeom>
+          <a:noFill/>
+        </p:spPr>
+        <p:txBody>
+          <a:bodyPr wrap="square" rtlCol="0">
+            <a:spAutoFit/>
+          </a:bodyPr>
+          <a:lstStyle/>
+          <a:p>
+            <a:r>
+              <a:rPr lang="en-US" dirty="0"/>
+              <a:t>select * from </a:t>
+            </a:r>
+            <a:r>
+              <a:rPr lang="en-US" dirty="0" err="1"/>
+              <a:t>sal_details</a:t>
+            </a:r>
+            <a:r>
+              <a:rPr lang="en-US" dirty="0"/>
+              <a:t> where amount &gt;= 25000</a:t>
+            </a:r>
+            <a:r>
+              <a:rPr lang="en-US" dirty="0" smtClean="0"/>
+              <a:t>;</a:t>
+            </a:r>
+          </a:p>
+          <a:p>
+            <a:r>
+              <a:rPr lang="en-US" dirty="0"/>
+              <a:t>select * from </a:t>
+            </a:r>
+            <a:r>
+              <a:rPr lang="en-US" dirty="0" err="1"/>
+              <a:t>sal_details</a:t>
+            </a:r>
+            <a:r>
+              <a:rPr lang="en-US" dirty="0"/>
+              <a:t> where amount &lt; 20000;</a:t>
+            </a:r>
+            <a:endParaRPr lang="en-IN" dirty="0"/>
+          </a:p>
+        </p:txBody>
+      </p:sp>
+      <p:pic>
+        <p:nvPicPr>
+          <p:cNvPr id="4" name="Picture 3"/>
+          <p:cNvPicPr>
+            <a:picLocks noChangeAspect="1"/>
+          </p:cNvPicPr>
+          <p:nvPr/>
+        </p:nvPicPr>
+        <p:blipFill>
+          <a:blip r:embed="rId2"/>
+          <a:stretch>
+            <a:fillRect/>
+          </a:stretch>
+        </p:blipFill>
+        <p:spPr>
+          <a:xfrm>
+            <a:off x="609598" y="2102857"/>
+            <a:ext cx="3520745" cy="3040643"/>
+          </a:xfrm>
+          <a:prstGeom prst="rect">
+            <a:avLst/>
+          </a:prstGeom>
+        </p:spPr>
+      </p:pic>
+      <p:pic>
+        <p:nvPicPr>
+          <p:cNvPr id="9" name="Picture 8"/>
+          <p:cNvPicPr>
+            <a:picLocks noChangeAspect="1"/>
+          </p:cNvPicPr>
+          <p:nvPr/>
+        </p:nvPicPr>
+        <p:blipFill>
+          <a:blip r:embed="rId3"/>
+          <a:stretch>
+            <a:fillRect/>
+          </a:stretch>
+        </p:blipFill>
+        <p:spPr>
+          <a:xfrm>
+            <a:off x="4501197" y="2085759"/>
+            <a:ext cx="3513124" cy="3010161"/>
+          </a:xfrm>
+          <a:prstGeom prst="rect">
+            <a:avLst/>
+          </a:prstGeom>
+        </p:spPr>
+      </p:pic>
+    </p:spTree>
+    <p:extLst>
+      <p:ext uri="{BB962C8B-B14F-4D97-AF65-F5344CB8AC3E}">
+        <p14:creationId xmlns:p14="http://schemas.microsoft.com/office/powerpoint/2010/main" val="1538389077"/>
+      </p:ext>
+    </p:extLst>
+  </p:cSld>
+  <p:clrMapOvr>
+    <a:masterClrMapping/>
+  </p:clrMapOvr>
+  <p:transition>
+    <p:fade/>
+  </p:transition>
+  <p:timing>
+    <p:tnLst>
+      <p:par>
+        <p:cTn id="1" dur="indefinite" restart="never" nodeType="tmRoot">
+          <p:childTnLst>
+            <p:seq concurrent="1" nextAc="seek">
+              <p:cTn id="2" dur="indefinite" nodeType="mainSeq">
+                <p:childTnLst>
+                  <p:par>
+                    <p:cTn id="3" fill="hold">
+                      <p:stCondLst>
+                        <p:cond delay="indefinite"/>
+                        <p:cond evt="onBegin" delay="0">
+                          <p:tn val="2"/>
+                        </p:cond>
+                      </p:stCondLst>
+                      <p:childTnLst>
+                        <p:par>
+                          <p:cTn id="4" fill="hold">
+                            <p:stCondLst>
+                              <p:cond delay="0"/>
+                            </p:stCondLst>
+                            <p:childTnLst>
+                              <p:par>
+                                <p:cTn id="5" presetID="2" presetClass="entr" presetSubtype="8" fill="hold" grpId="0" nodeType="afterEffect">
+                                  <p:stCondLst>
+                                    <p:cond delay="0"/>
+                                  </p:stCondLst>
+                                  <p:childTnLst>
+                                    <p:set>
+                                      <p:cBhvr>
+                                        <p:cTn id="6" dur="1" fill="hold">
+                                          <p:stCondLst>
+                                            <p:cond delay="0"/>
+                                          </p:stCondLst>
+                                        </p:cTn>
+                                        <p:tgtEl>
+                                          <p:spTgt spid="3"/>
+                                        </p:tgtEl>
+                                        <p:attrNameLst>
+                                          <p:attrName>style.visibility</p:attrName>
+                                        </p:attrNameLst>
+                                      </p:cBhvr>
+                                      <p:to>
+                                        <p:strVal val="visible"/>
+                                      </p:to>
+                                    </p:set>
+                                    <p:anim calcmode="lin" valueType="num">
+                                      <p:cBhvr additive="base">
+                                        <p:cTn id="7" dur="500" fill="hold"/>
+                                        <p:tgtEl>
+                                          <p:spTgt spid="3"/>
+                                        </p:tgtEl>
+                                        <p:attrNameLst>
+                                          <p:attrName>ppt_x</p:attrName>
+                                        </p:attrNameLst>
+                                      </p:cBhvr>
+                                      <p:tavLst>
+                                        <p:tav tm="0">
+                                          <p:val>
+                                            <p:strVal val="0-#ppt_w/2"/>
+                                          </p:val>
+                                        </p:tav>
+                                        <p:tav tm="100000">
+                                          <p:val>
+                                            <p:strVal val="#ppt_x"/>
+                                          </p:val>
+                                        </p:tav>
+                                      </p:tavLst>
+                                    </p:anim>
+                                    <p:anim calcmode="lin" valueType="num">
+                                      <p:cBhvr additive="base">
+                                        <p:cTn id="8" dur="500" fill="hold"/>
+                                        <p:tgtEl>
+                                          <p:spTgt spid="3"/>
+                                        </p:tgtEl>
+                                        <p:attrNameLst>
+                                          <p:attrName>ppt_y</p:attrName>
+                                        </p:attrNameLst>
+                                      </p:cBhvr>
+                                      <p:tavLst>
+                                        <p:tav tm="0">
+                                          <p:val>
+                                            <p:strVal val="#ppt_y"/>
+                                          </p:val>
+                                        </p:tav>
+                                        <p:tav tm="100000">
+                                          <p:val>
+                                            <p:strVal val="#ppt_y"/>
+                                          </p:val>
+                                        </p:tav>
+                                      </p:tavLst>
+                                    </p:anim>
+                                  </p:childTnLst>
+                                </p:cTn>
+                              </p:par>
+                            </p:childTnLst>
+                          </p:cTn>
+                        </p:par>
+                        <p:par>
+                          <p:cTn id="9" fill="hold">
+                            <p:stCondLst>
+                              <p:cond delay="500"/>
+                            </p:stCondLst>
+                            <p:childTnLst>
+                              <p:par>
+                                <p:cTn id="10" presetID="2" presetClass="entr" presetSubtype="8" fill="hold" grpId="0" nodeType="afterEffect">
+                                  <p:stCondLst>
+                                    <p:cond delay="0"/>
+                                  </p:stCondLst>
+                                  <p:childTnLst>
+                                    <p:set>
+                                      <p:cBhvr>
+                                        <p:cTn id="11" dur="1" fill="hold">
+                                          <p:stCondLst>
+                                            <p:cond delay="0"/>
+                                          </p:stCondLst>
+                                        </p:cTn>
+                                        <p:tgtEl>
+                                          <p:spTgt spid="8"/>
+                                        </p:tgtEl>
+                                        <p:attrNameLst>
+                                          <p:attrName>style.visibility</p:attrName>
+                                        </p:attrNameLst>
+                                      </p:cBhvr>
+                                      <p:to>
+                                        <p:strVal val="visible"/>
+                                      </p:to>
+                                    </p:set>
+                                    <p:anim calcmode="lin" valueType="num">
+                                      <p:cBhvr>
+                                        <p:cTn id="12" dur="500" fill="hold"/>
+                                        <p:tgtEl>
+                                          <p:spTgt spid="8"/>
+                                        </p:tgtEl>
+                                        <p:attrNameLst>
+                                          <p:attrName>ppt_x</p:attrName>
+                                        </p:attrNameLst>
+                                      </p:cBhvr>
+                                      <p:tavLst>
+                                        <p:tav tm="0">
+                                          <p:val>
+                                            <p:strVal val="0-#ppt_w/2"/>
+                                          </p:val>
+                                        </p:tav>
+                                        <p:tav tm="100000">
+                                          <p:val>
+                                            <p:strVal val="#ppt_x"/>
+                                          </p:val>
+                                        </p:tav>
+                                      </p:tavLst>
+                                    </p:anim>
+                                    <p:anim calcmode="lin" valueType="num">
+                                      <p:cBhvr>
+                                        <p:cTn id="13" dur="500" fill="hold"/>
+                                        <p:tgtEl>
+                                          <p:spTgt spid="8"/>
+                                        </p:tgtEl>
+                                        <p:attrNameLst>
+                                          <p:attrName>ppt_y</p:attrName>
+                                        </p:attrNameLst>
+                                      </p:cBhvr>
+                                      <p:tavLst>
+                                        <p:tav tm="0">
+                                          <p:val>
+                                            <p:strVal val="#ppt_y"/>
+                                          </p:val>
+                                        </p:tav>
+                                        <p:tav tm="100000">
+                                          <p:val>
+                                            <p:strVal val="#ppt_y"/>
+                                          </p:val>
+                                        </p:tav>
+                                      </p:tavLst>
+                                    </p:anim>
+                                  </p:childTnLst>
+                                </p:cTn>
+                              </p:par>
+                            </p:childTnLst>
+                          </p:cTn>
+                        </p:par>
+                        <p:par>
+                          <p:cTn id="14" fill="hold">
+                            <p:stCondLst>
+                              <p:cond delay="1000"/>
+                            </p:stCondLst>
+                            <p:childTnLst>
+                              <p:par>
+                                <p:cTn id="15" presetID="10" presetClass="entr" presetSubtype="0" fill="hold" grpId="0" nodeType="afterEffect">
+                                  <p:stCondLst>
+                                    <p:cond delay="0"/>
+                                  </p:stCondLst>
+                                  <p:childTnLst>
+                                    <p:set>
+                                      <p:cBhvr>
+                                        <p:cTn id="16" dur="1" fill="hold">
+                                          <p:stCondLst>
+                                            <p:cond delay="0"/>
+                                          </p:stCondLst>
+                                        </p:cTn>
+                                        <p:tgtEl>
+                                          <p:spTgt spid="23"/>
+                                        </p:tgtEl>
+                                        <p:attrNameLst>
+                                          <p:attrName>style.visibility</p:attrName>
+                                        </p:attrNameLst>
+                                      </p:cBhvr>
+                                      <p:to>
+                                        <p:strVal val="visible"/>
+                                      </p:to>
+                                    </p:set>
+                                    <p:animEffect transition="in" filter="fade">
+                                      <p:cBhvr>
+                                        <p:cTn id="17" dur="500"/>
+                                        <p:tgtEl>
+                                          <p:spTgt spid="23"/>
+                                        </p:tgtEl>
+                                      </p:cBhvr>
+                                    </p:animEffect>
+                                  </p:childTnLst>
+                                </p:cTn>
+                              </p:par>
+                            </p:childTnLst>
+                          </p:cTn>
+                        </p:par>
+                        <p:par>
+                          <p:cTn id="18" fill="hold">
+                            <p:stCondLst>
+                              <p:cond delay="1500"/>
+                            </p:stCondLst>
+                            <p:childTnLst>
+                              <p:par>
+                                <p:cTn id="19" presetID="10" presetClass="entr" presetSubtype="0" fill="hold" grpId="0" nodeType="afterEffect">
+                                  <p:stCondLst>
+                                    <p:cond delay="0"/>
+                                  </p:stCondLst>
+                                  <p:childTnLst>
+                                    <p:set>
+                                      <p:cBhvr>
+                                        <p:cTn id="20" dur="1" fill="hold">
+                                          <p:stCondLst>
+                                            <p:cond delay="0"/>
+                                          </p:stCondLst>
+                                        </p:cTn>
+                                        <p:tgtEl>
+                                          <p:spTgt spid="6"/>
+                                        </p:tgtEl>
+                                        <p:attrNameLst>
+                                          <p:attrName>style.visibility</p:attrName>
+                                        </p:attrNameLst>
+                                      </p:cBhvr>
+                                      <p:to>
+                                        <p:strVal val="visible"/>
+                                      </p:to>
+                                    </p:set>
+                                    <p:animEffect transition="in" filter="fade">
+                                      <p:cBhvr>
+                                        <p:cTn id="21" dur="500"/>
+                                        <p:tgtEl>
+                                          <p:spTgt spid="6"/>
+                                        </p:tgtEl>
+                                      </p:cBhvr>
+                                    </p:animEffect>
+                                  </p:childTnLst>
+                                </p:cTn>
+                              </p:par>
+                            </p:childTnLst>
+                          </p:cTn>
+                        </p:par>
+                      </p:childTnLst>
+                    </p:cTn>
+                  </p:par>
+                </p:childTnLst>
+              </p:cTn>
+              <p:prevCondLst>
+                <p:cond evt="onPrev" delay="0">
+                  <p:tgtEl>
+                    <p:sldTgt/>
+                  </p:tgtEl>
+                </p:cond>
+              </p:prevCondLst>
+              <p:nextCondLst>
+                <p:cond evt="onNext" delay="0">
+                  <p:tgtEl>
+                    <p:sldTgt/>
+                  </p:tgtEl>
+                </p:cond>
+              </p:nextCondLst>
+            </p:seq>
+          </p:childTnLst>
+        </p:cTn>
+      </p:par>
+    </p:tnLst>
+    <p:bldLst>
+      <p:bldP spid="3" grpId="0" animBg="1"/>
+      <p:bldP spid="8" grpId="0" bldLvl="0" animBg="1"/>
+      <p:bldP spid="23" grpId="0"/>
+      <p:bldP spid="6" grpId="0"/>
+    </p:bldLst>
+  </p:timing>
+</p:sld>
+</file>
+
+<file path=ppt/slides/slide18.xml><?xml version="1.0" encoding="utf-8"?>
+<p:sld xmlns:a="http://schemas.openxmlformats.org/drawingml/2006/main" xmlns:r="http://schemas.openxmlformats.org/officeDocument/2006/relationships" xmlns:p="http://schemas.openxmlformats.org/presentationml/2006/main">
+  <p:cSld>
+    <p:spTree>
+      <p:nvGrpSpPr>
+        <p:cNvPr id="1" name=""/>
+        <p:cNvGrpSpPr/>
+        <p:nvPr/>
+      </p:nvGrpSpPr>
+      <p:grpSpPr>
+        <a:xfrm>
+          <a:off x="0" y="0"/>
+          <a:ext cx="0" cy="0"/>
+          <a:chOff x="0" y="0"/>
+          <a:chExt cx="0" cy="0"/>
+        </a:xfrm>
+      </p:grpSpPr>
+      <p:sp>
+        <p:nvSpPr>
+          <p:cNvPr id="3" name="直角三角形 2"/>
+          <p:cNvSpPr/>
+          <p:nvPr/>
+        </p:nvSpPr>
+        <p:spPr>
+          <a:xfrm rot="5400000">
+            <a:off x="-19050" y="-12700"/>
+            <a:ext cx="1409700" cy="1409700"/>
+          </a:xfrm>
+          <a:prstGeom prst="rtTriangle">
+            <a:avLst/>
+          </a:prstGeom>
+          <a:solidFill>
+            <a:srgbClr val="002748"/>
+          </a:solidFill>
+          <a:ln>
+            <a:noFill/>
+          </a:ln>
+        </p:spPr>
+        <p:style>
+          <a:lnRef idx="2">
+            <a:schemeClr val="accent1">
+              <a:shade val="50000"/>
+            </a:schemeClr>
+          </a:lnRef>
+          <a:fillRef idx="1">
+            <a:schemeClr val="accent1"/>
+          </a:fillRef>
+          <a:effectRef idx="0">
+            <a:schemeClr val="accent1"/>
+          </a:effectRef>
+          <a:fontRef idx="minor">
+            <a:schemeClr val="lt1"/>
+          </a:fontRef>
+        </p:style>
+        <p:txBody>
+          <a:bodyPr rtlCol="0" anchor="ctr"/>
+          <a:lstStyle/>
+          <a:p>
+            <a:pPr algn="ctr" fontAlgn="base"/>
+            <a:endParaRPr lang="zh-CN" altLang="en-US" strike="noStrike" noProof="1">
+              <a:ea typeface="Arial Unicode MS" panose="020B0604020202020204" charset="-122"/>
+            </a:endParaRPr>
+          </a:p>
+        </p:txBody>
+      </p:sp>
+      <p:sp>
+        <p:nvSpPr>
+          <p:cNvPr id="8" name="直角三角形 7"/>
+          <p:cNvSpPr/>
+          <p:nvPr/>
+        </p:nvSpPr>
+        <p:spPr>
+          <a:xfrm rot="16200000">
+            <a:off x="8384381" y="4396581"/>
+            <a:ext cx="782638" cy="781050"/>
+          </a:xfrm>
+          <a:prstGeom prst="rtTriangle">
+            <a:avLst/>
+          </a:prstGeom>
+          <a:solidFill>
+            <a:srgbClr val="002748"/>
+          </a:solidFill>
+          <a:ln>
+            <a:noFill/>
+          </a:ln>
+        </p:spPr>
+        <p:style>
+          <a:lnRef idx="2">
+            <a:schemeClr val="accent1">
+              <a:shade val="50000"/>
+            </a:schemeClr>
+          </a:lnRef>
+          <a:fillRef idx="1">
+            <a:schemeClr val="accent1"/>
+          </a:fillRef>
+          <a:effectRef idx="0">
+            <a:schemeClr val="accent1"/>
+          </a:effectRef>
+          <a:fontRef idx="minor">
+            <a:schemeClr val="lt1"/>
+          </a:fontRef>
+        </p:style>
+        <p:txBody>
+          <a:bodyPr rtlCol="0" anchor="ctr"/>
+          <a:lstStyle/>
+          <a:p>
+            <a:pPr algn="ctr" fontAlgn="base"/>
+            <a:endParaRPr lang="zh-CN" altLang="en-US" strike="noStrike" noProof="1">
+              <a:ea typeface="Arial Unicode MS" panose="020B0604020202020204" charset="-122"/>
+            </a:endParaRPr>
+          </a:p>
+        </p:txBody>
+      </p:sp>
+      <p:sp>
+        <p:nvSpPr>
+          <p:cNvPr id="23" name="文本框 2"/>
+          <p:cNvSpPr txBox="1"/>
+          <p:nvPr/>
+        </p:nvSpPr>
+        <p:spPr>
+          <a:xfrm>
+            <a:off x="2013098" y="361751"/>
+            <a:ext cx="5139069" cy="584775"/>
+          </a:xfrm>
+          <a:prstGeom prst="rect">
+            <a:avLst/>
+          </a:prstGeom>
+          <a:noFill/>
+          <a:ln w="9525">
+            <a:noFill/>
+          </a:ln>
+        </p:spPr>
+        <p:txBody>
+          <a:bodyPr wrap="square" anchor="t">
+            <a:spAutoFit/>
+          </a:bodyPr>
+          <a:lstStyle/>
+          <a:p>
+            <a:pPr algn="ctr"/>
+            <a:r>
+              <a:rPr lang="en-US" altLang="zh-CN" sz="3200" b="1" dirty="0" smtClean="0">
+                <a:solidFill>
+                  <a:srgbClr val="FF9900"/>
+                </a:solidFill>
+                <a:latin typeface="Arial Unicode MS" panose="020B0604020202020204" charset="-122"/>
+                <a:ea typeface="Arial Unicode MS" panose="020B0604020202020204" charset="-122"/>
+              </a:rPr>
+              <a:t>MySQL General Functions</a:t>
+            </a:r>
+            <a:endParaRPr lang="en-US" altLang="zh-CN" sz="3200" b="1" dirty="0">
+              <a:solidFill>
+                <a:srgbClr val="FF9900"/>
+              </a:solidFill>
+              <a:latin typeface="Arial Unicode MS" panose="020B0604020202020204" charset="-122"/>
+              <a:ea typeface="Arial Unicode MS" panose="020B0604020202020204" charset="-122"/>
+            </a:endParaRPr>
+          </a:p>
+        </p:txBody>
+      </p:sp>
+      <p:sp>
+        <p:nvSpPr>
+          <p:cNvPr id="6" name="文本框 2"/>
+          <p:cNvSpPr txBox="1"/>
+          <p:nvPr/>
+        </p:nvSpPr>
+        <p:spPr>
+          <a:xfrm>
+            <a:off x="609598" y="1007790"/>
+            <a:ext cx="3161416" cy="400110"/>
+          </a:xfrm>
+          <a:prstGeom prst="rect">
+            <a:avLst/>
+          </a:prstGeom>
+          <a:noFill/>
+          <a:ln w="9525">
+            <a:noFill/>
+          </a:ln>
+        </p:spPr>
+        <p:txBody>
+          <a:bodyPr wrap="square" anchor="t">
+            <a:spAutoFit/>
+          </a:bodyPr>
+          <a:lstStyle/>
+          <a:p>
+            <a:r>
+              <a:rPr lang="en-US" altLang="zh-CN" sz="2000" b="1" dirty="0" smtClean="0">
+                <a:solidFill>
+                  <a:srgbClr val="FF9900"/>
+                </a:solidFill>
+                <a:latin typeface="Arial Unicode MS" panose="020B0604020202020204" charset="-122"/>
+                <a:ea typeface="Arial Unicode MS" panose="020B0604020202020204" charset="-122"/>
+              </a:rPr>
+              <a:t>Relational Operators</a:t>
+            </a:r>
+            <a:endParaRPr lang="en-US" altLang="zh-CN" sz="2000" b="1" dirty="0">
+              <a:solidFill>
+                <a:srgbClr val="FF9900"/>
+              </a:solidFill>
+              <a:latin typeface="Arial Unicode MS" panose="020B0604020202020204" charset="-122"/>
+              <a:ea typeface="Arial Unicode MS" panose="020B0604020202020204" charset="-122"/>
+            </a:endParaRPr>
+          </a:p>
+        </p:txBody>
+      </p:sp>
+      <p:sp>
+        <p:nvSpPr>
+          <p:cNvPr id="2" name="TextBox 1"/>
+          <p:cNvSpPr txBox="1"/>
+          <p:nvPr/>
+        </p:nvSpPr>
+        <p:spPr>
+          <a:xfrm>
+            <a:off x="609598" y="1443551"/>
+            <a:ext cx="7676709" cy="646331"/>
+          </a:xfrm>
+          <a:prstGeom prst="rect">
+            <a:avLst/>
+          </a:prstGeom>
+          <a:noFill/>
+        </p:spPr>
+        <p:txBody>
+          <a:bodyPr wrap="square" rtlCol="0">
+            <a:spAutoFit/>
+          </a:bodyPr>
+          <a:lstStyle/>
+          <a:p>
+            <a:r>
+              <a:rPr lang="en-US" dirty="0"/>
+              <a:t>select * from </a:t>
+            </a:r>
+            <a:r>
+              <a:rPr lang="en-US" dirty="0" err="1"/>
+              <a:t>sal_details</a:t>
+            </a:r>
+            <a:r>
+              <a:rPr lang="en-US" dirty="0"/>
+              <a:t> where amount &gt;= 25000</a:t>
+            </a:r>
+            <a:r>
+              <a:rPr lang="en-US" dirty="0" smtClean="0"/>
+              <a:t>;</a:t>
+            </a:r>
+          </a:p>
+          <a:p>
+            <a:r>
+              <a:rPr lang="en-US" dirty="0"/>
+              <a:t>select * from </a:t>
+            </a:r>
+            <a:r>
+              <a:rPr lang="en-US" dirty="0" err="1"/>
+              <a:t>sal_details</a:t>
+            </a:r>
+            <a:r>
+              <a:rPr lang="en-US" dirty="0"/>
+              <a:t> where amount &lt; 20000;</a:t>
+            </a:r>
+            <a:endParaRPr lang="en-IN" dirty="0"/>
+          </a:p>
+        </p:txBody>
+      </p:sp>
+      <p:pic>
+        <p:nvPicPr>
+          <p:cNvPr id="4" name="Picture 3"/>
+          <p:cNvPicPr>
+            <a:picLocks noChangeAspect="1"/>
+          </p:cNvPicPr>
+          <p:nvPr/>
+        </p:nvPicPr>
+        <p:blipFill>
+          <a:blip r:embed="rId2"/>
+          <a:stretch>
+            <a:fillRect/>
+          </a:stretch>
+        </p:blipFill>
+        <p:spPr>
+          <a:xfrm>
+            <a:off x="609598" y="2102857"/>
+            <a:ext cx="3520745" cy="3040643"/>
+          </a:xfrm>
+          <a:prstGeom prst="rect">
+            <a:avLst/>
+          </a:prstGeom>
+        </p:spPr>
+      </p:pic>
+      <p:pic>
+        <p:nvPicPr>
+          <p:cNvPr id="9" name="Picture 8"/>
+          <p:cNvPicPr>
+            <a:picLocks noChangeAspect="1"/>
+          </p:cNvPicPr>
+          <p:nvPr/>
+        </p:nvPicPr>
+        <p:blipFill>
+          <a:blip r:embed="rId3"/>
+          <a:stretch>
+            <a:fillRect/>
+          </a:stretch>
+        </p:blipFill>
+        <p:spPr>
+          <a:xfrm>
+            <a:off x="4501197" y="2085759"/>
+            <a:ext cx="3513124" cy="3010161"/>
+          </a:xfrm>
+          <a:prstGeom prst="rect">
+            <a:avLst/>
+          </a:prstGeom>
+        </p:spPr>
+      </p:pic>
+    </p:spTree>
+    <p:extLst>
+      <p:ext uri="{BB962C8B-B14F-4D97-AF65-F5344CB8AC3E}">
+        <p14:creationId xmlns:p14="http://schemas.microsoft.com/office/powerpoint/2010/main" val="1357116925"/>
+      </p:ext>
+    </p:extLst>
+  </p:cSld>
+  <p:clrMapOvr>
+    <a:masterClrMapping/>
+  </p:clrMapOvr>
+  <p:transition>
+    <p:fade/>
+  </p:transition>
+  <p:timing>
+    <p:tnLst>
+      <p:par>
+        <p:cTn id="1" dur="indefinite" restart="never" nodeType="tmRoot">
+          <p:childTnLst>
+            <p:seq concurrent="1" nextAc="seek">
+              <p:cTn id="2" dur="indefinite" nodeType="mainSeq">
+                <p:childTnLst>
+                  <p:par>
+                    <p:cTn id="3" fill="hold">
+                      <p:stCondLst>
+                        <p:cond delay="indefinite"/>
+                        <p:cond evt="onBegin" delay="0">
+                          <p:tn val="2"/>
+                        </p:cond>
+                      </p:stCondLst>
+                      <p:childTnLst>
+                        <p:par>
+                          <p:cTn id="4" fill="hold">
+                            <p:stCondLst>
+                              <p:cond delay="0"/>
+                            </p:stCondLst>
+                            <p:childTnLst>
+                              <p:par>
+                                <p:cTn id="5" presetID="2" presetClass="entr" presetSubtype="8" fill="hold" grpId="0" nodeType="afterEffect">
+                                  <p:stCondLst>
+                                    <p:cond delay="0"/>
+                                  </p:stCondLst>
+                                  <p:childTnLst>
+                                    <p:set>
+                                      <p:cBhvr>
+                                        <p:cTn id="6" dur="1" fill="hold">
+                                          <p:stCondLst>
+                                            <p:cond delay="0"/>
+                                          </p:stCondLst>
+                                        </p:cTn>
+                                        <p:tgtEl>
+                                          <p:spTgt spid="3"/>
+                                        </p:tgtEl>
+                                        <p:attrNameLst>
+                                          <p:attrName>style.visibility</p:attrName>
+                                        </p:attrNameLst>
+                                      </p:cBhvr>
+                                      <p:to>
+                                        <p:strVal val="visible"/>
+                                      </p:to>
+                                    </p:set>
+                                    <p:anim calcmode="lin" valueType="num">
+                                      <p:cBhvr additive="base">
+                                        <p:cTn id="7" dur="500" fill="hold"/>
+                                        <p:tgtEl>
+                                          <p:spTgt spid="3"/>
+                                        </p:tgtEl>
+                                        <p:attrNameLst>
+                                          <p:attrName>ppt_x</p:attrName>
+                                        </p:attrNameLst>
+                                      </p:cBhvr>
+                                      <p:tavLst>
+                                        <p:tav tm="0">
+                                          <p:val>
+                                            <p:strVal val="0-#ppt_w/2"/>
+                                          </p:val>
+                                        </p:tav>
+                                        <p:tav tm="100000">
+                                          <p:val>
+                                            <p:strVal val="#ppt_x"/>
+                                          </p:val>
+                                        </p:tav>
+                                      </p:tavLst>
+                                    </p:anim>
+                                    <p:anim calcmode="lin" valueType="num">
+                                      <p:cBhvr additive="base">
+                                        <p:cTn id="8" dur="500" fill="hold"/>
+                                        <p:tgtEl>
+                                          <p:spTgt spid="3"/>
+                                        </p:tgtEl>
+                                        <p:attrNameLst>
+                                          <p:attrName>ppt_y</p:attrName>
+                                        </p:attrNameLst>
+                                      </p:cBhvr>
+                                      <p:tavLst>
+                                        <p:tav tm="0">
+                                          <p:val>
+                                            <p:strVal val="#ppt_y"/>
+                                          </p:val>
+                                        </p:tav>
+                                        <p:tav tm="100000">
+                                          <p:val>
+                                            <p:strVal val="#ppt_y"/>
+                                          </p:val>
+                                        </p:tav>
+                                      </p:tavLst>
+                                    </p:anim>
+                                  </p:childTnLst>
+                                </p:cTn>
+                              </p:par>
+                            </p:childTnLst>
+                          </p:cTn>
+                        </p:par>
+                        <p:par>
+                          <p:cTn id="9" fill="hold">
+                            <p:stCondLst>
+                              <p:cond delay="500"/>
+                            </p:stCondLst>
+                            <p:childTnLst>
+                              <p:par>
+                                <p:cTn id="10" presetID="2" presetClass="entr" presetSubtype="8" fill="hold" grpId="0" nodeType="afterEffect">
+                                  <p:stCondLst>
+                                    <p:cond delay="0"/>
+                                  </p:stCondLst>
+                                  <p:childTnLst>
+                                    <p:set>
+                                      <p:cBhvr>
+                                        <p:cTn id="11" dur="1" fill="hold">
+                                          <p:stCondLst>
+                                            <p:cond delay="0"/>
+                                          </p:stCondLst>
+                                        </p:cTn>
+                                        <p:tgtEl>
+                                          <p:spTgt spid="8"/>
+                                        </p:tgtEl>
+                                        <p:attrNameLst>
+                                          <p:attrName>style.visibility</p:attrName>
+                                        </p:attrNameLst>
+                                      </p:cBhvr>
+                                      <p:to>
+                                        <p:strVal val="visible"/>
+                                      </p:to>
+                                    </p:set>
+                                    <p:anim calcmode="lin" valueType="num">
+                                      <p:cBhvr>
+                                        <p:cTn id="12" dur="500" fill="hold"/>
+                                        <p:tgtEl>
+                                          <p:spTgt spid="8"/>
+                                        </p:tgtEl>
+                                        <p:attrNameLst>
+                                          <p:attrName>ppt_x</p:attrName>
+                                        </p:attrNameLst>
+                                      </p:cBhvr>
+                                      <p:tavLst>
+                                        <p:tav tm="0">
+                                          <p:val>
+                                            <p:strVal val="0-#ppt_w/2"/>
+                                          </p:val>
+                                        </p:tav>
+                                        <p:tav tm="100000">
+                                          <p:val>
+                                            <p:strVal val="#ppt_x"/>
+                                          </p:val>
+                                        </p:tav>
+                                      </p:tavLst>
+                                    </p:anim>
+                                    <p:anim calcmode="lin" valueType="num">
+                                      <p:cBhvr>
+                                        <p:cTn id="13" dur="500" fill="hold"/>
+                                        <p:tgtEl>
+                                          <p:spTgt spid="8"/>
+                                        </p:tgtEl>
+                                        <p:attrNameLst>
+                                          <p:attrName>ppt_y</p:attrName>
+                                        </p:attrNameLst>
+                                      </p:cBhvr>
+                                      <p:tavLst>
+                                        <p:tav tm="0">
+                                          <p:val>
+                                            <p:strVal val="#ppt_y"/>
+                                          </p:val>
+                                        </p:tav>
+                                        <p:tav tm="100000">
+                                          <p:val>
+                                            <p:strVal val="#ppt_y"/>
+                                          </p:val>
+                                        </p:tav>
+                                      </p:tavLst>
+                                    </p:anim>
+                                  </p:childTnLst>
+                                </p:cTn>
+                              </p:par>
+                            </p:childTnLst>
+                          </p:cTn>
+                        </p:par>
+                        <p:par>
+                          <p:cTn id="14" fill="hold">
+                            <p:stCondLst>
+                              <p:cond delay="1000"/>
+                            </p:stCondLst>
+                            <p:childTnLst>
+                              <p:par>
+                                <p:cTn id="15" presetID="10" presetClass="entr" presetSubtype="0" fill="hold" grpId="0" nodeType="afterEffect">
+                                  <p:stCondLst>
+                                    <p:cond delay="0"/>
+                                  </p:stCondLst>
+                                  <p:childTnLst>
+                                    <p:set>
+                                      <p:cBhvr>
+                                        <p:cTn id="16" dur="1" fill="hold">
+                                          <p:stCondLst>
+                                            <p:cond delay="0"/>
+                                          </p:stCondLst>
+                                        </p:cTn>
+                                        <p:tgtEl>
+                                          <p:spTgt spid="23"/>
+                                        </p:tgtEl>
+                                        <p:attrNameLst>
+                                          <p:attrName>style.visibility</p:attrName>
+                                        </p:attrNameLst>
+                                      </p:cBhvr>
+                                      <p:to>
+                                        <p:strVal val="visible"/>
+                                      </p:to>
+                                    </p:set>
+                                    <p:animEffect transition="in" filter="fade">
+                                      <p:cBhvr>
+                                        <p:cTn id="17" dur="500"/>
+                                        <p:tgtEl>
+                                          <p:spTgt spid="23"/>
+                                        </p:tgtEl>
+                                      </p:cBhvr>
+                                    </p:animEffect>
+                                  </p:childTnLst>
+                                </p:cTn>
+                              </p:par>
+                            </p:childTnLst>
+                          </p:cTn>
+                        </p:par>
+                        <p:par>
+                          <p:cTn id="18" fill="hold">
+                            <p:stCondLst>
+                              <p:cond delay="1500"/>
+                            </p:stCondLst>
+                            <p:childTnLst>
+                              <p:par>
+                                <p:cTn id="19" presetID="10" presetClass="entr" presetSubtype="0" fill="hold" grpId="0" nodeType="afterEffect">
+                                  <p:stCondLst>
+                                    <p:cond delay="0"/>
+                                  </p:stCondLst>
+                                  <p:childTnLst>
+                                    <p:set>
+                                      <p:cBhvr>
+                                        <p:cTn id="20" dur="1" fill="hold">
+                                          <p:stCondLst>
+                                            <p:cond delay="0"/>
+                                          </p:stCondLst>
+                                        </p:cTn>
+                                        <p:tgtEl>
+                                          <p:spTgt spid="6"/>
+                                        </p:tgtEl>
+                                        <p:attrNameLst>
+                                          <p:attrName>style.visibility</p:attrName>
+                                        </p:attrNameLst>
+                                      </p:cBhvr>
+                                      <p:to>
+                                        <p:strVal val="visible"/>
+                                      </p:to>
+                                    </p:set>
+                                    <p:animEffect transition="in" filter="fade">
+                                      <p:cBhvr>
+                                        <p:cTn id="21" dur="500"/>
+                                        <p:tgtEl>
+                                          <p:spTgt spid="6"/>
+                                        </p:tgtEl>
+                                      </p:cBhvr>
+                                    </p:animEffect>
+                                  </p:childTnLst>
+                                </p:cTn>
+                              </p:par>
+                            </p:childTnLst>
+                          </p:cTn>
+                        </p:par>
+                      </p:childTnLst>
+                    </p:cTn>
+                  </p:par>
+                </p:childTnLst>
+              </p:cTn>
+              <p:prevCondLst>
+                <p:cond evt="onPrev" delay="0">
+                  <p:tgtEl>
+                    <p:sldTgt/>
+                  </p:tgtEl>
+                </p:cond>
+              </p:prevCondLst>
+              <p:nextCondLst>
+                <p:cond evt="onNext" delay="0">
+                  <p:tgtEl>
+                    <p:sldTgt/>
+                  </p:tgtEl>
+                </p:cond>
+              </p:nextCondLst>
+            </p:seq>
+          </p:childTnLst>
+        </p:cTn>
+      </p:par>
+    </p:tnLst>
+    <p:bldLst>
+      <p:bldP spid="3" grpId="0" animBg="1"/>
+      <p:bldP spid="8" grpId="0" bldLvl="0" animBg="1"/>
+      <p:bldP spid="23" grpId="0"/>
+      <p:bldP spid="6" grpId="0"/>
+    </p:bldLst>
+  </p:timing>
+</p:sld>
+</file>
+
+<file path=ppt/slides/slide19.xml><?xml version="1.0" encoding="utf-8"?>
+<p:sld xmlns:a="http://schemas.openxmlformats.org/drawingml/2006/main" xmlns:r="http://schemas.openxmlformats.org/officeDocument/2006/relationships" xmlns:p="http://schemas.openxmlformats.org/presentationml/2006/main">
+  <p:cSld>
     <p:bg>
       <p:bgPr>
         <a:solidFill>
@@ -15606,17 +21541,7 @@
                 <a:latin typeface="Arial Unicode MS" panose="020B0604020202020204" charset="-122"/>
                 <a:ea typeface="Arial Unicode MS" panose="020B0604020202020204" charset="-122"/>
               </a:rPr>
-              <a:t>Use D</a:t>
-            </a:r>
-            <a:r>
-              <a:rPr lang="en-US" altLang="zh-CN" sz="2000" b="1" dirty="0" smtClean="0">
-                <a:solidFill>
-                  <a:srgbClr val="FF9900"/>
-                </a:solidFill>
-                <a:latin typeface="Arial Unicode MS" panose="020B0604020202020204" charset="-122"/>
-                <a:ea typeface="Arial Unicode MS" panose="020B0604020202020204" charset="-122"/>
-              </a:rPr>
-              <a:t>atabase Query</a:t>
+              <a:t>Use Database Query</a:t>
             </a:r>
             <a:endParaRPr lang="en-US" altLang="zh-CN" sz="2000" b="1" dirty="0">
               <a:solidFill>
@@ -16258,7 +22183,7 @@
                 <a:latin typeface="Arial Unicode MS" panose="020B0604020202020204" charset="-122"/>
                 <a:ea typeface="Arial Unicode MS" panose="020B0604020202020204" charset="-122"/>
               </a:rPr>
-              <a:t>Show D</a:t>
+              <a:t>Show </a:t>
             </a:r>
             <a:r>
               <a:rPr lang="en-US" altLang="zh-CN" sz="2000" b="1" dirty="0" smtClean="0">
@@ -16268,7 +22193,17 @@
                 <a:latin typeface="Arial Unicode MS" panose="020B0604020202020204" charset="-122"/>
                 <a:ea typeface="Arial Unicode MS" panose="020B0604020202020204" charset="-122"/>
               </a:rPr>
-              <a:t>atabase Query</a:t>
+              <a:t>Databases </a:t>
+            </a:r>
+            <a:r>
+              <a:rPr lang="en-US" altLang="zh-CN" sz="2000" b="1" dirty="0" smtClean="0">
+                <a:solidFill>
+                  <a:srgbClr val="FF9900"/>
+                </a:solidFill>
+                <a:latin typeface="Arial Unicode MS" panose="020B0604020202020204" charset="-122"/>
+                <a:ea typeface="Arial Unicode MS" panose="020B0604020202020204" charset="-122"/>
+              </a:rPr>
+              <a:t>Query</a:t>
             </a:r>
             <a:endParaRPr lang="en-US" altLang="zh-CN" sz="2000" b="1" dirty="0">
               <a:solidFill>
@@ -16289,7 +22224,7 @@
         <p:spPr>
           <a:xfrm>
             <a:off x="701040" y="1691640"/>
-            <a:ext cx="3710940" cy="369332"/>
+            <a:ext cx="2141397" cy="369332"/>
           </a:xfrm>
           <a:prstGeom prst="rect">
             <a:avLst/>
@@ -16338,6 +22273,119 @@
           </a:prstGeom>
         </p:spPr>
       </p:pic>
+      <p:sp>
+        <p:nvSpPr>
+          <p:cNvPr id="9" name="文本框 2"/>
+          <p:cNvSpPr txBox="1"/>
+          <p:nvPr/>
+        </p:nvSpPr>
+        <p:spPr>
+          <a:xfrm>
+            <a:off x="4107711" y="1123890"/>
+            <a:ext cx="2933701" cy="400110"/>
+          </a:xfrm>
+          <a:prstGeom prst="rect">
+            <a:avLst/>
+          </a:prstGeom>
+          <a:noFill/>
+          <a:ln w="9525">
+            <a:noFill/>
+          </a:ln>
+        </p:spPr>
+        <p:txBody>
+          <a:bodyPr wrap="square" anchor="t">
+            <a:spAutoFit/>
+          </a:bodyPr>
+          <a:lstStyle/>
+          <a:p>
+            <a:r>
+              <a:rPr lang="en-US" altLang="zh-CN" sz="2000" b="1" dirty="0" smtClean="0">
+                <a:solidFill>
+                  <a:srgbClr val="FF9900"/>
+                </a:solidFill>
+                <a:latin typeface="Arial Unicode MS" panose="020B0604020202020204" charset="-122"/>
+                <a:ea typeface="Arial Unicode MS" panose="020B0604020202020204" charset="-122"/>
+              </a:rPr>
+              <a:t>Show </a:t>
+            </a:r>
+            <a:r>
+              <a:rPr lang="en-US" altLang="zh-CN" sz="2000" b="1" dirty="0" smtClean="0">
+                <a:solidFill>
+                  <a:srgbClr val="FF9900"/>
+                </a:solidFill>
+                <a:latin typeface="Arial Unicode MS" panose="020B0604020202020204" charset="-122"/>
+                <a:ea typeface="Arial Unicode MS" panose="020B0604020202020204" charset="-122"/>
+              </a:rPr>
+              <a:t>Tables Query</a:t>
+            </a:r>
+            <a:endParaRPr lang="en-US" altLang="zh-CN" sz="2000" b="1" dirty="0">
+              <a:solidFill>
+                <a:srgbClr val="FF9900"/>
+              </a:solidFill>
+              <a:latin typeface="Arial Unicode MS" panose="020B0604020202020204" charset="-122"/>
+              <a:ea typeface="Arial Unicode MS" panose="020B0604020202020204" charset="-122"/>
+            </a:endParaRPr>
+          </a:p>
+        </p:txBody>
+      </p:sp>
+      <p:pic>
+        <p:nvPicPr>
+          <p:cNvPr id="5" name="Picture 4"/>
+          <p:cNvPicPr>
+            <a:picLocks noChangeAspect="1"/>
+          </p:cNvPicPr>
+          <p:nvPr/>
+        </p:nvPicPr>
+        <p:blipFill>
+          <a:blip r:embed="rId3"/>
+          <a:stretch>
+            <a:fillRect/>
+          </a:stretch>
+        </p:blipFill>
+        <p:spPr>
+          <a:xfrm>
+            <a:off x="4107711" y="2247900"/>
+            <a:ext cx="1920406" cy="1257409"/>
+          </a:xfrm>
+          <a:prstGeom prst="rect">
+            <a:avLst/>
+          </a:prstGeom>
+        </p:spPr>
+      </p:pic>
+      <p:sp>
+        <p:nvSpPr>
+          <p:cNvPr id="10" name="TextBox 9"/>
+          <p:cNvSpPr txBox="1"/>
+          <p:nvPr/>
+        </p:nvSpPr>
+        <p:spPr>
+          <a:xfrm>
+            <a:off x="4107711" y="1691640"/>
+            <a:ext cx="2141397" cy="369332"/>
+          </a:xfrm>
+          <a:prstGeom prst="rect">
+            <a:avLst/>
+          </a:prstGeom>
+          <a:noFill/>
+        </p:spPr>
+        <p:txBody>
+          <a:bodyPr wrap="square" rtlCol="0">
+            <a:spAutoFit/>
+          </a:bodyPr>
+          <a:lstStyle/>
+          <a:p>
+            <a:r>
+              <a:rPr lang="en-US" dirty="0"/>
+              <a:t>s</a:t>
+            </a:r>
+            <a:r>
+              <a:rPr lang="en-US" dirty="0" smtClean="0"/>
+              <a:t>how tables;</a:t>
+            </a:r>
+            <a:endParaRPr lang="en-IN" dirty="0"/>
+          </a:p>
+        </p:txBody>
+      </p:sp>
     </p:spTree>
     <p:extLst>
       <p:ext uri="{BB962C8B-B14F-4D97-AF65-F5344CB8AC3E}">
@@ -16620,6 +22668,50 @@
                             </p:childTnLst>
                           </p:cTn>
                         </p:par>
+                        <p:par>
+                          <p:cTn id="22" fill="hold">
+                            <p:stCondLst>
+                              <p:cond delay="2000"/>
+                            </p:stCondLst>
+                            <p:childTnLst>
+                              <p:par>
+                                <p:cTn id="23" presetID="10" presetClass="entr" presetSubtype="0" fill="hold" grpId="0" nodeType="afterEffect">
+                                  <p:stCondLst>
+                                    <p:cond delay="0"/>
+                                  </p:stCondLst>
+                                  <p:childTnLst>
+                                    <p:set>
+                                      <p:cBhvr>
+                                        <p:cTn id="24" dur="1" fill="hold">
+                                          <p:stCondLst>
+                                            <p:cond delay="0"/>
+                                          </p:stCondLst>
+                                        </p:cTn>
+                                        <p:tgtEl>
+                                          <p:spTgt spid="9"/>
+                                        </p:tgtEl>
+                                        <p:attrNameLst>
+                                          <p:attrName>style.visibility</p:attrName>
+                                        </p:attrNameLst>
+                                      </p:cBhvr>
+                                      <p:to>
+                                        <p:strVal val="visible"/>
+                                      </p:to>
+                                    </p:set>
+                                    <p:animEffect transition="in" filter="fade">
+                                      <p:cBhvr>
+                                        <p:cTn id="25" dur="500"/>
+                                        <p:tgtEl>
+                                          <p:spTgt spid="9"/>
+                                        </p:tgtEl>
+                                      </p:cBhvr>
+                                    </p:animEffect>
+                                  </p:childTnLst>
+                                </p:cTn>
+                              </p:par>
+                            </p:childTnLst>
+                          </p:cTn>
+                        </p:par>
                       </p:childTnLst>
                     </p:cTn>
                   </p:par>
@@ -16649,6 +22741,7 @@
       <p:bldP spid="8" grpId="0" bldLvl="0" animBg="1"/>
       <p:bldP spid="23" grpId="0"/>
       <p:bldP spid="6" grpId="0"/>
+      <p:bldP spid="9" grpId="0"/>
     </p:bldLst>
   </p:timing>
 </p:sld>
@@ -16846,17 +22939,7 @@
                 <a:latin typeface="Arial Unicode MS" panose="020B0604020202020204" charset="-122"/>
                 <a:ea typeface="Arial Unicode MS" panose="020B0604020202020204" charset="-122"/>
               </a:rPr>
-              <a:t>Drop D</a:t>
-            </a:r>
-            <a:r>
-              <a:rPr lang="en-US" altLang="zh-CN" sz="2000" b="1" dirty="0" smtClean="0">
-                <a:solidFill>
-                  <a:srgbClr val="FF9900"/>
-                </a:solidFill>
-                <a:latin typeface="Arial Unicode MS" panose="020B0604020202020204" charset="-122"/>
-                <a:ea typeface="Arial Unicode MS" panose="020B0604020202020204" charset="-122"/>
-              </a:rPr>
-              <a:t>atabase Query</a:t>
+              <a:t>Drop Database Query</a:t>
             </a:r>
             <a:endParaRPr lang="en-US" altLang="zh-CN" sz="2000" b="1" dirty="0">
               <a:solidFill>
@@ -16916,6 +22999,123 @@
           <a:xfrm>
             <a:off x="609599" y="2217122"/>
             <a:ext cx="6980525" cy="220999"/>
+          </a:xfrm>
+          <a:prstGeom prst="rect">
+            <a:avLst/>
+          </a:prstGeom>
+        </p:spPr>
+      </p:pic>
+      <p:sp>
+        <p:nvSpPr>
+          <p:cNvPr id="9" name="文本框 2"/>
+          <p:cNvSpPr txBox="1"/>
+          <p:nvPr/>
+        </p:nvSpPr>
+        <p:spPr>
+          <a:xfrm>
+            <a:off x="609599" y="2746743"/>
+            <a:ext cx="2933701" cy="400110"/>
+          </a:xfrm>
+          <a:prstGeom prst="rect">
+            <a:avLst/>
+          </a:prstGeom>
+          <a:noFill/>
+          <a:ln w="9525">
+            <a:noFill/>
+          </a:ln>
+        </p:spPr>
+        <p:txBody>
+          <a:bodyPr wrap="square" anchor="t">
+            <a:spAutoFit/>
+          </a:bodyPr>
+          <a:lstStyle/>
+          <a:p>
+            <a:r>
+              <a:rPr lang="en-US" altLang="zh-CN" sz="2000" b="1" dirty="0" smtClean="0">
+                <a:solidFill>
+                  <a:srgbClr val="FF9900"/>
+                </a:solidFill>
+                <a:latin typeface="Arial Unicode MS" panose="020B0604020202020204" charset="-122"/>
+                <a:ea typeface="Arial Unicode MS" panose="020B0604020202020204" charset="-122"/>
+              </a:rPr>
+              <a:t>Insert </a:t>
+            </a:r>
+            <a:r>
+              <a:rPr lang="en-US" altLang="zh-CN" sz="2000" b="1" dirty="0" smtClean="0">
+                <a:solidFill>
+                  <a:srgbClr val="FF9900"/>
+                </a:solidFill>
+                <a:latin typeface="Arial Unicode MS" panose="020B0604020202020204" charset="-122"/>
+                <a:ea typeface="Arial Unicode MS" panose="020B0604020202020204" charset="-122"/>
+              </a:rPr>
+              <a:t>Values into table</a:t>
+            </a:r>
+            <a:endParaRPr lang="en-US" altLang="zh-CN" sz="2000" b="1" dirty="0">
+              <a:solidFill>
+                <a:srgbClr val="FF9900"/>
+              </a:solidFill>
+              <a:latin typeface="Arial Unicode MS" panose="020B0604020202020204" charset="-122"/>
+              <a:ea typeface="Arial Unicode MS" panose="020B0604020202020204" charset="-122"/>
+            </a:endParaRPr>
+          </a:p>
+        </p:txBody>
+      </p:sp>
+      <p:sp>
+        <p:nvSpPr>
+          <p:cNvPr id="10" name="TextBox 9"/>
+          <p:cNvSpPr txBox="1"/>
+          <p:nvPr/>
+        </p:nvSpPr>
+        <p:spPr>
+          <a:xfrm>
+            <a:off x="609598" y="3270809"/>
+            <a:ext cx="7697973" cy="369332"/>
+          </a:xfrm>
+          <a:prstGeom prst="rect">
+            <a:avLst/>
+          </a:prstGeom>
+          <a:noFill/>
+        </p:spPr>
+        <p:txBody>
+          <a:bodyPr wrap="square" rtlCol="0">
+            <a:spAutoFit/>
+          </a:bodyPr>
+          <a:lstStyle/>
+          <a:p>
+            <a:r>
+              <a:rPr lang="en-US" dirty="0"/>
+              <a:t>insert into </a:t>
+            </a:r>
+            <a:r>
+              <a:rPr lang="en-US" dirty="0" err="1"/>
+              <a:t>emp_details</a:t>
+            </a:r>
+            <a:r>
+              <a:rPr lang="en-US" dirty="0"/>
+              <a:t> values (17034, 'Vijay', 3003, 50, '2022-08-31');</a:t>
+            </a:r>
+            <a:endParaRPr lang="en-IN" dirty="0"/>
+          </a:p>
+        </p:txBody>
+      </p:sp>
+      <p:pic>
+        <p:nvPicPr>
+          <p:cNvPr id="4" name="Picture 3"/>
+          <p:cNvPicPr>
+            <a:picLocks noChangeAspect="1"/>
+          </p:cNvPicPr>
+          <p:nvPr/>
+        </p:nvPicPr>
+        <p:blipFill>
+          <a:blip r:embed="rId3"/>
+          <a:stretch>
+            <a:fillRect/>
+          </a:stretch>
+        </p:blipFill>
+        <p:spPr>
+          <a:xfrm>
+            <a:off x="609598" y="3891903"/>
+            <a:ext cx="6904318" cy="175275"/>
           </a:xfrm>
           <a:prstGeom prst="rect">
             <a:avLst/>
@@ -17204,6 +23404,50 @@
                             </p:childTnLst>
                           </p:cTn>
                         </p:par>
+                        <p:par>
+                          <p:cTn id="22" fill="hold">
+                            <p:stCondLst>
+                              <p:cond delay="2000"/>
+                            </p:stCondLst>
+                            <p:childTnLst>
+                              <p:par>
+                                <p:cTn id="23" presetID="10" presetClass="entr" presetSubtype="0" fill="hold" grpId="0" nodeType="afterEffect">
+                                  <p:stCondLst>
+                                    <p:cond delay="0"/>
+                                  </p:stCondLst>
+                                  <p:childTnLst>
+                                    <p:set>
+                                      <p:cBhvr>
+                                        <p:cTn id="24" dur="1" fill="hold">
+                                          <p:stCondLst>
+                                            <p:cond delay="0"/>
+                                          </p:stCondLst>
+                                        </p:cTn>
+                                        <p:tgtEl>
+                                          <p:spTgt spid="9"/>
+                                        </p:tgtEl>
+                                        <p:attrNameLst>
+                                          <p:attrName>style.visibility</p:attrName>
+                                        </p:attrNameLst>
+                                      </p:cBhvr>
+                                      <p:to>
+                                        <p:strVal val="visible"/>
+                                      </p:to>
+                                    </p:set>
+                                    <p:animEffect transition="in" filter="fade">
+                                      <p:cBhvr>
+                                        <p:cTn id="25" dur="500"/>
+                                        <p:tgtEl>
+                                          <p:spTgt spid="9"/>
+                                        </p:tgtEl>
+                                      </p:cBhvr>
+                                    </p:animEffect>
+                                  </p:childTnLst>
+                                </p:cTn>
+                              </p:par>
+                            </p:childTnLst>
+                          </p:cTn>
+                        </p:par>
                       </p:childTnLst>
                     </p:cTn>
                   </p:par>
@@ -17233,6 +23477,7 @@
       <p:bldP spid="8" grpId="0" bldLvl="0" animBg="1"/>
       <p:bldP spid="23" grpId="0"/>
       <p:bldP spid="6" grpId="0"/>
+      <p:bldP spid="9" grpId="0"/>
     </p:bldLst>
   </p:timing>
 </p:sld>

--- a/Full Stack/SQL/Mini Project/SQL Mini Project.pptx
+++ b/Full Stack/SQL/Mini Project/SQL Mini Project.pptx
@@ -6,10 +6,10 @@
     <p:sldMasterId id="2147483660" r:id="rId2"/>
   </p:sldMasterIdLst>
   <p:notesMasterIdLst>
-    <p:notesMasterId r:id="rId22"/>
+    <p:notesMasterId r:id="rId23"/>
   </p:notesMasterIdLst>
   <p:handoutMasterIdLst>
-    <p:handoutMasterId r:id="rId23"/>
+    <p:handoutMasterId r:id="rId24"/>
   </p:handoutMasterIdLst>
   <p:sldIdLst>
     <p:sldId id="357" r:id="rId3"/>
@@ -30,7 +30,8 @@
     <p:sldId id="381" r:id="rId18"/>
     <p:sldId id="382" r:id="rId19"/>
     <p:sldId id="383" r:id="rId20"/>
-    <p:sldId id="368" r:id="rId21"/>
+    <p:sldId id="384" r:id="rId21"/>
+    <p:sldId id="368" r:id="rId22"/>
   </p:sldIdLst>
   <p:sldSz cx="9144000" cy="5143500" type="screen16x9"/>
   <p:notesSz cx="6858000" cy="9144000"/>
@@ -255,6 +256,7 @@
             <p14:sldId id="381"/>
             <p14:sldId id="382"/>
             <p14:sldId id="383"/>
+            <p14:sldId id="384"/>
             <p14:sldId id="368"/>
           </p14:sldIdLst>
         </p14:section>
@@ -360,7 +362,7 @@
           <a:p>
             <a:fld id="{0F9B84EA-7D68-4D60-9CB1-D50884785D1C}" type="datetimeFigureOut">
               <a:rPr lang="zh-CN" altLang="en-US" smtClean="0"/>
-              <a:t>2024/2/29</a:t>
+              <a:t>2024/3/1</a:t>
             </a:fld>
             <a:endParaRPr lang="zh-CN" altLang="en-US"/>
           </a:p>
@@ -524,7 +526,7 @@
           <a:p>
             <a:fld id="{D2A48B96-639E-45A3-A0BA-2464DFDB1FAA}" type="datetimeFigureOut">
               <a:rPr lang="zh-CN" altLang="en-US" smtClean="0"/>
-              <a:t>2024/2/29</a:t>
+              <a:t>2024/3/1</a:t>
             </a:fld>
             <a:endParaRPr lang="zh-CN" altLang="en-US"/>
           </a:p>
@@ -8761,17 +8763,7 @@
                 <a:latin typeface="Arial Unicode MS" panose="020B0604020202020204" charset="-122"/>
                 <a:ea typeface="Arial Unicode MS" panose="020B0604020202020204" charset="-122"/>
               </a:rPr>
-              <a:t>Drop </a:t>
-            </a:r>
-            <a:r>
-              <a:rPr lang="en-US" altLang="zh-CN" sz="2000" b="1" dirty="0" smtClean="0">
-                <a:solidFill>
-                  <a:srgbClr val="FF9900"/>
-                </a:solidFill>
-                <a:latin typeface="Arial Unicode MS" panose="020B0604020202020204" charset="-122"/>
-                <a:ea typeface="Arial Unicode MS" panose="020B0604020202020204" charset="-122"/>
-              </a:rPr>
-              <a:t>Table Query</a:t>
+              <a:t>Drop Table Query</a:t>
             </a:r>
             <a:endParaRPr lang="en-US" altLang="zh-CN" sz="2000" b="1" dirty="0">
               <a:solidFill>
@@ -8807,11 +8799,7 @@
           <a:p>
             <a:r>
               <a:rPr lang="en-US" dirty="0" smtClean="0"/>
-              <a:t>drop </a:t>
-            </a:r>
-            <a:r>
-              <a:rPr lang="en-US" dirty="0" smtClean="0"/>
-              <a:t>table </a:t>
+              <a:t>drop table </a:t>
             </a:r>
             <a:r>
               <a:rPr lang="en-US" dirty="0" err="1" smtClean="0"/>
@@ -14098,7 +14086,11 @@
             </a:r>
             <a:r>
               <a:rPr lang="en-US" dirty="0"/>
-              <a:t> where amount &gt;= 25000</a:t>
+              <a:t> where amount </a:t>
+            </a:r>
+            <a:r>
+              <a:rPr lang="en-US" dirty="0" smtClean="0"/>
+              <a:t>= 28000</a:t>
             </a:r>
             <a:r>
               <a:rPr lang="en-US" dirty="0" smtClean="0"/>
@@ -14116,7 +14108,15 @@
             </a:r>
             <a:r>
               <a:rPr lang="en-US" dirty="0"/>
-              <a:t> where amount &lt; 20000;</a:t>
+              <a:t> where amount </a:t>
+            </a:r>
+            <a:r>
+              <a:rPr lang="en-US" dirty="0" smtClean="0"/>
+              <a:t>&lt;&gt; 28000</a:t>
+            </a:r>
+            <a:r>
+              <a:rPr lang="en-US" dirty="0"/>
+              <a:t>;</a:t>
             </a:r>
             <a:endParaRPr lang="en-IN" dirty="0"/>
           </a:p>
@@ -14124,7 +14124,7 @@
       </p:sp>
       <p:pic>
         <p:nvPicPr>
-          <p:cNvPr id="4" name="Picture 3"/>
+          <p:cNvPr id="5" name="Picture 4"/>
           <p:cNvPicPr>
             <a:picLocks noChangeAspect="1"/>
           </p:cNvPicPr>
@@ -14138,8 +14138,8 @@
         </p:blipFill>
         <p:spPr>
           <a:xfrm>
-            <a:off x="609598" y="2102857"/>
-            <a:ext cx="3520745" cy="3040643"/>
+            <a:off x="422313" y="2271940"/>
+            <a:ext cx="3535986" cy="1379340"/>
           </a:xfrm>
           <a:prstGeom prst="rect">
             <a:avLst/>
@@ -14148,7 +14148,7 @@
       </p:pic>
       <p:pic>
         <p:nvPicPr>
-          <p:cNvPr id="9" name="Picture 8"/>
+          <p:cNvPr id="7" name="Picture 6"/>
           <p:cNvPicPr>
             <a:picLocks noChangeAspect="1"/>
           </p:cNvPicPr>
@@ -14162,8 +14162,8 @@
         </p:blipFill>
         <p:spPr>
           <a:xfrm>
-            <a:off x="4501197" y="2085759"/>
-            <a:ext cx="3513124" cy="3010161"/>
+            <a:off x="4447952" y="2263368"/>
+            <a:ext cx="3513124" cy="2491956"/>
           </a:xfrm>
           <a:prstGeom prst="rect">
             <a:avLst/>
@@ -14487,6 +14487,3229 @@
 </file>
 
 <file path=ppt/slides/slide19.xml><?xml version="1.0" encoding="utf-8"?>
+<p:sld xmlns:a="http://schemas.openxmlformats.org/drawingml/2006/main" xmlns:r="http://schemas.openxmlformats.org/officeDocument/2006/relationships" xmlns:p="http://schemas.openxmlformats.org/presentationml/2006/main">
+  <p:cSld>
+    <p:spTree>
+      <p:nvGrpSpPr>
+        <p:cNvPr id="1" name=""/>
+        <p:cNvGrpSpPr/>
+        <p:nvPr/>
+      </p:nvGrpSpPr>
+      <p:grpSpPr>
+        <a:xfrm>
+          <a:off x="0" y="0"/>
+          <a:ext cx="0" cy="0"/>
+          <a:chOff x="0" y="0"/>
+          <a:chExt cx="0" cy="0"/>
+        </a:xfrm>
+      </p:grpSpPr>
+      <p:sp>
+        <p:nvSpPr>
+          <p:cNvPr id="3" name="直角三角形 2"/>
+          <p:cNvSpPr/>
+          <p:nvPr/>
+        </p:nvSpPr>
+        <p:spPr>
+          <a:xfrm rot="5400000">
+            <a:off x="-19050" y="-12700"/>
+            <a:ext cx="1409700" cy="1409700"/>
+          </a:xfrm>
+          <a:prstGeom prst="rtTriangle">
+            <a:avLst/>
+          </a:prstGeom>
+          <a:solidFill>
+            <a:srgbClr val="002748"/>
+          </a:solidFill>
+          <a:ln>
+            <a:noFill/>
+          </a:ln>
+        </p:spPr>
+        <p:style>
+          <a:lnRef idx="2">
+            <a:schemeClr val="accent1">
+              <a:shade val="50000"/>
+            </a:schemeClr>
+          </a:lnRef>
+          <a:fillRef idx="1">
+            <a:schemeClr val="accent1"/>
+          </a:fillRef>
+          <a:effectRef idx="0">
+            <a:schemeClr val="accent1"/>
+          </a:effectRef>
+          <a:fontRef idx="minor">
+            <a:schemeClr val="lt1"/>
+          </a:fontRef>
+        </p:style>
+        <p:txBody>
+          <a:bodyPr rtlCol="0" anchor="ctr"/>
+          <a:lstStyle/>
+          <a:p>
+            <a:pPr algn="ctr" fontAlgn="base"/>
+            <a:endParaRPr lang="zh-CN" altLang="en-US" strike="noStrike" noProof="1">
+              <a:ea typeface="Arial Unicode MS" panose="020B0604020202020204" charset="-122"/>
+            </a:endParaRPr>
+          </a:p>
+        </p:txBody>
+      </p:sp>
+      <p:sp>
+        <p:nvSpPr>
+          <p:cNvPr id="8" name="直角三角形 7"/>
+          <p:cNvSpPr/>
+          <p:nvPr/>
+        </p:nvSpPr>
+        <p:spPr>
+          <a:xfrm rot="16200000">
+            <a:off x="8384381" y="4396581"/>
+            <a:ext cx="782638" cy="781050"/>
+          </a:xfrm>
+          <a:prstGeom prst="rtTriangle">
+            <a:avLst/>
+          </a:prstGeom>
+          <a:solidFill>
+            <a:srgbClr val="002748"/>
+          </a:solidFill>
+          <a:ln>
+            <a:noFill/>
+          </a:ln>
+        </p:spPr>
+        <p:style>
+          <a:lnRef idx="2">
+            <a:schemeClr val="accent1">
+              <a:shade val="50000"/>
+            </a:schemeClr>
+          </a:lnRef>
+          <a:fillRef idx="1">
+            <a:schemeClr val="accent1"/>
+          </a:fillRef>
+          <a:effectRef idx="0">
+            <a:schemeClr val="accent1"/>
+          </a:effectRef>
+          <a:fontRef idx="minor">
+            <a:schemeClr val="lt1"/>
+          </a:fontRef>
+        </p:style>
+        <p:txBody>
+          <a:bodyPr rtlCol="0" anchor="ctr"/>
+          <a:lstStyle/>
+          <a:p>
+            <a:pPr algn="ctr" fontAlgn="base"/>
+            <a:endParaRPr lang="zh-CN" altLang="en-US" strike="noStrike" noProof="1">
+              <a:ea typeface="Arial Unicode MS" panose="020B0604020202020204" charset="-122"/>
+            </a:endParaRPr>
+          </a:p>
+        </p:txBody>
+      </p:sp>
+      <p:sp>
+        <p:nvSpPr>
+          <p:cNvPr id="23" name="文本框 2"/>
+          <p:cNvSpPr txBox="1"/>
+          <p:nvPr/>
+        </p:nvSpPr>
+        <p:spPr>
+          <a:xfrm>
+            <a:off x="2013098" y="361751"/>
+            <a:ext cx="5139069" cy="584775"/>
+          </a:xfrm>
+          <a:prstGeom prst="rect">
+            <a:avLst/>
+          </a:prstGeom>
+          <a:noFill/>
+          <a:ln w="9525">
+            <a:noFill/>
+          </a:ln>
+        </p:spPr>
+        <p:txBody>
+          <a:bodyPr wrap="square" anchor="t">
+            <a:spAutoFit/>
+          </a:bodyPr>
+          <a:lstStyle/>
+          <a:p>
+            <a:pPr algn="ctr"/>
+            <a:r>
+              <a:rPr lang="en-US" altLang="zh-CN" sz="3200" b="1" dirty="0" smtClean="0">
+                <a:solidFill>
+                  <a:srgbClr val="FF9900"/>
+                </a:solidFill>
+                <a:latin typeface="Arial Unicode MS" panose="020B0604020202020204" charset="-122"/>
+                <a:ea typeface="Arial Unicode MS" panose="020B0604020202020204" charset="-122"/>
+              </a:rPr>
+              <a:t>MySQL General Functions</a:t>
+            </a:r>
+            <a:endParaRPr lang="en-US" altLang="zh-CN" sz="3200" b="1" dirty="0">
+              <a:solidFill>
+                <a:srgbClr val="FF9900"/>
+              </a:solidFill>
+              <a:latin typeface="Arial Unicode MS" panose="020B0604020202020204" charset="-122"/>
+              <a:ea typeface="Arial Unicode MS" panose="020B0604020202020204" charset="-122"/>
+            </a:endParaRPr>
+          </a:p>
+        </p:txBody>
+      </p:sp>
+      <p:sp>
+        <p:nvSpPr>
+          <p:cNvPr id="6" name="文本框 2"/>
+          <p:cNvSpPr txBox="1"/>
+          <p:nvPr/>
+        </p:nvSpPr>
+        <p:spPr>
+          <a:xfrm>
+            <a:off x="609597" y="1007790"/>
+            <a:ext cx="6542569" cy="400110"/>
+          </a:xfrm>
+          <a:prstGeom prst="rect">
+            <a:avLst/>
+          </a:prstGeom>
+          <a:noFill/>
+          <a:ln w="9525">
+            <a:noFill/>
+          </a:ln>
+        </p:spPr>
+        <p:txBody>
+          <a:bodyPr wrap="square" anchor="t">
+            <a:spAutoFit/>
+          </a:bodyPr>
+          <a:lstStyle/>
+          <a:p>
+            <a:r>
+              <a:rPr lang="en-US" altLang="zh-CN" sz="2000" b="1" dirty="0" smtClean="0">
+                <a:solidFill>
+                  <a:srgbClr val="FF9900"/>
+                </a:solidFill>
+                <a:latin typeface="Arial Unicode MS" panose="020B0604020202020204" charset="-122"/>
+                <a:ea typeface="Arial Unicode MS" panose="020B0604020202020204" charset="-122"/>
+              </a:rPr>
+              <a:t>COUNT, DISTINCT, COUNT with DISTINCT</a:t>
+            </a:r>
+            <a:endParaRPr lang="en-US" altLang="zh-CN" sz="2000" b="1" dirty="0">
+              <a:solidFill>
+                <a:srgbClr val="FF9900"/>
+              </a:solidFill>
+              <a:latin typeface="Arial Unicode MS" panose="020B0604020202020204" charset="-122"/>
+              <a:ea typeface="Arial Unicode MS" panose="020B0604020202020204" charset="-122"/>
+            </a:endParaRPr>
+          </a:p>
+        </p:txBody>
+      </p:sp>
+      <p:sp>
+        <p:nvSpPr>
+          <p:cNvPr id="4" name="TextBox 3"/>
+          <p:cNvSpPr txBox="1"/>
+          <p:nvPr/>
+        </p:nvSpPr>
+        <p:spPr>
+          <a:xfrm>
+            <a:off x="685800" y="1407900"/>
+            <a:ext cx="7905307" cy="923330"/>
+          </a:xfrm>
+          <a:prstGeom prst="rect">
+            <a:avLst/>
+          </a:prstGeom>
+          <a:noFill/>
+        </p:spPr>
+        <p:txBody>
+          <a:bodyPr wrap="square" rtlCol="0">
+            <a:spAutoFit/>
+          </a:bodyPr>
+          <a:lstStyle/>
+          <a:p>
+            <a:r>
+              <a:rPr lang="en-US" dirty="0"/>
+              <a:t>select count(</a:t>
+            </a:r>
+            <a:r>
+              <a:rPr lang="en-US" dirty="0" err="1"/>
+              <a:t>emp_id</a:t>
+            </a:r>
+            <a:r>
+              <a:rPr lang="en-US" dirty="0"/>
+              <a:t>) as </a:t>
+            </a:r>
+            <a:r>
+              <a:rPr lang="en-US" dirty="0" err="1"/>
+              <a:t>dep_count</a:t>
+            </a:r>
+            <a:r>
+              <a:rPr lang="en-US" dirty="0"/>
+              <a:t> from </a:t>
+            </a:r>
+            <a:r>
+              <a:rPr lang="en-US" dirty="0" err="1"/>
+              <a:t>emp_details</a:t>
+            </a:r>
+            <a:r>
+              <a:rPr lang="en-US" dirty="0"/>
+              <a:t> where </a:t>
+            </a:r>
+            <a:r>
+              <a:rPr lang="en-US" dirty="0" err="1"/>
+              <a:t>dep_no</a:t>
+            </a:r>
+            <a:r>
+              <a:rPr lang="en-US" dirty="0"/>
+              <a:t> = 50</a:t>
+            </a:r>
+            <a:r>
+              <a:rPr lang="en-US" dirty="0" smtClean="0"/>
+              <a:t>;</a:t>
+            </a:r>
+          </a:p>
+          <a:p>
+            <a:r>
+              <a:rPr lang="en-US" dirty="0"/>
+              <a:t>select distinct(</a:t>
+            </a:r>
+            <a:r>
+              <a:rPr lang="en-US" dirty="0" err="1"/>
+              <a:t>dep_no</a:t>
+            </a:r>
+            <a:r>
+              <a:rPr lang="en-US" dirty="0"/>
+              <a:t>) as </a:t>
+            </a:r>
+            <a:r>
+              <a:rPr lang="en-US" dirty="0" err="1"/>
+              <a:t>dep_nos</a:t>
+            </a:r>
+            <a:r>
+              <a:rPr lang="en-US" dirty="0"/>
+              <a:t> from </a:t>
+            </a:r>
+            <a:r>
+              <a:rPr lang="en-US" dirty="0" err="1"/>
+              <a:t>emp_details</a:t>
+            </a:r>
+            <a:r>
+              <a:rPr lang="en-US" dirty="0" smtClean="0"/>
+              <a:t>;</a:t>
+            </a:r>
+          </a:p>
+          <a:p>
+            <a:r>
+              <a:rPr lang="en-US" dirty="0"/>
+              <a:t>select count(distinct(</a:t>
+            </a:r>
+            <a:r>
+              <a:rPr lang="en-US" dirty="0" err="1"/>
+              <a:t>dep_no</a:t>
+            </a:r>
+            <a:r>
+              <a:rPr lang="en-US" dirty="0"/>
+              <a:t>)) as </a:t>
+            </a:r>
+            <a:r>
+              <a:rPr lang="en-US" dirty="0" err="1"/>
+              <a:t>dep_count</a:t>
+            </a:r>
+            <a:r>
+              <a:rPr lang="en-US" dirty="0"/>
+              <a:t> from </a:t>
+            </a:r>
+            <a:r>
+              <a:rPr lang="en-US" dirty="0" err="1" smtClean="0"/>
+              <a:t>emp_details</a:t>
+            </a:r>
+            <a:r>
+              <a:rPr lang="en-US" dirty="0"/>
+              <a:t>;</a:t>
+            </a:r>
+          </a:p>
+        </p:txBody>
+      </p:sp>
+      <p:pic>
+        <p:nvPicPr>
+          <p:cNvPr id="9" name="Picture 8"/>
+          <p:cNvPicPr>
+            <a:picLocks noChangeAspect="1"/>
+          </p:cNvPicPr>
+          <p:nvPr/>
+        </p:nvPicPr>
+        <p:blipFill>
+          <a:blip r:embed="rId2"/>
+          <a:stretch>
+            <a:fillRect/>
+          </a:stretch>
+        </p:blipFill>
+        <p:spPr>
+          <a:xfrm>
+            <a:off x="685800" y="2776187"/>
+            <a:ext cx="1066892" cy="723963"/>
+          </a:xfrm>
+          <a:prstGeom prst="rect">
+            <a:avLst/>
+          </a:prstGeom>
+        </p:spPr>
+      </p:pic>
+      <p:pic>
+        <p:nvPicPr>
+          <p:cNvPr id="10" name="Picture 9"/>
+          <p:cNvPicPr>
+            <a:picLocks noChangeAspect="1"/>
+          </p:cNvPicPr>
+          <p:nvPr/>
+        </p:nvPicPr>
+        <p:blipFill>
+          <a:blip r:embed="rId3"/>
+          <a:stretch>
+            <a:fillRect/>
+          </a:stretch>
+        </p:blipFill>
+        <p:spPr>
+          <a:xfrm>
+            <a:off x="3400779" y="2513274"/>
+            <a:ext cx="960203" cy="1249788"/>
+          </a:xfrm>
+          <a:prstGeom prst="rect">
+            <a:avLst/>
+          </a:prstGeom>
+        </p:spPr>
+      </p:pic>
+      <p:pic>
+        <p:nvPicPr>
+          <p:cNvPr id="11" name="Picture 10"/>
+          <p:cNvPicPr>
+            <a:picLocks noChangeAspect="1"/>
+          </p:cNvPicPr>
+          <p:nvPr/>
+        </p:nvPicPr>
+        <p:blipFill>
+          <a:blip r:embed="rId4"/>
+          <a:stretch>
+            <a:fillRect/>
+          </a:stretch>
+        </p:blipFill>
+        <p:spPr>
+          <a:xfrm>
+            <a:off x="6009069" y="2792604"/>
+            <a:ext cx="1097375" cy="777307"/>
+          </a:xfrm>
+          <a:prstGeom prst="rect">
+            <a:avLst/>
+          </a:prstGeom>
+        </p:spPr>
+      </p:pic>
+    </p:spTree>
+    <p:extLst>
+      <p:ext uri="{BB962C8B-B14F-4D97-AF65-F5344CB8AC3E}">
+        <p14:creationId xmlns:p14="http://schemas.microsoft.com/office/powerpoint/2010/main" val="1258962201"/>
+      </p:ext>
+    </p:extLst>
+  </p:cSld>
+  <p:clrMapOvr>
+    <a:masterClrMapping/>
+  </p:clrMapOvr>
+  <p:transition>
+    <p:fade/>
+  </p:transition>
+  <p:timing>
+    <p:tnLst>
+      <p:par>
+        <p:cTn id="1" dur="indefinite" restart="never" nodeType="tmRoot">
+          <p:childTnLst>
+            <p:seq concurrent="1" nextAc="seek">
+              <p:cTn id="2" dur="indefinite" nodeType="mainSeq">
+                <p:childTnLst>
+                  <p:par>
+                    <p:cTn id="3" fill="hold">
+                      <p:stCondLst>
+                        <p:cond delay="indefinite"/>
+                        <p:cond evt="onBegin" delay="0">
+                          <p:tn val="2"/>
+                        </p:cond>
+                      </p:stCondLst>
+                      <p:childTnLst>
+                        <p:par>
+                          <p:cTn id="4" fill="hold">
+                            <p:stCondLst>
+                              <p:cond delay="0"/>
+                            </p:stCondLst>
+                            <p:childTnLst>
+                              <p:par>
+                                <p:cTn id="5" presetID="2" presetClass="entr" presetSubtype="8" fill="hold" grpId="0" nodeType="afterEffect">
+                                  <p:stCondLst>
+                                    <p:cond delay="0"/>
+                                  </p:stCondLst>
+                                  <p:childTnLst>
+                                    <p:set>
+                                      <p:cBhvr>
+                                        <p:cTn id="6" dur="1" fill="hold">
+                                          <p:stCondLst>
+                                            <p:cond delay="0"/>
+                                          </p:stCondLst>
+                                        </p:cTn>
+                                        <p:tgtEl>
+                                          <p:spTgt spid="3"/>
+                                        </p:tgtEl>
+                                        <p:attrNameLst>
+                                          <p:attrName>style.visibility</p:attrName>
+                                        </p:attrNameLst>
+                                      </p:cBhvr>
+                                      <p:to>
+                                        <p:strVal val="visible"/>
+                                      </p:to>
+                                    </p:set>
+                                    <p:anim calcmode="lin" valueType="num">
+                                      <p:cBhvr additive="base">
+                                        <p:cTn id="7" dur="500" fill="hold"/>
+                                        <p:tgtEl>
+                                          <p:spTgt spid="3"/>
+                                        </p:tgtEl>
+                                        <p:attrNameLst>
+                                          <p:attrName>ppt_x</p:attrName>
+                                        </p:attrNameLst>
+                                      </p:cBhvr>
+                                      <p:tavLst>
+                                        <p:tav tm="0">
+                                          <p:val>
+                                            <p:strVal val="0-#ppt_w/2"/>
+                                          </p:val>
+                                        </p:tav>
+                                        <p:tav tm="100000">
+                                          <p:val>
+                                            <p:strVal val="#ppt_x"/>
+                                          </p:val>
+                                        </p:tav>
+                                      </p:tavLst>
+                                    </p:anim>
+                                    <p:anim calcmode="lin" valueType="num">
+                                      <p:cBhvr additive="base">
+                                        <p:cTn id="8" dur="500" fill="hold"/>
+                                        <p:tgtEl>
+                                          <p:spTgt spid="3"/>
+                                        </p:tgtEl>
+                                        <p:attrNameLst>
+                                          <p:attrName>ppt_y</p:attrName>
+                                        </p:attrNameLst>
+                                      </p:cBhvr>
+                                      <p:tavLst>
+                                        <p:tav tm="0">
+                                          <p:val>
+                                            <p:strVal val="#ppt_y"/>
+                                          </p:val>
+                                        </p:tav>
+                                        <p:tav tm="100000">
+                                          <p:val>
+                                            <p:strVal val="#ppt_y"/>
+                                          </p:val>
+                                        </p:tav>
+                                      </p:tavLst>
+                                    </p:anim>
+                                  </p:childTnLst>
+                                </p:cTn>
+                              </p:par>
+                            </p:childTnLst>
+                          </p:cTn>
+                        </p:par>
+                        <p:par>
+                          <p:cTn id="9" fill="hold">
+                            <p:stCondLst>
+                              <p:cond delay="500"/>
+                            </p:stCondLst>
+                            <p:childTnLst>
+                              <p:par>
+                                <p:cTn id="10" presetID="2" presetClass="entr" presetSubtype="8" fill="hold" grpId="0" nodeType="afterEffect">
+                                  <p:stCondLst>
+                                    <p:cond delay="0"/>
+                                  </p:stCondLst>
+                                  <p:childTnLst>
+                                    <p:set>
+                                      <p:cBhvr>
+                                        <p:cTn id="11" dur="1" fill="hold">
+                                          <p:stCondLst>
+                                            <p:cond delay="0"/>
+                                          </p:stCondLst>
+                                        </p:cTn>
+                                        <p:tgtEl>
+                                          <p:spTgt spid="8"/>
+                                        </p:tgtEl>
+                                        <p:attrNameLst>
+                                          <p:attrName>style.visibility</p:attrName>
+                                        </p:attrNameLst>
+                                      </p:cBhvr>
+                                      <p:to>
+                                        <p:strVal val="visible"/>
+                                      </p:to>
+                                    </p:set>
+                                    <p:anim calcmode="lin" valueType="num">
+                                      <p:cBhvr>
+                                        <p:cTn id="12" dur="500" fill="hold"/>
+                                        <p:tgtEl>
+                                          <p:spTgt spid="8"/>
+                                        </p:tgtEl>
+                                        <p:attrNameLst>
+                                          <p:attrName>ppt_x</p:attrName>
+                                        </p:attrNameLst>
+                                      </p:cBhvr>
+                                      <p:tavLst>
+                                        <p:tav tm="0">
+                                          <p:val>
+                                            <p:strVal val="0-#ppt_w/2"/>
+                                          </p:val>
+                                        </p:tav>
+                                        <p:tav tm="100000">
+                                          <p:val>
+                                            <p:strVal val="#ppt_x"/>
+                                          </p:val>
+                                        </p:tav>
+                                      </p:tavLst>
+                                    </p:anim>
+                                    <p:anim calcmode="lin" valueType="num">
+                                      <p:cBhvr>
+                                        <p:cTn id="13" dur="500" fill="hold"/>
+                                        <p:tgtEl>
+                                          <p:spTgt spid="8"/>
+                                        </p:tgtEl>
+                                        <p:attrNameLst>
+                                          <p:attrName>ppt_y</p:attrName>
+                                        </p:attrNameLst>
+                                      </p:cBhvr>
+                                      <p:tavLst>
+                                        <p:tav tm="0">
+                                          <p:val>
+                                            <p:strVal val="#ppt_y"/>
+                                          </p:val>
+                                        </p:tav>
+                                        <p:tav tm="100000">
+                                          <p:val>
+                                            <p:strVal val="#ppt_y"/>
+                                          </p:val>
+                                        </p:tav>
+                                      </p:tavLst>
+                                    </p:anim>
+                                  </p:childTnLst>
+                                </p:cTn>
+                              </p:par>
+                            </p:childTnLst>
+                          </p:cTn>
+                        </p:par>
+                        <p:par>
+                          <p:cTn id="14" fill="hold">
+                            <p:stCondLst>
+                              <p:cond delay="1000"/>
+                            </p:stCondLst>
+                            <p:childTnLst>
+                              <p:par>
+                                <p:cTn id="15" presetID="10" presetClass="entr" presetSubtype="0" fill="hold" grpId="0" nodeType="afterEffect">
+                                  <p:stCondLst>
+                                    <p:cond delay="0"/>
+                                  </p:stCondLst>
+                                  <p:childTnLst>
+                                    <p:set>
+                                      <p:cBhvr>
+                                        <p:cTn id="16" dur="1" fill="hold">
+                                          <p:stCondLst>
+                                            <p:cond delay="0"/>
+                                          </p:stCondLst>
+                                        </p:cTn>
+                                        <p:tgtEl>
+                                          <p:spTgt spid="23"/>
+                                        </p:tgtEl>
+                                        <p:attrNameLst>
+                                          <p:attrName>style.visibility</p:attrName>
+                                        </p:attrNameLst>
+                                      </p:cBhvr>
+                                      <p:to>
+                                        <p:strVal val="visible"/>
+                                      </p:to>
+                                    </p:set>
+                                    <p:animEffect transition="in" filter="fade">
+                                      <p:cBhvr>
+                                        <p:cTn id="17" dur="500"/>
+                                        <p:tgtEl>
+                                          <p:spTgt spid="23"/>
+                                        </p:tgtEl>
+                                      </p:cBhvr>
+                                    </p:animEffect>
+                                  </p:childTnLst>
+                                </p:cTn>
+                              </p:par>
+                            </p:childTnLst>
+                          </p:cTn>
+                        </p:par>
+                        <p:par>
+                          <p:cTn id="18" fill="hold">
+                            <p:stCondLst>
+                              <p:cond delay="1500"/>
+                            </p:stCondLst>
+                            <p:childTnLst>
+                              <p:par>
+                                <p:cTn id="19" presetID="10" presetClass="entr" presetSubtype="0" fill="hold" grpId="0" nodeType="afterEffect">
+                                  <p:stCondLst>
+                                    <p:cond delay="0"/>
+                                  </p:stCondLst>
+                                  <p:childTnLst>
+                                    <p:set>
+                                      <p:cBhvr>
+                                        <p:cTn id="20" dur="1" fill="hold">
+                                          <p:stCondLst>
+                                            <p:cond delay="0"/>
+                                          </p:stCondLst>
+                                        </p:cTn>
+                                        <p:tgtEl>
+                                          <p:spTgt spid="6"/>
+                                        </p:tgtEl>
+                                        <p:attrNameLst>
+                                          <p:attrName>style.visibility</p:attrName>
+                                        </p:attrNameLst>
+                                      </p:cBhvr>
+                                      <p:to>
+                                        <p:strVal val="visible"/>
+                                      </p:to>
+                                    </p:set>
+                                    <p:animEffect transition="in" filter="fade">
+                                      <p:cBhvr>
+                                        <p:cTn id="21" dur="500"/>
+                                        <p:tgtEl>
+                                          <p:spTgt spid="6"/>
+                                        </p:tgtEl>
+                                      </p:cBhvr>
+                                    </p:animEffect>
+                                  </p:childTnLst>
+                                </p:cTn>
+                              </p:par>
+                            </p:childTnLst>
+                          </p:cTn>
+                        </p:par>
+                      </p:childTnLst>
+                    </p:cTn>
+                  </p:par>
+                </p:childTnLst>
+              </p:cTn>
+              <p:prevCondLst>
+                <p:cond evt="onPrev" delay="0">
+                  <p:tgtEl>
+                    <p:sldTgt/>
+                  </p:tgtEl>
+                </p:cond>
+              </p:prevCondLst>
+              <p:nextCondLst>
+                <p:cond evt="onNext" delay="0">
+                  <p:tgtEl>
+                    <p:sldTgt/>
+                  </p:tgtEl>
+                </p:cond>
+              </p:nextCondLst>
+            </p:seq>
+          </p:childTnLst>
+        </p:cTn>
+      </p:par>
+    </p:tnLst>
+    <p:bldLst>
+      <p:bldP spid="3" grpId="0" animBg="1"/>
+      <p:bldP spid="8" grpId="0" bldLvl="0" animBg="1"/>
+      <p:bldP spid="23" grpId="0"/>
+      <p:bldP spid="6" grpId="0"/>
+    </p:bldLst>
+  </p:timing>
+</p:sld>
+</file>
+
+<file path=ppt/slides/slide2.xml><?xml version="1.0" encoding="utf-8"?>
+<p:sld xmlns:a="http://schemas.openxmlformats.org/drawingml/2006/main" xmlns:r="http://schemas.openxmlformats.org/officeDocument/2006/relationships" xmlns:p="http://schemas.openxmlformats.org/presentationml/2006/main">
+  <p:cSld>
+    <p:spTree>
+      <p:nvGrpSpPr>
+        <p:cNvPr id="1" name=""/>
+        <p:cNvGrpSpPr/>
+        <p:nvPr/>
+      </p:nvGrpSpPr>
+      <p:grpSpPr>
+        <a:xfrm>
+          <a:off x="0" y="0"/>
+          <a:ext cx="0" cy="0"/>
+          <a:chOff x="0" y="0"/>
+          <a:chExt cx="0" cy="0"/>
+        </a:xfrm>
+      </p:grpSpPr>
+      <p:sp>
+        <p:nvSpPr>
+          <p:cNvPr id="4" name="任意多边形 3"/>
+          <p:cNvSpPr/>
+          <p:nvPr/>
+        </p:nvSpPr>
+        <p:spPr>
+          <a:xfrm>
+            <a:off x="-32385" y="-60325"/>
+            <a:ext cx="3017838" cy="5243513"/>
+          </a:xfrm>
+          <a:custGeom>
+            <a:avLst/>
+            <a:gdLst>
+              <a:gd name="connisteX0" fmla="*/ 0 w 3018155"/>
+              <a:gd name="connsiteY0" fmla="*/ 0 h 5243195"/>
+              <a:gd name="connisteX1" fmla="*/ 0 w 3018155"/>
+              <a:gd name="connsiteY1" fmla="*/ 5243195 h 5243195"/>
+              <a:gd name="connisteX2" fmla="*/ 3018155 w 3018155"/>
+              <a:gd name="connsiteY2" fmla="*/ 5243195 h 5243195"/>
+              <a:gd name="connisteX3" fmla="*/ 2002155 w 3018155"/>
+              <a:gd name="connsiteY3" fmla="*/ 0 h 5243195"/>
+              <a:gd name="connisteX4" fmla="*/ 0 w 3018155"/>
+              <a:gd name="connsiteY4" fmla="*/ 0 h 5243195"/>
+            </a:gdLst>
+            <a:ahLst/>
+            <a:cxnLst>
+              <a:cxn ang="0">
+                <a:pos x="connisteX0" y="connsiteY0"/>
+              </a:cxn>
+              <a:cxn ang="0">
+                <a:pos x="connisteX1" y="connsiteY1"/>
+              </a:cxn>
+              <a:cxn ang="0">
+                <a:pos x="connisteX2" y="connsiteY2"/>
+              </a:cxn>
+              <a:cxn ang="0">
+                <a:pos x="connisteX3" y="connsiteY3"/>
+              </a:cxn>
+              <a:cxn ang="0">
+                <a:pos x="connisteX4" y="connsiteY4"/>
+              </a:cxn>
+            </a:cxnLst>
+            <a:rect l="l" t="t" r="r" b="b"/>
+            <a:pathLst>
+              <a:path w="3018155" h="5243195">
+                <a:moveTo>
+                  <a:pt x="0" y="0"/>
+                </a:moveTo>
+                <a:lnTo>
+                  <a:pt x="0" y="5243195"/>
+                </a:lnTo>
+                <a:lnTo>
+                  <a:pt x="3018155" y="5243195"/>
+                </a:lnTo>
+                <a:lnTo>
+                  <a:pt x="2002155" y="0"/>
+                </a:lnTo>
+                <a:lnTo>
+                  <a:pt x="0" y="0"/>
+                </a:lnTo>
+                <a:close/>
+              </a:path>
+            </a:pathLst>
+          </a:custGeom>
+          <a:solidFill>
+            <a:srgbClr val="002748"/>
+          </a:solidFill>
+          <a:ln>
+            <a:noFill/>
+          </a:ln>
+        </p:spPr>
+        <p:style>
+          <a:lnRef idx="2">
+            <a:schemeClr val="accent1">
+              <a:shade val="50000"/>
+            </a:schemeClr>
+          </a:lnRef>
+          <a:fillRef idx="1">
+            <a:schemeClr val="accent1"/>
+          </a:fillRef>
+          <a:effectRef idx="0">
+            <a:schemeClr val="accent1"/>
+          </a:effectRef>
+          <a:fontRef idx="minor">
+            <a:schemeClr val="lt1"/>
+          </a:fontRef>
+        </p:style>
+        <p:txBody>
+          <a:bodyPr rtlCol="0" anchor="ctr"/>
+          <a:lstStyle/>
+          <a:p>
+            <a:pPr algn="ctr" fontAlgn="base"/>
+            <a:endParaRPr lang="zh-CN" altLang="en-US" strike="noStrike" noProof="1">
+              <a:ea typeface="Arial Unicode MS" panose="020B0604020202020204" charset="-122"/>
+            </a:endParaRPr>
+          </a:p>
+        </p:txBody>
+      </p:sp>
+      <p:sp>
+        <p:nvSpPr>
+          <p:cNvPr id="3" name="文本框 2"/>
+          <p:cNvSpPr txBox="1"/>
+          <p:nvPr/>
+        </p:nvSpPr>
+        <p:spPr>
+          <a:xfrm>
+            <a:off x="801688" y="1370013"/>
+            <a:ext cx="2022475" cy="2306955"/>
+          </a:xfrm>
+          <a:prstGeom prst="rect">
+            <a:avLst/>
+          </a:prstGeom>
+          <a:noFill/>
+          <a:ln w="9525">
+            <a:noFill/>
+          </a:ln>
+        </p:spPr>
+        <p:txBody>
+          <a:bodyPr wrap="square" anchor="t">
+            <a:spAutoFit/>
+          </a:bodyPr>
+          <a:lstStyle/>
+          <a:p>
+            <a:r>
+              <a:rPr lang="zh-CN" altLang="en-US" sz="7200">
+                <a:solidFill>
+                  <a:srgbClr val="FF9900"/>
+                </a:solidFill>
+                <a:latin typeface="Arial Unicode MS" panose="020B0604020202020204" charset="-122"/>
+                <a:ea typeface="Arial Unicode MS" panose="020B0604020202020204" charset="-122"/>
+              </a:rPr>
+              <a:t> </a:t>
+            </a:r>
+          </a:p>
+          <a:p>
+            <a:r>
+              <a:rPr lang="zh-CN" altLang="en-US" sz="7200">
+                <a:solidFill>
+                  <a:srgbClr val="FF9900"/>
+                </a:solidFill>
+                <a:latin typeface="Arial Unicode MS" panose="020B0604020202020204" charset="-122"/>
+                <a:ea typeface="Arial Unicode MS" panose="020B0604020202020204" charset="-122"/>
+              </a:rPr>
+              <a:t> </a:t>
+            </a:r>
+            <a:endParaRPr lang="zh-CN" altLang="en-US" sz="7200">
+              <a:solidFill>
+                <a:schemeClr val="bg1"/>
+              </a:solidFill>
+              <a:latin typeface="Arial Unicode MS" panose="020B0604020202020204" charset="-122"/>
+              <a:ea typeface="Arial Unicode MS" panose="020B0604020202020204" charset="-122"/>
+            </a:endParaRPr>
+          </a:p>
+        </p:txBody>
+      </p:sp>
+      <p:sp>
+        <p:nvSpPr>
+          <p:cNvPr id="228356" name="标题 1"/>
+          <p:cNvSpPr txBox="1"/>
+          <p:nvPr/>
+        </p:nvSpPr>
+        <p:spPr>
+          <a:xfrm>
+            <a:off x="2216060" y="688222"/>
+            <a:ext cx="3678238" cy="292794"/>
+          </a:xfrm>
+          <a:prstGeom prst="rect">
+            <a:avLst/>
+          </a:prstGeom>
+          <a:noFill/>
+          <a:ln w="9525">
+            <a:noFill/>
+            <a:miter/>
+          </a:ln>
+        </p:spPr>
+        <p:txBody>
+          <a:bodyPr wrap="square" lIns="67969" tIns="33983" rIns="67969" bIns="33983" anchor="t">
+            <a:spAutoFit/>
+          </a:bodyPr>
+          <a:lstStyle/>
+          <a:p>
+            <a:pPr>
+              <a:lnSpc>
+                <a:spcPct val="130000"/>
+              </a:lnSpc>
+            </a:pPr>
+            <a:r>
+              <a:rPr lang="en-US" altLang="x-none" sz="1255" noProof="1" smtClean="0">
+                <a:solidFill>
+                  <a:srgbClr val="002748"/>
+                </a:solidFill>
+                <a:latin typeface="Arial Unicode MS" panose="020B0604020202020204" charset="-122"/>
+                <a:ea typeface="Arial Unicode MS" panose="020B0604020202020204" charset="-122"/>
+                <a:cs typeface="Arial Unicode MS" panose="020B0604020202020204" charset="-122"/>
+              </a:rPr>
+              <a:t>SQL Basics</a:t>
+            </a:r>
+            <a:endParaRPr lang="en-US" altLang="x-none" sz="1255" noProof="1">
+              <a:solidFill>
+                <a:srgbClr val="002748"/>
+              </a:solidFill>
+              <a:latin typeface="Arial Unicode MS" panose="020B0604020202020204" charset="-122"/>
+              <a:ea typeface="Arial Unicode MS" panose="020B0604020202020204" charset="-122"/>
+              <a:cs typeface="Arial Unicode MS" panose="020B0604020202020204" charset="-122"/>
+            </a:endParaRPr>
+          </a:p>
+        </p:txBody>
+      </p:sp>
+      <p:sp>
+        <p:nvSpPr>
+          <p:cNvPr id="5" name="标题 1"/>
+          <p:cNvSpPr txBox="1"/>
+          <p:nvPr/>
+        </p:nvSpPr>
+        <p:spPr>
+          <a:xfrm>
+            <a:off x="2272798" y="1033280"/>
+            <a:ext cx="3678238" cy="292794"/>
+          </a:xfrm>
+          <a:prstGeom prst="rect">
+            <a:avLst/>
+          </a:prstGeom>
+          <a:noFill/>
+          <a:ln w="9525">
+            <a:noFill/>
+            <a:miter/>
+          </a:ln>
+        </p:spPr>
+        <p:txBody>
+          <a:bodyPr wrap="square" lIns="67969" tIns="33983" rIns="67969" bIns="33983" anchor="t">
+            <a:spAutoFit/>
+          </a:bodyPr>
+          <a:lstStyle/>
+          <a:p>
+            <a:pPr>
+              <a:lnSpc>
+                <a:spcPct val="130000"/>
+              </a:lnSpc>
+            </a:pPr>
+            <a:r>
+              <a:rPr lang="en-US" altLang="x-none" sz="1255" noProof="1" smtClean="0">
+                <a:solidFill>
+                  <a:srgbClr val="FF9900"/>
+                </a:solidFill>
+                <a:latin typeface="Arial Unicode MS" panose="020B0604020202020204" charset="-122"/>
+                <a:ea typeface="Arial Unicode MS" panose="020B0604020202020204" charset="-122"/>
+                <a:cs typeface="Arial Unicode MS" panose="020B0604020202020204" charset="-122"/>
+              </a:rPr>
+              <a:t>SQL Servers</a:t>
+            </a:r>
+            <a:endParaRPr lang="en-US" altLang="x-none" sz="1255" noProof="1">
+              <a:solidFill>
+                <a:srgbClr val="FF9900"/>
+              </a:solidFill>
+              <a:latin typeface="Arial Unicode MS" panose="020B0604020202020204" charset="-122"/>
+              <a:ea typeface="Arial Unicode MS" panose="020B0604020202020204" charset="-122"/>
+              <a:cs typeface="Arial Unicode MS" panose="020B0604020202020204" charset="-122"/>
+            </a:endParaRPr>
+          </a:p>
+        </p:txBody>
+      </p:sp>
+      <p:sp>
+        <p:nvSpPr>
+          <p:cNvPr id="6" name="标题 1"/>
+          <p:cNvSpPr txBox="1"/>
+          <p:nvPr/>
+        </p:nvSpPr>
+        <p:spPr>
+          <a:xfrm>
+            <a:off x="2362508" y="1389861"/>
+            <a:ext cx="3678238" cy="292794"/>
+          </a:xfrm>
+          <a:prstGeom prst="rect">
+            <a:avLst/>
+          </a:prstGeom>
+          <a:noFill/>
+          <a:ln w="9525">
+            <a:noFill/>
+            <a:miter/>
+          </a:ln>
+        </p:spPr>
+        <p:txBody>
+          <a:bodyPr wrap="square" lIns="67969" tIns="33983" rIns="67969" bIns="33983" anchor="t">
+            <a:spAutoFit/>
+          </a:bodyPr>
+          <a:lstStyle/>
+          <a:p>
+            <a:pPr>
+              <a:lnSpc>
+                <a:spcPct val="130000"/>
+              </a:lnSpc>
+            </a:pPr>
+            <a:r>
+              <a:rPr lang="en-US" altLang="x-none" sz="1255" noProof="1" smtClean="0">
+                <a:solidFill>
+                  <a:srgbClr val="002748"/>
+                </a:solidFill>
+                <a:latin typeface="Arial Unicode MS" panose="020B0604020202020204" charset="-122"/>
+                <a:ea typeface="Arial Unicode MS" panose="020B0604020202020204" charset="-122"/>
+                <a:cs typeface="Arial Unicode MS" panose="020B0604020202020204" charset="-122"/>
+              </a:rPr>
+              <a:t>DBMS and RDBMS</a:t>
+            </a:r>
+            <a:endParaRPr lang="en-US" altLang="x-none" sz="1255" noProof="1">
+              <a:solidFill>
+                <a:srgbClr val="002748"/>
+              </a:solidFill>
+              <a:latin typeface="Arial Unicode MS" panose="020B0604020202020204" charset="-122"/>
+              <a:ea typeface="Arial Unicode MS" panose="020B0604020202020204" charset="-122"/>
+              <a:cs typeface="Arial Unicode MS" panose="020B0604020202020204" charset="-122"/>
+            </a:endParaRPr>
+          </a:p>
+        </p:txBody>
+      </p:sp>
+      <p:sp>
+        <p:nvSpPr>
+          <p:cNvPr id="7" name="标题 1"/>
+          <p:cNvSpPr txBox="1"/>
+          <p:nvPr/>
+        </p:nvSpPr>
+        <p:spPr>
+          <a:xfrm>
+            <a:off x="2408130" y="1753178"/>
+            <a:ext cx="3679825" cy="292794"/>
+          </a:xfrm>
+          <a:prstGeom prst="rect">
+            <a:avLst/>
+          </a:prstGeom>
+          <a:noFill/>
+          <a:ln w="9525">
+            <a:noFill/>
+            <a:miter/>
+          </a:ln>
+        </p:spPr>
+        <p:txBody>
+          <a:bodyPr wrap="square" lIns="67969" tIns="33983" rIns="67969" bIns="33983" anchor="t">
+            <a:spAutoFit/>
+          </a:bodyPr>
+          <a:lstStyle/>
+          <a:p>
+            <a:pPr>
+              <a:lnSpc>
+                <a:spcPct val="130000"/>
+              </a:lnSpc>
+            </a:pPr>
+            <a:r>
+              <a:rPr lang="en-US" altLang="x-none" sz="1255" noProof="1" smtClean="0">
+                <a:solidFill>
+                  <a:srgbClr val="FF9900"/>
+                </a:solidFill>
+                <a:latin typeface="Arial Unicode MS" panose="020B0604020202020204" charset="-122"/>
+                <a:ea typeface="Arial Unicode MS" panose="020B0604020202020204" charset="-122"/>
+                <a:cs typeface="Arial Unicode MS" panose="020B0604020202020204" charset="-122"/>
+              </a:rPr>
+              <a:t>Database and Datatypes</a:t>
+            </a:r>
+            <a:endParaRPr lang="en-US" altLang="x-none" sz="1255" noProof="1">
+              <a:solidFill>
+                <a:srgbClr val="FF9900"/>
+              </a:solidFill>
+              <a:latin typeface="Arial Unicode MS" panose="020B0604020202020204" charset="-122"/>
+              <a:ea typeface="Arial Unicode MS" panose="020B0604020202020204" charset="-122"/>
+              <a:cs typeface="Arial Unicode MS" panose="020B0604020202020204" charset="-122"/>
+            </a:endParaRPr>
+          </a:p>
+        </p:txBody>
+      </p:sp>
+      <p:sp>
+        <p:nvSpPr>
+          <p:cNvPr id="8" name="标题 1"/>
+          <p:cNvSpPr txBox="1"/>
+          <p:nvPr/>
+        </p:nvSpPr>
+        <p:spPr>
+          <a:xfrm>
+            <a:off x="2530093" y="2103023"/>
+            <a:ext cx="3678238" cy="292794"/>
+          </a:xfrm>
+          <a:prstGeom prst="rect">
+            <a:avLst/>
+          </a:prstGeom>
+          <a:noFill/>
+          <a:ln w="9525">
+            <a:noFill/>
+            <a:miter/>
+          </a:ln>
+        </p:spPr>
+        <p:txBody>
+          <a:bodyPr wrap="square" lIns="67969" tIns="33983" rIns="67969" bIns="33983" anchor="t">
+            <a:spAutoFit/>
+          </a:bodyPr>
+          <a:lstStyle/>
+          <a:p>
+            <a:pPr>
+              <a:lnSpc>
+                <a:spcPct val="130000"/>
+              </a:lnSpc>
+            </a:pPr>
+            <a:r>
+              <a:rPr lang="en-US" altLang="x-none" sz="1255" noProof="1" smtClean="0">
+                <a:solidFill>
+                  <a:srgbClr val="002748"/>
+                </a:solidFill>
+                <a:latin typeface="Arial Unicode MS" panose="020B0604020202020204" charset="-122"/>
+                <a:ea typeface="Arial Unicode MS" panose="020B0604020202020204" charset="-122"/>
+                <a:cs typeface="Arial Unicode MS" panose="020B0604020202020204" charset="-122"/>
+              </a:rPr>
+              <a:t>MySQL Main Commands</a:t>
+            </a:r>
+            <a:endParaRPr lang="en-US" altLang="x-none" sz="1255" noProof="1">
+              <a:solidFill>
+                <a:srgbClr val="002748"/>
+              </a:solidFill>
+              <a:latin typeface="Arial Unicode MS" panose="020B0604020202020204" charset="-122"/>
+              <a:ea typeface="Arial Unicode MS" panose="020B0604020202020204" charset="-122"/>
+              <a:cs typeface="Arial Unicode MS" panose="020B0604020202020204" charset="-122"/>
+            </a:endParaRPr>
+          </a:p>
+        </p:txBody>
+      </p:sp>
+      <p:sp>
+        <p:nvSpPr>
+          <p:cNvPr id="9" name="标题 1"/>
+          <p:cNvSpPr txBox="1"/>
+          <p:nvPr/>
+        </p:nvSpPr>
+        <p:spPr>
+          <a:xfrm>
+            <a:off x="2577502" y="2468679"/>
+            <a:ext cx="3678238" cy="292794"/>
+          </a:xfrm>
+          <a:prstGeom prst="rect">
+            <a:avLst/>
+          </a:prstGeom>
+          <a:noFill/>
+          <a:ln w="9525">
+            <a:noFill/>
+            <a:miter/>
+          </a:ln>
+        </p:spPr>
+        <p:txBody>
+          <a:bodyPr wrap="square" lIns="67969" tIns="33983" rIns="67969" bIns="33983" anchor="t">
+            <a:spAutoFit/>
+          </a:bodyPr>
+          <a:lstStyle/>
+          <a:p>
+            <a:pPr>
+              <a:lnSpc>
+                <a:spcPct val="130000"/>
+              </a:lnSpc>
+            </a:pPr>
+            <a:r>
+              <a:rPr lang="en-US" altLang="x-none" sz="1255" noProof="1" smtClean="0">
+                <a:solidFill>
+                  <a:srgbClr val="FF9900"/>
+                </a:solidFill>
+                <a:latin typeface="Arial Unicode MS" panose="020B0604020202020204" charset="-122"/>
+                <a:ea typeface="Arial Unicode MS" panose="020B0604020202020204" charset="-122"/>
+                <a:cs typeface="Arial Unicode MS" panose="020B0604020202020204" charset="-122"/>
+              </a:rPr>
+              <a:t>MySQL General Functions</a:t>
+            </a:r>
+            <a:endParaRPr lang="en-US" altLang="x-none" sz="1255" noProof="1">
+              <a:solidFill>
+                <a:srgbClr val="FF9900"/>
+              </a:solidFill>
+              <a:latin typeface="Arial Unicode MS" panose="020B0604020202020204" charset="-122"/>
+              <a:ea typeface="Arial Unicode MS" panose="020B0604020202020204" charset="-122"/>
+              <a:cs typeface="Arial Unicode MS" panose="020B0604020202020204" charset="-122"/>
+            </a:endParaRPr>
+          </a:p>
+        </p:txBody>
+      </p:sp>
+      <p:sp>
+        <p:nvSpPr>
+          <p:cNvPr id="10" name="任意多边形 9"/>
+          <p:cNvSpPr/>
+          <p:nvPr/>
+        </p:nvSpPr>
+        <p:spPr>
+          <a:xfrm rot="10800000">
+            <a:off x="7453313" y="-47625"/>
+            <a:ext cx="3017838" cy="5243513"/>
+          </a:xfrm>
+          <a:custGeom>
+            <a:avLst/>
+            <a:gdLst>
+              <a:gd name="connisteX0" fmla="*/ 0 w 3018155"/>
+              <a:gd name="connsiteY0" fmla="*/ 0 h 5243195"/>
+              <a:gd name="connisteX1" fmla="*/ 0 w 3018155"/>
+              <a:gd name="connsiteY1" fmla="*/ 5243195 h 5243195"/>
+              <a:gd name="connisteX2" fmla="*/ 3018155 w 3018155"/>
+              <a:gd name="connsiteY2" fmla="*/ 5243195 h 5243195"/>
+              <a:gd name="connisteX3" fmla="*/ 2002155 w 3018155"/>
+              <a:gd name="connsiteY3" fmla="*/ 0 h 5243195"/>
+              <a:gd name="connisteX4" fmla="*/ 0 w 3018155"/>
+              <a:gd name="connsiteY4" fmla="*/ 0 h 5243195"/>
+            </a:gdLst>
+            <a:ahLst/>
+            <a:cxnLst>
+              <a:cxn ang="0">
+                <a:pos x="connisteX0" y="connsiteY0"/>
+              </a:cxn>
+              <a:cxn ang="0">
+                <a:pos x="connisteX1" y="connsiteY1"/>
+              </a:cxn>
+              <a:cxn ang="0">
+                <a:pos x="connisteX2" y="connsiteY2"/>
+              </a:cxn>
+              <a:cxn ang="0">
+                <a:pos x="connisteX3" y="connsiteY3"/>
+              </a:cxn>
+              <a:cxn ang="0">
+                <a:pos x="connisteX4" y="connsiteY4"/>
+              </a:cxn>
+            </a:cxnLst>
+            <a:rect l="l" t="t" r="r" b="b"/>
+            <a:pathLst>
+              <a:path w="3018155" h="5243195">
+                <a:moveTo>
+                  <a:pt x="0" y="0"/>
+                </a:moveTo>
+                <a:lnTo>
+                  <a:pt x="0" y="5243195"/>
+                </a:lnTo>
+                <a:lnTo>
+                  <a:pt x="3018155" y="5243195"/>
+                </a:lnTo>
+                <a:lnTo>
+                  <a:pt x="2002155" y="0"/>
+                </a:lnTo>
+                <a:lnTo>
+                  <a:pt x="0" y="0"/>
+                </a:lnTo>
+                <a:close/>
+              </a:path>
+            </a:pathLst>
+          </a:custGeom>
+          <a:solidFill>
+            <a:srgbClr val="002748"/>
+          </a:solidFill>
+          <a:ln>
+            <a:noFill/>
+          </a:ln>
+        </p:spPr>
+        <p:style>
+          <a:lnRef idx="2">
+            <a:schemeClr val="accent1">
+              <a:shade val="50000"/>
+            </a:schemeClr>
+          </a:lnRef>
+          <a:fillRef idx="1">
+            <a:schemeClr val="accent1"/>
+          </a:fillRef>
+          <a:effectRef idx="0">
+            <a:schemeClr val="accent1"/>
+          </a:effectRef>
+          <a:fontRef idx="minor">
+            <a:schemeClr val="lt1"/>
+          </a:fontRef>
+        </p:style>
+        <p:txBody>
+          <a:bodyPr rtlCol="0" anchor="ctr"/>
+          <a:lstStyle/>
+          <a:p>
+            <a:pPr algn="ctr" fontAlgn="base"/>
+            <a:endParaRPr lang="zh-CN" altLang="en-US" strike="noStrike" noProof="1">
+              <a:ea typeface="Arial Unicode MS" panose="020B0604020202020204" charset="-122"/>
+            </a:endParaRPr>
+          </a:p>
+        </p:txBody>
+      </p:sp>
+      <p:sp>
+        <p:nvSpPr>
+          <p:cNvPr id="11" name="文本框 10"/>
+          <p:cNvSpPr txBox="1"/>
+          <p:nvPr/>
+        </p:nvSpPr>
+        <p:spPr>
+          <a:xfrm>
+            <a:off x="243205" y="2362835"/>
+            <a:ext cx="2022475" cy="417513"/>
+          </a:xfrm>
+          <a:prstGeom prst="rect">
+            <a:avLst/>
+          </a:prstGeom>
+          <a:noFill/>
+          <a:ln w="9525">
+            <a:noFill/>
+          </a:ln>
+        </p:spPr>
+        <p:txBody>
+          <a:bodyPr wrap="square" anchor="t">
+            <a:spAutoFit/>
+          </a:bodyPr>
+          <a:lstStyle/>
+          <a:p>
+            <a:pPr algn="dist"/>
+            <a:r>
+              <a:rPr lang="en-US" altLang="zh-CN" sz="2000">
+                <a:solidFill>
+                  <a:schemeClr val="bg1"/>
+                </a:solidFill>
+                <a:latin typeface="Arial Unicode MS" panose="020B0604020202020204" charset="-122"/>
+                <a:ea typeface="Arial Unicode MS" panose="020B0604020202020204" charset="-122"/>
+              </a:rPr>
+              <a:t>CONTENTS</a:t>
+            </a:r>
+          </a:p>
+        </p:txBody>
+      </p:sp>
+      <p:sp>
+        <p:nvSpPr>
+          <p:cNvPr id="12" name="标题 1"/>
+          <p:cNvSpPr txBox="1"/>
+          <p:nvPr/>
+        </p:nvSpPr>
+        <p:spPr>
+          <a:xfrm>
+            <a:off x="2669233" y="2848601"/>
+            <a:ext cx="3678238" cy="292794"/>
+          </a:xfrm>
+          <a:prstGeom prst="rect">
+            <a:avLst/>
+          </a:prstGeom>
+          <a:noFill/>
+          <a:ln w="9525">
+            <a:noFill/>
+            <a:miter/>
+          </a:ln>
+        </p:spPr>
+        <p:txBody>
+          <a:bodyPr wrap="square" lIns="67969" tIns="33983" rIns="67969" bIns="33983" anchor="t">
+            <a:spAutoFit/>
+          </a:bodyPr>
+          <a:lstStyle/>
+          <a:p>
+            <a:pPr>
+              <a:lnSpc>
+                <a:spcPct val="130000"/>
+              </a:lnSpc>
+            </a:pPr>
+            <a:r>
+              <a:rPr lang="en-US" altLang="x-none" sz="1255" noProof="1" smtClean="0">
+                <a:solidFill>
+                  <a:srgbClr val="002748"/>
+                </a:solidFill>
+                <a:latin typeface="Arial Unicode MS" panose="020B0604020202020204" charset="-122"/>
+                <a:ea typeface="Arial Unicode MS" panose="020B0604020202020204" charset="-122"/>
+                <a:cs typeface="Arial Unicode MS" panose="020B0604020202020204" charset="-122"/>
+              </a:rPr>
+              <a:t>MySQL Calculate Functions</a:t>
+            </a:r>
+            <a:endParaRPr lang="en-US" altLang="x-none" sz="1255" noProof="1">
+              <a:solidFill>
+                <a:srgbClr val="002748"/>
+              </a:solidFill>
+              <a:latin typeface="Arial Unicode MS" panose="020B0604020202020204" charset="-122"/>
+              <a:ea typeface="Arial Unicode MS" panose="020B0604020202020204" charset="-122"/>
+              <a:cs typeface="Arial Unicode MS" panose="020B0604020202020204" charset="-122"/>
+            </a:endParaRPr>
+          </a:p>
+        </p:txBody>
+      </p:sp>
+      <p:sp>
+        <p:nvSpPr>
+          <p:cNvPr id="13" name="标题 1"/>
+          <p:cNvSpPr txBox="1"/>
+          <p:nvPr/>
+        </p:nvSpPr>
+        <p:spPr>
+          <a:xfrm>
+            <a:off x="2762055" y="3214799"/>
+            <a:ext cx="3678238" cy="292794"/>
+          </a:xfrm>
+          <a:prstGeom prst="rect">
+            <a:avLst/>
+          </a:prstGeom>
+          <a:noFill/>
+          <a:ln w="9525">
+            <a:noFill/>
+            <a:miter/>
+          </a:ln>
+        </p:spPr>
+        <p:txBody>
+          <a:bodyPr wrap="square" lIns="67969" tIns="33983" rIns="67969" bIns="33983" anchor="t">
+            <a:spAutoFit/>
+          </a:bodyPr>
+          <a:lstStyle/>
+          <a:p>
+            <a:pPr>
+              <a:lnSpc>
+                <a:spcPct val="130000"/>
+              </a:lnSpc>
+            </a:pPr>
+            <a:r>
+              <a:rPr lang="en-US" altLang="x-none" sz="1255" noProof="1" smtClean="0">
+                <a:solidFill>
+                  <a:srgbClr val="FF9900"/>
+                </a:solidFill>
+                <a:latin typeface="Arial Unicode MS" panose="020B0604020202020204" charset="-122"/>
+                <a:ea typeface="Arial Unicode MS" panose="020B0604020202020204" charset="-122"/>
+                <a:cs typeface="Arial Unicode MS" panose="020B0604020202020204" charset="-122"/>
+              </a:rPr>
+              <a:t>MySQL String Functions</a:t>
+            </a:r>
+            <a:endParaRPr lang="en-US" altLang="x-none" sz="1255" noProof="1">
+              <a:solidFill>
+                <a:srgbClr val="FF9900"/>
+              </a:solidFill>
+              <a:latin typeface="Arial Unicode MS" panose="020B0604020202020204" charset="-122"/>
+              <a:ea typeface="Arial Unicode MS" panose="020B0604020202020204" charset="-122"/>
+              <a:cs typeface="Arial Unicode MS" panose="020B0604020202020204" charset="-122"/>
+            </a:endParaRPr>
+          </a:p>
+        </p:txBody>
+      </p:sp>
+      <p:sp>
+        <p:nvSpPr>
+          <p:cNvPr id="14" name="标题 1"/>
+          <p:cNvSpPr txBox="1"/>
+          <p:nvPr/>
+        </p:nvSpPr>
+        <p:spPr>
+          <a:xfrm>
+            <a:off x="3131320" y="4659243"/>
+            <a:ext cx="3678238" cy="292794"/>
+          </a:xfrm>
+          <a:prstGeom prst="rect">
+            <a:avLst/>
+          </a:prstGeom>
+          <a:noFill/>
+          <a:ln w="9525">
+            <a:noFill/>
+            <a:miter/>
+          </a:ln>
+        </p:spPr>
+        <p:txBody>
+          <a:bodyPr wrap="square" lIns="67969" tIns="33983" rIns="67969" bIns="33983" anchor="t">
+            <a:spAutoFit/>
+          </a:bodyPr>
+          <a:lstStyle/>
+          <a:p>
+            <a:pPr>
+              <a:lnSpc>
+                <a:spcPct val="130000"/>
+              </a:lnSpc>
+            </a:pPr>
+            <a:r>
+              <a:rPr lang="en-US" altLang="x-none" sz="1255" noProof="1" smtClean="0">
+                <a:solidFill>
+                  <a:srgbClr val="FF9900"/>
+                </a:solidFill>
+                <a:latin typeface="Arial Unicode MS" panose="020B0604020202020204" charset="-122"/>
+                <a:ea typeface="Arial Unicode MS" panose="020B0604020202020204" charset="-122"/>
+                <a:cs typeface="Arial Unicode MS" panose="020B0604020202020204" charset="-122"/>
+              </a:rPr>
+              <a:t>Procedures and Triggers</a:t>
+            </a:r>
+            <a:endParaRPr lang="en-US" altLang="x-none" sz="1255" noProof="1">
+              <a:solidFill>
+                <a:srgbClr val="FF9900"/>
+              </a:solidFill>
+              <a:latin typeface="Arial Unicode MS" panose="020B0604020202020204" charset="-122"/>
+              <a:ea typeface="Arial Unicode MS" panose="020B0604020202020204" charset="-122"/>
+              <a:cs typeface="Arial Unicode MS" panose="020B0604020202020204" charset="-122"/>
+            </a:endParaRPr>
+          </a:p>
+        </p:txBody>
+      </p:sp>
+      <p:sp>
+        <p:nvSpPr>
+          <p:cNvPr id="15" name="标题 1"/>
+          <p:cNvSpPr txBox="1"/>
+          <p:nvPr/>
+        </p:nvSpPr>
+        <p:spPr>
+          <a:xfrm>
+            <a:off x="2935061" y="3976847"/>
+            <a:ext cx="3678238" cy="292794"/>
+          </a:xfrm>
+          <a:prstGeom prst="rect">
+            <a:avLst/>
+          </a:prstGeom>
+          <a:noFill/>
+          <a:ln w="9525">
+            <a:noFill/>
+            <a:miter/>
+          </a:ln>
+        </p:spPr>
+        <p:txBody>
+          <a:bodyPr wrap="square" lIns="67969" tIns="33983" rIns="67969" bIns="33983" anchor="t">
+            <a:spAutoFit/>
+          </a:bodyPr>
+          <a:lstStyle/>
+          <a:p>
+            <a:pPr>
+              <a:lnSpc>
+                <a:spcPct val="130000"/>
+              </a:lnSpc>
+            </a:pPr>
+            <a:r>
+              <a:rPr lang="en-US" altLang="x-none" sz="1255" noProof="1" smtClean="0">
+                <a:solidFill>
+                  <a:srgbClr val="FF9900"/>
+                </a:solidFill>
+                <a:latin typeface="Arial Unicode MS" panose="020B0604020202020204" charset="-122"/>
+                <a:ea typeface="Arial Unicode MS" panose="020B0604020202020204" charset="-122"/>
+                <a:cs typeface="Arial Unicode MS" panose="020B0604020202020204" charset="-122"/>
+              </a:rPr>
+              <a:t>Logical Functions</a:t>
+            </a:r>
+            <a:endParaRPr lang="en-US" altLang="x-none" sz="1255" noProof="1">
+              <a:solidFill>
+                <a:srgbClr val="FF9900"/>
+              </a:solidFill>
+              <a:latin typeface="Arial Unicode MS" panose="020B0604020202020204" charset="-122"/>
+              <a:ea typeface="Arial Unicode MS" panose="020B0604020202020204" charset="-122"/>
+              <a:cs typeface="Arial Unicode MS" panose="020B0604020202020204" charset="-122"/>
+            </a:endParaRPr>
+          </a:p>
+        </p:txBody>
+      </p:sp>
+      <p:sp>
+        <p:nvSpPr>
+          <p:cNvPr id="16" name="标题 1"/>
+          <p:cNvSpPr txBox="1"/>
+          <p:nvPr/>
+        </p:nvSpPr>
+        <p:spPr>
+          <a:xfrm>
+            <a:off x="2884669" y="3588534"/>
+            <a:ext cx="3678238" cy="319724"/>
+          </a:xfrm>
+          <a:prstGeom prst="rect">
+            <a:avLst/>
+          </a:prstGeom>
+          <a:noFill/>
+          <a:ln w="9525">
+            <a:noFill/>
+            <a:miter/>
+          </a:ln>
+        </p:spPr>
+        <p:txBody>
+          <a:bodyPr wrap="square" lIns="67969" tIns="33983" rIns="67969" bIns="33983" anchor="t">
+            <a:spAutoFit/>
+          </a:bodyPr>
+          <a:lstStyle/>
+          <a:p>
+            <a:pPr>
+              <a:lnSpc>
+                <a:spcPct val="130000"/>
+              </a:lnSpc>
+            </a:pPr>
+            <a:r>
+              <a:rPr lang="en-US" altLang="x-none" sz="1255" noProof="1" smtClean="0">
+                <a:solidFill>
+                  <a:srgbClr val="002748"/>
+                </a:solidFill>
+                <a:latin typeface="Arial Unicode MS" panose="020B0604020202020204" charset="-122"/>
+                <a:ea typeface="Arial Unicode MS" panose="020B0604020202020204" charset="-122"/>
+                <a:cs typeface="Arial Unicode MS" panose="020B0604020202020204" charset="-122"/>
+              </a:rPr>
+              <a:t>MySQL Date Functions</a:t>
+            </a:r>
+            <a:endParaRPr lang="en-US" altLang="x-none" sz="1255" noProof="1">
+              <a:solidFill>
+                <a:srgbClr val="002748"/>
+              </a:solidFill>
+              <a:latin typeface="Arial Unicode MS" panose="020B0604020202020204" charset="-122"/>
+              <a:ea typeface="Arial Unicode MS" panose="020B0604020202020204" charset="-122"/>
+              <a:cs typeface="Arial Unicode MS" panose="020B0604020202020204" charset="-122"/>
+            </a:endParaRPr>
+          </a:p>
+        </p:txBody>
+      </p:sp>
+      <p:sp>
+        <p:nvSpPr>
+          <p:cNvPr id="17" name="标题 1"/>
+          <p:cNvSpPr txBox="1"/>
+          <p:nvPr/>
+        </p:nvSpPr>
+        <p:spPr>
+          <a:xfrm>
+            <a:off x="3051072" y="4328037"/>
+            <a:ext cx="3678238" cy="292794"/>
+          </a:xfrm>
+          <a:prstGeom prst="rect">
+            <a:avLst/>
+          </a:prstGeom>
+          <a:noFill/>
+          <a:ln w="9525">
+            <a:noFill/>
+            <a:miter/>
+          </a:ln>
+        </p:spPr>
+        <p:txBody>
+          <a:bodyPr wrap="square" lIns="67969" tIns="33983" rIns="67969" bIns="33983" anchor="t">
+            <a:spAutoFit/>
+          </a:bodyPr>
+          <a:lstStyle/>
+          <a:p>
+            <a:pPr>
+              <a:lnSpc>
+                <a:spcPct val="130000"/>
+              </a:lnSpc>
+            </a:pPr>
+            <a:r>
+              <a:rPr lang="en-US" altLang="x-none" sz="1255" noProof="1" smtClean="0">
+                <a:solidFill>
+                  <a:srgbClr val="002748"/>
+                </a:solidFill>
+                <a:latin typeface="Arial Unicode MS" panose="020B0604020202020204" charset="-122"/>
+                <a:ea typeface="Arial Unicode MS" panose="020B0604020202020204" charset="-122"/>
+                <a:cs typeface="Arial Unicode MS" panose="020B0604020202020204" charset="-122"/>
+              </a:rPr>
+              <a:t>Joins</a:t>
+            </a:r>
+            <a:endParaRPr lang="en-US" altLang="x-none" sz="1255" noProof="1">
+              <a:solidFill>
+                <a:srgbClr val="002748"/>
+              </a:solidFill>
+              <a:latin typeface="Arial Unicode MS" panose="020B0604020202020204" charset="-122"/>
+              <a:ea typeface="Arial Unicode MS" panose="020B0604020202020204" charset="-122"/>
+              <a:cs typeface="Arial Unicode MS" panose="020B0604020202020204" charset="-122"/>
+            </a:endParaRPr>
+          </a:p>
+        </p:txBody>
+      </p:sp>
+    </p:spTree>
+  </p:cSld>
+  <p:clrMapOvr>
+    <a:masterClrMapping/>
+  </p:clrMapOvr>
+  <p:transition>
+    <p:fade/>
+  </p:transition>
+  <p:timing>
+    <p:tnLst>
+      <p:par>
+        <p:cTn id="1" dur="indefinite" restart="never" nodeType="tmRoot">
+          <p:childTnLst>
+            <p:seq concurrent="1" nextAc="seek">
+              <p:cTn id="2" dur="indefinite" nodeType="mainSeq">
+                <p:childTnLst>
+                  <p:par>
+                    <p:cTn id="3" fill="hold">
+                      <p:stCondLst>
+                        <p:cond delay="indefinite"/>
+                        <p:cond evt="onBegin" delay="0">
+                          <p:tn val="2"/>
+                        </p:cond>
+                      </p:stCondLst>
+                      <p:childTnLst>
+                        <p:par>
+                          <p:cTn id="4" fill="hold">
+                            <p:stCondLst>
+                              <p:cond delay="0"/>
+                            </p:stCondLst>
+                            <p:childTnLst>
+                              <p:par>
+                                <p:cTn id="5" presetID="2" presetClass="entr" presetSubtype="8" fill="hold" grpId="0" nodeType="afterEffect">
+                                  <p:stCondLst>
+                                    <p:cond delay="0"/>
+                                  </p:stCondLst>
+                                  <p:childTnLst>
+                                    <p:set>
+                                      <p:cBhvr>
+                                        <p:cTn id="6" dur="1" fill="hold">
+                                          <p:stCondLst>
+                                            <p:cond delay="0"/>
+                                          </p:stCondLst>
+                                        </p:cTn>
+                                        <p:tgtEl>
+                                          <p:spTgt spid="4"/>
+                                        </p:tgtEl>
+                                        <p:attrNameLst>
+                                          <p:attrName>style.visibility</p:attrName>
+                                        </p:attrNameLst>
+                                      </p:cBhvr>
+                                      <p:to>
+                                        <p:strVal val="visible"/>
+                                      </p:to>
+                                    </p:set>
+                                    <p:anim calcmode="lin" valueType="num">
+                                      <p:cBhvr additive="base">
+                                        <p:cTn id="7" dur="500" fill="hold"/>
+                                        <p:tgtEl>
+                                          <p:spTgt spid="4"/>
+                                        </p:tgtEl>
+                                        <p:attrNameLst>
+                                          <p:attrName>ppt_x</p:attrName>
+                                        </p:attrNameLst>
+                                      </p:cBhvr>
+                                      <p:tavLst>
+                                        <p:tav tm="0">
+                                          <p:val>
+                                            <p:strVal val="0-#ppt_w/2"/>
+                                          </p:val>
+                                        </p:tav>
+                                        <p:tav tm="100000">
+                                          <p:val>
+                                            <p:strVal val="#ppt_x"/>
+                                          </p:val>
+                                        </p:tav>
+                                      </p:tavLst>
+                                    </p:anim>
+                                    <p:anim calcmode="lin" valueType="num">
+                                      <p:cBhvr additive="base">
+                                        <p:cTn id="8" dur="500" fill="hold"/>
+                                        <p:tgtEl>
+                                          <p:spTgt spid="4"/>
+                                        </p:tgtEl>
+                                        <p:attrNameLst>
+                                          <p:attrName>ppt_y</p:attrName>
+                                        </p:attrNameLst>
+                                      </p:cBhvr>
+                                      <p:tavLst>
+                                        <p:tav tm="0">
+                                          <p:val>
+                                            <p:strVal val="#ppt_y"/>
+                                          </p:val>
+                                        </p:tav>
+                                        <p:tav tm="100000">
+                                          <p:val>
+                                            <p:strVal val="#ppt_y"/>
+                                          </p:val>
+                                        </p:tav>
+                                      </p:tavLst>
+                                    </p:anim>
+                                  </p:childTnLst>
+                                </p:cTn>
+                              </p:par>
+                            </p:childTnLst>
+                          </p:cTn>
+                        </p:par>
+                        <p:par>
+                          <p:cTn id="9" fill="hold">
+                            <p:stCondLst>
+                              <p:cond delay="500"/>
+                            </p:stCondLst>
+                            <p:childTnLst>
+                              <p:par>
+                                <p:cTn id="10" presetID="41" presetClass="entr" presetSubtype="0" fill="hold" grpId="0" nodeType="afterEffect">
+                                  <p:stCondLst>
+                                    <p:cond delay="0"/>
+                                  </p:stCondLst>
+                                  <p:iterate type="lt">
+                                    <p:tmPct val="10000"/>
+                                  </p:iterate>
+                                  <p:childTnLst>
+                                    <p:set>
+                                      <p:cBhvr>
+                                        <p:cTn id="11" dur="1" fill="hold">
+                                          <p:stCondLst>
+                                            <p:cond delay="0"/>
+                                          </p:stCondLst>
+                                        </p:cTn>
+                                        <p:tgtEl>
+                                          <p:spTgt spid="3"/>
+                                        </p:tgtEl>
+                                        <p:attrNameLst>
+                                          <p:attrName>style.visibility</p:attrName>
+                                        </p:attrNameLst>
+                                      </p:cBhvr>
+                                      <p:to>
+                                        <p:strVal val="visible"/>
+                                      </p:to>
+                                    </p:set>
+                                    <p:anim calcmode="lin" valueType="num">
+                                      <p:cBhvr>
+                                        <p:cTn id="12" dur="500" fill="hold"/>
+                                        <p:tgtEl>
+                                          <p:spTgt spid="3"/>
+                                        </p:tgtEl>
+                                        <p:attrNameLst>
+                                          <p:attrName>ppt_x</p:attrName>
+                                        </p:attrNameLst>
+                                      </p:cBhvr>
+                                      <p:tavLst>
+                                        <p:tav tm="0">
+                                          <p:val>
+                                            <p:strVal val="#ppt_x"/>
+                                          </p:val>
+                                        </p:tav>
+                                        <p:tav tm="50000">
+                                          <p:val>
+                                            <p:strVal val="#ppt_x+.1"/>
+                                          </p:val>
+                                        </p:tav>
+                                        <p:tav tm="100000">
+                                          <p:val>
+                                            <p:strVal val="#ppt_x"/>
+                                          </p:val>
+                                        </p:tav>
+                                      </p:tavLst>
+                                    </p:anim>
+                                    <p:anim calcmode="lin" valueType="num">
+                                      <p:cBhvr>
+                                        <p:cTn id="13" dur="500" fill="hold"/>
+                                        <p:tgtEl>
+                                          <p:spTgt spid="3"/>
+                                        </p:tgtEl>
+                                        <p:attrNameLst>
+                                          <p:attrName>ppt_y</p:attrName>
+                                        </p:attrNameLst>
+                                      </p:cBhvr>
+                                      <p:tavLst>
+                                        <p:tav tm="0">
+                                          <p:val>
+                                            <p:strVal val="#ppt_y"/>
+                                          </p:val>
+                                        </p:tav>
+                                        <p:tav tm="100000">
+                                          <p:val>
+                                            <p:strVal val="#ppt_y"/>
+                                          </p:val>
+                                        </p:tav>
+                                      </p:tavLst>
+                                    </p:anim>
+                                    <p:anim calcmode="lin" valueType="num">
+                                      <p:cBhvr>
+                                        <p:cTn id="14" dur="500" fill="hold"/>
+                                        <p:tgtEl>
+                                          <p:spTgt spid="3"/>
+                                        </p:tgtEl>
+                                        <p:attrNameLst>
+                                          <p:attrName>ppt_h</p:attrName>
+                                        </p:attrNameLst>
+                                      </p:cBhvr>
+                                      <p:tavLst>
+                                        <p:tav tm="0">
+                                          <p:val>
+                                            <p:strVal val="#ppt_h/10"/>
+                                          </p:val>
+                                        </p:tav>
+                                        <p:tav tm="50000">
+                                          <p:val>
+                                            <p:strVal val="#ppt_h+.01"/>
+                                          </p:val>
+                                        </p:tav>
+                                        <p:tav tm="100000">
+                                          <p:val>
+                                            <p:strVal val="#ppt_h"/>
+                                          </p:val>
+                                        </p:tav>
+                                      </p:tavLst>
+                                    </p:anim>
+                                    <p:anim calcmode="lin" valueType="num">
+                                      <p:cBhvr>
+                                        <p:cTn id="15" dur="500" fill="hold"/>
+                                        <p:tgtEl>
+                                          <p:spTgt spid="3"/>
+                                        </p:tgtEl>
+                                        <p:attrNameLst>
+                                          <p:attrName>ppt_w</p:attrName>
+                                        </p:attrNameLst>
+                                      </p:cBhvr>
+                                      <p:tavLst>
+                                        <p:tav tm="0">
+                                          <p:val>
+                                            <p:strVal val="#ppt_w/10"/>
+                                          </p:val>
+                                        </p:tav>
+                                        <p:tav tm="50000">
+                                          <p:val>
+                                            <p:strVal val="#ppt_w+.01"/>
+                                          </p:val>
+                                        </p:tav>
+                                        <p:tav tm="100000">
+                                          <p:val>
+                                            <p:strVal val="#ppt_w"/>
+                                          </p:val>
+                                        </p:tav>
+                                      </p:tavLst>
+                                    </p:anim>
+                                    <p:animEffect transition="in" filter="fade">
+                                      <p:cBhvr>
+                                        <p:cTn id="16" dur="500" tmFilter="0,0; .5, 1; 1, 1"/>
+                                        <p:tgtEl>
+                                          <p:spTgt spid="3"/>
+                                        </p:tgtEl>
+                                      </p:cBhvr>
+                                    </p:animEffect>
+                                  </p:childTnLst>
+                                </p:cTn>
+                              </p:par>
+                            </p:childTnLst>
+                          </p:cTn>
+                        </p:par>
+                        <p:par>
+                          <p:cTn id="17" fill="hold">
+                            <p:stCondLst>
+                              <p:cond delay="1049"/>
+                            </p:stCondLst>
+                            <p:childTnLst>
+                              <p:par>
+                                <p:cTn id="18" presetID="53" presetClass="entr" presetSubtype="16" fill="hold" grpId="0" nodeType="afterEffect">
+                                  <p:stCondLst>
+                                    <p:cond delay="0"/>
+                                  </p:stCondLst>
+                                  <p:childTnLst>
+                                    <p:set>
+                                      <p:cBhvr>
+                                        <p:cTn id="19" dur="1" fill="hold">
+                                          <p:stCondLst>
+                                            <p:cond delay="0"/>
+                                          </p:stCondLst>
+                                        </p:cTn>
+                                        <p:tgtEl>
+                                          <p:spTgt spid="11"/>
+                                        </p:tgtEl>
+                                        <p:attrNameLst>
+                                          <p:attrName>style.visibility</p:attrName>
+                                        </p:attrNameLst>
+                                      </p:cBhvr>
+                                      <p:to>
+                                        <p:strVal val="visible"/>
+                                      </p:to>
+                                    </p:set>
+                                    <p:anim calcmode="lin" valueType="num">
+                                      <p:cBhvr>
+                                        <p:cTn id="20" dur="500" fill="hold"/>
+                                        <p:tgtEl>
+                                          <p:spTgt spid="11"/>
+                                        </p:tgtEl>
+                                        <p:attrNameLst>
+                                          <p:attrName>ppt_w</p:attrName>
+                                        </p:attrNameLst>
+                                      </p:cBhvr>
+                                      <p:tavLst>
+                                        <p:tav tm="0">
+                                          <p:val>
+                                            <p:fltVal val="0"/>
+                                          </p:val>
+                                        </p:tav>
+                                        <p:tav tm="100000">
+                                          <p:val>
+                                            <p:strVal val="#ppt_w"/>
+                                          </p:val>
+                                        </p:tav>
+                                      </p:tavLst>
+                                    </p:anim>
+                                    <p:anim calcmode="lin" valueType="num">
+                                      <p:cBhvr>
+                                        <p:cTn id="21" dur="500" fill="hold"/>
+                                        <p:tgtEl>
+                                          <p:spTgt spid="11"/>
+                                        </p:tgtEl>
+                                        <p:attrNameLst>
+                                          <p:attrName>ppt_h</p:attrName>
+                                        </p:attrNameLst>
+                                      </p:cBhvr>
+                                      <p:tavLst>
+                                        <p:tav tm="0">
+                                          <p:val>
+                                            <p:fltVal val="0"/>
+                                          </p:val>
+                                        </p:tav>
+                                        <p:tav tm="100000">
+                                          <p:val>
+                                            <p:strVal val="#ppt_h"/>
+                                          </p:val>
+                                        </p:tav>
+                                      </p:tavLst>
+                                    </p:anim>
+                                    <p:animEffect transition="in" filter="fade">
+                                      <p:cBhvr>
+                                        <p:cTn id="22" dur="500"/>
+                                        <p:tgtEl>
+                                          <p:spTgt spid="11"/>
+                                        </p:tgtEl>
+                                      </p:cBhvr>
+                                    </p:animEffect>
+                                  </p:childTnLst>
+                                </p:cTn>
+                              </p:par>
+                            </p:childTnLst>
+                          </p:cTn>
+                        </p:par>
+                        <p:par>
+                          <p:cTn id="23" fill="hold">
+                            <p:stCondLst>
+                              <p:cond delay="1549"/>
+                            </p:stCondLst>
+                            <p:childTnLst>
+                              <p:par>
+                                <p:cTn id="24" presetID="2" presetClass="entr" presetSubtype="2" fill="hold" grpId="0" nodeType="afterEffect">
+                                  <p:stCondLst>
+                                    <p:cond delay="0"/>
+                                  </p:stCondLst>
+                                  <p:childTnLst>
+                                    <p:set>
+                                      <p:cBhvr>
+                                        <p:cTn id="25" dur="1" fill="hold">
+                                          <p:stCondLst>
+                                            <p:cond delay="0"/>
+                                          </p:stCondLst>
+                                        </p:cTn>
+                                        <p:tgtEl>
+                                          <p:spTgt spid="10"/>
+                                        </p:tgtEl>
+                                        <p:attrNameLst>
+                                          <p:attrName>style.visibility</p:attrName>
+                                        </p:attrNameLst>
+                                      </p:cBhvr>
+                                      <p:to>
+                                        <p:strVal val="visible"/>
+                                      </p:to>
+                                    </p:set>
+                                    <p:anim calcmode="lin" valueType="num">
+                                      <p:cBhvr additive="base">
+                                        <p:cTn id="26" dur="500" fill="hold"/>
+                                        <p:tgtEl>
+                                          <p:spTgt spid="10"/>
+                                        </p:tgtEl>
+                                        <p:attrNameLst>
+                                          <p:attrName>ppt_x</p:attrName>
+                                        </p:attrNameLst>
+                                      </p:cBhvr>
+                                      <p:tavLst>
+                                        <p:tav tm="0">
+                                          <p:val>
+                                            <p:strVal val="1+#ppt_w/2"/>
+                                          </p:val>
+                                        </p:tav>
+                                        <p:tav tm="100000">
+                                          <p:val>
+                                            <p:strVal val="#ppt_x"/>
+                                          </p:val>
+                                        </p:tav>
+                                      </p:tavLst>
+                                    </p:anim>
+                                    <p:anim calcmode="lin" valueType="num">
+                                      <p:cBhvr additive="base">
+                                        <p:cTn id="27" dur="500" fill="hold"/>
+                                        <p:tgtEl>
+                                          <p:spTgt spid="10"/>
+                                        </p:tgtEl>
+                                        <p:attrNameLst>
+                                          <p:attrName>ppt_y</p:attrName>
+                                        </p:attrNameLst>
+                                      </p:cBhvr>
+                                      <p:tavLst>
+                                        <p:tav tm="0">
+                                          <p:val>
+                                            <p:strVal val="#ppt_y"/>
+                                          </p:val>
+                                        </p:tav>
+                                        <p:tav tm="100000">
+                                          <p:val>
+                                            <p:strVal val="#ppt_y"/>
+                                          </p:val>
+                                        </p:tav>
+                                      </p:tavLst>
+                                    </p:anim>
+                                  </p:childTnLst>
+                                </p:cTn>
+                              </p:par>
+                            </p:childTnLst>
+                          </p:cTn>
+                        </p:par>
+                        <p:par>
+                          <p:cTn id="28" fill="hold">
+                            <p:stCondLst>
+                              <p:cond delay="2049"/>
+                            </p:stCondLst>
+                            <p:childTnLst>
+                              <p:par>
+                                <p:cTn id="29" presetID="53" presetClass="entr" presetSubtype="16" fill="hold" grpId="0" nodeType="afterEffect">
+                                  <p:stCondLst>
+                                    <p:cond delay="0"/>
+                                  </p:stCondLst>
+                                  <p:childTnLst>
+                                    <p:set>
+                                      <p:cBhvr>
+                                        <p:cTn id="30" dur="1" fill="hold">
+                                          <p:stCondLst>
+                                            <p:cond delay="0"/>
+                                          </p:stCondLst>
+                                        </p:cTn>
+                                        <p:tgtEl>
+                                          <p:spTgt spid="228356"/>
+                                        </p:tgtEl>
+                                        <p:attrNameLst>
+                                          <p:attrName>style.visibility</p:attrName>
+                                        </p:attrNameLst>
+                                      </p:cBhvr>
+                                      <p:to>
+                                        <p:strVal val="visible"/>
+                                      </p:to>
+                                    </p:set>
+                                    <p:anim calcmode="lin" valueType="num">
+                                      <p:cBhvr>
+                                        <p:cTn id="31" dur="500" fill="hold"/>
+                                        <p:tgtEl>
+                                          <p:spTgt spid="228356"/>
+                                        </p:tgtEl>
+                                        <p:attrNameLst>
+                                          <p:attrName>ppt_w</p:attrName>
+                                        </p:attrNameLst>
+                                      </p:cBhvr>
+                                      <p:tavLst>
+                                        <p:tav tm="0">
+                                          <p:val>
+                                            <p:fltVal val="0"/>
+                                          </p:val>
+                                        </p:tav>
+                                        <p:tav tm="100000">
+                                          <p:val>
+                                            <p:strVal val="#ppt_w"/>
+                                          </p:val>
+                                        </p:tav>
+                                      </p:tavLst>
+                                    </p:anim>
+                                    <p:anim calcmode="lin" valueType="num">
+                                      <p:cBhvr>
+                                        <p:cTn id="32" dur="500" fill="hold"/>
+                                        <p:tgtEl>
+                                          <p:spTgt spid="228356"/>
+                                        </p:tgtEl>
+                                        <p:attrNameLst>
+                                          <p:attrName>ppt_h</p:attrName>
+                                        </p:attrNameLst>
+                                      </p:cBhvr>
+                                      <p:tavLst>
+                                        <p:tav tm="0">
+                                          <p:val>
+                                            <p:fltVal val="0"/>
+                                          </p:val>
+                                        </p:tav>
+                                        <p:tav tm="100000">
+                                          <p:val>
+                                            <p:strVal val="#ppt_h"/>
+                                          </p:val>
+                                        </p:tav>
+                                      </p:tavLst>
+                                    </p:anim>
+                                    <p:animEffect transition="in" filter="fade">
+                                      <p:cBhvr>
+                                        <p:cTn id="33" dur="500"/>
+                                        <p:tgtEl>
+                                          <p:spTgt spid="228356"/>
+                                        </p:tgtEl>
+                                      </p:cBhvr>
+                                    </p:animEffect>
+                                  </p:childTnLst>
+                                </p:cTn>
+                              </p:par>
+                            </p:childTnLst>
+                          </p:cTn>
+                        </p:par>
+                        <p:par>
+                          <p:cTn id="34" fill="hold">
+                            <p:stCondLst>
+                              <p:cond delay="2549"/>
+                            </p:stCondLst>
+                            <p:childTnLst>
+                              <p:par>
+                                <p:cTn id="35" presetID="53" presetClass="entr" presetSubtype="16" fill="hold" grpId="0" nodeType="afterEffect">
+                                  <p:stCondLst>
+                                    <p:cond delay="0"/>
+                                  </p:stCondLst>
+                                  <p:childTnLst>
+                                    <p:set>
+                                      <p:cBhvr>
+                                        <p:cTn id="36" dur="1" fill="hold">
+                                          <p:stCondLst>
+                                            <p:cond delay="0"/>
+                                          </p:stCondLst>
+                                        </p:cTn>
+                                        <p:tgtEl>
+                                          <p:spTgt spid="5"/>
+                                        </p:tgtEl>
+                                        <p:attrNameLst>
+                                          <p:attrName>style.visibility</p:attrName>
+                                        </p:attrNameLst>
+                                      </p:cBhvr>
+                                      <p:to>
+                                        <p:strVal val="visible"/>
+                                      </p:to>
+                                    </p:set>
+                                    <p:anim calcmode="lin" valueType="num">
+                                      <p:cBhvr>
+                                        <p:cTn id="37" dur="500" fill="hold"/>
+                                        <p:tgtEl>
+                                          <p:spTgt spid="5"/>
+                                        </p:tgtEl>
+                                        <p:attrNameLst>
+                                          <p:attrName>ppt_w</p:attrName>
+                                        </p:attrNameLst>
+                                      </p:cBhvr>
+                                      <p:tavLst>
+                                        <p:tav tm="0">
+                                          <p:val>
+                                            <p:fltVal val="0"/>
+                                          </p:val>
+                                        </p:tav>
+                                        <p:tav tm="100000">
+                                          <p:val>
+                                            <p:strVal val="#ppt_w"/>
+                                          </p:val>
+                                        </p:tav>
+                                      </p:tavLst>
+                                    </p:anim>
+                                    <p:anim calcmode="lin" valueType="num">
+                                      <p:cBhvr>
+                                        <p:cTn id="38" dur="500" fill="hold"/>
+                                        <p:tgtEl>
+                                          <p:spTgt spid="5"/>
+                                        </p:tgtEl>
+                                        <p:attrNameLst>
+                                          <p:attrName>ppt_h</p:attrName>
+                                        </p:attrNameLst>
+                                      </p:cBhvr>
+                                      <p:tavLst>
+                                        <p:tav tm="0">
+                                          <p:val>
+                                            <p:fltVal val="0"/>
+                                          </p:val>
+                                        </p:tav>
+                                        <p:tav tm="100000">
+                                          <p:val>
+                                            <p:strVal val="#ppt_h"/>
+                                          </p:val>
+                                        </p:tav>
+                                      </p:tavLst>
+                                    </p:anim>
+                                    <p:animEffect transition="in" filter="fade">
+                                      <p:cBhvr>
+                                        <p:cTn id="39" dur="500"/>
+                                        <p:tgtEl>
+                                          <p:spTgt spid="5"/>
+                                        </p:tgtEl>
+                                      </p:cBhvr>
+                                    </p:animEffect>
+                                  </p:childTnLst>
+                                </p:cTn>
+                              </p:par>
+                            </p:childTnLst>
+                          </p:cTn>
+                        </p:par>
+                        <p:par>
+                          <p:cTn id="40" fill="hold">
+                            <p:stCondLst>
+                              <p:cond delay="3049"/>
+                            </p:stCondLst>
+                            <p:childTnLst>
+                              <p:par>
+                                <p:cTn id="41" presetID="53" presetClass="entr" presetSubtype="16" fill="hold" grpId="0" nodeType="afterEffect">
+                                  <p:stCondLst>
+                                    <p:cond delay="0"/>
+                                  </p:stCondLst>
+                                  <p:childTnLst>
+                                    <p:set>
+                                      <p:cBhvr>
+                                        <p:cTn id="42" dur="1" fill="hold">
+                                          <p:stCondLst>
+                                            <p:cond delay="0"/>
+                                          </p:stCondLst>
+                                        </p:cTn>
+                                        <p:tgtEl>
+                                          <p:spTgt spid="6"/>
+                                        </p:tgtEl>
+                                        <p:attrNameLst>
+                                          <p:attrName>style.visibility</p:attrName>
+                                        </p:attrNameLst>
+                                      </p:cBhvr>
+                                      <p:to>
+                                        <p:strVal val="visible"/>
+                                      </p:to>
+                                    </p:set>
+                                    <p:anim calcmode="lin" valueType="num">
+                                      <p:cBhvr>
+                                        <p:cTn id="43" dur="500" fill="hold"/>
+                                        <p:tgtEl>
+                                          <p:spTgt spid="6"/>
+                                        </p:tgtEl>
+                                        <p:attrNameLst>
+                                          <p:attrName>ppt_w</p:attrName>
+                                        </p:attrNameLst>
+                                      </p:cBhvr>
+                                      <p:tavLst>
+                                        <p:tav tm="0">
+                                          <p:val>
+                                            <p:fltVal val="0"/>
+                                          </p:val>
+                                        </p:tav>
+                                        <p:tav tm="100000">
+                                          <p:val>
+                                            <p:strVal val="#ppt_w"/>
+                                          </p:val>
+                                        </p:tav>
+                                      </p:tavLst>
+                                    </p:anim>
+                                    <p:anim calcmode="lin" valueType="num">
+                                      <p:cBhvr>
+                                        <p:cTn id="44" dur="500" fill="hold"/>
+                                        <p:tgtEl>
+                                          <p:spTgt spid="6"/>
+                                        </p:tgtEl>
+                                        <p:attrNameLst>
+                                          <p:attrName>ppt_h</p:attrName>
+                                        </p:attrNameLst>
+                                      </p:cBhvr>
+                                      <p:tavLst>
+                                        <p:tav tm="0">
+                                          <p:val>
+                                            <p:fltVal val="0"/>
+                                          </p:val>
+                                        </p:tav>
+                                        <p:tav tm="100000">
+                                          <p:val>
+                                            <p:strVal val="#ppt_h"/>
+                                          </p:val>
+                                        </p:tav>
+                                      </p:tavLst>
+                                    </p:anim>
+                                    <p:animEffect transition="in" filter="fade">
+                                      <p:cBhvr>
+                                        <p:cTn id="45" dur="500"/>
+                                        <p:tgtEl>
+                                          <p:spTgt spid="6"/>
+                                        </p:tgtEl>
+                                      </p:cBhvr>
+                                    </p:animEffect>
+                                  </p:childTnLst>
+                                </p:cTn>
+                              </p:par>
+                            </p:childTnLst>
+                          </p:cTn>
+                        </p:par>
+                        <p:par>
+                          <p:cTn id="46" fill="hold">
+                            <p:stCondLst>
+                              <p:cond delay="3549"/>
+                            </p:stCondLst>
+                            <p:childTnLst>
+                              <p:par>
+                                <p:cTn id="47" presetID="53" presetClass="entr" presetSubtype="16" fill="hold" grpId="0" nodeType="afterEffect">
+                                  <p:stCondLst>
+                                    <p:cond delay="0"/>
+                                  </p:stCondLst>
+                                  <p:childTnLst>
+                                    <p:set>
+                                      <p:cBhvr>
+                                        <p:cTn id="48" dur="1" fill="hold">
+                                          <p:stCondLst>
+                                            <p:cond delay="0"/>
+                                          </p:stCondLst>
+                                        </p:cTn>
+                                        <p:tgtEl>
+                                          <p:spTgt spid="7"/>
+                                        </p:tgtEl>
+                                        <p:attrNameLst>
+                                          <p:attrName>style.visibility</p:attrName>
+                                        </p:attrNameLst>
+                                      </p:cBhvr>
+                                      <p:to>
+                                        <p:strVal val="visible"/>
+                                      </p:to>
+                                    </p:set>
+                                    <p:anim calcmode="lin" valueType="num">
+                                      <p:cBhvr>
+                                        <p:cTn id="49" dur="500" fill="hold"/>
+                                        <p:tgtEl>
+                                          <p:spTgt spid="7"/>
+                                        </p:tgtEl>
+                                        <p:attrNameLst>
+                                          <p:attrName>ppt_w</p:attrName>
+                                        </p:attrNameLst>
+                                      </p:cBhvr>
+                                      <p:tavLst>
+                                        <p:tav tm="0">
+                                          <p:val>
+                                            <p:fltVal val="0"/>
+                                          </p:val>
+                                        </p:tav>
+                                        <p:tav tm="100000">
+                                          <p:val>
+                                            <p:strVal val="#ppt_w"/>
+                                          </p:val>
+                                        </p:tav>
+                                      </p:tavLst>
+                                    </p:anim>
+                                    <p:anim calcmode="lin" valueType="num">
+                                      <p:cBhvr>
+                                        <p:cTn id="50" dur="500" fill="hold"/>
+                                        <p:tgtEl>
+                                          <p:spTgt spid="7"/>
+                                        </p:tgtEl>
+                                        <p:attrNameLst>
+                                          <p:attrName>ppt_h</p:attrName>
+                                        </p:attrNameLst>
+                                      </p:cBhvr>
+                                      <p:tavLst>
+                                        <p:tav tm="0">
+                                          <p:val>
+                                            <p:fltVal val="0"/>
+                                          </p:val>
+                                        </p:tav>
+                                        <p:tav tm="100000">
+                                          <p:val>
+                                            <p:strVal val="#ppt_h"/>
+                                          </p:val>
+                                        </p:tav>
+                                      </p:tavLst>
+                                    </p:anim>
+                                    <p:animEffect transition="in" filter="fade">
+                                      <p:cBhvr>
+                                        <p:cTn id="51" dur="500"/>
+                                        <p:tgtEl>
+                                          <p:spTgt spid="7"/>
+                                        </p:tgtEl>
+                                      </p:cBhvr>
+                                    </p:animEffect>
+                                  </p:childTnLst>
+                                </p:cTn>
+                              </p:par>
+                            </p:childTnLst>
+                          </p:cTn>
+                        </p:par>
+                        <p:par>
+                          <p:cTn id="52" fill="hold">
+                            <p:stCondLst>
+                              <p:cond delay="4049"/>
+                            </p:stCondLst>
+                            <p:childTnLst>
+                              <p:par>
+                                <p:cTn id="53" presetID="53" presetClass="entr" presetSubtype="16" fill="hold" grpId="0" nodeType="afterEffect">
+                                  <p:stCondLst>
+                                    <p:cond delay="0"/>
+                                  </p:stCondLst>
+                                  <p:childTnLst>
+                                    <p:set>
+                                      <p:cBhvr>
+                                        <p:cTn id="54" dur="1" fill="hold">
+                                          <p:stCondLst>
+                                            <p:cond delay="0"/>
+                                          </p:stCondLst>
+                                        </p:cTn>
+                                        <p:tgtEl>
+                                          <p:spTgt spid="8"/>
+                                        </p:tgtEl>
+                                        <p:attrNameLst>
+                                          <p:attrName>style.visibility</p:attrName>
+                                        </p:attrNameLst>
+                                      </p:cBhvr>
+                                      <p:to>
+                                        <p:strVal val="visible"/>
+                                      </p:to>
+                                    </p:set>
+                                    <p:anim calcmode="lin" valueType="num">
+                                      <p:cBhvr>
+                                        <p:cTn id="55" dur="500" fill="hold"/>
+                                        <p:tgtEl>
+                                          <p:spTgt spid="8"/>
+                                        </p:tgtEl>
+                                        <p:attrNameLst>
+                                          <p:attrName>ppt_w</p:attrName>
+                                        </p:attrNameLst>
+                                      </p:cBhvr>
+                                      <p:tavLst>
+                                        <p:tav tm="0">
+                                          <p:val>
+                                            <p:fltVal val="0"/>
+                                          </p:val>
+                                        </p:tav>
+                                        <p:tav tm="100000">
+                                          <p:val>
+                                            <p:strVal val="#ppt_w"/>
+                                          </p:val>
+                                        </p:tav>
+                                      </p:tavLst>
+                                    </p:anim>
+                                    <p:anim calcmode="lin" valueType="num">
+                                      <p:cBhvr>
+                                        <p:cTn id="56" dur="500" fill="hold"/>
+                                        <p:tgtEl>
+                                          <p:spTgt spid="8"/>
+                                        </p:tgtEl>
+                                        <p:attrNameLst>
+                                          <p:attrName>ppt_h</p:attrName>
+                                        </p:attrNameLst>
+                                      </p:cBhvr>
+                                      <p:tavLst>
+                                        <p:tav tm="0">
+                                          <p:val>
+                                            <p:fltVal val="0"/>
+                                          </p:val>
+                                        </p:tav>
+                                        <p:tav tm="100000">
+                                          <p:val>
+                                            <p:strVal val="#ppt_h"/>
+                                          </p:val>
+                                        </p:tav>
+                                      </p:tavLst>
+                                    </p:anim>
+                                    <p:animEffect transition="in" filter="fade">
+                                      <p:cBhvr>
+                                        <p:cTn id="57" dur="500"/>
+                                        <p:tgtEl>
+                                          <p:spTgt spid="8"/>
+                                        </p:tgtEl>
+                                      </p:cBhvr>
+                                    </p:animEffect>
+                                  </p:childTnLst>
+                                </p:cTn>
+                              </p:par>
+                            </p:childTnLst>
+                          </p:cTn>
+                        </p:par>
+                        <p:par>
+                          <p:cTn id="58" fill="hold">
+                            <p:stCondLst>
+                              <p:cond delay="4549"/>
+                            </p:stCondLst>
+                            <p:childTnLst>
+                              <p:par>
+                                <p:cTn id="59" presetID="53" presetClass="entr" presetSubtype="16" fill="hold" grpId="0" nodeType="afterEffect">
+                                  <p:stCondLst>
+                                    <p:cond delay="0"/>
+                                  </p:stCondLst>
+                                  <p:childTnLst>
+                                    <p:set>
+                                      <p:cBhvr>
+                                        <p:cTn id="60" dur="1" fill="hold">
+                                          <p:stCondLst>
+                                            <p:cond delay="0"/>
+                                          </p:stCondLst>
+                                        </p:cTn>
+                                        <p:tgtEl>
+                                          <p:spTgt spid="9"/>
+                                        </p:tgtEl>
+                                        <p:attrNameLst>
+                                          <p:attrName>style.visibility</p:attrName>
+                                        </p:attrNameLst>
+                                      </p:cBhvr>
+                                      <p:to>
+                                        <p:strVal val="visible"/>
+                                      </p:to>
+                                    </p:set>
+                                    <p:anim calcmode="lin" valueType="num">
+                                      <p:cBhvr>
+                                        <p:cTn id="61" dur="500" fill="hold"/>
+                                        <p:tgtEl>
+                                          <p:spTgt spid="9"/>
+                                        </p:tgtEl>
+                                        <p:attrNameLst>
+                                          <p:attrName>ppt_w</p:attrName>
+                                        </p:attrNameLst>
+                                      </p:cBhvr>
+                                      <p:tavLst>
+                                        <p:tav tm="0">
+                                          <p:val>
+                                            <p:fltVal val="0"/>
+                                          </p:val>
+                                        </p:tav>
+                                        <p:tav tm="100000">
+                                          <p:val>
+                                            <p:strVal val="#ppt_w"/>
+                                          </p:val>
+                                        </p:tav>
+                                      </p:tavLst>
+                                    </p:anim>
+                                    <p:anim calcmode="lin" valueType="num">
+                                      <p:cBhvr>
+                                        <p:cTn id="62" dur="500" fill="hold"/>
+                                        <p:tgtEl>
+                                          <p:spTgt spid="9"/>
+                                        </p:tgtEl>
+                                        <p:attrNameLst>
+                                          <p:attrName>ppt_h</p:attrName>
+                                        </p:attrNameLst>
+                                      </p:cBhvr>
+                                      <p:tavLst>
+                                        <p:tav tm="0">
+                                          <p:val>
+                                            <p:fltVal val="0"/>
+                                          </p:val>
+                                        </p:tav>
+                                        <p:tav tm="100000">
+                                          <p:val>
+                                            <p:strVal val="#ppt_h"/>
+                                          </p:val>
+                                        </p:tav>
+                                      </p:tavLst>
+                                    </p:anim>
+                                    <p:animEffect transition="in" filter="fade">
+                                      <p:cBhvr>
+                                        <p:cTn id="63" dur="500"/>
+                                        <p:tgtEl>
+                                          <p:spTgt spid="9"/>
+                                        </p:tgtEl>
+                                      </p:cBhvr>
+                                    </p:animEffect>
+                                  </p:childTnLst>
+                                </p:cTn>
+                              </p:par>
+                            </p:childTnLst>
+                          </p:cTn>
+                        </p:par>
+                        <p:par>
+                          <p:cTn id="64" fill="hold">
+                            <p:stCondLst>
+                              <p:cond delay="5049"/>
+                            </p:stCondLst>
+                            <p:childTnLst>
+                              <p:par>
+                                <p:cTn id="65" presetID="53" presetClass="entr" presetSubtype="16" fill="hold" grpId="0" nodeType="afterEffect">
+                                  <p:stCondLst>
+                                    <p:cond delay="0"/>
+                                  </p:stCondLst>
+                                  <p:childTnLst>
+                                    <p:set>
+                                      <p:cBhvr>
+                                        <p:cTn id="66" dur="1" fill="hold">
+                                          <p:stCondLst>
+                                            <p:cond delay="0"/>
+                                          </p:stCondLst>
+                                        </p:cTn>
+                                        <p:tgtEl>
+                                          <p:spTgt spid="12"/>
+                                        </p:tgtEl>
+                                        <p:attrNameLst>
+                                          <p:attrName>style.visibility</p:attrName>
+                                        </p:attrNameLst>
+                                      </p:cBhvr>
+                                      <p:to>
+                                        <p:strVal val="visible"/>
+                                      </p:to>
+                                    </p:set>
+                                    <p:anim calcmode="lin" valueType="num">
+                                      <p:cBhvr>
+                                        <p:cTn id="67" dur="500" fill="hold"/>
+                                        <p:tgtEl>
+                                          <p:spTgt spid="12"/>
+                                        </p:tgtEl>
+                                        <p:attrNameLst>
+                                          <p:attrName>ppt_w</p:attrName>
+                                        </p:attrNameLst>
+                                      </p:cBhvr>
+                                      <p:tavLst>
+                                        <p:tav tm="0">
+                                          <p:val>
+                                            <p:fltVal val="0"/>
+                                          </p:val>
+                                        </p:tav>
+                                        <p:tav tm="100000">
+                                          <p:val>
+                                            <p:strVal val="#ppt_w"/>
+                                          </p:val>
+                                        </p:tav>
+                                      </p:tavLst>
+                                    </p:anim>
+                                    <p:anim calcmode="lin" valueType="num">
+                                      <p:cBhvr>
+                                        <p:cTn id="68" dur="500" fill="hold"/>
+                                        <p:tgtEl>
+                                          <p:spTgt spid="12"/>
+                                        </p:tgtEl>
+                                        <p:attrNameLst>
+                                          <p:attrName>ppt_h</p:attrName>
+                                        </p:attrNameLst>
+                                      </p:cBhvr>
+                                      <p:tavLst>
+                                        <p:tav tm="0">
+                                          <p:val>
+                                            <p:fltVal val="0"/>
+                                          </p:val>
+                                        </p:tav>
+                                        <p:tav tm="100000">
+                                          <p:val>
+                                            <p:strVal val="#ppt_h"/>
+                                          </p:val>
+                                        </p:tav>
+                                      </p:tavLst>
+                                    </p:anim>
+                                    <p:animEffect transition="in" filter="fade">
+                                      <p:cBhvr>
+                                        <p:cTn id="69" dur="500"/>
+                                        <p:tgtEl>
+                                          <p:spTgt spid="12"/>
+                                        </p:tgtEl>
+                                      </p:cBhvr>
+                                    </p:animEffect>
+                                  </p:childTnLst>
+                                </p:cTn>
+                              </p:par>
+                            </p:childTnLst>
+                          </p:cTn>
+                        </p:par>
+                        <p:par>
+                          <p:cTn id="70" fill="hold">
+                            <p:stCondLst>
+                              <p:cond delay="5549"/>
+                            </p:stCondLst>
+                            <p:childTnLst>
+                              <p:par>
+                                <p:cTn id="71" presetID="53" presetClass="entr" presetSubtype="16" fill="hold" grpId="0" nodeType="afterEffect">
+                                  <p:stCondLst>
+                                    <p:cond delay="0"/>
+                                  </p:stCondLst>
+                                  <p:childTnLst>
+                                    <p:set>
+                                      <p:cBhvr>
+                                        <p:cTn id="72" dur="1" fill="hold">
+                                          <p:stCondLst>
+                                            <p:cond delay="0"/>
+                                          </p:stCondLst>
+                                        </p:cTn>
+                                        <p:tgtEl>
+                                          <p:spTgt spid="13"/>
+                                        </p:tgtEl>
+                                        <p:attrNameLst>
+                                          <p:attrName>style.visibility</p:attrName>
+                                        </p:attrNameLst>
+                                      </p:cBhvr>
+                                      <p:to>
+                                        <p:strVal val="visible"/>
+                                      </p:to>
+                                    </p:set>
+                                    <p:anim calcmode="lin" valueType="num">
+                                      <p:cBhvr>
+                                        <p:cTn id="73" dur="500" fill="hold"/>
+                                        <p:tgtEl>
+                                          <p:spTgt spid="13"/>
+                                        </p:tgtEl>
+                                        <p:attrNameLst>
+                                          <p:attrName>ppt_w</p:attrName>
+                                        </p:attrNameLst>
+                                      </p:cBhvr>
+                                      <p:tavLst>
+                                        <p:tav tm="0">
+                                          <p:val>
+                                            <p:fltVal val="0"/>
+                                          </p:val>
+                                        </p:tav>
+                                        <p:tav tm="100000">
+                                          <p:val>
+                                            <p:strVal val="#ppt_w"/>
+                                          </p:val>
+                                        </p:tav>
+                                      </p:tavLst>
+                                    </p:anim>
+                                    <p:anim calcmode="lin" valueType="num">
+                                      <p:cBhvr>
+                                        <p:cTn id="74" dur="500" fill="hold"/>
+                                        <p:tgtEl>
+                                          <p:spTgt spid="13"/>
+                                        </p:tgtEl>
+                                        <p:attrNameLst>
+                                          <p:attrName>ppt_h</p:attrName>
+                                        </p:attrNameLst>
+                                      </p:cBhvr>
+                                      <p:tavLst>
+                                        <p:tav tm="0">
+                                          <p:val>
+                                            <p:fltVal val="0"/>
+                                          </p:val>
+                                        </p:tav>
+                                        <p:tav tm="100000">
+                                          <p:val>
+                                            <p:strVal val="#ppt_h"/>
+                                          </p:val>
+                                        </p:tav>
+                                      </p:tavLst>
+                                    </p:anim>
+                                    <p:animEffect transition="in" filter="fade">
+                                      <p:cBhvr>
+                                        <p:cTn id="75" dur="500"/>
+                                        <p:tgtEl>
+                                          <p:spTgt spid="13"/>
+                                        </p:tgtEl>
+                                      </p:cBhvr>
+                                    </p:animEffect>
+                                  </p:childTnLst>
+                                </p:cTn>
+                              </p:par>
+                            </p:childTnLst>
+                          </p:cTn>
+                        </p:par>
+                        <p:par>
+                          <p:cTn id="76" fill="hold">
+                            <p:stCondLst>
+                              <p:cond delay="6049"/>
+                            </p:stCondLst>
+                            <p:childTnLst>
+                              <p:par>
+                                <p:cTn id="77" presetID="53" presetClass="entr" presetSubtype="16" fill="hold" grpId="0" nodeType="afterEffect">
+                                  <p:stCondLst>
+                                    <p:cond delay="0"/>
+                                  </p:stCondLst>
+                                  <p:childTnLst>
+                                    <p:set>
+                                      <p:cBhvr>
+                                        <p:cTn id="78" dur="1" fill="hold">
+                                          <p:stCondLst>
+                                            <p:cond delay="0"/>
+                                          </p:stCondLst>
+                                        </p:cTn>
+                                        <p:tgtEl>
+                                          <p:spTgt spid="14"/>
+                                        </p:tgtEl>
+                                        <p:attrNameLst>
+                                          <p:attrName>style.visibility</p:attrName>
+                                        </p:attrNameLst>
+                                      </p:cBhvr>
+                                      <p:to>
+                                        <p:strVal val="visible"/>
+                                      </p:to>
+                                    </p:set>
+                                    <p:anim calcmode="lin" valueType="num">
+                                      <p:cBhvr>
+                                        <p:cTn id="79" dur="500" fill="hold"/>
+                                        <p:tgtEl>
+                                          <p:spTgt spid="14"/>
+                                        </p:tgtEl>
+                                        <p:attrNameLst>
+                                          <p:attrName>ppt_w</p:attrName>
+                                        </p:attrNameLst>
+                                      </p:cBhvr>
+                                      <p:tavLst>
+                                        <p:tav tm="0">
+                                          <p:val>
+                                            <p:fltVal val="0"/>
+                                          </p:val>
+                                        </p:tav>
+                                        <p:tav tm="100000">
+                                          <p:val>
+                                            <p:strVal val="#ppt_w"/>
+                                          </p:val>
+                                        </p:tav>
+                                      </p:tavLst>
+                                    </p:anim>
+                                    <p:anim calcmode="lin" valueType="num">
+                                      <p:cBhvr>
+                                        <p:cTn id="80" dur="500" fill="hold"/>
+                                        <p:tgtEl>
+                                          <p:spTgt spid="14"/>
+                                        </p:tgtEl>
+                                        <p:attrNameLst>
+                                          <p:attrName>ppt_h</p:attrName>
+                                        </p:attrNameLst>
+                                      </p:cBhvr>
+                                      <p:tavLst>
+                                        <p:tav tm="0">
+                                          <p:val>
+                                            <p:fltVal val="0"/>
+                                          </p:val>
+                                        </p:tav>
+                                        <p:tav tm="100000">
+                                          <p:val>
+                                            <p:strVal val="#ppt_h"/>
+                                          </p:val>
+                                        </p:tav>
+                                      </p:tavLst>
+                                    </p:anim>
+                                    <p:animEffect transition="in" filter="fade">
+                                      <p:cBhvr>
+                                        <p:cTn id="81" dur="500"/>
+                                        <p:tgtEl>
+                                          <p:spTgt spid="14"/>
+                                        </p:tgtEl>
+                                      </p:cBhvr>
+                                    </p:animEffect>
+                                  </p:childTnLst>
+                                </p:cTn>
+                              </p:par>
+                            </p:childTnLst>
+                          </p:cTn>
+                        </p:par>
+                        <p:par>
+                          <p:cTn id="82" fill="hold">
+                            <p:stCondLst>
+                              <p:cond delay="6549"/>
+                            </p:stCondLst>
+                            <p:childTnLst>
+                              <p:par>
+                                <p:cTn id="83" presetID="53" presetClass="entr" presetSubtype="16" fill="hold" grpId="0" nodeType="afterEffect">
+                                  <p:stCondLst>
+                                    <p:cond delay="0"/>
+                                  </p:stCondLst>
+                                  <p:childTnLst>
+                                    <p:set>
+                                      <p:cBhvr>
+                                        <p:cTn id="84" dur="1" fill="hold">
+                                          <p:stCondLst>
+                                            <p:cond delay="0"/>
+                                          </p:stCondLst>
+                                        </p:cTn>
+                                        <p:tgtEl>
+                                          <p:spTgt spid="15"/>
+                                        </p:tgtEl>
+                                        <p:attrNameLst>
+                                          <p:attrName>style.visibility</p:attrName>
+                                        </p:attrNameLst>
+                                      </p:cBhvr>
+                                      <p:to>
+                                        <p:strVal val="visible"/>
+                                      </p:to>
+                                    </p:set>
+                                    <p:anim calcmode="lin" valueType="num">
+                                      <p:cBhvr>
+                                        <p:cTn id="85" dur="500" fill="hold"/>
+                                        <p:tgtEl>
+                                          <p:spTgt spid="15"/>
+                                        </p:tgtEl>
+                                        <p:attrNameLst>
+                                          <p:attrName>ppt_w</p:attrName>
+                                        </p:attrNameLst>
+                                      </p:cBhvr>
+                                      <p:tavLst>
+                                        <p:tav tm="0">
+                                          <p:val>
+                                            <p:fltVal val="0"/>
+                                          </p:val>
+                                        </p:tav>
+                                        <p:tav tm="100000">
+                                          <p:val>
+                                            <p:strVal val="#ppt_w"/>
+                                          </p:val>
+                                        </p:tav>
+                                      </p:tavLst>
+                                    </p:anim>
+                                    <p:anim calcmode="lin" valueType="num">
+                                      <p:cBhvr>
+                                        <p:cTn id="86" dur="500" fill="hold"/>
+                                        <p:tgtEl>
+                                          <p:spTgt spid="15"/>
+                                        </p:tgtEl>
+                                        <p:attrNameLst>
+                                          <p:attrName>ppt_h</p:attrName>
+                                        </p:attrNameLst>
+                                      </p:cBhvr>
+                                      <p:tavLst>
+                                        <p:tav tm="0">
+                                          <p:val>
+                                            <p:fltVal val="0"/>
+                                          </p:val>
+                                        </p:tav>
+                                        <p:tav tm="100000">
+                                          <p:val>
+                                            <p:strVal val="#ppt_h"/>
+                                          </p:val>
+                                        </p:tav>
+                                      </p:tavLst>
+                                    </p:anim>
+                                    <p:animEffect transition="in" filter="fade">
+                                      <p:cBhvr>
+                                        <p:cTn id="87" dur="500"/>
+                                        <p:tgtEl>
+                                          <p:spTgt spid="15"/>
+                                        </p:tgtEl>
+                                      </p:cBhvr>
+                                    </p:animEffect>
+                                  </p:childTnLst>
+                                </p:cTn>
+                              </p:par>
+                            </p:childTnLst>
+                          </p:cTn>
+                        </p:par>
+                        <p:par>
+                          <p:cTn id="88" fill="hold">
+                            <p:stCondLst>
+                              <p:cond delay="7049"/>
+                            </p:stCondLst>
+                            <p:childTnLst>
+                              <p:par>
+                                <p:cTn id="89" presetID="53" presetClass="entr" presetSubtype="16" fill="hold" grpId="0" nodeType="afterEffect">
+                                  <p:stCondLst>
+                                    <p:cond delay="0"/>
+                                  </p:stCondLst>
+                                  <p:childTnLst>
+                                    <p:set>
+                                      <p:cBhvr>
+                                        <p:cTn id="90" dur="1" fill="hold">
+                                          <p:stCondLst>
+                                            <p:cond delay="0"/>
+                                          </p:stCondLst>
+                                        </p:cTn>
+                                        <p:tgtEl>
+                                          <p:spTgt spid="16"/>
+                                        </p:tgtEl>
+                                        <p:attrNameLst>
+                                          <p:attrName>style.visibility</p:attrName>
+                                        </p:attrNameLst>
+                                      </p:cBhvr>
+                                      <p:to>
+                                        <p:strVal val="visible"/>
+                                      </p:to>
+                                    </p:set>
+                                    <p:anim calcmode="lin" valueType="num">
+                                      <p:cBhvr>
+                                        <p:cTn id="91" dur="500" fill="hold"/>
+                                        <p:tgtEl>
+                                          <p:spTgt spid="16"/>
+                                        </p:tgtEl>
+                                        <p:attrNameLst>
+                                          <p:attrName>ppt_w</p:attrName>
+                                        </p:attrNameLst>
+                                      </p:cBhvr>
+                                      <p:tavLst>
+                                        <p:tav tm="0">
+                                          <p:val>
+                                            <p:fltVal val="0"/>
+                                          </p:val>
+                                        </p:tav>
+                                        <p:tav tm="100000">
+                                          <p:val>
+                                            <p:strVal val="#ppt_w"/>
+                                          </p:val>
+                                        </p:tav>
+                                      </p:tavLst>
+                                    </p:anim>
+                                    <p:anim calcmode="lin" valueType="num">
+                                      <p:cBhvr>
+                                        <p:cTn id="92" dur="500" fill="hold"/>
+                                        <p:tgtEl>
+                                          <p:spTgt spid="16"/>
+                                        </p:tgtEl>
+                                        <p:attrNameLst>
+                                          <p:attrName>ppt_h</p:attrName>
+                                        </p:attrNameLst>
+                                      </p:cBhvr>
+                                      <p:tavLst>
+                                        <p:tav tm="0">
+                                          <p:val>
+                                            <p:fltVal val="0"/>
+                                          </p:val>
+                                        </p:tav>
+                                        <p:tav tm="100000">
+                                          <p:val>
+                                            <p:strVal val="#ppt_h"/>
+                                          </p:val>
+                                        </p:tav>
+                                      </p:tavLst>
+                                    </p:anim>
+                                    <p:animEffect transition="in" filter="fade">
+                                      <p:cBhvr>
+                                        <p:cTn id="93" dur="500"/>
+                                        <p:tgtEl>
+                                          <p:spTgt spid="16"/>
+                                        </p:tgtEl>
+                                      </p:cBhvr>
+                                    </p:animEffect>
+                                  </p:childTnLst>
+                                </p:cTn>
+                              </p:par>
+                            </p:childTnLst>
+                          </p:cTn>
+                        </p:par>
+                        <p:par>
+                          <p:cTn id="94" fill="hold">
+                            <p:stCondLst>
+                              <p:cond delay="7549"/>
+                            </p:stCondLst>
+                            <p:childTnLst>
+                              <p:par>
+                                <p:cTn id="95" presetID="53" presetClass="entr" presetSubtype="16" fill="hold" grpId="0" nodeType="afterEffect">
+                                  <p:stCondLst>
+                                    <p:cond delay="0"/>
+                                  </p:stCondLst>
+                                  <p:childTnLst>
+                                    <p:set>
+                                      <p:cBhvr>
+                                        <p:cTn id="96" dur="1" fill="hold">
+                                          <p:stCondLst>
+                                            <p:cond delay="0"/>
+                                          </p:stCondLst>
+                                        </p:cTn>
+                                        <p:tgtEl>
+                                          <p:spTgt spid="17"/>
+                                        </p:tgtEl>
+                                        <p:attrNameLst>
+                                          <p:attrName>style.visibility</p:attrName>
+                                        </p:attrNameLst>
+                                      </p:cBhvr>
+                                      <p:to>
+                                        <p:strVal val="visible"/>
+                                      </p:to>
+                                    </p:set>
+                                    <p:anim calcmode="lin" valueType="num">
+                                      <p:cBhvr>
+                                        <p:cTn id="97" dur="500" fill="hold"/>
+                                        <p:tgtEl>
+                                          <p:spTgt spid="17"/>
+                                        </p:tgtEl>
+                                        <p:attrNameLst>
+                                          <p:attrName>ppt_w</p:attrName>
+                                        </p:attrNameLst>
+                                      </p:cBhvr>
+                                      <p:tavLst>
+                                        <p:tav tm="0">
+                                          <p:val>
+                                            <p:fltVal val="0"/>
+                                          </p:val>
+                                        </p:tav>
+                                        <p:tav tm="100000">
+                                          <p:val>
+                                            <p:strVal val="#ppt_w"/>
+                                          </p:val>
+                                        </p:tav>
+                                      </p:tavLst>
+                                    </p:anim>
+                                    <p:anim calcmode="lin" valueType="num">
+                                      <p:cBhvr>
+                                        <p:cTn id="98" dur="500" fill="hold"/>
+                                        <p:tgtEl>
+                                          <p:spTgt spid="17"/>
+                                        </p:tgtEl>
+                                        <p:attrNameLst>
+                                          <p:attrName>ppt_h</p:attrName>
+                                        </p:attrNameLst>
+                                      </p:cBhvr>
+                                      <p:tavLst>
+                                        <p:tav tm="0">
+                                          <p:val>
+                                            <p:fltVal val="0"/>
+                                          </p:val>
+                                        </p:tav>
+                                        <p:tav tm="100000">
+                                          <p:val>
+                                            <p:strVal val="#ppt_h"/>
+                                          </p:val>
+                                        </p:tav>
+                                      </p:tavLst>
+                                    </p:anim>
+                                    <p:animEffect transition="in" filter="fade">
+                                      <p:cBhvr>
+                                        <p:cTn id="99" dur="500"/>
+                                        <p:tgtEl>
+                                          <p:spTgt spid="17"/>
+                                        </p:tgtEl>
+                                      </p:cBhvr>
+                                    </p:animEffect>
+                                  </p:childTnLst>
+                                </p:cTn>
+                              </p:par>
+                            </p:childTnLst>
+                          </p:cTn>
+                        </p:par>
+                      </p:childTnLst>
+                    </p:cTn>
+                  </p:par>
+                </p:childTnLst>
+              </p:cTn>
+              <p:prevCondLst>
+                <p:cond evt="onPrev" delay="0">
+                  <p:tgtEl>
+                    <p:sldTgt/>
+                  </p:tgtEl>
+                </p:cond>
+              </p:prevCondLst>
+              <p:nextCondLst>
+                <p:cond evt="onNext" delay="0">
+                  <p:tgtEl>
+                    <p:sldTgt/>
+                  </p:tgtEl>
+                </p:cond>
+              </p:nextCondLst>
+            </p:seq>
+          </p:childTnLst>
+        </p:cTn>
+      </p:par>
+    </p:tnLst>
+    <p:bldLst>
+      <p:bldP spid="4" grpId="0" bldLvl="0" animBg="1"/>
+      <p:bldP spid="3" grpId="0"/>
+      <p:bldP spid="228356" grpId="0"/>
+      <p:bldP spid="5" grpId="0"/>
+      <p:bldP spid="6" grpId="0"/>
+      <p:bldP spid="7" grpId="0"/>
+      <p:bldP spid="8" grpId="0"/>
+      <p:bldP spid="9" grpId="0"/>
+      <p:bldP spid="10" grpId="0" bldLvl="0" animBg="1"/>
+      <p:bldP spid="11" grpId="0"/>
+      <p:bldP spid="12" grpId="0"/>
+      <p:bldP spid="13" grpId="0"/>
+      <p:bldP spid="14" grpId="0"/>
+      <p:bldP spid="15" grpId="0"/>
+      <p:bldP spid="16" grpId="0"/>
+      <p:bldP spid="17" grpId="0"/>
+    </p:bldLst>
+  </p:timing>
+</p:sld>
+</file>
+
+<file path=ppt/slides/slide20.xml><?xml version="1.0" encoding="utf-8"?>
 <p:sld xmlns:a="http://schemas.openxmlformats.org/drawingml/2006/main" xmlns:r="http://schemas.openxmlformats.org/officeDocument/2006/relationships" xmlns:p="http://schemas.openxmlformats.org/presentationml/2006/main">
   <p:cSld>
     <p:bg>
@@ -16573,2512 +19796,6 @@
 </p:sld>
 </file>
 
-<file path=ppt/slides/slide2.xml><?xml version="1.0" encoding="utf-8"?>
-<p:sld xmlns:a="http://schemas.openxmlformats.org/drawingml/2006/main" xmlns:r="http://schemas.openxmlformats.org/officeDocument/2006/relationships" xmlns:p="http://schemas.openxmlformats.org/presentationml/2006/main">
-  <p:cSld>
-    <p:spTree>
-      <p:nvGrpSpPr>
-        <p:cNvPr id="1" name=""/>
-        <p:cNvGrpSpPr/>
-        <p:nvPr/>
-      </p:nvGrpSpPr>
-      <p:grpSpPr>
-        <a:xfrm>
-          <a:off x="0" y="0"/>
-          <a:ext cx="0" cy="0"/>
-          <a:chOff x="0" y="0"/>
-          <a:chExt cx="0" cy="0"/>
-        </a:xfrm>
-      </p:grpSpPr>
-      <p:sp>
-        <p:nvSpPr>
-          <p:cNvPr id="4" name="任意多边形 3"/>
-          <p:cNvSpPr/>
-          <p:nvPr/>
-        </p:nvSpPr>
-        <p:spPr>
-          <a:xfrm>
-            <a:off x="-32385" y="-60325"/>
-            <a:ext cx="3017838" cy="5243513"/>
-          </a:xfrm>
-          <a:custGeom>
-            <a:avLst/>
-            <a:gdLst>
-              <a:gd name="connisteX0" fmla="*/ 0 w 3018155"/>
-              <a:gd name="connsiteY0" fmla="*/ 0 h 5243195"/>
-              <a:gd name="connisteX1" fmla="*/ 0 w 3018155"/>
-              <a:gd name="connsiteY1" fmla="*/ 5243195 h 5243195"/>
-              <a:gd name="connisteX2" fmla="*/ 3018155 w 3018155"/>
-              <a:gd name="connsiteY2" fmla="*/ 5243195 h 5243195"/>
-              <a:gd name="connisteX3" fmla="*/ 2002155 w 3018155"/>
-              <a:gd name="connsiteY3" fmla="*/ 0 h 5243195"/>
-              <a:gd name="connisteX4" fmla="*/ 0 w 3018155"/>
-              <a:gd name="connsiteY4" fmla="*/ 0 h 5243195"/>
-            </a:gdLst>
-            <a:ahLst/>
-            <a:cxnLst>
-              <a:cxn ang="0">
-                <a:pos x="connisteX0" y="connsiteY0"/>
-              </a:cxn>
-              <a:cxn ang="0">
-                <a:pos x="connisteX1" y="connsiteY1"/>
-              </a:cxn>
-              <a:cxn ang="0">
-                <a:pos x="connisteX2" y="connsiteY2"/>
-              </a:cxn>
-              <a:cxn ang="0">
-                <a:pos x="connisteX3" y="connsiteY3"/>
-              </a:cxn>
-              <a:cxn ang="0">
-                <a:pos x="connisteX4" y="connsiteY4"/>
-              </a:cxn>
-            </a:cxnLst>
-            <a:rect l="l" t="t" r="r" b="b"/>
-            <a:pathLst>
-              <a:path w="3018155" h="5243195">
-                <a:moveTo>
-                  <a:pt x="0" y="0"/>
-                </a:moveTo>
-                <a:lnTo>
-                  <a:pt x="0" y="5243195"/>
-                </a:lnTo>
-                <a:lnTo>
-                  <a:pt x="3018155" y="5243195"/>
-                </a:lnTo>
-                <a:lnTo>
-                  <a:pt x="2002155" y="0"/>
-                </a:lnTo>
-                <a:lnTo>
-                  <a:pt x="0" y="0"/>
-                </a:lnTo>
-                <a:close/>
-              </a:path>
-            </a:pathLst>
-          </a:custGeom>
-          <a:solidFill>
-            <a:srgbClr val="002748"/>
-          </a:solidFill>
-          <a:ln>
-            <a:noFill/>
-          </a:ln>
-        </p:spPr>
-        <p:style>
-          <a:lnRef idx="2">
-            <a:schemeClr val="accent1">
-              <a:shade val="50000"/>
-            </a:schemeClr>
-          </a:lnRef>
-          <a:fillRef idx="1">
-            <a:schemeClr val="accent1"/>
-          </a:fillRef>
-          <a:effectRef idx="0">
-            <a:schemeClr val="accent1"/>
-          </a:effectRef>
-          <a:fontRef idx="minor">
-            <a:schemeClr val="lt1"/>
-          </a:fontRef>
-        </p:style>
-        <p:txBody>
-          <a:bodyPr rtlCol="0" anchor="ctr"/>
-          <a:lstStyle/>
-          <a:p>
-            <a:pPr algn="ctr" fontAlgn="base"/>
-            <a:endParaRPr lang="zh-CN" altLang="en-US" strike="noStrike" noProof="1">
-              <a:ea typeface="Arial Unicode MS" panose="020B0604020202020204" charset="-122"/>
-            </a:endParaRPr>
-          </a:p>
-        </p:txBody>
-      </p:sp>
-      <p:sp>
-        <p:nvSpPr>
-          <p:cNvPr id="3" name="文本框 2"/>
-          <p:cNvSpPr txBox="1"/>
-          <p:nvPr/>
-        </p:nvSpPr>
-        <p:spPr>
-          <a:xfrm>
-            <a:off x="801688" y="1370013"/>
-            <a:ext cx="2022475" cy="2306955"/>
-          </a:xfrm>
-          <a:prstGeom prst="rect">
-            <a:avLst/>
-          </a:prstGeom>
-          <a:noFill/>
-          <a:ln w="9525">
-            <a:noFill/>
-          </a:ln>
-        </p:spPr>
-        <p:txBody>
-          <a:bodyPr wrap="square" anchor="t">
-            <a:spAutoFit/>
-          </a:bodyPr>
-          <a:lstStyle/>
-          <a:p>
-            <a:r>
-              <a:rPr lang="zh-CN" altLang="en-US" sz="7200">
-                <a:solidFill>
-                  <a:srgbClr val="FF9900"/>
-                </a:solidFill>
-                <a:latin typeface="Arial Unicode MS" panose="020B0604020202020204" charset="-122"/>
-                <a:ea typeface="Arial Unicode MS" panose="020B0604020202020204" charset="-122"/>
-              </a:rPr>
-              <a:t> </a:t>
-            </a:r>
-          </a:p>
-          <a:p>
-            <a:r>
-              <a:rPr lang="zh-CN" altLang="en-US" sz="7200">
-                <a:solidFill>
-                  <a:srgbClr val="FF9900"/>
-                </a:solidFill>
-                <a:latin typeface="Arial Unicode MS" panose="020B0604020202020204" charset="-122"/>
-                <a:ea typeface="Arial Unicode MS" panose="020B0604020202020204" charset="-122"/>
-              </a:rPr>
-              <a:t> </a:t>
-            </a:r>
-            <a:endParaRPr lang="zh-CN" altLang="en-US" sz="7200">
-              <a:solidFill>
-                <a:schemeClr val="bg1"/>
-              </a:solidFill>
-              <a:latin typeface="Arial Unicode MS" panose="020B0604020202020204" charset="-122"/>
-              <a:ea typeface="Arial Unicode MS" panose="020B0604020202020204" charset="-122"/>
-            </a:endParaRPr>
-          </a:p>
-        </p:txBody>
-      </p:sp>
-      <p:sp>
-        <p:nvSpPr>
-          <p:cNvPr id="228356" name="标题 1"/>
-          <p:cNvSpPr txBox="1"/>
-          <p:nvPr/>
-        </p:nvSpPr>
-        <p:spPr>
-          <a:xfrm>
-            <a:off x="2216060" y="688222"/>
-            <a:ext cx="3678238" cy="292794"/>
-          </a:xfrm>
-          <a:prstGeom prst="rect">
-            <a:avLst/>
-          </a:prstGeom>
-          <a:noFill/>
-          <a:ln w="9525">
-            <a:noFill/>
-            <a:miter/>
-          </a:ln>
-        </p:spPr>
-        <p:txBody>
-          <a:bodyPr wrap="square" lIns="67969" tIns="33983" rIns="67969" bIns="33983" anchor="t">
-            <a:spAutoFit/>
-          </a:bodyPr>
-          <a:lstStyle/>
-          <a:p>
-            <a:pPr>
-              <a:lnSpc>
-                <a:spcPct val="130000"/>
-              </a:lnSpc>
-            </a:pPr>
-            <a:r>
-              <a:rPr lang="en-US" altLang="x-none" sz="1255" noProof="1" smtClean="0">
-                <a:solidFill>
-                  <a:srgbClr val="002748"/>
-                </a:solidFill>
-                <a:latin typeface="Arial Unicode MS" panose="020B0604020202020204" charset="-122"/>
-                <a:ea typeface="Arial Unicode MS" panose="020B0604020202020204" charset="-122"/>
-                <a:cs typeface="Arial Unicode MS" panose="020B0604020202020204" charset="-122"/>
-              </a:rPr>
-              <a:t>SQL Basics</a:t>
-            </a:r>
-            <a:endParaRPr lang="en-US" altLang="x-none" sz="1255" noProof="1">
-              <a:solidFill>
-                <a:srgbClr val="002748"/>
-              </a:solidFill>
-              <a:latin typeface="Arial Unicode MS" panose="020B0604020202020204" charset="-122"/>
-              <a:ea typeface="Arial Unicode MS" panose="020B0604020202020204" charset="-122"/>
-              <a:cs typeface="Arial Unicode MS" panose="020B0604020202020204" charset="-122"/>
-            </a:endParaRPr>
-          </a:p>
-        </p:txBody>
-      </p:sp>
-      <p:sp>
-        <p:nvSpPr>
-          <p:cNvPr id="5" name="标题 1"/>
-          <p:cNvSpPr txBox="1"/>
-          <p:nvPr/>
-        </p:nvSpPr>
-        <p:spPr>
-          <a:xfrm>
-            <a:off x="2272798" y="1033280"/>
-            <a:ext cx="3678238" cy="292794"/>
-          </a:xfrm>
-          <a:prstGeom prst="rect">
-            <a:avLst/>
-          </a:prstGeom>
-          <a:noFill/>
-          <a:ln w="9525">
-            <a:noFill/>
-            <a:miter/>
-          </a:ln>
-        </p:spPr>
-        <p:txBody>
-          <a:bodyPr wrap="square" lIns="67969" tIns="33983" rIns="67969" bIns="33983" anchor="t">
-            <a:spAutoFit/>
-          </a:bodyPr>
-          <a:lstStyle/>
-          <a:p>
-            <a:pPr>
-              <a:lnSpc>
-                <a:spcPct val="130000"/>
-              </a:lnSpc>
-            </a:pPr>
-            <a:r>
-              <a:rPr lang="en-US" altLang="x-none" sz="1255" noProof="1" smtClean="0">
-                <a:solidFill>
-                  <a:srgbClr val="FF9900"/>
-                </a:solidFill>
-                <a:latin typeface="Arial Unicode MS" panose="020B0604020202020204" charset="-122"/>
-                <a:ea typeface="Arial Unicode MS" panose="020B0604020202020204" charset="-122"/>
-                <a:cs typeface="Arial Unicode MS" panose="020B0604020202020204" charset="-122"/>
-              </a:rPr>
-              <a:t>SQL Servers</a:t>
-            </a:r>
-            <a:endParaRPr lang="en-US" altLang="x-none" sz="1255" noProof="1">
-              <a:solidFill>
-                <a:srgbClr val="FF9900"/>
-              </a:solidFill>
-              <a:latin typeface="Arial Unicode MS" panose="020B0604020202020204" charset="-122"/>
-              <a:ea typeface="Arial Unicode MS" panose="020B0604020202020204" charset="-122"/>
-              <a:cs typeface="Arial Unicode MS" panose="020B0604020202020204" charset="-122"/>
-            </a:endParaRPr>
-          </a:p>
-        </p:txBody>
-      </p:sp>
-      <p:sp>
-        <p:nvSpPr>
-          <p:cNvPr id="6" name="标题 1"/>
-          <p:cNvSpPr txBox="1"/>
-          <p:nvPr/>
-        </p:nvSpPr>
-        <p:spPr>
-          <a:xfrm>
-            <a:off x="2362508" y="1389861"/>
-            <a:ext cx="3678238" cy="292794"/>
-          </a:xfrm>
-          <a:prstGeom prst="rect">
-            <a:avLst/>
-          </a:prstGeom>
-          <a:noFill/>
-          <a:ln w="9525">
-            <a:noFill/>
-            <a:miter/>
-          </a:ln>
-        </p:spPr>
-        <p:txBody>
-          <a:bodyPr wrap="square" lIns="67969" tIns="33983" rIns="67969" bIns="33983" anchor="t">
-            <a:spAutoFit/>
-          </a:bodyPr>
-          <a:lstStyle/>
-          <a:p>
-            <a:pPr>
-              <a:lnSpc>
-                <a:spcPct val="130000"/>
-              </a:lnSpc>
-            </a:pPr>
-            <a:r>
-              <a:rPr lang="en-US" altLang="x-none" sz="1255" noProof="1" smtClean="0">
-                <a:solidFill>
-                  <a:srgbClr val="002748"/>
-                </a:solidFill>
-                <a:latin typeface="Arial Unicode MS" panose="020B0604020202020204" charset="-122"/>
-                <a:ea typeface="Arial Unicode MS" panose="020B0604020202020204" charset="-122"/>
-                <a:cs typeface="Arial Unicode MS" panose="020B0604020202020204" charset="-122"/>
-              </a:rPr>
-              <a:t>DBMS and RDBMS</a:t>
-            </a:r>
-            <a:endParaRPr lang="en-US" altLang="x-none" sz="1255" noProof="1">
-              <a:solidFill>
-                <a:srgbClr val="002748"/>
-              </a:solidFill>
-              <a:latin typeface="Arial Unicode MS" panose="020B0604020202020204" charset="-122"/>
-              <a:ea typeface="Arial Unicode MS" panose="020B0604020202020204" charset="-122"/>
-              <a:cs typeface="Arial Unicode MS" panose="020B0604020202020204" charset="-122"/>
-            </a:endParaRPr>
-          </a:p>
-        </p:txBody>
-      </p:sp>
-      <p:sp>
-        <p:nvSpPr>
-          <p:cNvPr id="7" name="标题 1"/>
-          <p:cNvSpPr txBox="1"/>
-          <p:nvPr/>
-        </p:nvSpPr>
-        <p:spPr>
-          <a:xfrm>
-            <a:off x="2408130" y="1753178"/>
-            <a:ext cx="3679825" cy="292794"/>
-          </a:xfrm>
-          <a:prstGeom prst="rect">
-            <a:avLst/>
-          </a:prstGeom>
-          <a:noFill/>
-          <a:ln w="9525">
-            <a:noFill/>
-            <a:miter/>
-          </a:ln>
-        </p:spPr>
-        <p:txBody>
-          <a:bodyPr wrap="square" lIns="67969" tIns="33983" rIns="67969" bIns="33983" anchor="t">
-            <a:spAutoFit/>
-          </a:bodyPr>
-          <a:lstStyle/>
-          <a:p>
-            <a:pPr>
-              <a:lnSpc>
-                <a:spcPct val="130000"/>
-              </a:lnSpc>
-            </a:pPr>
-            <a:r>
-              <a:rPr lang="en-US" altLang="x-none" sz="1255" noProof="1" smtClean="0">
-                <a:solidFill>
-                  <a:srgbClr val="FF9900"/>
-                </a:solidFill>
-                <a:latin typeface="Arial Unicode MS" panose="020B0604020202020204" charset="-122"/>
-                <a:ea typeface="Arial Unicode MS" panose="020B0604020202020204" charset="-122"/>
-                <a:cs typeface="Arial Unicode MS" panose="020B0604020202020204" charset="-122"/>
-              </a:rPr>
-              <a:t>Database and Datatypes</a:t>
-            </a:r>
-            <a:endParaRPr lang="en-US" altLang="x-none" sz="1255" noProof="1">
-              <a:solidFill>
-                <a:srgbClr val="FF9900"/>
-              </a:solidFill>
-              <a:latin typeface="Arial Unicode MS" panose="020B0604020202020204" charset="-122"/>
-              <a:ea typeface="Arial Unicode MS" panose="020B0604020202020204" charset="-122"/>
-              <a:cs typeface="Arial Unicode MS" panose="020B0604020202020204" charset="-122"/>
-            </a:endParaRPr>
-          </a:p>
-        </p:txBody>
-      </p:sp>
-      <p:sp>
-        <p:nvSpPr>
-          <p:cNvPr id="8" name="标题 1"/>
-          <p:cNvSpPr txBox="1"/>
-          <p:nvPr/>
-        </p:nvSpPr>
-        <p:spPr>
-          <a:xfrm>
-            <a:off x="2530093" y="2103023"/>
-            <a:ext cx="3678238" cy="292794"/>
-          </a:xfrm>
-          <a:prstGeom prst="rect">
-            <a:avLst/>
-          </a:prstGeom>
-          <a:noFill/>
-          <a:ln w="9525">
-            <a:noFill/>
-            <a:miter/>
-          </a:ln>
-        </p:spPr>
-        <p:txBody>
-          <a:bodyPr wrap="square" lIns="67969" tIns="33983" rIns="67969" bIns="33983" anchor="t">
-            <a:spAutoFit/>
-          </a:bodyPr>
-          <a:lstStyle/>
-          <a:p>
-            <a:pPr>
-              <a:lnSpc>
-                <a:spcPct val="130000"/>
-              </a:lnSpc>
-            </a:pPr>
-            <a:r>
-              <a:rPr lang="en-US" altLang="x-none" sz="1255" noProof="1" smtClean="0">
-                <a:solidFill>
-                  <a:srgbClr val="002748"/>
-                </a:solidFill>
-                <a:latin typeface="Arial Unicode MS" panose="020B0604020202020204" charset="-122"/>
-                <a:ea typeface="Arial Unicode MS" panose="020B0604020202020204" charset="-122"/>
-                <a:cs typeface="Arial Unicode MS" panose="020B0604020202020204" charset="-122"/>
-              </a:rPr>
-              <a:t>MySQL Main Commands</a:t>
-            </a:r>
-            <a:endParaRPr lang="en-US" altLang="x-none" sz="1255" noProof="1">
-              <a:solidFill>
-                <a:srgbClr val="002748"/>
-              </a:solidFill>
-              <a:latin typeface="Arial Unicode MS" panose="020B0604020202020204" charset="-122"/>
-              <a:ea typeface="Arial Unicode MS" panose="020B0604020202020204" charset="-122"/>
-              <a:cs typeface="Arial Unicode MS" panose="020B0604020202020204" charset="-122"/>
-            </a:endParaRPr>
-          </a:p>
-        </p:txBody>
-      </p:sp>
-      <p:sp>
-        <p:nvSpPr>
-          <p:cNvPr id="9" name="标题 1"/>
-          <p:cNvSpPr txBox="1"/>
-          <p:nvPr/>
-        </p:nvSpPr>
-        <p:spPr>
-          <a:xfrm>
-            <a:off x="2577502" y="2468679"/>
-            <a:ext cx="3678238" cy="292794"/>
-          </a:xfrm>
-          <a:prstGeom prst="rect">
-            <a:avLst/>
-          </a:prstGeom>
-          <a:noFill/>
-          <a:ln w="9525">
-            <a:noFill/>
-            <a:miter/>
-          </a:ln>
-        </p:spPr>
-        <p:txBody>
-          <a:bodyPr wrap="square" lIns="67969" tIns="33983" rIns="67969" bIns="33983" anchor="t">
-            <a:spAutoFit/>
-          </a:bodyPr>
-          <a:lstStyle/>
-          <a:p>
-            <a:pPr>
-              <a:lnSpc>
-                <a:spcPct val="130000"/>
-              </a:lnSpc>
-            </a:pPr>
-            <a:r>
-              <a:rPr lang="en-US" altLang="x-none" sz="1255" noProof="1" smtClean="0">
-                <a:solidFill>
-                  <a:srgbClr val="FF9900"/>
-                </a:solidFill>
-                <a:latin typeface="Arial Unicode MS" panose="020B0604020202020204" charset="-122"/>
-                <a:ea typeface="Arial Unicode MS" panose="020B0604020202020204" charset="-122"/>
-                <a:cs typeface="Arial Unicode MS" panose="020B0604020202020204" charset="-122"/>
-              </a:rPr>
-              <a:t>MySQL General Functions</a:t>
-            </a:r>
-            <a:endParaRPr lang="en-US" altLang="x-none" sz="1255" noProof="1">
-              <a:solidFill>
-                <a:srgbClr val="FF9900"/>
-              </a:solidFill>
-              <a:latin typeface="Arial Unicode MS" panose="020B0604020202020204" charset="-122"/>
-              <a:ea typeface="Arial Unicode MS" panose="020B0604020202020204" charset="-122"/>
-              <a:cs typeface="Arial Unicode MS" panose="020B0604020202020204" charset="-122"/>
-            </a:endParaRPr>
-          </a:p>
-        </p:txBody>
-      </p:sp>
-      <p:sp>
-        <p:nvSpPr>
-          <p:cNvPr id="10" name="任意多边形 9"/>
-          <p:cNvSpPr/>
-          <p:nvPr/>
-        </p:nvSpPr>
-        <p:spPr>
-          <a:xfrm rot="10800000">
-            <a:off x="7453313" y="-47625"/>
-            <a:ext cx="3017838" cy="5243513"/>
-          </a:xfrm>
-          <a:custGeom>
-            <a:avLst/>
-            <a:gdLst>
-              <a:gd name="connisteX0" fmla="*/ 0 w 3018155"/>
-              <a:gd name="connsiteY0" fmla="*/ 0 h 5243195"/>
-              <a:gd name="connisteX1" fmla="*/ 0 w 3018155"/>
-              <a:gd name="connsiteY1" fmla="*/ 5243195 h 5243195"/>
-              <a:gd name="connisteX2" fmla="*/ 3018155 w 3018155"/>
-              <a:gd name="connsiteY2" fmla="*/ 5243195 h 5243195"/>
-              <a:gd name="connisteX3" fmla="*/ 2002155 w 3018155"/>
-              <a:gd name="connsiteY3" fmla="*/ 0 h 5243195"/>
-              <a:gd name="connisteX4" fmla="*/ 0 w 3018155"/>
-              <a:gd name="connsiteY4" fmla="*/ 0 h 5243195"/>
-            </a:gdLst>
-            <a:ahLst/>
-            <a:cxnLst>
-              <a:cxn ang="0">
-                <a:pos x="connisteX0" y="connsiteY0"/>
-              </a:cxn>
-              <a:cxn ang="0">
-                <a:pos x="connisteX1" y="connsiteY1"/>
-              </a:cxn>
-              <a:cxn ang="0">
-                <a:pos x="connisteX2" y="connsiteY2"/>
-              </a:cxn>
-              <a:cxn ang="0">
-                <a:pos x="connisteX3" y="connsiteY3"/>
-              </a:cxn>
-              <a:cxn ang="0">
-                <a:pos x="connisteX4" y="connsiteY4"/>
-              </a:cxn>
-            </a:cxnLst>
-            <a:rect l="l" t="t" r="r" b="b"/>
-            <a:pathLst>
-              <a:path w="3018155" h="5243195">
-                <a:moveTo>
-                  <a:pt x="0" y="0"/>
-                </a:moveTo>
-                <a:lnTo>
-                  <a:pt x="0" y="5243195"/>
-                </a:lnTo>
-                <a:lnTo>
-                  <a:pt x="3018155" y="5243195"/>
-                </a:lnTo>
-                <a:lnTo>
-                  <a:pt x="2002155" y="0"/>
-                </a:lnTo>
-                <a:lnTo>
-                  <a:pt x="0" y="0"/>
-                </a:lnTo>
-                <a:close/>
-              </a:path>
-            </a:pathLst>
-          </a:custGeom>
-          <a:solidFill>
-            <a:srgbClr val="002748"/>
-          </a:solidFill>
-          <a:ln>
-            <a:noFill/>
-          </a:ln>
-        </p:spPr>
-        <p:style>
-          <a:lnRef idx="2">
-            <a:schemeClr val="accent1">
-              <a:shade val="50000"/>
-            </a:schemeClr>
-          </a:lnRef>
-          <a:fillRef idx="1">
-            <a:schemeClr val="accent1"/>
-          </a:fillRef>
-          <a:effectRef idx="0">
-            <a:schemeClr val="accent1"/>
-          </a:effectRef>
-          <a:fontRef idx="minor">
-            <a:schemeClr val="lt1"/>
-          </a:fontRef>
-        </p:style>
-        <p:txBody>
-          <a:bodyPr rtlCol="0" anchor="ctr"/>
-          <a:lstStyle/>
-          <a:p>
-            <a:pPr algn="ctr" fontAlgn="base"/>
-            <a:endParaRPr lang="zh-CN" altLang="en-US" strike="noStrike" noProof="1">
-              <a:ea typeface="Arial Unicode MS" panose="020B0604020202020204" charset="-122"/>
-            </a:endParaRPr>
-          </a:p>
-        </p:txBody>
-      </p:sp>
-      <p:sp>
-        <p:nvSpPr>
-          <p:cNvPr id="11" name="文本框 10"/>
-          <p:cNvSpPr txBox="1"/>
-          <p:nvPr/>
-        </p:nvSpPr>
-        <p:spPr>
-          <a:xfrm>
-            <a:off x="243205" y="2362835"/>
-            <a:ext cx="2022475" cy="417513"/>
-          </a:xfrm>
-          <a:prstGeom prst="rect">
-            <a:avLst/>
-          </a:prstGeom>
-          <a:noFill/>
-          <a:ln w="9525">
-            <a:noFill/>
-          </a:ln>
-        </p:spPr>
-        <p:txBody>
-          <a:bodyPr wrap="square" anchor="t">
-            <a:spAutoFit/>
-          </a:bodyPr>
-          <a:lstStyle/>
-          <a:p>
-            <a:pPr algn="dist"/>
-            <a:r>
-              <a:rPr lang="en-US" altLang="zh-CN" sz="2000">
-                <a:solidFill>
-                  <a:schemeClr val="bg1"/>
-                </a:solidFill>
-                <a:latin typeface="Arial Unicode MS" panose="020B0604020202020204" charset="-122"/>
-                <a:ea typeface="Arial Unicode MS" panose="020B0604020202020204" charset="-122"/>
-              </a:rPr>
-              <a:t>CONTENTS</a:t>
-            </a:r>
-          </a:p>
-        </p:txBody>
-      </p:sp>
-      <p:sp>
-        <p:nvSpPr>
-          <p:cNvPr id="12" name="标题 1"/>
-          <p:cNvSpPr txBox="1"/>
-          <p:nvPr/>
-        </p:nvSpPr>
-        <p:spPr>
-          <a:xfrm>
-            <a:off x="2669233" y="2848601"/>
-            <a:ext cx="3678238" cy="292794"/>
-          </a:xfrm>
-          <a:prstGeom prst="rect">
-            <a:avLst/>
-          </a:prstGeom>
-          <a:noFill/>
-          <a:ln w="9525">
-            <a:noFill/>
-            <a:miter/>
-          </a:ln>
-        </p:spPr>
-        <p:txBody>
-          <a:bodyPr wrap="square" lIns="67969" tIns="33983" rIns="67969" bIns="33983" anchor="t">
-            <a:spAutoFit/>
-          </a:bodyPr>
-          <a:lstStyle/>
-          <a:p>
-            <a:pPr>
-              <a:lnSpc>
-                <a:spcPct val="130000"/>
-              </a:lnSpc>
-            </a:pPr>
-            <a:r>
-              <a:rPr lang="en-US" altLang="x-none" sz="1255" noProof="1" smtClean="0">
-                <a:solidFill>
-                  <a:srgbClr val="002748"/>
-                </a:solidFill>
-                <a:latin typeface="Arial Unicode MS" panose="020B0604020202020204" charset="-122"/>
-                <a:ea typeface="Arial Unicode MS" panose="020B0604020202020204" charset="-122"/>
-                <a:cs typeface="Arial Unicode MS" panose="020B0604020202020204" charset="-122"/>
-              </a:rPr>
-              <a:t>MySQL Calculate Functions</a:t>
-            </a:r>
-            <a:endParaRPr lang="en-US" altLang="x-none" sz="1255" noProof="1">
-              <a:solidFill>
-                <a:srgbClr val="002748"/>
-              </a:solidFill>
-              <a:latin typeface="Arial Unicode MS" panose="020B0604020202020204" charset="-122"/>
-              <a:ea typeface="Arial Unicode MS" panose="020B0604020202020204" charset="-122"/>
-              <a:cs typeface="Arial Unicode MS" panose="020B0604020202020204" charset="-122"/>
-            </a:endParaRPr>
-          </a:p>
-        </p:txBody>
-      </p:sp>
-      <p:sp>
-        <p:nvSpPr>
-          <p:cNvPr id="13" name="标题 1"/>
-          <p:cNvSpPr txBox="1"/>
-          <p:nvPr/>
-        </p:nvSpPr>
-        <p:spPr>
-          <a:xfrm>
-            <a:off x="2762055" y="3214799"/>
-            <a:ext cx="3678238" cy="292794"/>
-          </a:xfrm>
-          <a:prstGeom prst="rect">
-            <a:avLst/>
-          </a:prstGeom>
-          <a:noFill/>
-          <a:ln w="9525">
-            <a:noFill/>
-            <a:miter/>
-          </a:ln>
-        </p:spPr>
-        <p:txBody>
-          <a:bodyPr wrap="square" lIns="67969" tIns="33983" rIns="67969" bIns="33983" anchor="t">
-            <a:spAutoFit/>
-          </a:bodyPr>
-          <a:lstStyle/>
-          <a:p>
-            <a:pPr>
-              <a:lnSpc>
-                <a:spcPct val="130000"/>
-              </a:lnSpc>
-            </a:pPr>
-            <a:r>
-              <a:rPr lang="en-US" altLang="x-none" sz="1255" noProof="1" smtClean="0">
-                <a:solidFill>
-                  <a:srgbClr val="FF9900"/>
-                </a:solidFill>
-                <a:latin typeface="Arial Unicode MS" panose="020B0604020202020204" charset="-122"/>
-                <a:ea typeface="Arial Unicode MS" panose="020B0604020202020204" charset="-122"/>
-                <a:cs typeface="Arial Unicode MS" panose="020B0604020202020204" charset="-122"/>
-              </a:rPr>
-              <a:t>MySQL String Functions</a:t>
-            </a:r>
-            <a:endParaRPr lang="en-US" altLang="x-none" sz="1255" noProof="1">
-              <a:solidFill>
-                <a:srgbClr val="FF9900"/>
-              </a:solidFill>
-              <a:latin typeface="Arial Unicode MS" panose="020B0604020202020204" charset="-122"/>
-              <a:ea typeface="Arial Unicode MS" panose="020B0604020202020204" charset="-122"/>
-              <a:cs typeface="Arial Unicode MS" panose="020B0604020202020204" charset="-122"/>
-            </a:endParaRPr>
-          </a:p>
-        </p:txBody>
-      </p:sp>
-      <p:sp>
-        <p:nvSpPr>
-          <p:cNvPr id="14" name="标题 1"/>
-          <p:cNvSpPr txBox="1"/>
-          <p:nvPr/>
-        </p:nvSpPr>
-        <p:spPr>
-          <a:xfrm>
-            <a:off x="3131320" y="4659243"/>
-            <a:ext cx="3678238" cy="292794"/>
-          </a:xfrm>
-          <a:prstGeom prst="rect">
-            <a:avLst/>
-          </a:prstGeom>
-          <a:noFill/>
-          <a:ln w="9525">
-            <a:noFill/>
-            <a:miter/>
-          </a:ln>
-        </p:spPr>
-        <p:txBody>
-          <a:bodyPr wrap="square" lIns="67969" tIns="33983" rIns="67969" bIns="33983" anchor="t">
-            <a:spAutoFit/>
-          </a:bodyPr>
-          <a:lstStyle/>
-          <a:p>
-            <a:pPr>
-              <a:lnSpc>
-                <a:spcPct val="130000"/>
-              </a:lnSpc>
-            </a:pPr>
-            <a:r>
-              <a:rPr lang="en-US" altLang="x-none" sz="1255" noProof="1" smtClean="0">
-                <a:solidFill>
-                  <a:srgbClr val="FF9900"/>
-                </a:solidFill>
-                <a:latin typeface="Arial Unicode MS" panose="020B0604020202020204" charset="-122"/>
-                <a:ea typeface="Arial Unicode MS" panose="020B0604020202020204" charset="-122"/>
-                <a:cs typeface="Arial Unicode MS" panose="020B0604020202020204" charset="-122"/>
-              </a:rPr>
-              <a:t>Procedures and Triggers</a:t>
-            </a:r>
-            <a:endParaRPr lang="en-US" altLang="x-none" sz="1255" noProof="1">
-              <a:solidFill>
-                <a:srgbClr val="FF9900"/>
-              </a:solidFill>
-              <a:latin typeface="Arial Unicode MS" panose="020B0604020202020204" charset="-122"/>
-              <a:ea typeface="Arial Unicode MS" panose="020B0604020202020204" charset="-122"/>
-              <a:cs typeface="Arial Unicode MS" panose="020B0604020202020204" charset="-122"/>
-            </a:endParaRPr>
-          </a:p>
-        </p:txBody>
-      </p:sp>
-      <p:sp>
-        <p:nvSpPr>
-          <p:cNvPr id="15" name="标题 1"/>
-          <p:cNvSpPr txBox="1"/>
-          <p:nvPr/>
-        </p:nvSpPr>
-        <p:spPr>
-          <a:xfrm>
-            <a:off x="2935061" y="3976847"/>
-            <a:ext cx="3678238" cy="292794"/>
-          </a:xfrm>
-          <a:prstGeom prst="rect">
-            <a:avLst/>
-          </a:prstGeom>
-          <a:noFill/>
-          <a:ln w="9525">
-            <a:noFill/>
-            <a:miter/>
-          </a:ln>
-        </p:spPr>
-        <p:txBody>
-          <a:bodyPr wrap="square" lIns="67969" tIns="33983" rIns="67969" bIns="33983" anchor="t">
-            <a:spAutoFit/>
-          </a:bodyPr>
-          <a:lstStyle/>
-          <a:p>
-            <a:pPr>
-              <a:lnSpc>
-                <a:spcPct val="130000"/>
-              </a:lnSpc>
-            </a:pPr>
-            <a:r>
-              <a:rPr lang="en-US" altLang="x-none" sz="1255" noProof="1" smtClean="0">
-                <a:solidFill>
-                  <a:srgbClr val="FF9900"/>
-                </a:solidFill>
-                <a:latin typeface="Arial Unicode MS" panose="020B0604020202020204" charset="-122"/>
-                <a:ea typeface="Arial Unicode MS" panose="020B0604020202020204" charset="-122"/>
-                <a:cs typeface="Arial Unicode MS" panose="020B0604020202020204" charset="-122"/>
-              </a:rPr>
-              <a:t>Logical Functions</a:t>
-            </a:r>
-            <a:endParaRPr lang="en-US" altLang="x-none" sz="1255" noProof="1">
-              <a:solidFill>
-                <a:srgbClr val="FF9900"/>
-              </a:solidFill>
-              <a:latin typeface="Arial Unicode MS" panose="020B0604020202020204" charset="-122"/>
-              <a:ea typeface="Arial Unicode MS" panose="020B0604020202020204" charset="-122"/>
-              <a:cs typeface="Arial Unicode MS" panose="020B0604020202020204" charset="-122"/>
-            </a:endParaRPr>
-          </a:p>
-        </p:txBody>
-      </p:sp>
-      <p:sp>
-        <p:nvSpPr>
-          <p:cNvPr id="16" name="标题 1"/>
-          <p:cNvSpPr txBox="1"/>
-          <p:nvPr/>
-        </p:nvSpPr>
-        <p:spPr>
-          <a:xfrm>
-            <a:off x="2884669" y="3588534"/>
-            <a:ext cx="3678238" cy="319724"/>
-          </a:xfrm>
-          <a:prstGeom prst="rect">
-            <a:avLst/>
-          </a:prstGeom>
-          <a:noFill/>
-          <a:ln w="9525">
-            <a:noFill/>
-            <a:miter/>
-          </a:ln>
-        </p:spPr>
-        <p:txBody>
-          <a:bodyPr wrap="square" lIns="67969" tIns="33983" rIns="67969" bIns="33983" anchor="t">
-            <a:spAutoFit/>
-          </a:bodyPr>
-          <a:lstStyle/>
-          <a:p>
-            <a:pPr>
-              <a:lnSpc>
-                <a:spcPct val="130000"/>
-              </a:lnSpc>
-            </a:pPr>
-            <a:r>
-              <a:rPr lang="en-US" altLang="x-none" sz="1255" noProof="1" smtClean="0">
-                <a:solidFill>
-                  <a:srgbClr val="002748"/>
-                </a:solidFill>
-                <a:latin typeface="Arial Unicode MS" panose="020B0604020202020204" charset="-122"/>
-                <a:ea typeface="Arial Unicode MS" panose="020B0604020202020204" charset="-122"/>
-                <a:cs typeface="Arial Unicode MS" panose="020B0604020202020204" charset="-122"/>
-              </a:rPr>
-              <a:t>MySQL Date Functions</a:t>
-            </a:r>
-            <a:endParaRPr lang="en-US" altLang="x-none" sz="1255" noProof="1">
-              <a:solidFill>
-                <a:srgbClr val="002748"/>
-              </a:solidFill>
-              <a:latin typeface="Arial Unicode MS" panose="020B0604020202020204" charset="-122"/>
-              <a:ea typeface="Arial Unicode MS" panose="020B0604020202020204" charset="-122"/>
-              <a:cs typeface="Arial Unicode MS" panose="020B0604020202020204" charset="-122"/>
-            </a:endParaRPr>
-          </a:p>
-        </p:txBody>
-      </p:sp>
-      <p:sp>
-        <p:nvSpPr>
-          <p:cNvPr id="17" name="标题 1"/>
-          <p:cNvSpPr txBox="1"/>
-          <p:nvPr/>
-        </p:nvSpPr>
-        <p:spPr>
-          <a:xfrm>
-            <a:off x="3051072" y="4328037"/>
-            <a:ext cx="3678238" cy="292794"/>
-          </a:xfrm>
-          <a:prstGeom prst="rect">
-            <a:avLst/>
-          </a:prstGeom>
-          <a:noFill/>
-          <a:ln w="9525">
-            <a:noFill/>
-            <a:miter/>
-          </a:ln>
-        </p:spPr>
-        <p:txBody>
-          <a:bodyPr wrap="square" lIns="67969" tIns="33983" rIns="67969" bIns="33983" anchor="t">
-            <a:spAutoFit/>
-          </a:bodyPr>
-          <a:lstStyle/>
-          <a:p>
-            <a:pPr>
-              <a:lnSpc>
-                <a:spcPct val="130000"/>
-              </a:lnSpc>
-            </a:pPr>
-            <a:r>
-              <a:rPr lang="en-US" altLang="x-none" sz="1255" noProof="1" smtClean="0">
-                <a:solidFill>
-                  <a:srgbClr val="002748"/>
-                </a:solidFill>
-                <a:latin typeface="Arial Unicode MS" panose="020B0604020202020204" charset="-122"/>
-                <a:ea typeface="Arial Unicode MS" panose="020B0604020202020204" charset="-122"/>
-                <a:cs typeface="Arial Unicode MS" panose="020B0604020202020204" charset="-122"/>
-              </a:rPr>
-              <a:t>Joins</a:t>
-            </a:r>
-            <a:endParaRPr lang="en-US" altLang="x-none" sz="1255" noProof="1">
-              <a:solidFill>
-                <a:srgbClr val="002748"/>
-              </a:solidFill>
-              <a:latin typeface="Arial Unicode MS" panose="020B0604020202020204" charset="-122"/>
-              <a:ea typeface="Arial Unicode MS" panose="020B0604020202020204" charset="-122"/>
-              <a:cs typeface="Arial Unicode MS" panose="020B0604020202020204" charset="-122"/>
-            </a:endParaRPr>
-          </a:p>
-        </p:txBody>
-      </p:sp>
-    </p:spTree>
-  </p:cSld>
-  <p:clrMapOvr>
-    <a:masterClrMapping/>
-  </p:clrMapOvr>
-  <p:transition>
-    <p:fade/>
-  </p:transition>
-  <p:timing>
-    <p:tnLst>
-      <p:par>
-        <p:cTn id="1" dur="indefinite" restart="never" nodeType="tmRoot">
-          <p:childTnLst>
-            <p:seq concurrent="1" nextAc="seek">
-              <p:cTn id="2" dur="indefinite" nodeType="mainSeq">
-                <p:childTnLst>
-                  <p:par>
-                    <p:cTn id="3" fill="hold">
-                      <p:stCondLst>
-                        <p:cond delay="indefinite"/>
-                        <p:cond evt="onBegin" delay="0">
-                          <p:tn val="2"/>
-                        </p:cond>
-                      </p:stCondLst>
-                      <p:childTnLst>
-                        <p:par>
-                          <p:cTn id="4" fill="hold">
-                            <p:stCondLst>
-                              <p:cond delay="0"/>
-                            </p:stCondLst>
-                            <p:childTnLst>
-                              <p:par>
-                                <p:cTn id="5" presetID="2" presetClass="entr" presetSubtype="8" fill="hold" grpId="0" nodeType="afterEffect">
-                                  <p:stCondLst>
-                                    <p:cond delay="0"/>
-                                  </p:stCondLst>
-                                  <p:childTnLst>
-                                    <p:set>
-                                      <p:cBhvr>
-                                        <p:cTn id="6" dur="1" fill="hold">
-                                          <p:stCondLst>
-                                            <p:cond delay="0"/>
-                                          </p:stCondLst>
-                                        </p:cTn>
-                                        <p:tgtEl>
-                                          <p:spTgt spid="4"/>
-                                        </p:tgtEl>
-                                        <p:attrNameLst>
-                                          <p:attrName>style.visibility</p:attrName>
-                                        </p:attrNameLst>
-                                      </p:cBhvr>
-                                      <p:to>
-                                        <p:strVal val="visible"/>
-                                      </p:to>
-                                    </p:set>
-                                    <p:anim calcmode="lin" valueType="num">
-                                      <p:cBhvr additive="base">
-                                        <p:cTn id="7" dur="500" fill="hold"/>
-                                        <p:tgtEl>
-                                          <p:spTgt spid="4"/>
-                                        </p:tgtEl>
-                                        <p:attrNameLst>
-                                          <p:attrName>ppt_x</p:attrName>
-                                        </p:attrNameLst>
-                                      </p:cBhvr>
-                                      <p:tavLst>
-                                        <p:tav tm="0">
-                                          <p:val>
-                                            <p:strVal val="0-#ppt_w/2"/>
-                                          </p:val>
-                                        </p:tav>
-                                        <p:tav tm="100000">
-                                          <p:val>
-                                            <p:strVal val="#ppt_x"/>
-                                          </p:val>
-                                        </p:tav>
-                                      </p:tavLst>
-                                    </p:anim>
-                                    <p:anim calcmode="lin" valueType="num">
-                                      <p:cBhvr additive="base">
-                                        <p:cTn id="8" dur="500" fill="hold"/>
-                                        <p:tgtEl>
-                                          <p:spTgt spid="4"/>
-                                        </p:tgtEl>
-                                        <p:attrNameLst>
-                                          <p:attrName>ppt_y</p:attrName>
-                                        </p:attrNameLst>
-                                      </p:cBhvr>
-                                      <p:tavLst>
-                                        <p:tav tm="0">
-                                          <p:val>
-                                            <p:strVal val="#ppt_y"/>
-                                          </p:val>
-                                        </p:tav>
-                                        <p:tav tm="100000">
-                                          <p:val>
-                                            <p:strVal val="#ppt_y"/>
-                                          </p:val>
-                                        </p:tav>
-                                      </p:tavLst>
-                                    </p:anim>
-                                  </p:childTnLst>
-                                </p:cTn>
-                              </p:par>
-                            </p:childTnLst>
-                          </p:cTn>
-                        </p:par>
-                        <p:par>
-                          <p:cTn id="9" fill="hold">
-                            <p:stCondLst>
-                              <p:cond delay="500"/>
-                            </p:stCondLst>
-                            <p:childTnLst>
-                              <p:par>
-                                <p:cTn id="10" presetID="41" presetClass="entr" presetSubtype="0" fill="hold" grpId="0" nodeType="afterEffect">
-                                  <p:stCondLst>
-                                    <p:cond delay="0"/>
-                                  </p:stCondLst>
-                                  <p:iterate type="lt">
-                                    <p:tmPct val="10000"/>
-                                  </p:iterate>
-                                  <p:childTnLst>
-                                    <p:set>
-                                      <p:cBhvr>
-                                        <p:cTn id="11" dur="1" fill="hold">
-                                          <p:stCondLst>
-                                            <p:cond delay="0"/>
-                                          </p:stCondLst>
-                                        </p:cTn>
-                                        <p:tgtEl>
-                                          <p:spTgt spid="3"/>
-                                        </p:tgtEl>
-                                        <p:attrNameLst>
-                                          <p:attrName>style.visibility</p:attrName>
-                                        </p:attrNameLst>
-                                      </p:cBhvr>
-                                      <p:to>
-                                        <p:strVal val="visible"/>
-                                      </p:to>
-                                    </p:set>
-                                    <p:anim calcmode="lin" valueType="num">
-                                      <p:cBhvr>
-                                        <p:cTn id="12" dur="500" fill="hold"/>
-                                        <p:tgtEl>
-                                          <p:spTgt spid="3"/>
-                                        </p:tgtEl>
-                                        <p:attrNameLst>
-                                          <p:attrName>ppt_x</p:attrName>
-                                        </p:attrNameLst>
-                                      </p:cBhvr>
-                                      <p:tavLst>
-                                        <p:tav tm="0">
-                                          <p:val>
-                                            <p:strVal val="#ppt_x"/>
-                                          </p:val>
-                                        </p:tav>
-                                        <p:tav tm="50000">
-                                          <p:val>
-                                            <p:strVal val="#ppt_x+.1"/>
-                                          </p:val>
-                                        </p:tav>
-                                        <p:tav tm="100000">
-                                          <p:val>
-                                            <p:strVal val="#ppt_x"/>
-                                          </p:val>
-                                        </p:tav>
-                                      </p:tavLst>
-                                    </p:anim>
-                                    <p:anim calcmode="lin" valueType="num">
-                                      <p:cBhvr>
-                                        <p:cTn id="13" dur="500" fill="hold"/>
-                                        <p:tgtEl>
-                                          <p:spTgt spid="3"/>
-                                        </p:tgtEl>
-                                        <p:attrNameLst>
-                                          <p:attrName>ppt_y</p:attrName>
-                                        </p:attrNameLst>
-                                      </p:cBhvr>
-                                      <p:tavLst>
-                                        <p:tav tm="0">
-                                          <p:val>
-                                            <p:strVal val="#ppt_y"/>
-                                          </p:val>
-                                        </p:tav>
-                                        <p:tav tm="100000">
-                                          <p:val>
-                                            <p:strVal val="#ppt_y"/>
-                                          </p:val>
-                                        </p:tav>
-                                      </p:tavLst>
-                                    </p:anim>
-                                    <p:anim calcmode="lin" valueType="num">
-                                      <p:cBhvr>
-                                        <p:cTn id="14" dur="500" fill="hold"/>
-                                        <p:tgtEl>
-                                          <p:spTgt spid="3"/>
-                                        </p:tgtEl>
-                                        <p:attrNameLst>
-                                          <p:attrName>ppt_h</p:attrName>
-                                        </p:attrNameLst>
-                                      </p:cBhvr>
-                                      <p:tavLst>
-                                        <p:tav tm="0">
-                                          <p:val>
-                                            <p:strVal val="#ppt_h/10"/>
-                                          </p:val>
-                                        </p:tav>
-                                        <p:tav tm="50000">
-                                          <p:val>
-                                            <p:strVal val="#ppt_h+.01"/>
-                                          </p:val>
-                                        </p:tav>
-                                        <p:tav tm="100000">
-                                          <p:val>
-                                            <p:strVal val="#ppt_h"/>
-                                          </p:val>
-                                        </p:tav>
-                                      </p:tavLst>
-                                    </p:anim>
-                                    <p:anim calcmode="lin" valueType="num">
-                                      <p:cBhvr>
-                                        <p:cTn id="15" dur="500" fill="hold"/>
-                                        <p:tgtEl>
-                                          <p:spTgt spid="3"/>
-                                        </p:tgtEl>
-                                        <p:attrNameLst>
-                                          <p:attrName>ppt_w</p:attrName>
-                                        </p:attrNameLst>
-                                      </p:cBhvr>
-                                      <p:tavLst>
-                                        <p:tav tm="0">
-                                          <p:val>
-                                            <p:strVal val="#ppt_w/10"/>
-                                          </p:val>
-                                        </p:tav>
-                                        <p:tav tm="50000">
-                                          <p:val>
-                                            <p:strVal val="#ppt_w+.01"/>
-                                          </p:val>
-                                        </p:tav>
-                                        <p:tav tm="100000">
-                                          <p:val>
-                                            <p:strVal val="#ppt_w"/>
-                                          </p:val>
-                                        </p:tav>
-                                      </p:tavLst>
-                                    </p:anim>
-                                    <p:animEffect transition="in" filter="fade">
-                                      <p:cBhvr>
-                                        <p:cTn id="16" dur="500" tmFilter="0,0; .5, 1; 1, 1"/>
-                                        <p:tgtEl>
-                                          <p:spTgt spid="3"/>
-                                        </p:tgtEl>
-                                      </p:cBhvr>
-                                    </p:animEffect>
-                                  </p:childTnLst>
-                                </p:cTn>
-                              </p:par>
-                            </p:childTnLst>
-                          </p:cTn>
-                        </p:par>
-                        <p:par>
-                          <p:cTn id="17" fill="hold">
-                            <p:stCondLst>
-                              <p:cond delay="1049"/>
-                            </p:stCondLst>
-                            <p:childTnLst>
-                              <p:par>
-                                <p:cTn id="18" presetID="53" presetClass="entr" presetSubtype="16" fill="hold" grpId="0" nodeType="afterEffect">
-                                  <p:stCondLst>
-                                    <p:cond delay="0"/>
-                                  </p:stCondLst>
-                                  <p:childTnLst>
-                                    <p:set>
-                                      <p:cBhvr>
-                                        <p:cTn id="19" dur="1" fill="hold">
-                                          <p:stCondLst>
-                                            <p:cond delay="0"/>
-                                          </p:stCondLst>
-                                        </p:cTn>
-                                        <p:tgtEl>
-                                          <p:spTgt spid="11"/>
-                                        </p:tgtEl>
-                                        <p:attrNameLst>
-                                          <p:attrName>style.visibility</p:attrName>
-                                        </p:attrNameLst>
-                                      </p:cBhvr>
-                                      <p:to>
-                                        <p:strVal val="visible"/>
-                                      </p:to>
-                                    </p:set>
-                                    <p:anim calcmode="lin" valueType="num">
-                                      <p:cBhvr>
-                                        <p:cTn id="20" dur="500" fill="hold"/>
-                                        <p:tgtEl>
-                                          <p:spTgt spid="11"/>
-                                        </p:tgtEl>
-                                        <p:attrNameLst>
-                                          <p:attrName>ppt_w</p:attrName>
-                                        </p:attrNameLst>
-                                      </p:cBhvr>
-                                      <p:tavLst>
-                                        <p:tav tm="0">
-                                          <p:val>
-                                            <p:fltVal val="0"/>
-                                          </p:val>
-                                        </p:tav>
-                                        <p:tav tm="100000">
-                                          <p:val>
-                                            <p:strVal val="#ppt_w"/>
-                                          </p:val>
-                                        </p:tav>
-                                      </p:tavLst>
-                                    </p:anim>
-                                    <p:anim calcmode="lin" valueType="num">
-                                      <p:cBhvr>
-                                        <p:cTn id="21" dur="500" fill="hold"/>
-                                        <p:tgtEl>
-                                          <p:spTgt spid="11"/>
-                                        </p:tgtEl>
-                                        <p:attrNameLst>
-                                          <p:attrName>ppt_h</p:attrName>
-                                        </p:attrNameLst>
-                                      </p:cBhvr>
-                                      <p:tavLst>
-                                        <p:tav tm="0">
-                                          <p:val>
-                                            <p:fltVal val="0"/>
-                                          </p:val>
-                                        </p:tav>
-                                        <p:tav tm="100000">
-                                          <p:val>
-                                            <p:strVal val="#ppt_h"/>
-                                          </p:val>
-                                        </p:tav>
-                                      </p:tavLst>
-                                    </p:anim>
-                                    <p:animEffect transition="in" filter="fade">
-                                      <p:cBhvr>
-                                        <p:cTn id="22" dur="500"/>
-                                        <p:tgtEl>
-                                          <p:spTgt spid="11"/>
-                                        </p:tgtEl>
-                                      </p:cBhvr>
-                                    </p:animEffect>
-                                  </p:childTnLst>
-                                </p:cTn>
-                              </p:par>
-                            </p:childTnLst>
-                          </p:cTn>
-                        </p:par>
-                        <p:par>
-                          <p:cTn id="23" fill="hold">
-                            <p:stCondLst>
-                              <p:cond delay="1549"/>
-                            </p:stCondLst>
-                            <p:childTnLst>
-                              <p:par>
-                                <p:cTn id="24" presetID="2" presetClass="entr" presetSubtype="2" fill="hold" grpId="0" nodeType="afterEffect">
-                                  <p:stCondLst>
-                                    <p:cond delay="0"/>
-                                  </p:stCondLst>
-                                  <p:childTnLst>
-                                    <p:set>
-                                      <p:cBhvr>
-                                        <p:cTn id="25" dur="1" fill="hold">
-                                          <p:stCondLst>
-                                            <p:cond delay="0"/>
-                                          </p:stCondLst>
-                                        </p:cTn>
-                                        <p:tgtEl>
-                                          <p:spTgt spid="10"/>
-                                        </p:tgtEl>
-                                        <p:attrNameLst>
-                                          <p:attrName>style.visibility</p:attrName>
-                                        </p:attrNameLst>
-                                      </p:cBhvr>
-                                      <p:to>
-                                        <p:strVal val="visible"/>
-                                      </p:to>
-                                    </p:set>
-                                    <p:anim calcmode="lin" valueType="num">
-                                      <p:cBhvr additive="base">
-                                        <p:cTn id="26" dur="500" fill="hold"/>
-                                        <p:tgtEl>
-                                          <p:spTgt spid="10"/>
-                                        </p:tgtEl>
-                                        <p:attrNameLst>
-                                          <p:attrName>ppt_x</p:attrName>
-                                        </p:attrNameLst>
-                                      </p:cBhvr>
-                                      <p:tavLst>
-                                        <p:tav tm="0">
-                                          <p:val>
-                                            <p:strVal val="1+#ppt_w/2"/>
-                                          </p:val>
-                                        </p:tav>
-                                        <p:tav tm="100000">
-                                          <p:val>
-                                            <p:strVal val="#ppt_x"/>
-                                          </p:val>
-                                        </p:tav>
-                                      </p:tavLst>
-                                    </p:anim>
-                                    <p:anim calcmode="lin" valueType="num">
-                                      <p:cBhvr additive="base">
-                                        <p:cTn id="27" dur="500" fill="hold"/>
-                                        <p:tgtEl>
-                                          <p:spTgt spid="10"/>
-                                        </p:tgtEl>
-                                        <p:attrNameLst>
-                                          <p:attrName>ppt_y</p:attrName>
-                                        </p:attrNameLst>
-                                      </p:cBhvr>
-                                      <p:tavLst>
-                                        <p:tav tm="0">
-                                          <p:val>
-                                            <p:strVal val="#ppt_y"/>
-                                          </p:val>
-                                        </p:tav>
-                                        <p:tav tm="100000">
-                                          <p:val>
-                                            <p:strVal val="#ppt_y"/>
-                                          </p:val>
-                                        </p:tav>
-                                      </p:tavLst>
-                                    </p:anim>
-                                  </p:childTnLst>
-                                </p:cTn>
-                              </p:par>
-                            </p:childTnLst>
-                          </p:cTn>
-                        </p:par>
-                        <p:par>
-                          <p:cTn id="28" fill="hold">
-                            <p:stCondLst>
-                              <p:cond delay="2049"/>
-                            </p:stCondLst>
-                            <p:childTnLst>
-                              <p:par>
-                                <p:cTn id="29" presetID="53" presetClass="entr" presetSubtype="16" fill="hold" grpId="0" nodeType="afterEffect">
-                                  <p:stCondLst>
-                                    <p:cond delay="0"/>
-                                  </p:stCondLst>
-                                  <p:childTnLst>
-                                    <p:set>
-                                      <p:cBhvr>
-                                        <p:cTn id="30" dur="1" fill="hold">
-                                          <p:stCondLst>
-                                            <p:cond delay="0"/>
-                                          </p:stCondLst>
-                                        </p:cTn>
-                                        <p:tgtEl>
-                                          <p:spTgt spid="228356"/>
-                                        </p:tgtEl>
-                                        <p:attrNameLst>
-                                          <p:attrName>style.visibility</p:attrName>
-                                        </p:attrNameLst>
-                                      </p:cBhvr>
-                                      <p:to>
-                                        <p:strVal val="visible"/>
-                                      </p:to>
-                                    </p:set>
-                                    <p:anim calcmode="lin" valueType="num">
-                                      <p:cBhvr>
-                                        <p:cTn id="31" dur="500" fill="hold"/>
-                                        <p:tgtEl>
-                                          <p:spTgt spid="228356"/>
-                                        </p:tgtEl>
-                                        <p:attrNameLst>
-                                          <p:attrName>ppt_w</p:attrName>
-                                        </p:attrNameLst>
-                                      </p:cBhvr>
-                                      <p:tavLst>
-                                        <p:tav tm="0">
-                                          <p:val>
-                                            <p:fltVal val="0"/>
-                                          </p:val>
-                                        </p:tav>
-                                        <p:tav tm="100000">
-                                          <p:val>
-                                            <p:strVal val="#ppt_w"/>
-                                          </p:val>
-                                        </p:tav>
-                                      </p:tavLst>
-                                    </p:anim>
-                                    <p:anim calcmode="lin" valueType="num">
-                                      <p:cBhvr>
-                                        <p:cTn id="32" dur="500" fill="hold"/>
-                                        <p:tgtEl>
-                                          <p:spTgt spid="228356"/>
-                                        </p:tgtEl>
-                                        <p:attrNameLst>
-                                          <p:attrName>ppt_h</p:attrName>
-                                        </p:attrNameLst>
-                                      </p:cBhvr>
-                                      <p:tavLst>
-                                        <p:tav tm="0">
-                                          <p:val>
-                                            <p:fltVal val="0"/>
-                                          </p:val>
-                                        </p:tav>
-                                        <p:tav tm="100000">
-                                          <p:val>
-                                            <p:strVal val="#ppt_h"/>
-                                          </p:val>
-                                        </p:tav>
-                                      </p:tavLst>
-                                    </p:anim>
-                                    <p:animEffect transition="in" filter="fade">
-                                      <p:cBhvr>
-                                        <p:cTn id="33" dur="500"/>
-                                        <p:tgtEl>
-                                          <p:spTgt spid="228356"/>
-                                        </p:tgtEl>
-                                      </p:cBhvr>
-                                    </p:animEffect>
-                                  </p:childTnLst>
-                                </p:cTn>
-                              </p:par>
-                            </p:childTnLst>
-                          </p:cTn>
-                        </p:par>
-                        <p:par>
-                          <p:cTn id="34" fill="hold">
-                            <p:stCondLst>
-                              <p:cond delay="2549"/>
-                            </p:stCondLst>
-                            <p:childTnLst>
-                              <p:par>
-                                <p:cTn id="35" presetID="53" presetClass="entr" presetSubtype="16" fill="hold" grpId="0" nodeType="afterEffect">
-                                  <p:stCondLst>
-                                    <p:cond delay="0"/>
-                                  </p:stCondLst>
-                                  <p:childTnLst>
-                                    <p:set>
-                                      <p:cBhvr>
-                                        <p:cTn id="36" dur="1" fill="hold">
-                                          <p:stCondLst>
-                                            <p:cond delay="0"/>
-                                          </p:stCondLst>
-                                        </p:cTn>
-                                        <p:tgtEl>
-                                          <p:spTgt spid="5"/>
-                                        </p:tgtEl>
-                                        <p:attrNameLst>
-                                          <p:attrName>style.visibility</p:attrName>
-                                        </p:attrNameLst>
-                                      </p:cBhvr>
-                                      <p:to>
-                                        <p:strVal val="visible"/>
-                                      </p:to>
-                                    </p:set>
-                                    <p:anim calcmode="lin" valueType="num">
-                                      <p:cBhvr>
-                                        <p:cTn id="37" dur="500" fill="hold"/>
-                                        <p:tgtEl>
-                                          <p:spTgt spid="5"/>
-                                        </p:tgtEl>
-                                        <p:attrNameLst>
-                                          <p:attrName>ppt_w</p:attrName>
-                                        </p:attrNameLst>
-                                      </p:cBhvr>
-                                      <p:tavLst>
-                                        <p:tav tm="0">
-                                          <p:val>
-                                            <p:fltVal val="0"/>
-                                          </p:val>
-                                        </p:tav>
-                                        <p:tav tm="100000">
-                                          <p:val>
-                                            <p:strVal val="#ppt_w"/>
-                                          </p:val>
-                                        </p:tav>
-                                      </p:tavLst>
-                                    </p:anim>
-                                    <p:anim calcmode="lin" valueType="num">
-                                      <p:cBhvr>
-                                        <p:cTn id="38" dur="500" fill="hold"/>
-                                        <p:tgtEl>
-                                          <p:spTgt spid="5"/>
-                                        </p:tgtEl>
-                                        <p:attrNameLst>
-                                          <p:attrName>ppt_h</p:attrName>
-                                        </p:attrNameLst>
-                                      </p:cBhvr>
-                                      <p:tavLst>
-                                        <p:tav tm="0">
-                                          <p:val>
-                                            <p:fltVal val="0"/>
-                                          </p:val>
-                                        </p:tav>
-                                        <p:tav tm="100000">
-                                          <p:val>
-                                            <p:strVal val="#ppt_h"/>
-                                          </p:val>
-                                        </p:tav>
-                                      </p:tavLst>
-                                    </p:anim>
-                                    <p:animEffect transition="in" filter="fade">
-                                      <p:cBhvr>
-                                        <p:cTn id="39" dur="500"/>
-                                        <p:tgtEl>
-                                          <p:spTgt spid="5"/>
-                                        </p:tgtEl>
-                                      </p:cBhvr>
-                                    </p:animEffect>
-                                  </p:childTnLst>
-                                </p:cTn>
-                              </p:par>
-                            </p:childTnLst>
-                          </p:cTn>
-                        </p:par>
-                        <p:par>
-                          <p:cTn id="40" fill="hold">
-                            <p:stCondLst>
-                              <p:cond delay="3049"/>
-                            </p:stCondLst>
-                            <p:childTnLst>
-                              <p:par>
-                                <p:cTn id="41" presetID="53" presetClass="entr" presetSubtype="16" fill="hold" grpId="0" nodeType="afterEffect">
-                                  <p:stCondLst>
-                                    <p:cond delay="0"/>
-                                  </p:stCondLst>
-                                  <p:childTnLst>
-                                    <p:set>
-                                      <p:cBhvr>
-                                        <p:cTn id="42" dur="1" fill="hold">
-                                          <p:stCondLst>
-                                            <p:cond delay="0"/>
-                                          </p:stCondLst>
-                                        </p:cTn>
-                                        <p:tgtEl>
-                                          <p:spTgt spid="6"/>
-                                        </p:tgtEl>
-                                        <p:attrNameLst>
-                                          <p:attrName>style.visibility</p:attrName>
-                                        </p:attrNameLst>
-                                      </p:cBhvr>
-                                      <p:to>
-                                        <p:strVal val="visible"/>
-                                      </p:to>
-                                    </p:set>
-                                    <p:anim calcmode="lin" valueType="num">
-                                      <p:cBhvr>
-                                        <p:cTn id="43" dur="500" fill="hold"/>
-                                        <p:tgtEl>
-                                          <p:spTgt spid="6"/>
-                                        </p:tgtEl>
-                                        <p:attrNameLst>
-                                          <p:attrName>ppt_w</p:attrName>
-                                        </p:attrNameLst>
-                                      </p:cBhvr>
-                                      <p:tavLst>
-                                        <p:tav tm="0">
-                                          <p:val>
-                                            <p:fltVal val="0"/>
-                                          </p:val>
-                                        </p:tav>
-                                        <p:tav tm="100000">
-                                          <p:val>
-                                            <p:strVal val="#ppt_w"/>
-                                          </p:val>
-                                        </p:tav>
-                                      </p:tavLst>
-                                    </p:anim>
-                                    <p:anim calcmode="lin" valueType="num">
-                                      <p:cBhvr>
-                                        <p:cTn id="44" dur="500" fill="hold"/>
-                                        <p:tgtEl>
-                                          <p:spTgt spid="6"/>
-                                        </p:tgtEl>
-                                        <p:attrNameLst>
-                                          <p:attrName>ppt_h</p:attrName>
-                                        </p:attrNameLst>
-                                      </p:cBhvr>
-                                      <p:tavLst>
-                                        <p:tav tm="0">
-                                          <p:val>
-                                            <p:fltVal val="0"/>
-                                          </p:val>
-                                        </p:tav>
-                                        <p:tav tm="100000">
-                                          <p:val>
-                                            <p:strVal val="#ppt_h"/>
-                                          </p:val>
-                                        </p:tav>
-                                      </p:tavLst>
-                                    </p:anim>
-                                    <p:animEffect transition="in" filter="fade">
-                                      <p:cBhvr>
-                                        <p:cTn id="45" dur="500"/>
-                                        <p:tgtEl>
-                                          <p:spTgt spid="6"/>
-                                        </p:tgtEl>
-                                      </p:cBhvr>
-                                    </p:animEffect>
-                                  </p:childTnLst>
-                                </p:cTn>
-                              </p:par>
-                            </p:childTnLst>
-                          </p:cTn>
-                        </p:par>
-                        <p:par>
-                          <p:cTn id="46" fill="hold">
-                            <p:stCondLst>
-                              <p:cond delay="3549"/>
-                            </p:stCondLst>
-                            <p:childTnLst>
-                              <p:par>
-                                <p:cTn id="47" presetID="53" presetClass="entr" presetSubtype="16" fill="hold" grpId="0" nodeType="afterEffect">
-                                  <p:stCondLst>
-                                    <p:cond delay="0"/>
-                                  </p:stCondLst>
-                                  <p:childTnLst>
-                                    <p:set>
-                                      <p:cBhvr>
-                                        <p:cTn id="48" dur="1" fill="hold">
-                                          <p:stCondLst>
-                                            <p:cond delay="0"/>
-                                          </p:stCondLst>
-                                        </p:cTn>
-                                        <p:tgtEl>
-                                          <p:spTgt spid="7"/>
-                                        </p:tgtEl>
-                                        <p:attrNameLst>
-                                          <p:attrName>style.visibility</p:attrName>
-                                        </p:attrNameLst>
-                                      </p:cBhvr>
-                                      <p:to>
-                                        <p:strVal val="visible"/>
-                                      </p:to>
-                                    </p:set>
-                                    <p:anim calcmode="lin" valueType="num">
-                                      <p:cBhvr>
-                                        <p:cTn id="49" dur="500" fill="hold"/>
-                                        <p:tgtEl>
-                                          <p:spTgt spid="7"/>
-                                        </p:tgtEl>
-                                        <p:attrNameLst>
-                                          <p:attrName>ppt_w</p:attrName>
-                                        </p:attrNameLst>
-                                      </p:cBhvr>
-                                      <p:tavLst>
-                                        <p:tav tm="0">
-                                          <p:val>
-                                            <p:fltVal val="0"/>
-                                          </p:val>
-                                        </p:tav>
-                                        <p:tav tm="100000">
-                                          <p:val>
-                                            <p:strVal val="#ppt_w"/>
-                                          </p:val>
-                                        </p:tav>
-                                      </p:tavLst>
-                                    </p:anim>
-                                    <p:anim calcmode="lin" valueType="num">
-                                      <p:cBhvr>
-                                        <p:cTn id="50" dur="500" fill="hold"/>
-                                        <p:tgtEl>
-                                          <p:spTgt spid="7"/>
-                                        </p:tgtEl>
-                                        <p:attrNameLst>
-                                          <p:attrName>ppt_h</p:attrName>
-                                        </p:attrNameLst>
-                                      </p:cBhvr>
-                                      <p:tavLst>
-                                        <p:tav tm="0">
-                                          <p:val>
-                                            <p:fltVal val="0"/>
-                                          </p:val>
-                                        </p:tav>
-                                        <p:tav tm="100000">
-                                          <p:val>
-                                            <p:strVal val="#ppt_h"/>
-                                          </p:val>
-                                        </p:tav>
-                                      </p:tavLst>
-                                    </p:anim>
-                                    <p:animEffect transition="in" filter="fade">
-                                      <p:cBhvr>
-                                        <p:cTn id="51" dur="500"/>
-                                        <p:tgtEl>
-                                          <p:spTgt spid="7"/>
-                                        </p:tgtEl>
-                                      </p:cBhvr>
-                                    </p:animEffect>
-                                  </p:childTnLst>
-                                </p:cTn>
-                              </p:par>
-                            </p:childTnLst>
-                          </p:cTn>
-                        </p:par>
-                        <p:par>
-                          <p:cTn id="52" fill="hold">
-                            <p:stCondLst>
-                              <p:cond delay="4049"/>
-                            </p:stCondLst>
-                            <p:childTnLst>
-                              <p:par>
-                                <p:cTn id="53" presetID="53" presetClass="entr" presetSubtype="16" fill="hold" grpId="0" nodeType="afterEffect">
-                                  <p:stCondLst>
-                                    <p:cond delay="0"/>
-                                  </p:stCondLst>
-                                  <p:childTnLst>
-                                    <p:set>
-                                      <p:cBhvr>
-                                        <p:cTn id="54" dur="1" fill="hold">
-                                          <p:stCondLst>
-                                            <p:cond delay="0"/>
-                                          </p:stCondLst>
-                                        </p:cTn>
-                                        <p:tgtEl>
-                                          <p:spTgt spid="8"/>
-                                        </p:tgtEl>
-                                        <p:attrNameLst>
-                                          <p:attrName>style.visibility</p:attrName>
-                                        </p:attrNameLst>
-                                      </p:cBhvr>
-                                      <p:to>
-                                        <p:strVal val="visible"/>
-                                      </p:to>
-                                    </p:set>
-                                    <p:anim calcmode="lin" valueType="num">
-                                      <p:cBhvr>
-                                        <p:cTn id="55" dur="500" fill="hold"/>
-                                        <p:tgtEl>
-                                          <p:spTgt spid="8"/>
-                                        </p:tgtEl>
-                                        <p:attrNameLst>
-                                          <p:attrName>ppt_w</p:attrName>
-                                        </p:attrNameLst>
-                                      </p:cBhvr>
-                                      <p:tavLst>
-                                        <p:tav tm="0">
-                                          <p:val>
-                                            <p:fltVal val="0"/>
-                                          </p:val>
-                                        </p:tav>
-                                        <p:tav tm="100000">
-                                          <p:val>
-                                            <p:strVal val="#ppt_w"/>
-                                          </p:val>
-                                        </p:tav>
-                                      </p:tavLst>
-                                    </p:anim>
-                                    <p:anim calcmode="lin" valueType="num">
-                                      <p:cBhvr>
-                                        <p:cTn id="56" dur="500" fill="hold"/>
-                                        <p:tgtEl>
-                                          <p:spTgt spid="8"/>
-                                        </p:tgtEl>
-                                        <p:attrNameLst>
-                                          <p:attrName>ppt_h</p:attrName>
-                                        </p:attrNameLst>
-                                      </p:cBhvr>
-                                      <p:tavLst>
-                                        <p:tav tm="0">
-                                          <p:val>
-                                            <p:fltVal val="0"/>
-                                          </p:val>
-                                        </p:tav>
-                                        <p:tav tm="100000">
-                                          <p:val>
-                                            <p:strVal val="#ppt_h"/>
-                                          </p:val>
-                                        </p:tav>
-                                      </p:tavLst>
-                                    </p:anim>
-                                    <p:animEffect transition="in" filter="fade">
-                                      <p:cBhvr>
-                                        <p:cTn id="57" dur="500"/>
-                                        <p:tgtEl>
-                                          <p:spTgt spid="8"/>
-                                        </p:tgtEl>
-                                      </p:cBhvr>
-                                    </p:animEffect>
-                                  </p:childTnLst>
-                                </p:cTn>
-                              </p:par>
-                            </p:childTnLst>
-                          </p:cTn>
-                        </p:par>
-                        <p:par>
-                          <p:cTn id="58" fill="hold">
-                            <p:stCondLst>
-                              <p:cond delay="4549"/>
-                            </p:stCondLst>
-                            <p:childTnLst>
-                              <p:par>
-                                <p:cTn id="59" presetID="53" presetClass="entr" presetSubtype="16" fill="hold" grpId="0" nodeType="afterEffect">
-                                  <p:stCondLst>
-                                    <p:cond delay="0"/>
-                                  </p:stCondLst>
-                                  <p:childTnLst>
-                                    <p:set>
-                                      <p:cBhvr>
-                                        <p:cTn id="60" dur="1" fill="hold">
-                                          <p:stCondLst>
-                                            <p:cond delay="0"/>
-                                          </p:stCondLst>
-                                        </p:cTn>
-                                        <p:tgtEl>
-                                          <p:spTgt spid="9"/>
-                                        </p:tgtEl>
-                                        <p:attrNameLst>
-                                          <p:attrName>style.visibility</p:attrName>
-                                        </p:attrNameLst>
-                                      </p:cBhvr>
-                                      <p:to>
-                                        <p:strVal val="visible"/>
-                                      </p:to>
-                                    </p:set>
-                                    <p:anim calcmode="lin" valueType="num">
-                                      <p:cBhvr>
-                                        <p:cTn id="61" dur="500" fill="hold"/>
-                                        <p:tgtEl>
-                                          <p:spTgt spid="9"/>
-                                        </p:tgtEl>
-                                        <p:attrNameLst>
-                                          <p:attrName>ppt_w</p:attrName>
-                                        </p:attrNameLst>
-                                      </p:cBhvr>
-                                      <p:tavLst>
-                                        <p:tav tm="0">
-                                          <p:val>
-                                            <p:fltVal val="0"/>
-                                          </p:val>
-                                        </p:tav>
-                                        <p:tav tm="100000">
-                                          <p:val>
-                                            <p:strVal val="#ppt_w"/>
-                                          </p:val>
-                                        </p:tav>
-                                      </p:tavLst>
-                                    </p:anim>
-                                    <p:anim calcmode="lin" valueType="num">
-                                      <p:cBhvr>
-                                        <p:cTn id="62" dur="500" fill="hold"/>
-                                        <p:tgtEl>
-                                          <p:spTgt spid="9"/>
-                                        </p:tgtEl>
-                                        <p:attrNameLst>
-                                          <p:attrName>ppt_h</p:attrName>
-                                        </p:attrNameLst>
-                                      </p:cBhvr>
-                                      <p:tavLst>
-                                        <p:tav tm="0">
-                                          <p:val>
-                                            <p:fltVal val="0"/>
-                                          </p:val>
-                                        </p:tav>
-                                        <p:tav tm="100000">
-                                          <p:val>
-                                            <p:strVal val="#ppt_h"/>
-                                          </p:val>
-                                        </p:tav>
-                                      </p:tavLst>
-                                    </p:anim>
-                                    <p:animEffect transition="in" filter="fade">
-                                      <p:cBhvr>
-                                        <p:cTn id="63" dur="500"/>
-                                        <p:tgtEl>
-                                          <p:spTgt spid="9"/>
-                                        </p:tgtEl>
-                                      </p:cBhvr>
-                                    </p:animEffect>
-                                  </p:childTnLst>
-                                </p:cTn>
-                              </p:par>
-                            </p:childTnLst>
-                          </p:cTn>
-                        </p:par>
-                        <p:par>
-                          <p:cTn id="64" fill="hold">
-                            <p:stCondLst>
-                              <p:cond delay="5049"/>
-                            </p:stCondLst>
-                            <p:childTnLst>
-                              <p:par>
-                                <p:cTn id="65" presetID="53" presetClass="entr" presetSubtype="16" fill="hold" grpId="0" nodeType="afterEffect">
-                                  <p:stCondLst>
-                                    <p:cond delay="0"/>
-                                  </p:stCondLst>
-                                  <p:childTnLst>
-                                    <p:set>
-                                      <p:cBhvr>
-                                        <p:cTn id="66" dur="1" fill="hold">
-                                          <p:stCondLst>
-                                            <p:cond delay="0"/>
-                                          </p:stCondLst>
-                                        </p:cTn>
-                                        <p:tgtEl>
-                                          <p:spTgt spid="12"/>
-                                        </p:tgtEl>
-                                        <p:attrNameLst>
-                                          <p:attrName>style.visibility</p:attrName>
-                                        </p:attrNameLst>
-                                      </p:cBhvr>
-                                      <p:to>
-                                        <p:strVal val="visible"/>
-                                      </p:to>
-                                    </p:set>
-                                    <p:anim calcmode="lin" valueType="num">
-                                      <p:cBhvr>
-                                        <p:cTn id="67" dur="500" fill="hold"/>
-                                        <p:tgtEl>
-                                          <p:spTgt spid="12"/>
-                                        </p:tgtEl>
-                                        <p:attrNameLst>
-                                          <p:attrName>ppt_w</p:attrName>
-                                        </p:attrNameLst>
-                                      </p:cBhvr>
-                                      <p:tavLst>
-                                        <p:tav tm="0">
-                                          <p:val>
-                                            <p:fltVal val="0"/>
-                                          </p:val>
-                                        </p:tav>
-                                        <p:tav tm="100000">
-                                          <p:val>
-                                            <p:strVal val="#ppt_w"/>
-                                          </p:val>
-                                        </p:tav>
-                                      </p:tavLst>
-                                    </p:anim>
-                                    <p:anim calcmode="lin" valueType="num">
-                                      <p:cBhvr>
-                                        <p:cTn id="68" dur="500" fill="hold"/>
-                                        <p:tgtEl>
-                                          <p:spTgt spid="12"/>
-                                        </p:tgtEl>
-                                        <p:attrNameLst>
-                                          <p:attrName>ppt_h</p:attrName>
-                                        </p:attrNameLst>
-                                      </p:cBhvr>
-                                      <p:tavLst>
-                                        <p:tav tm="0">
-                                          <p:val>
-                                            <p:fltVal val="0"/>
-                                          </p:val>
-                                        </p:tav>
-                                        <p:tav tm="100000">
-                                          <p:val>
-                                            <p:strVal val="#ppt_h"/>
-                                          </p:val>
-                                        </p:tav>
-                                      </p:tavLst>
-                                    </p:anim>
-                                    <p:animEffect transition="in" filter="fade">
-                                      <p:cBhvr>
-                                        <p:cTn id="69" dur="500"/>
-                                        <p:tgtEl>
-                                          <p:spTgt spid="12"/>
-                                        </p:tgtEl>
-                                      </p:cBhvr>
-                                    </p:animEffect>
-                                  </p:childTnLst>
-                                </p:cTn>
-                              </p:par>
-                            </p:childTnLst>
-                          </p:cTn>
-                        </p:par>
-                        <p:par>
-                          <p:cTn id="70" fill="hold">
-                            <p:stCondLst>
-                              <p:cond delay="5549"/>
-                            </p:stCondLst>
-                            <p:childTnLst>
-                              <p:par>
-                                <p:cTn id="71" presetID="53" presetClass="entr" presetSubtype="16" fill="hold" grpId="0" nodeType="afterEffect">
-                                  <p:stCondLst>
-                                    <p:cond delay="0"/>
-                                  </p:stCondLst>
-                                  <p:childTnLst>
-                                    <p:set>
-                                      <p:cBhvr>
-                                        <p:cTn id="72" dur="1" fill="hold">
-                                          <p:stCondLst>
-                                            <p:cond delay="0"/>
-                                          </p:stCondLst>
-                                        </p:cTn>
-                                        <p:tgtEl>
-                                          <p:spTgt spid="13"/>
-                                        </p:tgtEl>
-                                        <p:attrNameLst>
-                                          <p:attrName>style.visibility</p:attrName>
-                                        </p:attrNameLst>
-                                      </p:cBhvr>
-                                      <p:to>
-                                        <p:strVal val="visible"/>
-                                      </p:to>
-                                    </p:set>
-                                    <p:anim calcmode="lin" valueType="num">
-                                      <p:cBhvr>
-                                        <p:cTn id="73" dur="500" fill="hold"/>
-                                        <p:tgtEl>
-                                          <p:spTgt spid="13"/>
-                                        </p:tgtEl>
-                                        <p:attrNameLst>
-                                          <p:attrName>ppt_w</p:attrName>
-                                        </p:attrNameLst>
-                                      </p:cBhvr>
-                                      <p:tavLst>
-                                        <p:tav tm="0">
-                                          <p:val>
-                                            <p:fltVal val="0"/>
-                                          </p:val>
-                                        </p:tav>
-                                        <p:tav tm="100000">
-                                          <p:val>
-                                            <p:strVal val="#ppt_w"/>
-                                          </p:val>
-                                        </p:tav>
-                                      </p:tavLst>
-                                    </p:anim>
-                                    <p:anim calcmode="lin" valueType="num">
-                                      <p:cBhvr>
-                                        <p:cTn id="74" dur="500" fill="hold"/>
-                                        <p:tgtEl>
-                                          <p:spTgt spid="13"/>
-                                        </p:tgtEl>
-                                        <p:attrNameLst>
-                                          <p:attrName>ppt_h</p:attrName>
-                                        </p:attrNameLst>
-                                      </p:cBhvr>
-                                      <p:tavLst>
-                                        <p:tav tm="0">
-                                          <p:val>
-                                            <p:fltVal val="0"/>
-                                          </p:val>
-                                        </p:tav>
-                                        <p:tav tm="100000">
-                                          <p:val>
-                                            <p:strVal val="#ppt_h"/>
-                                          </p:val>
-                                        </p:tav>
-                                      </p:tavLst>
-                                    </p:anim>
-                                    <p:animEffect transition="in" filter="fade">
-                                      <p:cBhvr>
-                                        <p:cTn id="75" dur="500"/>
-                                        <p:tgtEl>
-                                          <p:spTgt spid="13"/>
-                                        </p:tgtEl>
-                                      </p:cBhvr>
-                                    </p:animEffect>
-                                  </p:childTnLst>
-                                </p:cTn>
-                              </p:par>
-                            </p:childTnLst>
-                          </p:cTn>
-                        </p:par>
-                        <p:par>
-                          <p:cTn id="76" fill="hold">
-                            <p:stCondLst>
-                              <p:cond delay="6049"/>
-                            </p:stCondLst>
-                            <p:childTnLst>
-                              <p:par>
-                                <p:cTn id="77" presetID="53" presetClass="entr" presetSubtype="16" fill="hold" grpId="0" nodeType="afterEffect">
-                                  <p:stCondLst>
-                                    <p:cond delay="0"/>
-                                  </p:stCondLst>
-                                  <p:childTnLst>
-                                    <p:set>
-                                      <p:cBhvr>
-                                        <p:cTn id="78" dur="1" fill="hold">
-                                          <p:stCondLst>
-                                            <p:cond delay="0"/>
-                                          </p:stCondLst>
-                                        </p:cTn>
-                                        <p:tgtEl>
-                                          <p:spTgt spid="14"/>
-                                        </p:tgtEl>
-                                        <p:attrNameLst>
-                                          <p:attrName>style.visibility</p:attrName>
-                                        </p:attrNameLst>
-                                      </p:cBhvr>
-                                      <p:to>
-                                        <p:strVal val="visible"/>
-                                      </p:to>
-                                    </p:set>
-                                    <p:anim calcmode="lin" valueType="num">
-                                      <p:cBhvr>
-                                        <p:cTn id="79" dur="500" fill="hold"/>
-                                        <p:tgtEl>
-                                          <p:spTgt spid="14"/>
-                                        </p:tgtEl>
-                                        <p:attrNameLst>
-                                          <p:attrName>ppt_w</p:attrName>
-                                        </p:attrNameLst>
-                                      </p:cBhvr>
-                                      <p:tavLst>
-                                        <p:tav tm="0">
-                                          <p:val>
-                                            <p:fltVal val="0"/>
-                                          </p:val>
-                                        </p:tav>
-                                        <p:tav tm="100000">
-                                          <p:val>
-                                            <p:strVal val="#ppt_w"/>
-                                          </p:val>
-                                        </p:tav>
-                                      </p:tavLst>
-                                    </p:anim>
-                                    <p:anim calcmode="lin" valueType="num">
-                                      <p:cBhvr>
-                                        <p:cTn id="80" dur="500" fill="hold"/>
-                                        <p:tgtEl>
-                                          <p:spTgt spid="14"/>
-                                        </p:tgtEl>
-                                        <p:attrNameLst>
-                                          <p:attrName>ppt_h</p:attrName>
-                                        </p:attrNameLst>
-                                      </p:cBhvr>
-                                      <p:tavLst>
-                                        <p:tav tm="0">
-                                          <p:val>
-                                            <p:fltVal val="0"/>
-                                          </p:val>
-                                        </p:tav>
-                                        <p:tav tm="100000">
-                                          <p:val>
-                                            <p:strVal val="#ppt_h"/>
-                                          </p:val>
-                                        </p:tav>
-                                      </p:tavLst>
-                                    </p:anim>
-                                    <p:animEffect transition="in" filter="fade">
-                                      <p:cBhvr>
-                                        <p:cTn id="81" dur="500"/>
-                                        <p:tgtEl>
-                                          <p:spTgt spid="14"/>
-                                        </p:tgtEl>
-                                      </p:cBhvr>
-                                    </p:animEffect>
-                                  </p:childTnLst>
-                                </p:cTn>
-                              </p:par>
-                            </p:childTnLst>
-                          </p:cTn>
-                        </p:par>
-                        <p:par>
-                          <p:cTn id="82" fill="hold">
-                            <p:stCondLst>
-                              <p:cond delay="6549"/>
-                            </p:stCondLst>
-                            <p:childTnLst>
-                              <p:par>
-                                <p:cTn id="83" presetID="53" presetClass="entr" presetSubtype="16" fill="hold" grpId="0" nodeType="afterEffect">
-                                  <p:stCondLst>
-                                    <p:cond delay="0"/>
-                                  </p:stCondLst>
-                                  <p:childTnLst>
-                                    <p:set>
-                                      <p:cBhvr>
-                                        <p:cTn id="84" dur="1" fill="hold">
-                                          <p:stCondLst>
-                                            <p:cond delay="0"/>
-                                          </p:stCondLst>
-                                        </p:cTn>
-                                        <p:tgtEl>
-                                          <p:spTgt spid="15"/>
-                                        </p:tgtEl>
-                                        <p:attrNameLst>
-                                          <p:attrName>style.visibility</p:attrName>
-                                        </p:attrNameLst>
-                                      </p:cBhvr>
-                                      <p:to>
-                                        <p:strVal val="visible"/>
-                                      </p:to>
-                                    </p:set>
-                                    <p:anim calcmode="lin" valueType="num">
-                                      <p:cBhvr>
-                                        <p:cTn id="85" dur="500" fill="hold"/>
-                                        <p:tgtEl>
-                                          <p:spTgt spid="15"/>
-                                        </p:tgtEl>
-                                        <p:attrNameLst>
-                                          <p:attrName>ppt_w</p:attrName>
-                                        </p:attrNameLst>
-                                      </p:cBhvr>
-                                      <p:tavLst>
-                                        <p:tav tm="0">
-                                          <p:val>
-                                            <p:fltVal val="0"/>
-                                          </p:val>
-                                        </p:tav>
-                                        <p:tav tm="100000">
-                                          <p:val>
-                                            <p:strVal val="#ppt_w"/>
-                                          </p:val>
-                                        </p:tav>
-                                      </p:tavLst>
-                                    </p:anim>
-                                    <p:anim calcmode="lin" valueType="num">
-                                      <p:cBhvr>
-                                        <p:cTn id="86" dur="500" fill="hold"/>
-                                        <p:tgtEl>
-                                          <p:spTgt spid="15"/>
-                                        </p:tgtEl>
-                                        <p:attrNameLst>
-                                          <p:attrName>ppt_h</p:attrName>
-                                        </p:attrNameLst>
-                                      </p:cBhvr>
-                                      <p:tavLst>
-                                        <p:tav tm="0">
-                                          <p:val>
-                                            <p:fltVal val="0"/>
-                                          </p:val>
-                                        </p:tav>
-                                        <p:tav tm="100000">
-                                          <p:val>
-                                            <p:strVal val="#ppt_h"/>
-                                          </p:val>
-                                        </p:tav>
-                                      </p:tavLst>
-                                    </p:anim>
-                                    <p:animEffect transition="in" filter="fade">
-                                      <p:cBhvr>
-                                        <p:cTn id="87" dur="500"/>
-                                        <p:tgtEl>
-                                          <p:spTgt spid="15"/>
-                                        </p:tgtEl>
-                                      </p:cBhvr>
-                                    </p:animEffect>
-                                  </p:childTnLst>
-                                </p:cTn>
-                              </p:par>
-                            </p:childTnLst>
-                          </p:cTn>
-                        </p:par>
-                        <p:par>
-                          <p:cTn id="88" fill="hold">
-                            <p:stCondLst>
-                              <p:cond delay="7049"/>
-                            </p:stCondLst>
-                            <p:childTnLst>
-                              <p:par>
-                                <p:cTn id="89" presetID="53" presetClass="entr" presetSubtype="16" fill="hold" grpId="0" nodeType="afterEffect">
-                                  <p:stCondLst>
-                                    <p:cond delay="0"/>
-                                  </p:stCondLst>
-                                  <p:childTnLst>
-                                    <p:set>
-                                      <p:cBhvr>
-                                        <p:cTn id="90" dur="1" fill="hold">
-                                          <p:stCondLst>
-                                            <p:cond delay="0"/>
-                                          </p:stCondLst>
-                                        </p:cTn>
-                                        <p:tgtEl>
-                                          <p:spTgt spid="16"/>
-                                        </p:tgtEl>
-                                        <p:attrNameLst>
-                                          <p:attrName>style.visibility</p:attrName>
-                                        </p:attrNameLst>
-                                      </p:cBhvr>
-                                      <p:to>
-                                        <p:strVal val="visible"/>
-                                      </p:to>
-                                    </p:set>
-                                    <p:anim calcmode="lin" valueType="num">
-                                      <p:cBhvr>
-                                        <p:cTn id="91" dur="500" fill="hold"/>
-                                        <p:tgtEl>
-                                          <p:spTgt spid="16"/>
-                                        </p:tgtEl>
-                                        <p:attrNameLst>
-                                          <p:attrName>ppt_w</p:attrName>
-                                        </p:attrNameLst>
-                                      </p:cBhvr>
-                                      <p:tavLst>
-                                        <p:tav tm="0">
-                                          <p:val>
-                                            <p:fltVal val="0"/>
-                                          </p:val>
-                                        </p:tav>
-                                        <p:tav tm="100000">
-                                          <p:val>
-                                            <p:strVal val="#ppt_w"/>
-                                          </p:val>
-                                        </p:tav>
-                                      </p:tavLst>
-                                    </p:anim>
-                                    <p:anim calcmode="lin" valueType="num">
-                                      <p:cBhvr>
-                                        <p:cTn id="92" dur="500" fill="hold"/>
-                                        <p:tgtEl>
-                                          <p:spTgt spid="16"/>
-                                        </p:tgtEl>
-                                        <p:attrNameLst>
-                                          <p:attrName>ppt_h</p:attrName>
-                                        </p:attrNameLst>
-                                      </p:cBhvr>
-                                      <p:tavLst>
-                                        <p:tav tm="0">
-                                          <p:val>
-                                            <p:fltVal val="0"/>
-                                          </p:val>
-                                        </p:tav>
-                                        <p:tav tm="100000">
-                                          <p:val>
-                                            <p:strVal val="#ppt_h"/>
-                                          </p:val>
-                                        </p:tav>
-                                      </p:tavLst>
-                                    </p:anim>
-                                    <p:animEffect transition="in" filter="fade">
-                                      <p:cBhvr>
-                                        <p:cTn id="93" dur="500"/>
-                                        <p:tgtEl>
-                                          <p:spTgt spid="16"/>
-                                        </p:tgtEl>
-                                      </p:cBhvr>
-                                    </p:animEffect>
-                                  </p:childTnLst>
-                                </p:cTn>
-                              </p:par>
-                            </p:childTnLst>
-                          </p:cTn>
-                        </p:par>
-                        <p:par>
-                          <p:cTn id="94" fill="hold">
-                            <p:stCondLst>
-                              <p:cond delay="7549"/>
-                            </p:stCondLst>
-                            <p:childTnLst>
-                              <p:par>
-                                <p:cTn id="95" presetID="53" presetClass="entr" presetSubtype="16" fill="hold" grpId="0" nodeType="afterEffect">
-                                  <p:stCondLst>
-                                    <p:cond delay="0"/>
-                                  </p:stCondLst>
-                                  <p:childTnLst>
-                                    <p:set>
-                                      <p:cBhvr>
-                                        <p:cTn id="96" dur="1" fill="hold">
-                                          <p:stCondLst>
-                                            <p:cond delay="0"/>
-                                          </p:stCondLst>
-                                        </p:cTn>
-                                        <p:tgtEl>
-                                          <p:spTgt spid="17"/>
-                                        </p:tgtEl>
-                                        <p:attrNameLst>
-                                          <p:attrName>style.visibility</p:attrName>
-                                        </p:attrNameLst>
-                                      </p:cBhvr>
-                                      <p:to>
-                                        <p:strVal val="visible"/>
-                                      </p:to>
-                                    </p:set>
-                                    <p:anim calcmode="lin" valueType="num">
-                                      <p:cBhvr>
-                                        <p:cTn id="97" dur="500" fill="hold"/>
-                                        <p:tgtEl>
-                                          <p:spTgt spid="17"/>
-                                        </p:tgtEl>
-                                        <p:attrNameLst>
-                                          <p:attrName>ppt_w</p:attrName>
-                                        </p:attrNameLst>
-                                      </p:cBhvr>
-                                      <p:tavLst>
-                                        <p:tav tm="0">
-                                          <p:val>
-                                            <p:fltVal val="0"/>
-                                          </p:val>
-                                        </p:tav>
-                                        <p:tav tm="100000">
-                                          <p:val>
-                                            <p:strVal val="#ppt_w"/>
-                                          </p:val>
-                                        </p:tav>
-                                      </p:tavLst>
-                                    </p:anim>
-                                    <p:anim calcmode="lin" valueType="num">
-                                      <p:cBhvr>
-                                        <p:cTn id="98" dur="500" fill="hold"/>
-                                        <p:tgtEl>
-                                          <p:spTgt spid="17"/>
-                                        </p:tgtEl>
-                                        <p:attrNameLst>
-                                          <p:attrName>ppt_h</p:attrName>
-                                        </p:attrNameLst>
-                                      </p:cBhvr>
-                                      <p:tavLst>
-                                        <p:tav tm="0">
-                                          <p:val>
-                                            <p:fltVal val="0"/>
-                                          </p:val>
-                                        </p:tav>
-                                        <p:tav tm="100000">
-                                          <p:val>
-                                            <p:strVal val="#ppt_h"/>
-                                          </p:val>
-                                        </p:tav>
-                                      </p:tavLst>
-                                    </p:anim>
-                                    <p:animEffect transition="in" filter="fade">
-                                      <p:cBhvr>
-                                        <p:cTn id="99" dur="500"/>
-                                        <p:tgtEl>
-                                          <p:spTgt spid="17"/>
-                                        </p:tgtEl>
-                                      </p:cBhvr>
-                                    </p:animEffect>
-                                  </p:childTnLst>
-                                </p:cTn>
-                              </p:par>
-                            </p:childTnLst>
-                          </p:cTn>
-                        </p:par>
-                      </p:childTnLst>
-                    </p:cTn>
-                  </p:par>
-                </p:childTnLst>
-              </p:cTn>
-              <p:prevCondLst>
-                <p:cond evt="onPrev" delay="0">
-                  <p:tgtEl>
-                    <p:sldTgt/>
-                  </p:tgtEl>
-                </p:cond>
-              </p:prevCondLst>
-              <p:nextCondLst>
-                <p:cond evt="onNext" delay="0">
-                  <p:tgtEl>
-                    <p:sldTgt/>
-                  </p:tgtEl>
-                </p:cond>
-              </p:nextCondLst>
-            </p:seq>
-          </p:childTnLst>
-        </p:cTn>
-      </p:par>
-    </p:tnLst>
-    <p:bldLst>
-      <p:bldP spid="4" grpId="0" bldLvl="0" animBg="1"/>
-      <p:bldP spid="3" grpId="0"/>
-      <p:bldP spid="228356" grpId="0"/>
-      <p:bldP spid="5" grpId="0"/>
-      <p:bldP spid="6" grpId="0"/>
-      <p:bldP spid="7" grpId="0"/>
-      <p:bldP spid="8" grpId="0"/>
-      <p:bldP spid="9" grpId="0"/>
-      <p:bldP spid="10" grpId="0" bldLvl="0" animBg="1"/>
-      <p:bldP spid="11" grpId="0"/>
-      <p:bldP spid="12" grpId="0"/>
-      <p:bldP spid="13" grpId="0"/>
-      <p:bldP spid="14" grpId="0"/>
-      <p:bldP spid="15" grpId="0"/>
-      <p:bldP spid="16" grpId="0"/>
-      <p:bldP spid="17" grpId="0"/>
-    </p:bldLst>
-  </p:timing>
-</p:sld>
-</file>
-
 <file path=ppt/slides/slide3.xml><?xml version="1.0" encoding="utf-8"?>
 <p:sld xmlns:a="http://schemas.openxmlformats.org/drawingml/2006/main" xmlns:r="http://schemas.openxmlformats.org/officeDocument/2006/relationships" xmlns:p="http://schemas.openxmlformats.org/presentationml/2006/main">
   <p:cSld>
@@ -22183,27 +22900,7 @@
                 <a:latin typeface="Arial Unicode MS" panose="020B0604020202020204" charset="-122"/>
                 <a:ea typeface="Arial Unicode MS" panose="020B0604020202020204" charset="-122"/>
               </a:rPr>
-              <a:t>Show </a:t>
-            </a:r>
-            <a:r>
-              <a:rPr lang="en-US" altLang="zh-CN" sz="2000" b="1" dirty="0" smtClean="0">
-                <a:solidFill>
-                  <a:srgbClr val="FF9900"/>
-                </a:solidFill>
-                <a:latin typeface="Arial Unicode MS" panose="020B0604020202020204" charset="-122"/>
-                <a:ea typeface="Arial Unicode MS" panose="020B0604020202020204" charset="-122"/>
-              </a:rPr>
-              <a:t>Databases </a:t>
-            </a:r>
-            <a:r>
-              <a:rPr lang="en-US" altLang="zh-CN" sz="2000" b="1" dirty="0" smtClean="0">
-                <a:solidFill>
-                  <a:srgbClr val="FF9900"/>
-                </a:solidFill>
-                <a:latin typeface="Arial Unicode MS" panose="020B0604020202020204" charset="-122"/>
-                <a:ea typeface="Arial Unicode MS" panose="020B0604020202020204" charset="-122"/>
-              </a:rPr>
-              <a:t>Query</a:t>
+              <a:t>Show Databases Query</a:t>
             </a:r>
             <a:endParaRPr lang="en-US" altLang="zh-CN" sz="2000" b="1" dirty="0">
               <a:solidFill>
@@ -22306,17 +23003,7 @@
                 <a:latin typeface="Arial Unicode MS" panose="020B0604020202020204" charset="-122"/>
                 <a:ea typeface="Arial Unicode MS" panose="020B0604020202020204" charset="-122"/>
               </a:rPr>
-              <a:t>Show </a:t>
-            </a:r>
-            <a:r>
-              <a:rPr lang="en-US" altLang="zh-CN" sz="2000" b="1" dirty="0" smtClean="0">
-                <a:solidFill>
-                  <a:srgbClr val="FF9900"/>
-                </a:solidFill>
-                <a:latin typeface="Arial Unicode MS" panose="020B0604020202020204" charset="-122"/>
-                <a:ea typeface="Arial Unicode MS" panose="020B0604020202020204" charset="-122"/>
-              </a:rPr>
-              <a:t>Tables Query</a:t>
+              <a:t>Show Tables Query</a:t>
             </a:r>
             <a:endParaRPr lang="en-US" altLang="zh-CN" sz="2000" b="1" dirty="0">
               <a:solidFill>
@@ -23038,17 +23725,7 @@
                 <a:latin typeface="Arial Unicode MS" panose="020B0604020202020204" charset="-122"/>
                 <a:ea typeface="Arial Unicode MS" panose="020B0604020202020204" charset="-122"/>
               </a:rPr>
-              <a:t>Insert </a:t>
-            </a:r>
-            <a:r>
-              <a:rPr lang="en-US" altLang="zh-CN" sz="2000" b="1" dirty="0" smtClean="0">
-                <a:solidFill>
-                  <a:srgbClr val="FF9900"/>
-                </a:solidFill>
-                <a:latin typeface="Arial Unicode MS" panose="020B0604020202020204" charset="-122"/>
-                <a:ea typeface="Arial Unicode MS" panose="020B0604020202020204" charset="-122"/>
-              </a:rPr>
-              <a:t>Values into table</a:t>
+              <a:t>Insert Values into table</a:t>
             </a:r>
             <a:endParaRPr lang="en-US" altLang="zh-CN" sz="2000" b="1" dirty="0">
               <a:solidFill>
